--- a/Präsentation/Quicksort.pptx
+++ b/Präsentation/Quicksort.pptx
@@ -5,10 +5,10 @@
     <p:sldMasterId id="2147483648" r:id="rId1"/>
   </p:sldMasterIdLst>
   <p:notesMasterIdLst>
-    <p:notesMasterId r:id="rId28"/>
+    <p:notesMasterId r:id="rId40"/>
   </p:notesMasterIdLst>
   <p:handoutMasterIdLst>
-    <p:handoutMasterId r:id="rId29"/>
+    <p:handoutMasterId r:id="rId41"/>
   </p:handoutMasterIdLst>
   <p:sldIdLst>
     <p:sldId id="256" r:id="rId2"/>
@@ -37,11 +37,23 @@
     <p:sldId id="290" r:id="rId25"/>
     <p:sldId id="291" r:id="rId26"/>
     <p:sldId id="292" r:id="rId27"/>
+    <p:sldId id="293" r:id="rId28"/>
+    <p:sldId id="295" r:id="rId29"/>
+    <p:sldId id="294" r:id="rId30"/>
+    <p:sldId id="300" r:id="rId31"/>
+    <p:sldId id="301" r:id="rId32"/>
+    <p:sldId id="302" r:id="rId33"/>
+    <p:sldId id="296" r:id="rId34"/>
+    <p:sldId id="297" r:id="rId35"/>
+    <p:sldId id="298" r:id="rId36"/>
+    <p:sldId id="299" r:id="rId37"/>
+    <p:sldId id="303" r:id="rId38"/>
+    <p:sldId id="304" r:id="rId39"/>
   </p:sldIdLst>
   <p:sldSz cx="9144000" cy="6858000" type="screen4x3"/>
   <p:notesSz cx="6858000" cy="9144000"/>
   <p:custDataLst>
-    <p:tags r:id="rId30"/>
+    <p:tags r:id="rId42"/>
   </p:custDataLst>
   <p:defaultTextStyle>
     <a:defPPr>
@@ -253,7 +265,7 @@
           <a:p>
             <a:fld id="{95096795-3C61-46C8-99AF-115DB53051C4}" type="datetimeFigureOut">
               <a:rPr lang="de-DE" smtClean="0"/>
-              <a:t>21.02.2020</a:t>
+              <a:t>24.02.2020</a:t>
             </a:fld>
             <a:endParaRPr lang="de-DE" dirty="0"/>
           </a:p>
@@ -418,7 +430,7 @@
           <a:p>
             <a:fld id="{F7A69498-F8A3-46B9-97E8-6376C18B7280}" type="datetimeFigureOut">
               <a:rPr lang="de-DE" smtClean="0"/>
-              <a:t>21.02.2020</a:t>
+              <a:t>24.02.2020</a:t>
             </a:fld>
             <a:endParaRPr lang="de-DE" dirty="0"/>
           </a:p>
@@ -5547,28 +5559,37 @@
           <a:p>
             <a:r>
               <a:rPr lang="de-DE" dirty="0"/>
+              <a:t>Klassen Diagramm</a:t>
+            </a:r>
+          </a:p>
+          <a:p>
+            <a:r>
+              <a:rPr lang="de-DE" dirty="0"/>
               <a:t>Vorstellung des Codes</a:t>
             </a:r>
           </a:p>
           <a:p>
             <a:r>
               <a:rPr lang="de-DE" dirty="0"/>
-              <a:t>Hervorhebung der Rekursion</a:t>
+              <a:t>Rekursion</a:t>
             </a:r>
           </a:p>
           <a:p>
+            <a:pPr lvl="1"/>
             <a:r>
               <a:rPr lang="de-DE" dirty="0"/>
               <a:t>Unterschiede Rekursiv / Iterativ</a:t>
             </a:r>
           </a:p>
           <a:p>
+            <a:pPr lvl="1"/>
             <a:r>
               <a:rPr lang="de-DE" dirty="0"/>
               <a:t>Vorteile der Rekursion im Vergleich zur Iteration</a:t>
             </a:r>
           </a:p>
           <a:p>
+            <a:pPr lvl="1"/>
             <a:r>
               <a:rPr lang="de-DE" dirty="0"/>
               <a:t>Nachteile der Rekursion</a:t>
@@ -6623,6 +6644,473 @@
 </p:sld>
 </file>
 
+<file path=ppt/slides/slide27.xml><?xml version="1.0" encoding="utf-8"?>
+<p:sld xmlns:a="http://schemas.openxmlformats.org/drawingml/2006/main" xmlns:r="http://schemas.openxmlformats.org/officeDocument/2006/relationships" xmlns:p="http://schemas.openxmlformats.org/presentationml/2006/main">
+  <p:cSld>
+    <p:spTree>
+      <p:nvGrpSpPr>
+        <p:cNvPr id="1" name=""/>
+        <p:cNvGrpSpPr/>
+        <p:nvPr/>
+      </p:nvGrpSpPr>
+      <p:grpSpPr>
+        <a:xfrm>
+          <a:off x="0" y="0"/>
+          <a:ext cx="0" cy="0"/>
+          <a:chOff x="0" y="0"/>
+          <a:chExt cx="0" cy="0"/>
+        </a:xfrm>
+      </p:grpSpPr>
+      <p:sp>
+        <p:nvSpPr>
+          <p:cNvPr id="2" name="Titel 1">
+            <a:extLst>
+              <a:ext uri="{FF2B5EF4-FFF2-40B4-BE49-F238E27FC236}">
+                <a16:creationId xmlns:a16="http://schemas.microsoft.com/office/drawing/2014/main" id="{9AE49E49-80BA-4A86-9C0A-9B81520BCEEA}"/>
+              </a:ext>
+            </a:extLst>
+          </p:cNvPr>
+          <p:cNvSpPr>
+            <a:spLocks noGrp="1"/>
+          </p:cNvSpPr>
+          <p:nvPr>
+            <p:ph type="title"/>
+          </p:nvPr>
+        </p:nvSpPr>
+        <p:spPr/>
+        <p:txBody>
+          <a:bodyPr/>
+          <a:lstStyle/>
+          <a:p>
+            <a:r>
+              <a:rPr lang="de-DE" dirty="0"/>
+              <a:t>Klassen Diagramm</a:t>
+            </a:r>
+          </a:p>
+        </p:txBody>
+      </p:sp>
+      <p:sp>
+        <p:nvSpPr>
+          <p:cNvPr id="3" name="Foliennummernplatzhalter 2">
+            <a:extLst>
+              <a:ext uri="{FF2B5EF4-FFF2-40B4-BE49-F238E27FC236}">
+                <a16:creationId xmlns:a16="http://schemas.microsoft.com/office/drawing/2014/main" id="{B62557DB-F436-4BAA-9DDD-F037D5EE7972}"/>
+              </a:ext>
+            </a:extLst>
+          </p:cNvPr>
+          <p:cNvSpPr>
+            <a:spLocks noGrp="1"/>
+          </p:cNvSpPr>
+          <p:nvPr>
+            <p:ph type="sldNum" sz="quarter" idx="12"/>
+          </p:nvPr>
+        </p:nvSpPr>
+        <p:spPr/>
+        <p:txBody>
+          <a:bodyPr/>
+          <a:lstStyle/>
+          <a:p>
+            <a:fld id="{BD21E185-623E-454D-ABB4-0DC3CE2E49DB}" type="slidenum">
+              <a:rPr lang="de-DE" smtClean="0"/>
+              <a:pPr/>
+              <a:t>27</a:t>
+            </a:fld>
+            <a:endParaRPr lang="de-DE" dirty="0"/>
+          </a:p>
+        </p:txBody>
+      </p:sp>
+      <p:sp>
+        <p:nvSpPr>
+          <p:cNvPr id="4" name="Textplatzhalter 3">
+            <a:extLst>
+              <a:ext uri="{FF2B5EF4-FFF2-40B4-BE49-F238E27FC236}">
+                <a16:creationId xmlns:a16="http://schemas.microsoft.com/office/drawing/2014/main" id="{B5194B07-AE8D-4CB2-A1F8-EAE516D01A71}"/>
+              </a:ext>
+            </a:extLst>
+          </p:cNvPr>
+          <p:cNvSpPr>
+            <a:spLocks noGrp="1"/>
+          </p:cNvSpPr>
+          <p:nvPr>
+            <p:ph type="body" sz="quarter" idx="13"/>
+          </p:nvPr>
+        </p:nvSpPr>
+        <p:spPr>
+          <a:xfrm>
+            <a:off x="3239107" y="4060913"/>
+            <a:ext cx="8042863" cy="5005014"/>
+          </a:xfrm>
+        </p:spPr>
+        <p:txBody>
+          <a:bodyPr/>
+          <a:lstStyle/>
+          <a:p>
+            <a:endParaRPr lang="de-DE" dirty="0"/>
+          </a:p>
+          <a:p>
+            <a:endParaRPr lang="de-DE" dirty="0"/>
+          </a:p>
+          <a:p>
+            <a:endParaRPr lang="de-DE" dirty="0"/>
+          </a:p>
+          <a:p>
+            <a:endParaRPr lang="de-DE" dirty="0"/>
+          </a:p>
+          <a:p>
+            <a:endParaRPr lang="de-DE" dirty="0"/>
+          </a:p>
+          <a:p>
+            <a:endParaRPr lang="de-DE" dirty="0"/>
+          </a:p>
+        </p:txBody>
+      </p:sp>
+      <p:pic>
+        <p:nvPicPr>
+          <p:cNvPr id="6" name="Grafik 5">
+            <a:extLst>
+              <a:ext uri="{FF2B5EF4-FFF2-40B4-BE49-F238E27FC236}">
+                <a16:creationId xmlns:a16="http://schemas.microsoft.com/office/drawing/2014/main" id="{9A69289F-AEE6-4B75-9FE7-031F8C407402}"/>
+              </a:ext>
+            </a:extLst>
+          </p:cNvPr>
+          <p:cNvPicPr>
+            <a:picLocks noChangeAspect="1"/>
+          </p:cNvPicPr>
+          <p:nvPr/>
+        </p:nvPicPr>
+        <p:blipFill>
+          <a:blip r:embed="rId3">
+            <a:extLst>
+              <a:ext uri="{28A0092B-C50C-407E-A947-70E740481C1C}">
+                <a14:useLocalDpi xmlns:a14="http://schemas.microsoft.com/office/drawing/2010/main" val="0"/>
+              </a:ext>
+            </a:extLst>
+          </a:blip>
+          <a:stretch>
+            <a:fillRect/>
+          </a:stretch>
+        </p:blipFill>
+        <p:spPr>
+          <a:xfrm>
+            <a:off x="1960039" y="1387800"/>
+            <a:ext cx="4802498" cy="4082400"/>
+          </a:xfrm>
+          <a:prstGeom prst="rect">
+            <a:avLst/>
+          </a:prstGeom>
+        </p:spPr>
+      </p:pic>
+    </p:spTree>
+    <p:extLst>
+      <p:ext uri="{BB962C8B-B14F-4D97-AF65-F5344CB8AC3E}">
+        <p14:creationId xmlns:p14="http://schemas.microsoft.com/office/powerpoint/2010/main" val="2116970647"/>
+      </p:ext>
+    </p:extLst>
+  </p:cSld>
+  <p:clrMapOvr>
+    <a:masterClrMapping/>
+  </p:clrMapOvr>
+</p:sld>
+</file>
+
+<file path=ppt/slides/slide28.xml><?xml version="1.0" encoding="utf-8"?>
+<p:sld xmlns:a="http://schemas.openxmlformats.org/drawingml/2006/main" xmlns:r="http://schemas.openxmlformats.org/officeDocument/2006/relationships" xmlns:p="http://schemas.openxmlformats.org/presentationml/2006/main">
+  <p:cSld>
+    <p:spTree>
+      <p:nvGrpSpPr>
+        <p:cNvPr id="1" name=""/>
+        <p:cNvGrpSpPr/>
+        <p:nvPr/>
+      </p:nvGrpSpPr>
+      <p:grpSpPr>
+        <a:xfrm>
+          <a:off x="0" y="0"/>
+          <a:ext cx="0" cy="0"/>
+          <a:chOff x="0" y="0"/>
+          <a:chExt cx="0" cy="0"/>
+        </a:xfrm>
+      </p:grpSpPr>
+      <p:sp>
+        <p:nvSpPr>
+          <p:cNvPr id="2" name="Titel 1">
+            <a:extLst>
+              <a:ext uri="{FF2B5EF4-FFF2-40B4-BE49-F238E27FC236}">
+                <a16:creationId xmlns:a16="http://schemas.microsoft.com/office/drawing/2014/main" id="{E26F7EAD-F425-43FB-AAC6-AB7D76F82287}"/>
+              </a:ext>
+            </a:extLst>
+          </p:cNvPr>
+          <p:cNvSpPr>
+            <a:spLocks noGrp="1"/>
+          </p:cNvSpPr>
+          <p:nvPr>
+            <p:ph type="title"/>
+          </p:nvPr>
+        </p:nvSpPr>
+        <p:spPr/>
+        <p:txBody>
+          <a:bodyPr/>
+          <a:lstStyle/>
+          <a:p>
+            <a:endParaRPr lang="de-DE"/>
+          </a:p>
+        </p:txBody>
+      </p:sp>
+      <p:sp>
+        <p:nvSpPr>
+          <p:cNvPr id="3" name="Foliennummernplatzhalter 2">
+            <a:extLst>
+              <a:ext uri="{FF2B5EF4-FFF2-40B4-BE49-F238E27FC236}">
+                <a16:creationId xmlns:a16="http://schemas.microsoft.com/office/drawing/2014/main" id="{6087EF1E-8D4F-4C5F-8936-DB34C0055066}"/>
+              </a:ext>
+            </a:extLst>
+          </p:cNvPr>
+          <p:cNvSpPr>
+            <a:spLocks noGrp="1"/>
+          </p:cNvSpPr>
+          <p:nvPr>
+            <p:ph type="sldNum" sz="quarter" idx="12"/>
+          </p:nvPr>
+        </p:nvSpPr>
+        <p:spPr/>
+        <p:txBody>
+          <a:bodyPr/>
+          <a:lstStyle/>
+          <a:p>
+            <a:fld id="{BD21E185-623E-454D-ABB4-0DC3CE2E49DB}" type="slidenum">
+              <a:rPr lang="de-DE" smtClean="0"/>
+              <a:pPr/>
+              <a:t>28</a:t>
+            </a:fld>
+            <a:endParaRPr lang="de-DE" dirty="0"/>
+          </a:p>
+        </p:txBody>
+      </p:sp>
+      <p:sp>
+        <p:nvSpPr>
+          <p:cNvPr id="4" name="Textplatzhalter 3">
+            <a:extLst>
+              <a:ext uri="{FF2B5EF4-FFF2-40B4-BE49-F238E27FC236}">
+                <a16:creationId xmlns:a16="http://schemas.microsoft.com/office/drawing/2014/main" id="{EFF59D91-4CA3-42C9-B261-615A9568E985}"/>
+              </a:ext>
+            </a:extLst>
+          </p:cNvPr>
+          <p:cNvSpPr>
+            <a:spLocks noGrp="1"/>
+          </p:cNvSpPr>
+          <p:nvPr>
+            <p:ph type="body" sz="quarter" idx="13"/>
+          </p:nvPr>
+        </p:nvSpPr>
+        <p:spPr/>
+        <p:txBody>
+          <a:bodyPr/>
+          <a:lstStyle/>
+          <a:p>
+            <a:endParaRPr lang="de-DE" dirty="0"/>
+          </a:p>
+        </p:txBody>
+      </p:sp>
+      <p:pic>
+        <p:nvPicPr>
+          <p:cNvPr id="6" name="Grafik 5">
+            <a:extLst>
+              <a:ext uri="{FF2B5EF4-FFF2-40B4-BE49-F238E27FC236}">
+                <a16:creationId xmlns:a16="http://schemas.microsoft.com/office/drawing/2014/main" id="{B9088C42-E2E7-41DB-88E8-1CC438EE5079}"/>
+              </a:ext>
+            </a:extLst>
+          </p:cNvPr>
+          <p:cNvPicPr>
+            <a:picLocks noChangeAspect="1"/>
+          </p:cNvPicPr>
+          <p:nvPr/>
+        </p:nvPicPr>
+        <p:blipFill>
+          <a:blip r:embed="rId2">
+            <a:extLst>
+              <a:ext uri="{28A0092B-C50C-407E-A947-70E740481C1C}">
+                <a14:useLocalDpi xmlns:a14="http://schemas.microsoft.com/office/drawing/2010/main" val="0"/>
+              </a:ext>
+            </a:extLst>
+          </a:blip>
+          <a:stretch>
+            <a:fillRect/>
+          </a:stretch>
+        </p:blipFill>
+        <p:spPr>
+          <a:xfrm>
+            <a:off x="2295906" y="1387165"/>
+            <a:ext cx="4118822" cy="4083669"/>
+          </a:xfrm>
+          <a:prstGeom prst="rect">
+            <a:avLst/>
+          </a:prstGeom>
+        </p:spPr>
+      </p:pic>
+    </p:spTree>
+    <p:extLst>
+      <p:ext uri="{BB962C8B-B14F-4D97-AF65-F5344CB8AC3E}">
+        <p14:creationId xmlns:p14="http://schemas.microsoft.com/office/powerpoint/2010/main" val="4056705775"/>
+      </p:ext>
+    </p:extLst>
+  </p:cSld>
+  <p:clrMapOvr>
+    <a:masterClrMapping/>
+  </p:clrMapOvr>
+</p:sld>
+</file>
+
+<file path=ppt/slides/slide29.xml><?xml version="1.0" encoding="utf-8"?>
+<p:sld xmlns:a="http://schemas.openxmlformats.org/drawingml/2006/main" xmlns:r="http://schemas.openxmlformats.org/officeDocument/2006/relationships" xmlns:p="http://schemas.openxmlformats.org/presentationml/2006/main">
+  <p:cSld>
+    <p:spTree>
+      <p:nvGrpSpPr>
+        <p:cNvPr id="1" name=""/>
+        <p:cNvGrpSpPr/>
+        <p:nvPr/>
+      </p:nvGrpSpPr>
+      <p:grpSpPr>
+        <a:xfrm>
+          <a:off x="0" y="0"/>
+          <a:ext cx="0" cy="0"/>
+          <a:chOff x="0" y="0"/>
+          <a:chExt cx="0" cy="0"/>
+        </a:xfrm>
+      </p:grpSpPr>
+      <p:sp>
+        <p:nvSpPr>
+          <p:cNvPr id="2" name="Titel 1">
+            <a:extLst>
+              <a:ext uri="{FF2B5EF4-FFF2-40B4-BE49-F238E27FC236}">
+                <a16:creationId xmlns:a16="http://schemas.microsoft.com/office/drawing/2014/main" id="{46DB8F5C-BFA5-4BFF-939E-1A20898AB3DC}"/>
+              </a:ext>
+            </a:extLst>
+          </p:cNvPr>
+          <p:cNvSpPr>
+            <a:spLocks noGrp="1"/>
+          </p:cNvSpPr>
+          <p:nvPr>
+            <p:ph type="title"/>
+          </p:nvPr>
+        </p:nvSpPr>
+        <p:spPr/>
+        <p:txBody>
+          <a:bodyPr/>
+          <a:lstStyle/>
+          <a:p>
+            <a:r>
+              <a:rPr lang="de-DE" dirty="0"/>
+              <a:t>Vorstellung des Codes</a:t>
+            </a:r>
+          </a:p>
+        </p:txBody>
+      </p:sp>
+      <p:sp>
+        <p:nvSpPr>
+          <p:cNvPr id="3" name="Foliennummernplatzhalter 2">
+            <a:extLst>
+              <a:ext uri="{FF2B5EF4-FFF2-40B4-BE49-F238E27FC236}">
+                <a16:creationId xmlns:a16="http://schemas.microsoft.com/office/drawing/2014/main" id="{72578F46-B3DD-4B96-A6E8-B28AE73ACD2F}"/>
+              </a:ext>
+            </a:extLst>
+          </p:cNvPr>
+          <p:cNvSpPr>
+            <a:spLocks noGrp="1"/>
+          </p:cNvSpPr>
+          <p:nvPr>
+            <p:ph type="sldNum" sz="quarter" idx="12"/>
+          </p:nvPr>
+        </p:nvSpPr>
+        <p:spPr/>
+        <p:txBody>
+          <a:bodyPr/>
+          <a:lstStyle/>
+          <a:p>
+            <a:fld id="{BD21E185-623E-454D-ABB4-0DC3CE2E49DB}" type="slidenum">
+              <a:rPr lang="de-DE" smtClean="0"/>
+              <a:pPr/>
+              <a:t>29</a:t>
+            </a:fld>
+            <a:endParaRPr lang="de-DE" dirty="0"/>
+          </a:p>
+        </p:txBody>
+      </p:sp>
+      <p:sp>
+        <p:nvSpPr>
+          <p:cNvPr id="4" name="Textplatzhalter 3">
+            <a:extLst>
+              <a:ext uri="{FF2B5EF4-FFF2-40B4-BE49-F238E27FC236}">
+                <a16:creationId xmlns:a16="http://schemas.microsoft.com/office/drawing/2014/main" id="{5816BEF7-8794-4324-BE20-8488723FEF64}"/>
+              </a:ext>
+            </a:extLst>
+          </p:cNvPr>
+          <p:cNvSpPr>
+            <a:spLocks noGrp="1"/>
+          </p:cNvSpPr>
+          <p:nvPr>
+            <p:ph type="body" sz="quarter" idx="13"/>
+          </p:nvPr>
+        </p:nvSpPr>
+        <p:spPr/>
+        <p:txBody>
+          <a:bodyPr/>
+          <a:lstStyle/>
+          <a:p>
+            <a:pPr marL="0" indent="0">
+              <a:buNone/>
+            </a:pPr>
+            <a:endParaRPr lang="de-DE" dirty="0"/>
+          </a:p>
+        </p:txBody>
+      </p:sp>
+      <p:pic>
+        <p:nvPicPr>
+          <p:cNvPr id="9" name="Grafik 8">
+            <a:extLst>
+              <a:ext uri="{FF2B5EF4-FFF2-40B4-BE49-F238E27FC236}">
+                <a16:creationId xmlns:a16="http://schemas.microsoft.com/office/drawing/2014/main" id="{ABC1C156-634A-4C2B-B594-B921D7E19B93}"/>
+              </a:ext>
+            </a:extLst>
+          </p:cNvPr>
+          <p:cNvPicPr>
+            <a:picLocks noChangeAspect="1"/>
+          </p:cNvPicPr>
+          <p:nvPr/>
+        </p:nvPicPr>
+        <p:blipFill>
+          <a:blip r:embed="rId2">
+            <a:extLst>
+              <a:ext uri="{28A0092B-C50C-407E-A947-70E740481C1C}">
+                <a14:useLocalDpi xmlns:a14="http://schemas.microsoft.com/office/drawing/2010/main" val="0"/>
+              </a:ext>
+            </a:extLst>
+          </a:blip>
+          <a:stretch>
+            <a:fillRect/>
+          </a:stretch>
+        </p:blipFill>
+        <p:spPr>
+          <a:xfrm>
+            <a:off x="1771314" y="2564904"/>
+            <a:ext cx="5601372" cy="2224469"/>
+          </a:xfrm>
+          <a:prstGeom prst="rect">
+            <a:avLst/>
+          </a:prstGeom>
+        </p:spPr>
+      </p:pic>
+    </p:spTree>
+    <p:extLst>
+      <p:ext uri="{BB962C8B-B14F-4D97-AF65-F5344CB8AC3E}">
+        <p14:creationId xmlns:p14="http://schemas.microsoft.com/office/powerpoint/2010/main" val="2751390746"/>
+      </p:ext>
+    </p:extLst>
+  </p:cSld>
+  <p:clrMapOvr>
+    <a:masterClrMapping/>
+  </p:clrMapOvr>
+</p:sld>
+</file>
+
 <file path=ppt/slides/slide3.xml><?xml version="1.0" encoding="utf-8"?>
 <p:sld xmlns:a="http://schemas.openxmlformats.org/drawingml/2006/main" xmlns:r="http://schemas.openxmlformats.org/officeDocument/2006/relationships" xmlns:p="http://schemas.openxmlformats.org/presentationml/2006/main">
   <p:cSld>
@@ -6776,6 +7264,1407 @@
     <p:extLst>
       <p:ext uri="{BB962C8B-B14F-4D97-AF65-F5344CB8AC3E}">
         <p14:creationId xmlns:p14="http://schemas.microsoft.com/office/powerpoint/2010/main" val="822371757"/>
+      </p:ext>
+    </p:extLst>
+  </p:cSld>
+  <p:clrMapOvr>
+    <a:masterClrMapping/>
+  </p:clrMapOvr>
+</p:sld>
+</file>
+
+<file path=ppt/slides/slide30.xml><?xml version="1.0" encoding="utf-8"?>
+<p:sld xmlns:a="http://schemas.openxmlformats.org/drawingml/2006/main" xmlns:r="http://schemas.openxmlformats.org/officeDocument/2006/relationships" xmlns:p="http://schemas.openxmlformats.org/presentationml/2006/main">
+  <p:cSld>
+    <p:spTree>
+      <p:nvGrpSpPr>
+        <p:cNvPr id="1" name=""/>
+        <p:cNvGrpSpPr/>
+        <p:nvPr/>
+      </p:nvGrpSpPr>
+      <p:grpSpPr>
+        <a:xfrm>
+          <a:off x="0" y="0"/>
+          <a:ext cx="0" cy="0"/>
+          <a:chOff x="0" y="0"/>
+          <a:chExt cx="0" cy="0"/>
+        </a:xfrm>
+      </p:grpSpPr>
+      <p:sp>
+        <p:nvSpPr>
+          <p:cNvPr id="2" name="Titel 1">
+            <a:extLst>
+              <a:ext uri="{FF2B5EF4-FFF2-40B4-BE49-F238E27FC236}">
+                <a16:creationId xmlns:a16="http://schemas.microsoft.com/office/drawing/2014/main" id="{87401632-6DDB-4299-A769-70F0BC193C48}"/>
+              </a:ext>
+            </a:extLst>
+          </p:cNvPr>
+          <p:cNvSpPr>
+            <a:spLocks noGrp="1"/>
+          </p:cNvSpPr>
+          <p:nvPr>
+            <p:ph type="title"/>
+          </p:nvPr>
+        </p:nvSpPr>
+        <p:spPr/>
+        <p:txBody>
+          <a:bodyPr/>
+          <a:lstStyle/>
+          <a:p>
+            <a:endParaRPr lang="de-DE"/>
+          </a:p>
+        </p:txBody>
+      </p:sp>
+      <p:sp>
+        <p:nvSpPr>
+          <p:cNvPr id="3" name="Foliennummernplatzhalter 2">
+            <a:extLst>
+              <a:ext uri="{FF2B5EF4-FFF2-40B4-BE49-F238E27FC236}">
+                <a16:creationId xmlns:a16="http://schemas.microsoft.com/office/drawing/2014/main" id="{6F1F1978-29F5-48B3-A769-47C79884EF6A}"/>
+              </a:ext>
+            </a:extLst>
+          </p:cNvPr>
+          <p:cNvSpPr>
+            <a:spLocks noGrp="1"/>
+          </p:cNvSpPr>
+          <p:nvPr>
+            <p:ph type="sldNum" sz="quarter" idx="12"/>
+          </p:nvPr>
+        </p:nvSpPr>
+        <p:spPr/>
+        <p:txBody>
+          <a:bodyPr/>
+          <a:lstStyle/>
+          <a:p>
+            <a:fld id="{BD21E185-623E-454D-ABB4-0DC3CE2E49DB}" type="slidenum">
+              <a:rPr lang="de-DE" smtClean="0"/>
+              <a:pPr/>
+              <a:t>30</a:t>
+            </a:fld>
+            <a:endParaRPr lang="de-DE" dirty="0"/>
+          </a:p>
+        </p:txBody>
+      </p:sp>
+      <p:sp>
+        <p:nvSpPr>
+          <p:cNvPr id="4" name="Textplatzhalter 3">
+            <a:extLst>
+              <a:ext uri="{FF2B5EF4-FFF2-40B4-BE49-F238E27FC236}">
+                <a16:creationId xmlns:a16="http://schemas.microsoft.com/office/drawing/2014/main" id="{16C83244-29D4-4481-89B6-ACFDA81C9816}"/>
+              </a:ext>
+            </a:extLst>
+          </p:cNvPr>
+          <p:cNvSpPr>
+            <a:spLocks noGrp="1"/>
+          </p:cNvSpPr>
+          <p:nvPr>
+            <p:ph type="body" sz="quarter" idx="13"/>
+          </p:nvPr>
+        </p:nvSpPr>
+        <p:spPr/>
+        <p:txBody>
+          <a:bodyPr/>
+          <a:lstStyle/>
+          <a:p>
+            <a:pPr marL="0" indent="0">
+              <a:buNone/>
+            </a:pPr>
+            <a:endParaRPr lang="de-DE" dirty="0"/>
+          </a:p>
+        </p:txBody>
+      </p:sp>
+      <p:pic>
+        <p:nvPicPr>
+          <p:cNvPr id="6" name="Grafik 5">
+            <a:extLst>
+              <a:ext uri="{FF2B5EF4-FFF2-40B4-BE49-F238E27FC236}">
+                <a16:creationId xmlns:a16="http://schemas.microsoft.com/office/drawing/2014/main" id="{2D0EB546-EC3E-453D-A817-15192EE25220}"/>
+              </a:ext>
+            </a:extLst>
+          </p:cNvPr>
+          <p:cNvPicPr>
+            <a:picLocks noChangeAspect="1"/>
+          </p:cNvPicPr>
+          <p:nvPr/>
+        </p:nvPicPr>
+        <p:blipFill>
+          <a:blip r:embed="rId2">
+            <a:extLst>
+              <a:ext uri="{28A0092B-C50C-407E-A947-70E740481C1C}">
+                <a14:useLocalDpi xmlns:a14="http://schemas.microsoft.com/office/drawing/2010/main" val="0"/>
+              </a:ext>
+            </a:extLst>
+          </a:blip>
+          <a:stretch>
+            <a:fillRect/>
+          </a:stretch>
+        </p:blipFill>
+        <p:spPr>
+          <a:xfrm>
+            <a:off x="2249962" y="1292276"/>
+            <a:ext cx="4644075" cy="4273448"/>
+          </a:xfrm>
+          <a:prstGeom prst="rect">
+            <a:avLst/>
+          </a:prstGeom>
+        </p:spPr>
+      </p:pic>
+    </p:spTree>
+    <p:extLst>
+      <p:ext uri="{BB962C8B-B14F-4D97-AF65-F5344CB8AC3E}">
+        <p14:creationId xmlns:p14="http://schemas.microsoft.com/office/powerpoint/2010/main" val="1036824948"/>
+      </p:ext>
+    </p:extLst>
+  </p:cSld>
+  <p:clrMapOvr>
+    <a:masterClrMapping/>
+  </p:clrMapOvr>
+</p:sld>
+</file>
+
+<file path=ppt/slides/slide31.xml><?xml version="1.0" encoding="utf-8"?>
+<p:sld xmlns:a="http://schemas.openxmlformats.org/drawingml/2006/main" xmlns:r="http://schemas.openxmlformats.org/officeDocument/2006/relationships" xmlns:p="http://schemas.openxmlformats.org/presentationml/2006/main">
+  <p:cSld>
+    <p:spTree>
+      <p:nvGrpSpPr>
+        <p:cNvPr id="1" name=""/>
+        <p:cNvGrpSpPr/>
+        <p:nvPr/>
+      </p:nvGrpSpPr>
+      <p:grpSpPr>
+        <a:xfrm>
+          <a:off x="0" y="0"/>
+          <a:ext cx="0" cy="0"/>
+          <a:chOff x="0" y="0"/>
+          <a:chExt cx="0" cy="0"/>
+        </a:xfrm>
+      </p:grpSpPr>
+      <p:sp>
+        <p:nvSpPr>
+          <p:cNvPr id="2" name="Titel 1">
+            <a:extLst>
+              <a:ext uri="{FF2B5EF4-FFF2-40B4-BE49-F238E27FC236}">
+                <a16:creationId xmlns:a16="http://schemas.microsoft.com/office/drawing/2014/main" id="{6F8B66DC-3BFE-44A9-902A-7F587752F9E7}"/>
+              </a:ext>
+            </a:extLst>
+          </p:cNvPr>
+          <p:cNvSpPr>
+            <a:spLocks noGrp="1"/>
+          </p:cNvSpPr>
+          <p:nvPr>
+            <p:ph type="title"/>
+          </p:nvPr>
+        </p:nvSpPr>
+        <p:spPr/>
+        <p:txBody>
+          <a:bodyPr/>
+          <a:lstStyle/>
+          <a:p>
+            <a:endParaRPr lang="de-DE"/>
+          </a:p>
+        </p:txBody>
+      </p:sp>
+      <p:sp>
+        <p:nvSpPr>
+          <p:cNvPr id="3" name="Foliennummernplatzhalter 2">
+            <a:extLst>
+              <a:ext uri="{FF2B5EF4-FFF2-40B4-BE49-F238E27FC236}">
+                <a16:creationId xmlns:a16="http://schemas.microsoft.com/office/drawing/2014/main" id="{17360AEF-F313-42C2-8760-468AEF823558}"/>
+              </a:ext>
+            </a:extLst>
+          </p:cNvPr>
+          <p:cNvSpPr>
+            <a:spLocks noGrp="1"/>
+          </p:cNvSpPr>
+          <p:nvPr>
+            <p:ph type="sldNum" sz="quarter" idx="12"/>
+          </p:nvPr>
+        </p:nvSpPr>
+        <p:spPr/>
+        <p:txBody>
+          <a:bodyPr/>
+          <a:lstStyle/>
+          <a:p>
+            <a:fld id="{BD21E185-623E-454D-ABB4-0DC3CE2E49DB}" type="slidenum">
+              <a:rPr lang="de-DE" smtClean="0"/>
+              <a:pPr/>
+              <a:t>31</a:t>
+            </a:fld>
+            <a:endParaRPr lang="de-DE" dirty="0"/>
+          </a:p>
+        </p:txBody>
+      </p:sp>
+      <p:sp>
+        <p:nvSpPr>
+          <p:cNvPr id="4" name="Textplatzhalter 3">
+            <a:extLst>
+              <a:ext uri="{FF2B5EF4-FFF2-40B4-BE49-F238E27FC236}">
+                <a16:creationId xmlns:a16="http://schemas.microsoft.com/office/drawing/2014/main" id="{D1A5A9F7-6485-487E-8662-E1AE54D133B2}"/>
+              </a:ext>
+            </a:extLst>
+          </p:cNvPr>
+          <p:cNvSpPr>
+            <a:spLocks noGrp="1"/>
+          </p:cNvSpPr>
+          <p:nvPr>
+            <p:ph type="body" sz="quarter" idx="13"/>
+          </p:nvPr>
+        </p:nvSpPr>
+        <p:spPr/>
+        <p:txBody>
+          <a:bodyPr/>
+          <a:lstStyle/>
+          <a:p>
+            <a:pPr marL="0" indent="0">
+              <a:buNone/>
+            </a:pPr>
+            <a:endParaRPr lang="de-DE" dirty="0"/>
+          </a:p>
+        </p:txBody>
+      </p:sp>
+      <p:pic>
+        <p:nvPicPr>
+          <p:cNvPr id="6" name="Grafik 5">
+            <a:extLst>
+              <a:ext uri="{FF2B5EF4-FFF2-40B4-BE49-F238E27FC236}">
+                <a16:creationId xmlns:a16="http://schemas.microsoft.com/office/drawing/2014/main" id="{B26A1D8C-4A75-4DCE-BA60-DC6BEB5B152C}"/>
+              </a:ext>
+            </a:extLst>
+          </p:cNvPr>
+          <p:cNvPicPr>
+            <a:picLocks noChangeAspect="1"/>
+          </p:cNvPicPr>
+          <p:nvPr/>
+        </p:nvPicPr>
+        <p:blipFill>
+          <a:blip r:embed="rId2">
+            <a:extLst>
+              <a:ext uri="{28A0092B-C50C-407E-A947-70E740481C1C}">
+                <a14:useLocalDpi xmlns:a14="http://schemas.microsoft.com/office/drawing/2010/main" val="0"/>
+              </a:ext>
+            </a:extLst>
+          </a:blip>
+          <a:stretch>
+            <a:fillRect/>
+          </a:stretch>
+        </p:blipFill>
+        <p:spPr>
+          <a:xfrm>
+            <a:off x="2813479" y="846460"/>
+            <a:ext cx="3517042" cy="5165080"/>
+          </a:xfrm>
+          <a:prstGeom prst="rect">
+            <a:avLst/>
+          </a:prstGeom>
+        </p:spPr>
+      </p:pic>
+    </p:spTree>
+    <p:extLst>
+      <p:ext uri="{BB962C8B-B14F-4D97-AF65-F5344CB8AC3E}">
+        <p14:creationId xmlns:p14="http://schemas.microsoft.com/office/powerpoint/2010/main" val="2247068750"/>
+      </p:ext>
+    </p:extLst>
+  </p:cSld>
+  <p:clrMapOvr>
+    <a:masterClrMapping/>
+  </p:clrMapOvr>
+</p:sld>
+</file>
+
+<file path=ppt/slides/slide32.xml><?xml version="1.0" encoding="utf-8"?>
+<p:sld xmlns:a="http://schemas.openxmlformats.org/drawingml/2006/main" xmlns:r="http://schemas.openxmlformats.org/officeDocument/2006/relationships" xmlns:p="http://schemas.openxmlformats.org/presentationml/2006/main">
+  <p:cSld>
+    <p:spTree>
+      <p:nvGrpSpPr>
+        <p:cNvPr id="1" name=""/>
+        <p:cNvGrpSpPr/>
+        <p:nvPr/>
+      </p:nvGrpSpPr>
+      <p:grpSpPr>
+        <a:xfrm>
+          <a:off x="0" y="0"/>
+          <a:ext cx="0" cy="0"/>
+          <a:chOff x="0" y="0"/>
+          <a:chExt cx="0" cy="0"/>
+        </a:xfrm>
+      </p:grpSpPr>
+      <p:sp>
+        <p:nvSpPr>
+          <p:cNvPr id="2" name="Titel 1">
+            <a:extLst>
+              <a:ext uri="{FF2B5EF4-FFF2-40B4-BE49-F238E27FC236}">
+                <a16:creationId xmlns:a16="http://schemas.microsoft.com/office/drawing/2014/main" id="{1D7DCF32-B7DD-44F2-815D-EDDB50A8284A}"/>
+              </a:ext>
+            </a:extLst>
+          </p:cNvPr>
+          <p:cNvSpPr>
+            <a:spLocks noGrp="1"/>
+          </p:cNvSpPr>
+          <p:nvPr>
+            <p:ph type="title"/>
+          </p:nvPr>
+        </p:nvSpPr>
+        <p:spPr/>
+        <p:txBody>
+          <a:bodyPr/>
+          <a:lstStyle/>
+          <a:p>
+            <a:endParaRPr lang="de-DE"/>
+          </a:p>
+        </p:txBody>
+      </p:sp>
+      <p:sp>
+        <p:nvSpPr>
+          <p:cNvPr id="3" name="Foliennummernplatzhalter 2">
+            <a:extLst>
+              <a:ext uri="{FF2B5EF4-FFF2-40B4-BE49-F238E27FC236}">
+                <a16:creationId xmlns:a16="http://schemas.microsoft.com/office/drawing/2014/main" id="{F83060A9-831D-4A7E-A787-BAC62DCB4140}"/>
+              </a:ext>
+            </a:extLst>
+          </p:cNvPr>
+          <p:cNvSpPr>
+            <a:spLocks noGrp="1"/>
+          </p:cNvSpPr>
+          <p:nvPr>
+            <p:ph type="sldNum" sz="quarter" idx="12"/>
+          </p:nvPr>
+        </p:nvSpPr>
+        <p:spPr/>
+        <p:txBody>
+          <a:bodyPr/>
+          <a:lstStyle/>
+          <a:p>
+            <a:fld id="{BD21E185-623E-454D-ABB4-0DC3CE2E49DB}" type="slidenum">
+              <a:rPr lang="de-DE" smtClean="0"/>
+              <a:pPr/>
+              <a:t>32</a:t>
+            </a:fld>
+            <a:endParaRPr lang="de-DE" dirty="0"/>
+          </a:p>
+        </p:txBody>
+      </p:sp>
+      <p:sp>
+        <p:nvSpPr>
+          <p:cNvPr id="4" name="Textplatzhalter 3">
+            <a:extLst>
+              <a:ext uri="{FF2B5EF4-FFF2-40B4-BE49-F238E27FC236}">
+                <a16:creationId xmlns:a16="http://schemas.microsoft.com/office/drawing/2014/main" id="{CB0C7B77-2A40-4D41-82AA-EBB822B1FE76}"/>
+              </a:ext>
+            </a:extLst>
+          </p:cNvPr>
+          <p:cNvSpPr>
+            <a:spLocks noGrp="1"/>
+          </p:cNvSpPr>
+          <p:nvPr>
+            <p:ph type="body" sz="quarter" idx="13"/>
+          </p:nvPr>
+        </p:nvSpPr>
+        <p:spPr/>
+        <p:txBody>
+          <a:bodyPr/>
+          <a:lstStyle/>
+          <a:p>
+            <a:pPr marL="0" indent="0">
+              <a:buNone/>
+            </a:pPr>
+            <a:endParaRPr lang="de-DE" dirty="0"/>
+          </a:p>
+        </p:txBody>
+      </p:sp>
+      <p:pic>
+        <p:nvPicPr>
+          <p:cNvPr id="6" name="Grafik 5">
+            <a:extLst>
+              <a:ext uri="{FF2B5EF4-FFF2-40B4-BE49-F238E27FC236}">
+                <a16:creationId xmlns:a16="http://schemas.microsoft.com/office/drawing/2014/main" id="{8680ED63-08E1-46B9-AE8A-103859CE223D}"/>
+              </a:ext>
+            </a:extLst>
+          </p:cNvPr>
+          <p:cNvPicPr>
+            <a:picLocks noChangeAspect="1"/>
+          </p:cNvPicPr>
+          <p:nvPr/>
+        </p:nvPicPr>
+        <p:blipFill>
+          <a:blip r:embed="rId2">
+            <a:extLst>
+              <a:ext uri="{28A0092B-C50C-407E-A947-70E740481C1C}">
+                <a14:useLocalDpi xmlns:a14="http://schemas.microsoft.com/office/drawing/2010/main" val="0"/>
+              </a:ext>
+            </a:extLst>
+          </a:blip>
+          <a:stretch>
+            <a:fillRect/>
+          </a:stretch>
+        </p:blipFill>
+        <p:spPr>
+          <a:xfrm>
+            <a:off x="2156881" y="1967066"/>
+            <a:ext cx="4396871" cy="3859848"/>
+          </a:xfrm>
+          <a:prstGeom prst="rect">
+            <a:avLst/>
+          </a:prstGeom>
+        </p:spPr>
+      </p:pic>
+    </p:spTree>
+    <p:extLst>
+      <p:ext uri="{BB962C8B-B14F-4D97-AF65-F5344CB8AC3E}">
+        <p14:creationId xmlns:p14="http://schemas.microsoft.com/office/powerpoint/2010/main" val="3587705934"/>
+      </p:ext>
+    </p:extLst>
+  </p:cSld>
+  <p:clrMapOvr>
+    <a:masterClrMapping/>
+  </p:clrMapOvr>
+</p:sld>
+</file>
+
+<file path=ppt/slides/slide33.xml><?xml version="1.0" encoding="utf-8"?>
+<p:sld xmlns:a="http://schemas.openxmlformats.org/drawingml/2006/main" xmlns:r="http://schemas.openxmlformats.org/officeDocument/2006/relationships" xmlns:p="http://schemas.openxmlformats.org/presentationml/2006/main">
+  <p:cSld>
+    <p:spTree>
+      <p:nvGrpSpPr>
+        <p:cNvPr id="1" name=""/>
+        <p:cNvGrpSpPr/>
+        <p:nvPr/>
+      </p:nvGrpSpPr>
+      <p:grpSpPr>
+        <a:xfrm>
+          <a:off x="0" y="0"/>
+          <a:ext cx="0" cy="0"/>
+          <a:chOff x="0" y="0"/>
+          <a:chExt cx="0" cy="0"/>
+        </a:xfrm>
+      </p:grpSpPr>
+      <p:sp>
+        <p:nvSpPr>
+          <p:cNvPr id="2" name="Titel 1">
+            <a:extLst>
+              <a:ext uri="{FF2B5EF4-FFF2-40B4-BE49-F238E27FC236}">
+                <a16:creationId xmlns:a16="http://schemas.microsoft.com/office/drawing/2014/main" id="{4C8BD065-D833-4CD9-8673-971FD08EE129}"/>
+              </a:ext>
+            </a:extLst>
+          </p:cNvPr>
+          <p:cNvSpPr>
+            <a:spLocks noGrp="1"/>
+          </p:cNvSpPr>
+          <p:nvPr>
+            <p:ph type="title"/>
+          </p:nvPr>
+        </p:nvSpPr>
+        <p:spPr/>
+        <p:txBody>
+          <a:bodyPr/>
+          <a:lstStyle/>
+          <a:p>
+            <a:endParaRPr lang="de-DE"/>
+          </a:p>
+        </p:txBody>
+      </p:sp>
+      <p:sp>
+        <p:nvSpPr>
+          <p:cNvPr id="3" name="Foliennummernplatzhalter 2">
+            <a:extLst>
+              <a:ext uri="{FF2B5EF4-FFF2-40B4-BE49-F238E27FC236}">
+                <a16:creationId xmlns:a16="http://schemas.microsoft.com/office/drawing/2014/main" id="{B9EC11A0-651E-4EA1-8304-1ACBB2BA4D46}"/>
+              </a:ext>
+            </a:extLst>
+          </p:cNvPr>
+          <p:cNvSpPr>
+            <a:spLocks noGrp="1"/>
+          </p:cNvSpPr>
+          <p:nvPr>
+            <p:ph type="sldNum" sz="quarter" idx="12"/>
+          </p:nvPr>
+        </p:nvSpPr>
+        <p:spPr/>
+        <p:txBody>
+          <a:bodyPr/>
+          <a:lstStyle/>
+          <a:p>
+            <a:fld id="{BD21E185-623E-454D-ABB4-0DC3CE2E49DB}" type="slidenum">
+              <a:rPr lang="de-DE" smtClean="0"/>
+              <a:pPr/>
+              <a:t>33</a:t>
+            </a:fld>
+            <a:endParaRPr lang="de-DE" dirty="0"/>
+          </a:p>
+        </p:txBody>
+      </p:sp>
+      <p:sp>
+        <p:nvSpPr>
+          <p:cNvPr id="4" name="Textplatzhalter 3">
+            <a:extLst>
+              <a:ext uri="{FF2B5EF4-FFF2-40B4-BE49-F238E27FC236}">
+                <a16:creationId xmlns:a16="http://schemas.microsoft.com/office/drawing/2014/main" id="{6225A829-1390-4AA3-A264-03749F527EC9}"/>
+              </a:ext>
+            </a:extLst>
+          </p:cNvPr>
+          <p:cNvSpPr>
+            <a:spLocks noGrp="1"/>
+          </p:cNvSpPr>
+          <p:nvPr>
+            <p:ph type="body" sz="quarter" idx="13"/>
+          </p:nvPr>
+        </p:nvSpPr>
+        <p:spPr/>
+        <p:txBody>
+          <a:bodyPr/>
+          <a:lstStyle/>
+          <a:p>
+            <a:endParaRPr lang="de-DE"/>
+          </a:p>
+        </p:txBody>
+      </p:sp>
+      <p:pic>
+        <p:nvPicPr>
+          <p:cNvPr id="6" name="Grafik 5">
+            <a:extLst>
+              <a:ext uri="{FF2B5EF4-FFF2-40B4-BE49-F238E27FC236}">
+                <a16:creationId xmlns:a16="http://schemas.microsoft.com/office/drawing/2014/main" id="{9BD96029-84A5-4EFB-A39A-9B26753A6DCB}"/>
+              </a:ext>
+            </a:extLst>
+          </p:cNvPr>
+          <p:cNvPicPr>
+            <a:picLocks noChangeAspect="1"/>
+          </p:cNvPicPr>
+          <p:nvPr/>
+        </p:nvPicPr>
+        <p:blipFill>
+          <a:blip r:embed="rId2">
+            <a:extLst>
+              <a:ext uri="{28A0092B-C50C-407E-A947-70E740481C1C}">
+                <a14:useLocalDpi xmlns:a14="http://schemas.microsoft.com/office/drawing/2010/main" val="0"/>
+              </a:ext>
+            </a:extLst>
+          </a:blip>
+          <a:stretch>
+            <a:fillRect/>
+          </a:stretch>
+        </p:blipFill>
+        <p:spPr>
+          <a:xfrm>
+            <a:off x="2051870" y="1387800"/>
+            <a:ext cx="4606894" cy="4082400"/>
+          </a:xfrm>
+          <a:prstGeom prst="rect">
+            <a:avLst/>
+          </a:prstGeom>
+        </p:spPr>
+      </p:pic>
+    </p:spTree>
+    <p:extLst>
+      <p:ext uri="{BB962C8B-B14F-4D97-AF65-F5344CB8AC3E}">
+        <p14:creationId xmlns:p14="http://schemas.microsoft.com/office/powerpoint/2010/main" val="1250572224"/>
+      </p:ext>
+    </p:extLst>
+  </p:cSld>
+  <p:clrMapOvr>
+    <a:masterClrMapping/>
+  </p:clrMapOvr>
+</p:sld>
+</file>
+
+<file path=ppt/slides/slide34.xml><?xml version="1.0" encoding="utf-8"?>
+<p:sld xmlns:a="http://schemas.openxmlformats.org/drawingml/2006/main" xmlns:r="http://schemas.openxmlformats.org/officeDocument/2006/relationships" xmlns:p="http://schemas.openxmlformats.org/presentationml/2006/main">
+  <p:cSld>
+    <p:spTree>
+      <p:nvGrpSpPr>
+        <p:cNvPr id="1" name=""/>
+        <p:cNvGrpSpPr/>
+        <p:nvPr/>
+      </p:nvGrpSpPr>
+      <p:grpSpPr>
+        <a:xfrm>
+          <a:off x="0" y="0"/>
+          <a:ext cx="0" cy="0"/>
+          <a:chOff x="0" y="0"/>
+          <a:chExt cx="0" cy="0"/>
+        </a:xfrm>
+      </p:grpSpPr>
+      <p:sp>
+        <p:nvSpPr>
+          <p:cNvPr id="2" name="Titel 1">
+            <a:extLst>
+              <a:ext uri="{FF2B5EF4-FFF2-40B4-BE49-F238E27FC236}">
+                <a16:creationId xmlns:a16="http://schemas.microsoft.com/office/drawing/2014/main" id="{93DE4427-B095-4DCC-9BBE-FF35F01EEAD1}"/>
+              </a:ext>
+            </a:extLst>
+          </p:cNvPr>
+          <p:cNvSpPr>
+            <a:spLocks noGrp="1"/>
+          </p:cNvSpPr>
+          <p:nvPr>
+            <p:ph type="title"/>
+          </p:nvPr>
+        </p:nvSpPr>
+        <p:spPr/>
+        <p:txBody>
+          <a:bodyPr/>
+          <a:lstStyle/>
+          <a:p>
+            <a:endParaRPr lang="de-DE"/>
+          </a:p>
+        </p:txBody>
+      </p:sp>
+      <p:sp>
+        <p:nvSpPr>
+          <p:cNvPr id="3" name="Foliennummernplatzhalter 2">
+            <a:extLst>
+              <a:ext uri="{FF2B5EF4-FFF2-40B4-BE49-F238E27FC236}">
+                <a16:creationId xmlns:a16="http://schemas.microsoft.com/office/drawing/2014/main" id="{298187CC-F855-4886-BD64-592CABD5D198}"/>
+              </a:ext>
+            </a:extLst>
+          </p:cNvPr>
+          <p:cNvSpPr>
+            <a:spLocks noGrp="1"/>
+          </p:cNvSpPr>
+          <p:nvPr>
+            <p:ph type="sldNum" sz="quarter" idx="12"/>
+          </p:nvPr>
+        </p:nvSpPr>
+        <p:spPr/>
+        <p:txBody>
+          <a:bodyPr/>
+          <a:lstStyle/>
+          <a:p>
+            <a:fld id="{BD21E185-623E-454D-ABB4-0DC3CE2E49DB}" type="slidenum">
+              <a:rPr lang="de-DE" smtClean="0"/>
+              <a:pPr/>
+              <a:t>34</a:t>
+            </a:fld>
+            <a:endParaRPr lang="de-DE" dirty="0"/>
+          </a:p>
+        </p:txBody>
+      </p:sp>
+      <p:sp>
+        <p:nvSpPr>
+          <p:cNvPr id="4" name="Textplatzhalter 3">
+            <a:extLst>
+              <a:ext uri="{FF2B5EF4-FFF2-40B4-BE49-F238E27FC236}">
+                <a16:creationId xmlns:a16="http://schemas.microsoft.com/office/drawing/2014/main" id="{80D4BF0D-58C6-42D6-B136-C6402BB8B4B6}"/>
+              </a:ext>
+            </a:extLst>
+          </p:cNvPr>
+          <p:cNvSpPr>
+            <a:spLocks noGrp="1"/>
+          </p:cNvSpPr>
+          <p:nvPr>
+            <p:ph type="body" sz="quarter" idx="13"/>
+          </p:nvPr>
+        </p:nvSpPr>
+        <p:spPr/>
+        <p:txBody>
+          <a:bodyPr/>
+          <a:lstStyle/>
+          <a:p>
+            <a:endParaRPr lang="de-DE"/>
+          </a:p>
+        </p:txBody>
+      </p:sp>
+      <p:pic>
+        <p:nvPicPr>
+          <p:cNvPr id="6" name="Grafik 5">
+            <a:extLst>
+              <a:ext uri="{FF2B5EF4-FFF2-40B4-BE49-F238E27FC236}">
+                <a16:creationId xmlns:a16="http://schemas.microsoft.com/office/drawing/2014/main" id="{D403DC66-A5A2-4D6B-9452-8CA3B1772340}"/>
+              </a:ext>
+            </a:extLst>
+          </p:cNvPr>
+          <p:cNvPicPr>
+            <a:picLocks noChangeAspect="1"/>
+          </p:cNvPicPr>
+          <p:nvPr/>
+        </p:nvPicPr>
+        <p:blipFill>
+          <a:blip r:embed="rId2">
+            <a:extLst>
+              <a:ext uri="{28A0092B-C50C-407E-A947-70E740481C1C}">
+                <a14:useLocalDpi xmlns:a14="http://schemas.microsoft.com/office/drawing/2010/main" val="0"/>
+              </a:ext>
+            </a:extLst>
+          </a:blip>
+          <a:stretch>
+            <a:fillRect/>
+          </a:stretch>
+        </p:blipFill>
+        <p:spPr>
+          <a:xfrm>
+            <a:off x="1907045" y="1512389"/>
+            <a:ext cx="4896544" cy="3833221"/>
+          </a:xfrm>
+          <a:prstGeom prst="rect">
+            <a:avLst/>
+          </a:prstGeom>
+        </p:spPr>
+      </p:pic>
+    </p:spTree>
+    <p:extLst>
+      <p:ext uri="{BB962C8B-B14F-4D97-AF65-F5344CB8AC3E}">
+        <p14:creationId xmlns:p14="http://schemas.microsoft.com/office/powerpoint/2010/main" val="129568010"/>
+      </p:ext>
+    </p:extLst>
+  </p:cSld>
+  <p:clrMapOvr>
+    <a:masterClrMapping/>
+  </p:clrMapOvr>
+</p:sld>
+</file>
+
+<file path=ppt/slides/slide35.xml><?xml version="1.0" encoding="utf-8"?>
+<p:sld xmlns:a="http://schemas.openxmlformats.org/drawingml/2006/main" xmlns:r="http://schemas.openxmlformats.org/officeDocument/2006/relationships" xmlns:p="http://schemas.openxmlformats.org/presentationml/2006/main">
+  <p:cSld>
+    <p:spTree>
+      <p:nvGrpSpPr>
+        <p:cNvPr id="1" name=""/>
+        <p:cNvGrpSpPr/>
+        <p:nvPr/>
+      </p:nvGrpSpPr>
+      <p:grpSpPr>
+        <a:xfrm>
+          <a:off x="0" y="0"/>
+          <a:ext cx="0" cy="0"/>
+          <a:chOff x="0" y="0"/>
+          <a:chExt cx="0" cy="0"/>
+        </a:xfrm>
+      </p:grpSpPr>
+      <p:sp>
+        <p:nvSpPr>
+          <p:cNvPr id="2" name="Titel 1">
+            <a:extLst>
+              <a:ext uri="{FF2B5EF4-FFF2-40B4-BE49-F238E27FC236}">
+                <a16:creationId xmlns:a16="http://schemas.microsoft.com/office/drawing/2014/main" id="{874DD81A-D0AC-4EDF-A7C8-F056105C9C59}"/>
+              </a:ext>
+            </a:extLst>
+          </p:cNvPr>
+          <p:cNvSpPr>
+            <a:spLocks noGrp="1"/>
+          </p:cNvSpPr>
+          <p:nvPr>
+            <p:ph type="title"/>
+          </p:nvPr>
+        </p:nvSpPr>
+        <p:spPr/>
+        <p:txBody>
+          <a:bodyPr/>
+          <a:lstStyle/>
+          <a:p>
+            <a:endParaRPr lang="de-DE"/>
+          </a:p>
+        </p:txBody>
+      </p:sp>
+      <p:sp>
+        <p:nvSpPr>
+          <p:cNvPr id="3" name="Foliennummernplatzhalter 2">
+            <a:extLst>
+              <a:ext uri="{FF2B5EF4-FFF2-40B4-BE49-F238E27FC236}">
+                <a16:creationId xmlns:a16="http://schemas.microsoft.com/office/drawing/2014/main" id="{E6BA0AD0-BD77-4616-A938-4B97D1D912B8}"/>
+              </a:ext>
+            </a:extLst>
+          </p:cNvPr>
+          <p:cNvSpPr>
+            <a:spLocks noGrp="1"/>
+          </p:cNvSpPr>
+          <p:nvPr>
+            <p:ph type="sldNum" sz="quarter" idx="12"/>
+          </p:nvPr>
+        </p:nvSpPr>
+        <p:spPr/>
+        <p:txBody>
+          <a:bodyPr/>
+          <a:lstStyle/>
+          <a:p>
+            <a:fld id="{BD21E185-623E-454D-ABB4-0DC3CE2E49DB}" type="slidenum">
+              <a:rPr lang="de-DE" smtClean="0"/>
+              <a:pPr/>
+              <a:t>35</a:t>
+            </a:fld>
+            <a:endParaRPr lang="de-DE" dirty="0"/>
+          </a:p>
+        </p:txBody>
+      </p:sp>
+      <p:sp>
+        <p:nvSpPr>
+          <p:cNvPr id="4" name="Textplatzhalter 3">
+            <a:extLst>
+              <a:ext uri="{FF2B5EF4-FFF2-40B4-BE49-F238E27FC236}">
+                <a16:creationId xmlns:a16="http://schemas.microsoft.com/office/drawing/2014/main" id="{0569068E-6B9D-48D1-809B-C0B6C87DA505}"/>
+              </a:ext>
+            </a:extLst>
+          </p:cNvPr>
+          <p:cNvSpPr>
+            <a:spLocks noGrp="1"/>
+          </p:cNvSpPr>
+          <p:nvPr>
+            <p:ph type="body" sz="quarter" idx="13"/>
+          </p:nvPr>
+        </p:nvSpPr>
+        <p:spPr/>
+        <p:txBody>
+          <a:bodyPr/>
+          <a:lstStyle/>
+          <a:p>
+            <a:endParaRPr lang="de-DE" dirty="0"/>
+          </a:p>
+        </p:txBody>
+      </p:sp>
+      <p:pic>
+        <p:nvPicPr>
+          <p:cNvPr id="6" name="Grafik 5">
+            <a:extLst>
+              <a:ext uri="{FF2B5EF4-FFF2-40B4-BE49-F238E27FC236}">
+                <a16:creationId xmlns:a16="http://schemas.microsoft.com/office/drawing/2014/main" id="{87D4E651-C3E8-4D47-A6A5-2A9E1237A7FE}"/>
+              </a:ext>
+            </a:extLst>
+          </p:cNvPr>
+          <p:cNvPicPr>
+            <a:picLocks noChangeAspect="1"/>
+          </p:cNvPicPr>
+          <p:nvPr/>
+        </p:nvPicPr>
+        <p:blipFill>
+          <a:blip r:embed="rId2">
+            <a:extLst>
+              <a:ext uri="{28A0092B-C50C-407E-A947-70E740481C1C}">
+                <a14:useLocalDpi xmlns:a14="http://schemas.microsoft.com/office/drawing/2010/main" val="0"/>
+              </a:ext>
+            </a:extLst>
+          </a:blip>
+          <a:stretch>
+            <a:fillRect/>
+          </a:stretch>
+        </p:blipFill>
+        <p:spPr>
+          <a:xfrm>
+            <a:off x="395299" y="1874563"/>
+            <a:ext cx="5162024" cy="3108873"/>
+          </a:xfrm>
+          <a:prstGeom prst="rect">
+            <a:avLst/>
+          </a:prstGeom>
+        </p:spPr>
+      </p:pic>
+      <p:pic>
+        <p:nvPicPr>
+          <p:cNvPr id="7" name="Grafik 6">
+            <a:extLst>
+              <a:ext uri="{FF2B5EF4-FFF2-40B4-BE49-F238E27FC236}">
+                <a16:creationId xmlns:a16="http://schemas.microsoft.com/office/drawing/2014/main" id="{42CBE240-D583-41C0-9CC0-A476D368B27E}"/>
+              </a:ext>
+            </a:extLst>
+          </p:cNvPr>
+          <p:cNvPicPr>
+            <a:picLocks noChangeAspect="1"/>
+          </p:cNvPicPr>
+          <p:nvPr/>
+        </p:nvPicPr>
+        <p:blipFill>
+          <a:blip r:embed="rId3">
+            <a:extLst>
+              <a:ext uri="{28A0092B-C50C-407E-A947-70E740481C1C}">
+                <a14:useLocalDpi xmlns:a14="http://schemas.microsoft.com/office/drawing/2010/main" val="0"/>
+              </a:ext>
+            </a:extLst>
+          </a:blip>
+          <a:stretch>
+            <a:fillRect/>
+          </a:stretch>
+        </p:blipFill>
+        <p:spPr>
+          <a:xfrm>
+            <a:off x="5652120" y="2520146"/>
+            <a:ext cx="2880320" cy="2201388"/>
+          </a:xfrm>
+          <a:prstGeom prst="rect">
+            <a:avLst/>
+          </a:prstGeom>
+        </p:spPr>
+      </p:pic>
+    </p:spTree>
+    <p:extLst>
+      <p:ext uri="{BB962C8B-B14F-4D97-AF65-F5344CB8AC3E}">
+        <p14:creationId xmlns:p14="http://schemas.microsoft.com/office/powerpoint/2010/main" val="4035085402"/>
+      </p:ext>
+    </p:extLst>
+  </p:cSld>
+  <p:clrMapOvr>
+    <a:masterClrMapping/>
+  </p:clrMapOvr>
+</p:sld>
+</file>
+
+<file path=ppt/slides/slide36.xml><?xml version="1.0" encoding="utf-8"?>
+<p:sld xmlns:a="http://schemas.openxmlformats.org/drawingml/2006/main" xmlns:r="http://schemas.openxmlformats.org/officeDocument/2006/relationships" xmlns:p="http://schemas.openxmlformats.org/presentationml/2006/main">
+  <p:cSld>
+    <p:spTree>
+      <p:nvGrpSpPr>
+        <p:cNvPr id="1" name=""/>
+        <p:cNvGrpSpPr/>
+        <p:nvPr/>
+      </p:nvGrpSpPr>
+      <p:grpSpPr>
+        <a:xfrm>
+          <a:off x="0" y="0"/>
+          <a:ext cx="0" cy="0"/>
+          <a:chOff x="0" y="0"/>
+          <a:chExt cx="0" cy="0"/>
+        </a:xfrm>
+      </p:grpSpPr>
+      <p:sp>
+        <p:nvSpPr>
+          <p:cNvPr id="2" name="Titel 1">
+            <a:extLst>
+              <a:ext uri="{FF2B5EF4-FFF2-40B4-BE49-F238E27FC236}">
+                <a16:creationId xmlns:a16="http://schemas.microsoft.com/office/drawing/2014/main" id="{F5D91758-A622-4FD7-A644-40413D697580}"/>
+              </a:ext>
+            </a:extLst>
+          </p:cNvPr>
+          <p:cNvSpPr>
+            <a:spLocks noGrp="1"/>
+          </p:cNvSpPr>
+          <p:nvPr>
+            <p:ph type="title"/>
+          </p:nvPr>
+        </p:nvSpPr>
+        <p:spPr/>
+        <p:txBody>
+          <a:bodyPr/>
+          <a:lstStyle/>
+          <a:p>
+            <a:endParaRPr lang="de-DE"/>
+          </a:p>
+        </p:txBody>
+      </p:sp>
+      <p:sp>
+        <p:nvSpPr>
+          <p:cNvPr id="3" name="Foliennummernplatzhalter 2">
+            <a:extLst>
+              <a:ext uri="{FF2B5EF4-FFF2-40B4-BE49-F238E27FC236}">
+                <a16:creationId xmlns:a16="http://schemas.microsoft.com/office/drawing/2014/main" id="{65FB61DB-D10F-4BE3-8E63-06D6F20F65EB}"/>
+              </a:ext>
+            </a:extLst>
+          </p:cNvPr>
+          <p:cNvSpPr>
+            <a:spLocks noGrp="1"/>
+          </p:cNvSpPr>
+          <p:nvPr>
+            <p:ph type="sldNum" sz="quarter" idx="12"/>
+          </p:nvPr>
+        </p:nvSpPr>
+        <p:spPr/>
+        <p:txBody>
+          <a:bodyPr/>
+          <a:lstStyle/>
+          <a:p>
+            <a:fld id="{BD21E185-623E-454D-ABB4-0DC3CE2E49DB}" type="slidenum">
+              <a:rPr lang="de-DE" smtClean="0"/>
+              <a:pPr/>
+              <a:t>36</a:t>
+            </a:fld>
+            <a:endParaRPr lang="de-DE" dirty="0"/>
+          </a:p>
+        </p:txBody>
+      </p:sp>
+      <p:sp>
+        <p:nvSpPr>
+          <p:cNvPr id="4" name="Textplatzhalter 3">
+            <a:extLst>
+              <a:ext uri="{FF2B5EF4-FFF2-40B4-BE49-F238E27FC236}">
+                <a16:creationId xmlns:a16="http://schemas.microsoft.com/office/drawing/2014/main" id="{4549A2C5-0363-4571-9C31-A8FC4589F6FF}"/>
+              </a:ext>
+            </a:extLst>
+          </p:cNvPr>
+          <p:cNvSpPr>
+            <a:spLocks noGrp="1"/>
+          </p:cNvSpPr>
+          <p:nvPr>
+            <p:ph type="body" sz="quarter" idx="13"/>
+          </p:nvPr>
+        </p:nvSpPr>
+        <p:spPr/>
+        <p:txBody>
+          <a:bodyPr/>
+          <a:lstStyle/>
+          <a:p>
+            <a:endParaRPr lang="de-DE" dirty="0"/>
+          </a:p>
+        </p:txBody>
+      </p:sp>
+      <p:pic>
+        <p:nvPicPr>
+          <p:cNvPr id="6" name="Grafik 5">
+            <a:extLst>
+              <a:ext uri="{FF2B5EF4-FFF2-40B4-BE49-F238E27FC236}">
+                <a16:creationId xmlns:a16="http://schemas.microsoft.com/office/drawing/2014/main" id="{10F5E47C-26A9-47F5-997F-8135C12D9C3D}"/>
+              </a:ext>
+            </a:extLst>
+          </p:cNvPr>
+          <p:cNvPicPr>
+            <a:picLocks noChangeAspect="1"/>
+          </p:cNvPicPr>
+          <p:nvPr/>
+        </p:nvPicPr>
+        <p:blipFill>
+          <a:blip r:embed="rId2">
+            <a:extLst>
+              <a:ext uri="{28A0092B-C50C-407E-A947-70E740481C1C}">
+                <a14:useLocalDpi xmlns:a14="http://schemas.microsoft.com/office/drawing/2010/main" val="0"/>
+              </a:ext>
+            </a:extLst>
+          </a:blip>
+          <a:stretch>
+            <a:fillRect/>
+          </a:stretch>
+        </p:blipFill>
+        <p:spPr>
+          <a:xfrm>
+            <a:off x="1667385" y="1593283"/>
+            <a:ext cx="5809229" cy="3671433"/>
+          </a:xfrm>
+          <a:prstGeom prst="rect">
+            <a:avLst/>
+          </a:prstGeom>
+        </p:spPr>
+      </p:pic>
+    </p:spTree>
+    <p:extLst>
+      <p:ext uri="{BB962C8B-B14F-4D97-AF65-F5344CB8AC3E}">
+        <p14:creationId xmlns:p14="http://schemas.microsoft.com/office/powerpoint/2010/main" val="4590256"/>
+      </p:ext>
+    </p:extLst>
+  </p:cSld>
+  <p:clrMapOvr>
+    <a:masterClrMapping/>
+  </p:clrMapOvr>
+</p:sld>
+</file>
+
+<file path=ppt/slides/slide37.xml><?xml version="1.0" encoding="utf-8"?>
+<p:sld xmlns:a="http://schemas.openxmlformats.org/drawingml/2006/main" xmlns:r="http://schemas.openxmlformats.org/officeDocument/2006/relationships" xmlns:p="http://schemas.openxmlformats.org/presentationml/2006/main">
+  <p:cSld>
+    <p:spTree>
+      <p:nvGrpSpPr>
+        <p:cNvPr id="1" name=""/>
+        <p:cNvGrpSpPr/>
+        <p:nvPr/>
+      </p:nvGrpSpPr>
+      <p:grpSpPr>
+        <a:xfrm>
+          <a:off x="0" y="0"/>
+          <a:ext cx="0" cy="0"/>
+          <a:chOff x="0" y="0"/>
+          <a:chExt cx="0" cy="0"/>
+        </a:xfrm>
+      </p:grpSpPr>
+      <p:sp>
+        <p:nvSpPr>
+          <p:cNvPr id="2" name="Titel 1">
+            <a:extLst>
+              <a:ext uri="{FF2B5EF4-FFF2-40B4-BE49-F238E27FC236}">
+                <a16:creationId xmlns:a16="http://schemas.microsoft.com/office/drawing/2014/main" id="{32BD2BBD-7728-4F4C-9D70-76270B92A12B}"/>
+              </a:ext>
+            </a:extLst>
+          </p:cNvPr>
+          <p:cNvSpPr>
+            <a:spLocks noGrp="1"/>
+          </p:cNvSpPr>
+          <p:nvPr>
+            <p:ph type="title"/>
+          </p:nvPr>
+        </p:nvSpPr>
+        <p:spPr/>
+        <p:txBody>
+          <a:bodyPr/>
+          <a:lstStyle/>
+          <a:p>
+            <a:endParaRPr lang="de-DE"/>
+          </a:p>
+        </p:txBody>
+      </p:sp>
+      <p:sp>
+        <p:nvSpPr>
+          <p:cNvPr id="3" name="Foliennummernplatzhalter 2">
+            <a:extLst>
+              <a:ext uri="{FF2B5EF4-FFF2-40B4-BE49-F238E27FC236}">
+                <a16:creationId xmlns:a16="http://schemas.microsoft.com/office/drawing/2014/main" id="{B1ABEB18-75DC-41FF-991A-84D6A6B6EF58}"/>
+              </a:ext>
+            </a:extLst>
+          </p:cNvPr>
+          <p:cNvSpPr>
+            <a:spLocks noGrp="1"/>
+          </p:cNvSpPr>
+          <p:nvPr>
+            <p:ph type="sldNum" sz="quarter" idx="12"/>
+          </p:nvPr>
+        </p:nvSpPr>
+        <p:spPr/>
+        <p:txBody>
+          <a:bodyPr/>
+          <a:lstStyle/>
+          <a:p>
+            <a:fld id="{BD21E185-623E-454D-ABB4-0DC3CE2E49DB}" type="slidenum">
+              <a:rPr lang="de-DE" smtClean="0"/>
+              <a:pPr/>
+              <a:t>37</a:t>
+            </a:fld>
+            <a:endParaRPr lang="de-DE" dirty="0"/>
+          </a:p>
+        </p:txBody>
+      </p:sp>
+      <p:sp>
+        <p:nvSpPr>
+          <p:cNvPr id="4" name="Textplatzhalter 3">
+            <a:extLst>
+              <a:ext uri="{FF2B5EF4-FFF2-40B4-BE49-F238E27FC236}">
+                <a16:creationId xmlns:a16="http://schemas.microsoft.com/office/drawing/2014/main" id="{FCCDD7E8-6DE3-4EFF-955B-FDE7E1D5E0DA}"/>
+              </a:ext>
+            </a:extLst>
+          </p:cNvPr>
+          <p:cNvSpPr>
+            <a:spLocks noGrp="1"/>
+          </p:cNvSpPr>
+          <p:nvPr>
+            <p:ph type="body" sz="quarter" idx="13"/>
+          </p:nvPr>
+        </p:nvSpPr>
+        <p:spPr/>
+        <p:txBody>
+          <a:bodyPr/>
+          <a:lstStyle/>
+          <a:p>
+            <a:pPr marL="0" indent="0">
+              <a:buNone/>
+            </a:pPr>
+            <a:endParaRPr lang="de-DE" dirty="0"/>
+          </a:p>
+        </p:txBody>
+      </p:sp>
+      <p:pic>
+        <p:nvPicPr>
+          <p:cNvPr id="5" name="Grafik 4">
+            <a:extLst>
+              <a:ext uri="{FF2B5EF4-FFF2-40B4-BE49-F238E27FC236}">
+                <a16:creationId xmlns:a16="http://schemas.microsoft.com/office/drawing/2014/main" id="{3D1891E8-1EB1-432E-8E2D-513D0D537082}"/>
+              </a:ext>
+            </a:extLst>
+          </p:cNvPr>
+          <p:cNvPicPr>
+            <a:picLocks noChangeAspect="1"/>
+          </p:cNvPicPr>
+          <p:nvPr/>
+        </p:nvPicPr>
+        <p:blipFill>
+          <a:blip r:embed="rId2">
+            <a:extLst>
+              <a:ext uri="{28A0092B-C50C-407E-A947-70E740481C1C}">
+                <a14:useLocalDpi xmlns:a14="http://schemas.microsoft.com/office/drawing/2010/main" val="0"/>
+              </a:ext>
+            </a:extLst>
+          </a:blip>
+          <a:stretch>
+            <a:fillRect/>
+          </a:stretch>
+        </p:blipFill>
+        <p:spPr>
+          <a:xfrm>
+            <a:off x="395299" y="2351560"/>
+            <a:ext cx="3673067" cy="2875432"/>
+          </a:xfrm>
+          <a:prstGeom prst="rect">
+            <a:avLst/>
+          </a:prstGeom>
+        </p:spPr>
+      </p:pic>
+      <p:pic>
+        <p:nvPicPr>
+          <p:cNvPr id="6" name="Grafik 5">
+            <a:extLst>
+              <a:ext uri="{FF2B5EF4-FFF2-40B4-BE49-F238E27FC236}">
+                <a16:creationId xmlns:a16="http://schemas.microsoft.com/office/drawing/2014/main" id="{67D9F1B1-D413-4E58-B48A-54CE74767918}"/>
+              </a:ext>
+            </a:extLst>
+          </p:cNvPr>
+          <p:cNvPicPr>
+            <a:picLocks noChangeAspect="1"/>
+          </p:cNvPicPr>
+          <p:nvPr/>
+        </p:nvPicPr>
+        <p:blipFill>
+          <a:blip r:embed="rId3">
+            <a:extLst>
+              <a:ext uri="{28A0092B-C50C-407E-A947-70E740481C1C}">
+                <a14:useLocalDpi xmlns:a14="http://schemas.microsoft.com/office/drawing/2010/main" val="0"/>
+              </a:ext>
+            </a:extLst>
+          </a:blip>
+          <a:stretch>
+            <a:fillRect/>
+          </a:stretch>
+        </p:blipFill>
+        <p:spPr>
+          <a:xfrm>
+            <a:off x="5278061" y="1454035"/>
+            <a:ext cx="3196389" cy="2442955"/>
+          </a:xfrm>
+          <a:prstGeom prst="rect">
+            <a:avLst/>
+          </a:prstGeom>
+        </p:spPr>
+      </p:pic>
+      <p:pic>
+        <p:nvPicPr>
+          <p:cNvPr id="7" name="Grafik 6">
+            <a:extLst>
+              <a:ext uri="{FF2B5EF4-FFF2-40B4-BE49-F238E27FC236}">
+                <a16:creationId xmlns:a16="http://schemas.microsoft.com/office/drawing/2014/main" id="{EBC70AAC-88D1-4E94-B634-847128421CDD}"/>
+              </a:ext>
+            </a:extLst>
+          </p:cNvPr>
+          <p:cNvPicPr>
+            <a:picLocks noChangeAspect="1"/>
+          </p:cNvPicPr>
+          <p:nvPr/>
+        </p:nvPicPr>
+        <p:blipFill>
+          <a:blip r:embed="rId4">
+            <a:extLst>
+              <a:ext uri="{28A0092B-C50C-407E-A947-70E740481C1C}">
+                <a14:useLocalDpi xmlns:a14="http://schemas.microsoft.com/office/drawing/2010/main" val="0"/>
+              </a:ext>
+            </a:extLst>
+          </a:blip>
+          <a:stretch>
+            <a:fillRect/>
+          </a:stretch>
+        </p:blipFill>
+        <p:spPr>
+          <a:xfrm>
+            <a:off x="5278061" y="3866242"/>
+            <a:ext cx="3196389" cy="2442955"/>
+          </a:xfrm>
+          <a:prstGeom prst="rect">
+            <a:avLst/>
+          </a:prstGeom>
+        </p:spPr>
+      </p:pic>
+    </p:spTree>
+    <p:extLst>
+      <p:ext uri="{BB962C8B-B14F-4D97-AF65-F5344CB8AC3E}">
+        <p14:creationId xmlns:p14="http://schemas.microsoft.com/office/powerpoint/2010/main" val="1410870569"/>
+      </p:ext>
+    </p:extLst>
+  </p:cSld>
+  <p:clrMapOvr>
+    <a:masterClrMapping/>
+  </p:clrMapOvr>
+</p:sld>
+</file>
+
+<file path=ppt/slides/slide38.xml><?xml version="1.0" encoding="utf-8"?>
+<p:sld xmlns:a="http://schemas.openxmlformats.org/drawingml/2006/main" xmlns:r="http://schemas.openxmlformats.org/officeDocument/2006/relationships" xmlns:p="http://schemas.openxmlformats.org/presentationml/2006/main">
+  <p:cSld>
+    <p:spTree>
+      <p:nvGrpSpPr>
+        <p:cNvPr id="1" name=""/>
+        <p:cNvGrpSpPr/>
+        <p:nvPr/>
+      </p:nvGrpSpPr>
+      <p:grpSpPr>
+        <a:xfrm>
+          <a:off x="0" y="0"/>
+          <a:ext cx="0" cy="0"/>
+          <a:chOff x="0" y="0"/>
+          <a:chExt cx="0" cy="0"/>
+        </a:xfrm>
+      </p:grpSpPr>
+      <p:sp>
+        <p:nvSpPr>
+          <p:cNvPr id="2" name="Titel 1">
+            <a:extLst>
+              <a:ext uri="{FF2B5EF4-FFF2-40B4-BE49-F238E27FC236}">
+                <a16:creationId xmlns:a16="http://schemas.microsoft.com/office/drawing/2014/main" id="{F95F2FE2-2C20-46EB-BF09-74D7736E144F}"/>
+              </a:ext>
+            </a:extLst>
+          </p:cNvPr>
+          <p:cNvSpPr>
+            <a:spLocks noGrp="1"/>
+          </p:cNvSpPr>
+          <p:nvPr>
+            <p:ph type="title"/>
+          </p:nvPr>
+        </p:nvSpPr>
+        <p:spPr/>
+        <p:txBody>
+          <a:bodyPr/>
+          <a:lstStyle/>
+          <a:p>
+            <a:r>
+              <a:rPr lang="de-DE" dirty="0"/>
+              <a:t>Rekursion</a:t>
+            </a:r>
+          </a:p>
+        </p:txBody>
+      </p:sp>
+      <p:sp>
+        <p:nvSpPr>
+          <p:cNvPr id="3" name="Foliennummernplatzhalter 2">
+            <a:extLst>
+              <a:ext uri="{FF2B5EF4-FFF2-40B4-BE49-F238E27FC236}">
+                <a16:creationId xmlns:a16="http://schemas.microsoft.com/office/drawing/2014/main" id="{E341CBAA-BC23-49FE-95EB-C1730D35019F}"/>
+              </a:ext>
+            </a:extLst>
+          </p:cNvPr>
+          <p:cNvSpPr>
+            <a:spLocks noGrp="1"/>
+          </p:cNvSpPr>
+          <p:nvPr>
+            <p:ph type="sldNum" sz="quarter" idx="12"/>
+          </p:nvPr>
+        </p:nvSpPr>
+        <p:spPr/>
+        <p:txBody>
+          <a:bodyPr/>
+          <a:lstStyle/>
+          <a:p>
+            <a:fld id="{BD21E185-623E-454D-ABB4-0DC3CE2E49DB}" type="slidenum">
+              <a:rPr lang="de-DE" smtClean="0"/>
+              <a:pPr/>
+              <a:t>38</a:t>
+            </a:fld>
+            <a:endParaRPr lang="de-DE" dirty="0"/>
+          </a:p>
+        </p:txBody>
+      </p:sp>
+      <p:sp>
+        <p:nvSpPr>
+          <p:cNvPr id="4" name="Textplatzhalter 3">
+            <a:extLst>
+              <a:ext uri="{FF2B5EF4-FFF2-40B4-BE49-F238E27FC236}">
+                <a16:creationId xmlns:a16="http://schemas.microsoft.com/office/drawing/2014/main" id="{B6644241-A454-44BC-B4D2-A8B4AC6B9122}"/>
+              </a:ext>
+            </a:extLst>
+          </p:cNvPr>
+          <p:cNvSpPr>
+            <a:spLocks noGrp="1"/>
+          </p:cNvSpPr>
+          <p:nvPr>
+            <p:ph type="body" sz="quarter" idx="13"/>
+          </p:nvPr>
+        </p:nvSpPr>
+        <p:spPr/>
+        <p:txBody>
+          <a:bodyPr/>
+          <a:lstStyle/>
+          <a:p>
+            <a:endParaRPr lang="de-DE"/>
+          </a:p>
+        </p:txBody>
+      </p:sp>
+    </p:spTree>
+    <p:extLst>
+      <p:ext uri="{BB962C8B-B14F-4D97-AF65-F5344CB8AC3E}">
+        <p14:creationId xmlns:p14="http://schemas.microsoft.com/office/powerpoint/2010/main" val="923596441"/>
       </p:ext>
     </p:extLst>
   </p:cSld>

--- a/Präsentation/Quicksort.pptx
+++ b/Präsentation/Quicksort.pptx
@@ -265,7 +265,7 @@
           <a:p>
             <a:fld id="{95096795-3C61-46C8-99AF-115DB53051C4}" type="datetimeFigureOut">
               <a:rPr lang="de-DE" smtClean="0"/>
-              <a:t>24.02.2020</a:t>
+              <a:t>25.02.2020</a:t>
             </a:fld>
             <a:endParaRPr lang="de-DE" dirty="0"/>
           </a:p>
@@ -430,7 +430,7 @@
           <a:p>
             <a:fld id="{F7A69498-F8A3-46B9-97E8-6376C18B7280}" type="datetimeFigureOut">
               <a:rPr lang="de-DE" smtClean="0"/>
-              <a:t>24.02.2020</a:t>
+              <a:t>25.02.2020</a:t>
             </a:fld>
             <a:endParaRPr lang="de-DE" dirty="0"/>
           </a:p>
@@ -6779,7 +6779,7 @@
           <p:nvPr/>
         </p:nvPicPr>
         <p:blipFill>
-          <a:blip r:embed="rId3">
+          <a:blip r:embed="rId2">
             <a:extLst>
               <a:ext uri="{28A0092B-C50C-407E-A947-70E740481C1C}">
                 <a14:useLocalDpi xmlns:a14="http://schemas.microsoft.com/office/drawing/2010/main" val="0"/>
@@ -6798,6 +6798,53 @@
           <a:prstGeom prst="rect">
             <a:avLst/>
           </a:prstGeom>
+        </p:spPr>
+      </p:pic>
+      <p:pic>
+        <p:nvPicPr>
+          <p:cNvPr id="1025" name="Picture 1">
+            <a:extLst>
+              <a:ext uri="{FF2B5EF4-FFF2-40B4-BE49-F238E27FC236}">
+                <a16:creationId xmlns:a16="http://schemas.microsoft.com/office/drawing/2014/main" id="{BDD9BC22-8C1D-416F-8851-9F35F68FA987}"/>
+              </a:ext>
+            </a:extLst>
+          </p:cNvPr>
+          <p:cNvPicPr>
+            <a:picLocks noChangeAspect="1" noChangeArrowheads="1"/>
+          </p:cNvPicPr>
+          <p:nvPr/>
+        </p:nvPicPr>
+        <p:blipFill>
+          <a:blip r:embed="rId3">
+            <a:extLst>
+              <a:ext uri="{28A0092B-C50C-407E-A947-70E740481C1C}">
+                <a14:useLocalDpi xmlns:a14="http://schemas.microsoft.com/office/drawing/2010/main" val="0"/>
+              </a:ext>
+            </a:extLst>
+          </a:blip>
+          <a:srcRect/>
+          <a:stretch>
+            <a:fillRect/>
+          </a:stretch>
+        </p:blipFill>
+        <p:spPr bwMode="auto">
+          <a:xfrm>
+            <a:off x="0" y="0"/>
+            <a:ext cx="3190875" cy="2819400"/>
+          </a:xfrm>
+          <a:prstGeom prst="rect">
+            <a:avLst/>
+          </a:prstGeom>
+          <a:noFill/>
+          <a:extLst>
+            <a:ext uri="{909E8E84-426E-40DD-AFC4-6F175D3DCCD1}">
+              <a14:hiddenFill xmlns:a14="http://schemas.microsoft.com/office/drawing/2010/main">
+                <a:solidFill>
+                  <a:srgbClr val="FFFFFF"/>
+                </a:solidFill>
+              </a14:hiddenFill>
+            </a:ext>
+          </a:extLst>
         </p:spPr>
       </p:pic>
     </p:spTree>
@@ -8657,7 +8704,16 @@
           <a:bodyPr/>
           <a:lstStyle/>
           <a:p>
-            <a:endParaRPr lang="de-DE"/>
+            <a:r>
+              <a:rPr lang="de-DE" dirty="0"/>
+              <a:t>Methoden rufen sich selber auf</a:t>
+            </a:r>
+          </a:p>
+          <a:p>
+            <a:r>
+              <a:rPr lang="de-DE" dirty="0"/>
+              <a:t>Mit der richtigen Abbruchbedingung kann man Algorithmen einfach mehrfach wiederholen</a:t>
+            </a:r>
           </a:p>
         </p:txBody>
       </p:sp>

--- a/Präsentation/Quicksort.pptx
+++ b/Präsentation/Quicksort.pptx
@@ -5,15 +5,15 @@
     <p:sldMasterId id="2147483648" r:id="rId1"/>
   </p:sldMasterIdLst>
   <p:notesMasterIdLst>
-    <p:notesMasterId r:id="rId40"/>
+    <p:notesMasterId r:id="rId43"/>
   </p:notesMasterIdLst>
   <p:handoutMasterIdLst>
-    <p:handoutMasterId r:id="rId41"/>
+    <p:handoutMasterId r:id="rId44"/>
   </p:handoutMasterIdLst>
   <p:sldIdLst>
     <p:sldId id="256" r:id="rId2"/>
     <p:sldId id="268" r:id="rId3"/>
-    <p:sldId id="269" r:id="rId4"/>
+    <p:sldId id="307" r:id="rId4"/>
     <p:sldId id="273" r:id="rId5"/>
     <p:sldId id="270" r:id="rId6"/>
     <p:sldId id="271" r:id="rId7"/>
@@ -49,11 +49,14 @@
     <p:sldId id="299" r:id="rId37"/>
     <p:sldId id="303" r:id="rId38"/>
     <p:sldId id="304" r:id="rId39"/>
+    <p:sldId id="305" r:id="rId40"/>
+    <p:sldId id="306" r:id="rId41"/>
+    <p:sldId id="308" r:id="rId42"/>
   </p:sldIdLst>
   <p:sldSz cx="9144000" cy="6858000" type="screen4x3"/>
   <p:notesSz cx="6858000" cy="9144000"/>
   <p:custDataLst>
-    <p:tags r:id="rId42"/>
+    <p:tags r:id="rId45"/>
   </p:custDataLst>
   <p:defaultTextStyle>
     <a:defPPr>
@@ -265,7 +268,7 @@
           <a:p>
             <a:fld id="{95096795-3C61-46C8-99AF-115DB53051C4}" type="datetimeFigureOut">
               <a:rPr lang="de-DE" smtClean="0"/>
-              <a:t>25.02.2020</a:t>
+              <a:t>26.02.2020</a:t>
             </a:fld>
             <a:endParaRPr lang="de-DE" dirty="0"/>
           </a:p>
@@ -430,7 +433,7 @@
           <a:p>
             <a:fld id="{F7A69498-F8A3-46B9-97E8-6376C18B7280}" type="datetimeFigureOut">
               <a:rPr lang="de-DE" smtClean="0"/>
-              <a:t>25.02.2020</a:t>
+              <a:t>26.02.2020</a:t>
             </a:fld>
             <a:endParaRPr lang="de-DE" dirty="0"/>
           </a:p>
@@ -695,6 +698,118 @@
     </a:lvl9pPr>
   </p:notesStyle>
 </p:notesMaster>
+</file>
+
+<file path=ppt/notesSlides/notesSlide1.xml><?xml version="1.0" encoding="utf-8"?>
+<p:notes xmlns:a="http://schemas.openxmlformats.org/drawingml/2006/main" xmlns:r="http://schemas.openxmlformats.org/officeDocument/2006/relationships" xmlns:p="http://schemas.openxmlformats.org/presentationml/2006/main">
+  <p:cSld>
+    <p:spTree>
+      <p:nvGrpSpPr>
+        <p:cNvPr id="1" name=""/>
+        <p:cNvGrpSpPr/>
+        <p:nvPr/>
+      </p:nvGrpSpPr>
+      <p:grpSpPr>
+        <a:xfrm>
+          <a:off x="0" y="0"/>
+          <a:ext cx="0" cy="0"/>
+          <a:chOff x="0" y="0"/>
+          <a:chExt cx="0" cy="0"/>
+        </a:xfrm>
+      </p:grpSpPr>
+      <p:sp>
+        <p:nvSpPr>
+          <p:cNvPr id="2" name="Folienbildplatzhalter 1"/>
+          <p:cNvSpPr>
+            <a:spLocks noGrp="1" noRot="1" noChangeAspect="1"/>
+          </p:cNvSpPr>
+          <p:nvPr>
+            <p:ph type="sldImg"/>
+          </p:nvPr>
+        </p:nvSpPr>
+        <p:spPr/>
+      </p:sp>
+      <p:sp>
+        <p:nvSpPr>
+          <p:cNvPr id="3" name="Notizenplatzhalter 2"/>
+          <p:cNvSpPr>
+            <a:spLocks noGrp="1"/>
+          </p:cNvSpPr>
+          <p:nvPr>
+            <p:ph type="body" idx="1"/>
+          </p:nvPr>
+        </p:nvSpPr>
+        <p:spPr/>
+        <p:txBody>
+          <a:bodyPr/>
+          <a:lstStyle/>
+          <a:p>
+            <a:r>
+              <a:rPr lang="de-DE" sz="1200" kern="1200" dirty="0">
+                <a:solidFill>
+                  <a:schemeClr val="tx1"/>
+                </a:solidFill>
+                <a:effectLst/>
+                <a:latin typeface="+mn-lt"/>
+                <a:ea typeface="+mn-ea"/>
+                <a:cs typeface="+mn-cs"/>
+              </a:rPr>
+              <a:t>Das Besondere am Quicksort Algorithmus ist, dass die Elemente in der Liste nur vertauscht werden und nicht extern zwischengespeichert werden müssen. Solche Sortierverfahren nennt man auch In-Place-Algorithmus.</a:t>
+            </a:r>
+          </a:p>
+          <a:p>
+            <a:r>
+              <a:rPr lang="de-DE" sz="1200" kern="1200" dirty="0">
+                <a:solidFill>
+                  <a:schemeClr val="tx1"/>
+                </a:solidFill>
+                <a:effectLst/>
+                <a:latin typeface="+mn-lt"/>
+                <a:ea typeface="+mn-ea"/>
+                <a:cs typeface="+mn-cs"/>
+              </a:rPr>
+              <a:t>Hier wird die komplette Liste in immer kleiner werdenden Teillisten aufgeteilt und in sich sortiert. Sobald die Teillisten sortiert wurden ist auch die komplette Liste sortiert.</a:t>
+            </a:r>
+          </a:p>
+          <a:p>
+            <a:endParaRPr lang="de-DE" dirty="0"/>
+          </a:p>
+        </p:txBody>
+      </p:sp>
+      <p:sp>
+        <p:nvSpPr>
+          <p:cNvPr id="4" name="Foliennummernplatzhalter 3"/>
+          <p:cNvSpPr>
+            <a:spLocks noGrp="1"/>
+          </p:cNvSpPr>
+          <p:nvPr>
+            <p:ph type="sldNum" sz="quarter" idx="5"/>
+          </p:nvPr>
+        </p:nvSpPr>
+        <p:spPr/>
+        <p:txBody>
+          <a:bodyPr/>
+          <a:lstStyle/>
+          <a:p>
+            <a:fld id="{67D99960-775A-4831-A98F-4EE005F4B482}" type="slidenum">
+              <a:rPr lang="de-DE" smtClean="0"/>
+              <a:t>4</a:t>
+            </a:fld>
+            <a:endParaRPr lang="de-DE" dirty="0"/>
+          </a:p>
+        </p:txBody>
+      </p:sp>
+    </p:spTree>
+    <p:extLst>
+      <p:ext uri="{BB962C8B-B14F-4D97-AF65-F5344CB8AC3E}">
+        <p14:creationId xmlns:p14="http://schemas.microsoft.com/office/powerpoint/2010/main" val="3556081051"/>
+      </p:ext>
+    </p:extLst>
+  </p:cSld>
+  <p:clrMapOvr>
+    <a:masterClrMapping/>
+  </p:clrMapOvr>
+</p:notes>
 </file>
 
 <file path=ppt/slideLayouts/slideLayout1.xml><?xml version="1.0" encoding="utf-8"?>
@@ -5574,27 +5689,6 @@
               <a:t>Rekursion</a:t>
             </a:r>
           </a:p>
-          <a:p>
-            <a:pPr lvl="1"/>
-            <a:r>
-              <a:rPr lang="de-DE" dirty="0"/>
-              <a:t>Unterschiede Rekursiv / Iterativ</a:t>
-            </a:r>
-          </a:p>
-          <a:p>
-            <a:pPr lvl="1"/>
-            <a:r>
-              <a:rPr lang="de-DE" dirty="0"/>
-              <a:t>Vorteile der Rekursion im Vergleich zur Iteration</a:t>
-            </a:r>
-          </a:p>
-          <a:p>
-            <a:pPr lvl="1"/>
-            <a:r>
-              <a:rPr lang="de-DE" dirty="0"/>
-              <a:t>Nachteile der Rekursion</a:t>
-            </a:r>
-          </a:p>
         </p:txBody>
       </p:sp>
     </p:spTree>
@@ -6800,53 +6894,6 @@
           </a:prstGeom>
         </p:spPr>
       </p:pic>
-      <p:pic>
-        <p:nvPicPr>
-          <p:cNvPr id="1025" name="Picture 1">
-            <a:extLst>
-              <a:ext uri="{FF2B5EF4-FFF2-40B4-BE49-F238E27FC236}">
-                <a16:creationId xmlns:a16="http://schemas.microsoft.com/office/drawing/2014/main" id="{BDD9BC22-8C1D-416F-8851-9F35F68FA987}"/>
-              </a:ext>
-            </a:extLst>
-          </p:cNvPr>
-          <p:cNvPicPr>
-            <a:picLocks noChangeAspect="1" noChangeArrowheads="1"/>
-          </p:cNvPicPr>
-          <p:nvPr/>
-        </p:nvPicPr>
-        <p:blipFill>
-          <a:blip r:embed="rId3">
-            <a:extLst>
-              <a:ext uri="{28A0092B-C50C-407E-A947-70E740481C1C}">
-                <a14:useLocalDpi xmlns:a14="http://schemas.microsoft.com/office/drawing/2010/main" val="0"/>
-              </a:ext>
-            </a:extLst>
-          </a:blip>
-          <a:srcRect/>
-          <a:stretch>
-            <a:fillRect/>
-          </a:stretch>
-        </p:blipFill>
-        <p:spPr bwMode="auto">
-          <a:xfrm>
-            <a:off x="0" y="0"/>
-            <a:ext cx="3190875" cy="2819400"/>
-          </a:xfrm>
-          <a:prstGeom prst="rect">
-            <a:avLst/>
-          </a:prstGeom>
-          <a:noFill/>
-          <a:extLst>
-            <a:ext uri="{909E8E84-426E-40DD-AFC4-6F175D3DCCD1}">
-              <a14:hiddenFill xmlns:a14="http://schemas.microsoft.com/office/drawing/2010/main">
-                <a:solidFill>
-                  <a:srgbClr val="FFFFFF"/>
-                </a:solidFill>
-              </a14:hiddenFill>
-            </a:ext>
-          </a:extLst>
-        </p:spPr>
-      </p:pic>
     </p:spTree>
     <p:extLst>
       <p:ext uri="{BB962C8B-B14F-4D97-AF65-F5344CB8AC3E}">
@@ -7175,12 +7222,92 @@
           <a:chExt cx="0" cy="0"/>
         </a:xfrm>
       </p:grpSpPr>
+      <p:sp>
+        <p:nvSpPr>
+          <p:cNvPr id="2" name="Titel 1">
+            <a:extLst>
+              <a:ext uri="{FF2B5EF4-FFF2-40B4-BE49-F238E27FC236}">
+                <a16:creationId xmlns:a16="http://schemas.microsoft.com/office/drawing/2014/main" id="{D016CB48-8D7C-466F-8F04-279E748E1857}"/>
+              </a:ext>
+            </a:extLst>
+          </p:cNvPr>
+          <p:cNvSpPr>
+            <a:spLocks noGrp="1"/>
+          </p:cNvSpPr>
+          <p:nvPr>
+            <p:ph type="title"/>
+          </p:nvPr>
+        </p:nvSpPr>
+        <p:spPr/>
+        <p:txBody>
+          <a:bodyPr/>
+          <a:lstStyle/>
+          <a:p>
+            <a:endParaRPr lang="de-DE"/>
+          </a:p>
+        </p:txBody>
+      </p:sp>
+      <p:sp>
+        <p:nvSpPr>
+          <p:cNvPr id="3" name="Foliennummernplatzhalter 2">
+            <a:extLst>
+              <a:ext uri="{FF2B5EF4-FFF2-40B4-BE49-F238E27FC236}">
+                <a16:creationId xmlns:a16="http://schemas.microsoft.com/office/drawing/2014/main" id="{D7B67A63-486C-451D-AB56-BEEA5392034A}"/>
+              </a:ext>
+            </a:extLst>
+          </p:cNvPr>
+          <p:cNvSpPr>
+            <a:spLocks noGrp="1"/>
+          </p:cNvSpPr>
+          <p:nvPr>
+            <p:ph type="sldNum" sz="quarter" idx="12"/>
+          </p:nvPr>
+        </p:nvSpPr>
+        <p:spPr/>
+        <p:txBody>
+          <a:bodyPr/>
+          <a:lstStyle/>
+          <a:p>
+            <a:fld id="{BD21E185-623E-454D-ABB4-0DC3CE2E49DB}" type="slidenum">
+              <a:rPr lang="de-DE" smtClean="0"/>
+              <a:pPr/>
+              <a:t>3</a:t>
+            </a:fld>
+            <a:endParaRPr lang="de-DE" dirty="0"/>
+          </a:p>
+        </p:txBody>
+      </p:sp>
+      <p:sp>
+        <p:nvSpPr>
+          <p:cNvPr id="4" name="Textplatzhalter 3">
+            <a:extLst>
+              <a:ext uri="{FF2B5EF4-FFF2-40B4-BE49-F238E27FC236}">
+                <a16:creationId xmlns:a16="http://schemas.microsoft.com/office/drawing/2014/main" id="{50A293AD-6FAE-4D05-9D9D-7714B838C07A}"/>
+              </a:ext>
+            </a:extLst>
+          </p:cNvPr>
+          <p:cNvSpPr>
+            <a:spLocks noGrp="1"/>
+          </p:cNvSpPr>
+          <p:nvPr>
+            <p:ph type="body" sz="quarter" idx="13"/>
+          </p:nvPr>
+        </p:nvSpPr>
+        <p:spPr/>
+        <p:txBody>
+          <a:bodyPr/>
+          <a:lstStyle/>
+          <a:p>
+            <a:endParaRPr lang="de-DE"/>
+          </a:p>
+        </p:txBody>
+      </p:sp>
       <p:pic>
         <p:nvPicPr>
           <p:cNvPr id="6" name="Grafik 5">
             <a:extLst>
               <a:ext uri="{FF2B5EF4-FFF2-40B4-BE49-F238E27FC236}">
-                <a16:creationId xmlns:a16="http://schemas.microsoft.com/office/drawing/2014/main" id="{19E99DA9-02C1-42C3-B792-A4505299DAAB}"/>
+                <a16:creationId xmlns:a16="http://schemas.microsoft.com/office/drawing/2014/main" id="{D189280B-3AD0-4883-B1E8-4F1F24A7AE45}"/>
               </a:ext>
             </a:extLst>
           </p:cNvPr>
@@ -7203,114 +7330,18 @@
         </p:blipFill>
         <p:spPr>
           <a:xfrm>
-            <a:off x="2398193" y="2307711"/>
-            <a:ext cx="4347613" cy="3322819"/>
+            <a:off x="2527738" y="1866600"/>
+            <a:ext cx="4088523" cy="3124800"/>
           </a:xfrm>
           <a:prstGeom prst="rect">
             <a:avLst/>
           </a:prstGeom>
         </p:spPr>
       </p:pic>
-      <p:sp>
-        <p:nvSpPr>
-          <p:cNvPr id="2" name="Titel 1">
-            <a:extLst>
-              <a:ext uri="{FF2B5EF4-FFF2-40B4-BE49-F238E27FC236}">
-                <a16:creationId xmlns:a16="http://schemas.microsoft.com/office/drawing/2014/main" id="{A313AD23-286F-4C2C-8BC0-626AF4CA5BFB}"/>
-              </a:ext>
-            </a:extLst>
-          </p:cNvPr>
-          <p:cNvSpPr>
-            <a:spLocks noGrp="1"/>
-          </p:cNvSpPr>
-          <p:nvPr>
-            <p:ph type="title"/>
-          </p:nvPr>
-        </p:nvSpPr>
-        <p:spPr>
-          <a:xfrm>
-            <a:off x="456917" y="125760"/>
-            <a:ext cx="7931507" cy="1143000"/>
-          </a:xfrm>
-        </p:spPr>
-        <p:txBody>
-          <a:bodyPr/>
-          <a:lstStyle/>
-          <a:p>
-            <a:endParaRPr lang="de-DE" dirty="0"/>
-          </a:p>
-        </p:txBody>
-      </p:sp>
-      <p:sp>
-        <p:nvSpPr>
-          <p:cNvPr id="3" name="Foliennummernplatzhalter 2">
-            <a:extLst>
-              <a:ext uri="{FF2B5EF4-FFF2-40B4-BE49-F238E27FC236}">
-                <a16:creationId xmlns:a16="http://schemas.microsoft.com/office/drawing/2014/main" id="{A79F8E35-C9A9-43A4-80E8-5547F32C0231}"/>
-              </a:ext>
-            </a:extLst>
-          </p:cNvPr>
-          <p:cNvSpPr>
-            <a:spLocks noGrp="1"/>
-          </p:cNvSpPr>
-          <p:nvPr>
-            <p:ph type="sldNum" sz="quarter" idx="12"/>
-          </p:nvPr>
-        </p:nvSpPr>
-        <p:spPr/>
-        <p:txBody>
-          <a:bodyPr/>
-          <a:lstStyle/>
-          <a:p>
-            <a:fld id="{BD21E185-623E-454D-ABB4-0DC3CE2E49DB}" type="slidenum">
-              <a:rPr lang="de-DE" smtClean="0"/>
-              <a:pPr/>
-              <a:t>3</a:t>
-            </a:fld>
-            <a:endParaRPr lang="de-DE" dirty="0"/>
-          </a:p>
-        </p:txBody>
-      </p:sp>
-      <p:sp>
-        <p:nvSpPr>
-          <p:cNvPr id="4" name="Textplatzhalter 3">
-            <a:extLst>
-              <a:ext uri="{FF2B5EF4-FFF2-40B4-BE49-F238E27FC236}">
-                <a16:creationId xmlns:a16="http://schemas.microsoft.com/office/drawing/2014/main" id="{FB0633F9-4D15-4A65-AF1B-3587C8218E52}"/>
-              </a:ext>
-            </a:extLst>
-          </p:cNvPr>
-          <p:cNvSpPr>
-            <a:spLocks noGrp="1"/>
-          </p:cNvSpPr>
-          <p:nvPr>
-            <p:ph type="body" sz="quarter" idx="13"/>
-          </p:nvPr>
-        </p:nvSpPr>
-        <p:spPr>
-          <a:xfrm>
-            <a:off x="540395" y="1556915"/>
-            <a:ext cx="7920037" cy="4824413"/>
-          </a:xfrm>
-        </p:spPr>
-        <p:txBody>
-          <a:bodyPr/>
-          <a:lstStyle/>
-          <a:p>
-            <a:pPr marL="0" indent="0">
-              <a:buNone/>
-            </a:pPr>
-            <a:r>
-              <a:rPr lang="de-DE" dirty="0"/>
-              <a:t> </a:t>
-            </a:r>
-          </a:p>
-        </p:txBody>
-      </p:sp>
     </p:spTree>
     <p:extLst>
       <p:ext uri="{BB962C8B-B14F-4D97-AF65-F5344CB8AC3E}">
-        <p14:creationId xmlns:p14="http://schemas.microsoft.com/office/powerpoint/2010/main" val="822371757"/>
+        <p14:creationId xmlns:p14="http://schemas.microsoft.com/office/powerpoint/2010/main" val="4108753294"/>
       </p:ext>
     </p:extLst>
   </p:cSld>
@@ -8712,6 +8743,12 @@
           <a:p>
             <a:r>
               <a:rPr lang="de-DE" dirty="0"/>
+              <a:t>Problem wird in Teilprobleme aufgeteilt</a:t>
+            </a:r>
+          </a:p>
+          <a:p>
+            <a:r>
+              <a:rPr lang="de-DE" dirty="0"/>
               <a:t>Mit der richtigen Abbruchbedingung kann man Algorithmen einfach mehrfach wiederholen</a:t>
             </a:r>
           </a:p>
@@ -8721,6 +8758,128 @@
     <p:extLst>
       <p:ext uri="{BB962C8B-B14F-4D97-AF65-F5344CB8AC3E}">
         <p14:creationId xmlns:p14="http://schemas.microsoft.com/office/powerpoint/2010/main" val="923596441"/>
+      </p:ext>
+    </p:extLst>
+  </p:cSld>
+  <p:clrMapOvr>
+    <a:masterClrMapping/>
+  </p:clrMapOvr>
+</p:sld>
+</file>
+
+<file path=ppt/slides/slide39.xml><?xml version="1.0" encoding="utf-8"?>
+<p:sld xmlns:a="http://schemas.openxmlformats.org/drawingml/2006/main" xmlns:r="http://schemas.openxmlformats.org/officeDocument/2006/relationships" xmlns:p="http://schemas.openxmlformats.org/presentationml/2006/main">
+  <p:cSld>
+    <p:spTree>
+      <p:nvGrpSpPr>
+        <p:cNvPr id="1" name=""/>
+        <p:cNvGrpSpPr/>
+        <p:nvPr/>
+      </p:nvGrpSpPr>
+      <p:grpSpPr>
+        <a:xfrm>
+          <a:off x="0" y="0"/>
+          <a:ext cx="0" cy="0"/>
+          <a:chOff x="0" y="0"/>
+          <a:chExt cx="0" cy="0"/>
+        </a:xfrm>
+      </p:grpSpPr>
+      <p:sp>
+        <p:nvSpPr>
+          <p:cNvPr id="2" name="Titel 1">
+            <a:extLst>
+              <a:ext uri="{FF2B5EF4-FFF2-40B4-BE49-F238E27FC236}">
+                <a16:creationId xmlns:a16="http://schemas.microsoft.com/office/drawing/2014/main" id="{0454EE9F-D5A4-41B1-84CF-90807F1F85B0}"/>
+              </a:ext>
+            </a:extLst>
+          </p:cNvPr>
+          <p:cNvSpPr>
+            <a:spLocks noGrp="1"/>
+          </p:cNvSpPr>
+          <p:nvPr>
+            <p:ph type="title"/>
+          </p:nvPr>
+        </p:nvSpPr>
+        <p:spPr/>
+        <p:txBody>
+          <a:bodyPr/>
+          <a:lstStyle/>
+          <a:p>
+            <a:r>
+              <a:rPr lang="de-DE" dirty="0"/>
+              <a:t>Rekursion</a:t>
+            </a:r>
+          </a:p>
+        </p:txBody>
+      </p:sp>
+      <p:sp>
+        <p:nvSpPr>
+          <p:cNvPr id="3" name="Foliennummernplatzhalter 2">
+            <a:extLst>
+              <a:ext uri="{FF2B5EF4-FFF2-40B4-BE49-F238E27FC236}">
+                <a16:creationId xmlns:a16="http://schemas.microsoft.com/office/drawing/2014/main" id="{C4680216-4206-4ED4-8968-539187BFD95E}"/>
+              </a:ext>
+            </a:extLst>
+          </p:cNvPr>
+          <p:cNvSpPr>
+            <a:spLocks noGrp="1"/>
+          </p:cNvSpPr>
+          <p:nvPr>
+            <p:ph type="sldNum" sz="quarter" idx="12"/>
+          </p:nvPr>
+        </p:nvSpPr>
+        <p:spPr/>
+        <p:txBody>
+          <a:bodyPr/>
+          <a:lstStyle/>
+          <a:p>
+            <a:fld id="{BD21E185-623E-454D-ABB4-0DC3CE2E49DB}" type="slidenum">
+              <a:rPr lang="de-DE" smtClean="0"/>
+              <a:pPr/>
+              <a:t>39</a:t>
+            </a:fld>
+            <a:endParaRPr lang="de-DE" dirty="0"/>
+          </a:p>
+        </p:txBody>
+      </p:sp>
+      <p:sp>
+        <p:nvSpPr>
+          <p:cNvPr id="4" name="Textplatzhalter 3">
+            <a:extLst>
+              <a:ext uri="{FF2B5EF4-FFF2-40B4-BE49-F238E27FC236}">
+                <a16:creationId xmlns:a16="http://schemas.microsoft.com/office/drawing/2014/main" id="{10E80397-3535-459E-AAE3-DDBDB0BC98A7}"/>
+              </a:ext>
+            </a:extLst>
+          </p:cNvPr>
+          <p:cNvSpPr>
+            <a:spLocks noGrp="1"/>
+          </p:cNvSpPr>
+          <p:nvPr>
+            <p:ph type="body" sz="quarter" idx="13"/>
+          </p:nvPr>
+        </p:nvSpPr>
+        <p:spPr/>
+        <p:txBody>
+          <a:bodyPr/>
+          <a:lstStyle/>
+          <a:p>
+            <a:r>
+              <a:rPr lang="de-DE" dirty="0"/>
+              <a:t>Rekursionen sind oft leichter lesbar und kompakter</a:t>
+            </a:r>
+          </a:p>
+          <a:p>
+            <a:r>
+              <a:rPr lang="de-DE" dirty="0"/>
+              <a:t>Iterative Lösungen sind meist aber effizienter und leichter verständlich</a:t>
+            </a:r>
+          </a:p>
+        </p:txBody>
+      </p:sp>
+    </p:spTree>
+    <p:extLst>
+      <p:ext uri="{BB962C8B-B14F-4D97-AF65-F5344CB8AC3E}">
+        <p14:creationId xmlns:p14="http://schemas.microsoft.com/office/powerpoint/2010/main" val="3760844766"/>
       </p:ext>
     </p:extLst>
   </p:cSld>
@@ -8845,7 +9004,7 @@
           <p:nvPr/>
         </p:nvPicPr>
         <p:blipFill>
-          <a:blip r:embed="rId2">
+          <a:blip r:embed="rId3">
             <a:extLst>
               <a:ext uri="{28A0092B-C50C-407E-A947-70E740481C1C}">
                 <a14:useLocalDpi xmlns:a14="http://schemas.microsoft.com/office/drawing/2010/main" val="0"/>
@@ -8870,6 +9029,322 @@
     <p:extLst>
       <p:ext uri="{BB962C8B-B14F-4D97-AF65-F5344CB8AC3E}">
         <p14:creationId xmlns:p14="http://schemas.microsoft.com/office/powerpoint/2010/main" val="4062352375"/>
+      </p:ext>
+    </p:extLst>
+  </p:cSld>
+  <p:clrMapOvr>
+    <a:masterClrMapping/>
+  </p:clrMapOvr>
+</p:sld>
+</file>
+
+<file path=ppt/slides/slide40.xml><?xml version="1.0" encoding="utf-8"?>
+<p:sld xmlns:a="http://schemas.openxmlformats.org/drawingml/2006/main" xmlns:r="http://schemas.openxmlformats.org/officeDocument/2006/relationships" xmlns:p="http://schemas.openxmlformats.org/presentationml/2006/main">
+  <p:cSld>
+    <p:spTree>
+      <p:nvGrpSpPr>
+        <p:cNvPr id="1" name=""/>
+        <p:cNvGrpSpPr/>
+        <p:nvPr/>
+      </p:nvGrpSpPr>
+      <p:grpSpPr>
+        <a:xfrm>
+          <a:off x="0" y="0"/>
+          <a:ext cx="0" cy="0"/>
+          <a:chOff x="0" y="0"/>
+          <a:chExt cx="0" cy="0"/>
+        </a:xfrm>
+      </p:grpSpPr>
+      <p:sp>
+        <p:nvSpPr>
+          <p:cNvPr id="3" name="Foliennummernplatzhalter 2">
+            <a:extLst>
+              <a:ext uri="{FF2B5EF4-FFF2-40B4-BE49-F238E27FC236}">
+                <a16:creationId xmlns:a16="http://schemas.microsoft.com/office/drawing/2014/main" id="{8594727A-9BC3-4B4E-AB79-3841FDA1875C}"/>
+              </a:ext>
+            </a:extLst>
+          </p:cNvPr>
+          <p:cNvSpPr>
+            <a:spLocks noGrp="1"/>
+          </p:cNvSpPr>
+          <p:nvPr>
+            <p:ph type="sldNum" sz="quarter" idx="12"/>
+          </p:nvPr>
+        </p:nvSpPr>
+        <p:spPr/>
+        <p:txBody>
+          <a:bodyPr/>
+          <a:lstStyle/>
+          <a:p>
+            <a:fld id="{BD21E185-623E-454D-ABB4-0DC3CE2E49DB}" type="slidenum">
+              <a:rPr lang="de-DE" smtClean="0"/>
+              <a:pPr/>
+              <a:t>40</a:t>
+            </a:fld>
+            <a:endParaRPr lang="de-DE" dirty="0"/>
+          </a:p>
+        </p:txBody>
+      </p:sp>
+      <p:pic>
+        <p:nvPicPr>
+          <p:cNvPr id="6" name="Grafik 5">
+            <a:extLst>
+              <a:ext uri="{FF2B5EF4-FFF2-40B4-BE49-F238E27FC236}">
+                <a16:creationId xmlns:a16="http://schemas.microsoft.com/office/drawing/2014/main" id="{1590C79C-FB7A-42FE-A4CE-88BCBD20AE1A}"/>
+              </a:ext>
+            </a:extLst>
+          </p:cNvPr>
+          <p:cNvPicPr>
+            <a:picLocks noChangeAspect="1"/>
+          </p:cNvPicPr>
+          <p:nvPr/>
+        </p:nvPicPr>
+        <p:blipFill>
+          <a:blip r:embed="rId2">
+            <a:extLst>
+              <a:ext uri="{28A0092B-C50C-407E-A947-70E740481C1C}">
+                <a14:useLocalDpi xmlns:a14="http://schemas.microsoft.com/office/drawing/2010/main" val="0"/>
+              </a:ext>
+            </a:extLst>
+          </a:blip>
+          <a:stretch>
+            <a:fillRect/>
+          </a:stretch>
+        </p:blipFill>
+        <p:spPr>
+          <a:xfrm>
+            <a:off x="395299" y="2685599"/>
+            <a:ext cx="3685592" cy="1486802"/>
+          </a:xfrm>
+          <a:prstGeom prst="rect">
+            <a:avLst/>
+          </a:prstGeom>
+        </p:spPr>
+      </p:pic>
+      <p:pic>
+        <p:nvPicPr>
+          <p:cNvPr id="8" name="Grafik 7">
+            <a:extLst>
+              <a:ext uri="{FF2B5EF4-FFF2-40B4-BE49-F238E27FC236}">
+                <a16:creationId xmlns:a16="http://schemas.microsoft.com/office/drawing/2014/main" id="{8E1B2A8B-0D3A-435B-B6D8-DD13AD38F0B1}"/>
+              </a:ext>
+            </a:extLst>
+          </p:cNvPr>
+          <p:cNvPicPr>
+            <a:picLocks noChangeAspect="1"/>
+          </p:cNvPicPr>
+          <p:nvPr/>
+        </p:nvPicPr>
+        <p:blipFill>
+          <a:blip r:embed="rId3">
+            <a:extLst>
+              <a:ext uri="{28A0092B-C50C-407E-A947-70E740481C1C}">
+                <a14:useLocalDpi xmlns:a14="http://schemas.microsoft.com/office/drawing/2010/main" val="0"/>
+              </a:ext>
+            </a:extLst>
+          </a:blip>
+          <a:stretch>
+            <a:fillRect/>
+          </a:stretch>
+        </p:blipFill>
+        <p:spPr>
+          <a:xfrm>
+            <a:off x="3993869" y="2685599"/>
+            <a:ext cx="4321467" cy="1486800"/>
+          </a:xfrm>
+          <a:prstGeom prst="rect">
+            <a:avLst/>
+          </a:prstGeom>
+        </p:spPr>
+      </p:pic>
+      <p:pic>
+        <p:nvPicPr>
+          <p:cNvPr id="10" name="Grafik 9">
+            <a:extLst>
+              <a:ext uri="{FF2B5EF4-FFF2-40B4-BE49-F238E27FC236}">
+                <a16:creationId xmlns:a16="http://schemas.microsoft.com/office/drawing/2014/main" id="{B7676BE1-4FE6-4BA6-A341-CD569EB48C79}"/>
+              </a:ext>
+            </a:extLst>
+          </p:cNvPr>
+          <p:cNvPicPr>
+            <a:picLocks noChangeAspect="1"/>
+          </p:cNvPicPr>
+          <p:nvPr/>
+        </p:nvPicPr>
+        <p:blipFill>
+          <a:blip r:embed="rId4">
+            <a:extLst>
+              <a:ext uri="{28A0092B-C50C-407E-A947-70E740481C1C}">
+                <a14:useLocalDpi xmlns:a14="http://schemas.microsoft.com/office/drawing/2010/main" val="0"/>
+              </a:ext>
+            </a:extLst>
+          </a:blip>
+          <a:stretch>
+            <a:fillRect/>
+          </a:stretch>
+        </p:blipFill>
+        <p:spPr>
+          <a:xfrm>
+            <a:off x="1554019" y="4170469"/>
+            <a:ext cx="1368152" cy="2138084"/>
+          </a:xfrm>
+          <a:prstGeom prst="rect">
+            <a:avLst/>
+          </a:prstGeom>
+        </p:spPr>
+      </p:pic>
+      <p:pic>
+        <p:nvPicPr>
+          <p:cNvPr id="12" name="Grafik 11">
+            <a:extLst>
+              <a:ext uri="{FF2B5EF4-FFF2-40B4-BE49-F238E27FC236}">
+                <a16:creationId xmlns:a16="http://schemas.microsoft.com/office/drawing/2014/main" id="{5D7A2D1A-0A88-4A0B-8235-EDF16F10B65B}"/>
+              </a:ext>
+            </a:extLst>
+          </p:cNvPr>
+          <p:cNvPicPr>
+            <a:picLocks noChangeAspect="1"/>
+          </p:cNvPicPr>
+          <p:nvPr/>
+        </p:nvPicPr>
+        <p:blipFill>
+          <a:blip r:embed="rId5">
+            <a:extLst>
+              <a:ext uri="{28A0092B-C50C-407E-A947-70E740481C1C}">
+                <a14:useLocalDpi xmlns:a14="http://schemas.microsoft.com/office/drawing/2010/main" val="0"/>
+              </a:ext>
+            </a:extLst>
+          </a:blip>
+          <a:stretch>
+            <a:fillRect/>
+          </a:stretch>
+        </p:blipFill>
+        <p:spPr>
+          <a:xfrm>
+            <a:off x="5031654" y="4321299"/>
+            <a:ext cx="2245896" cy="1836423"/>
+          </a:xfrm>
+          <a:prstGeom prst="rect">
+            <a:avLst/>
+          </a:prstGeom>
+        </p:spPr>
+      </p:pic>
+    </p:spTree>
+    <p:extLst>
+      <p:ext uri="{BB962C8B-B14F-4D97-AF65-F5344CB8AC3E}">
+        <p14:creationId xmlns:p14="http://schemas.microsoft.com/office/powerpoint/2010/main" val="2445275072"/>
+      </p:ext>
+    </p:extLst>
+  </p:cSld>
+  <p:clrMapOvr>
+    <a:masterClrMapping/>
+  </p:clrMapOvr>
+</p:sld>
+</file>
+
+<file path=ppt/slides/slide41.xml><?xml version="1.0" encoding="utf-8"?>
+<p:sld xmlns:a="http://schemas.openxmlformats.org/drawingml/2006/main" xmlns:r="http://schemas.openxmlformats.org/officeDocument/2006/relationships" xmlns:p="http://schemas.openxmlformats.org/presentationml/2006/main">
+  <p:cSld>
+    <p:spTree>
+      <p:nvGrpSpPr>
+        <p:cNvPr id="1" name=""/>
+        <p:cNvGrpSpPr/>
+        <p:nvPr/>
+      </p:nvGrpSpPr>
+      <p:grpSpPr>
+        <a:xfrm>
+          <a:off x="0" y="0"/>
+          <a:ext cx="0" cy="0"/>
+          <a:chOff x="0" y="0"/>
+          <a:chExt cx="0" cy="0"/>
+        </a:xfrm>
+      </p:grpSpPr>
+      <p:sp>
+        <p:nvSpPr>
+          <p:cNvPr id="3" name="Titel 2">
+            <a:extLst>
+              <a:ext uri="{FF2B5EF4-FFF2-40B4-BE49-F238E27FC236}">
+                <a16:creationId xmlns:a16="http://schemas.microsoft.com/office/drawing/2014/main" id="{0EFED45A-4D59-4EED-A1E8-D73C5C092650}"/>
+              </a:ext>
+            </a:extLst>
+          </p:cNvPr>
+          <p:cNvSpPr>
+            <a:spLocks noGrp="1"/>
+          </p:cNvSpPr>
+          <p:nvPr>
+            <p:ph type="ctrTitle"/>
+          </p:nvPr>
+        </p:nvSpPr>
+        <p:spPr/>
+        <p:txBody>
+          <a:bodyPr/>
+          <a:lstStyle/>
+          <a:p>
+            <a:r>
+              <a:rPr lang="de-DE" dirty="0"/>
+              <a:t>Quicksort Algorithmus</a:t>
+            </a:r>
+          </a:p>
+        </p:txBody>
+      </p:sp>
+      <p:sp>
+        <p:nvSpPr>
+          <p:cNvPr id="4" name="Untertitel 3">
+            <a:extLst>
+              <a:ext uri="{FF2B5EF4-FFF2-40B4-BE49-F238E27FC236}">
+                <a16:creationId xmlns:a16="http://schemas.microsoft.com/office/drawing/2014/main" id="{DDF603D6-8388-4838-AFFF-F15A31302EC1}"/>
+              </a:ext>
+            </a:extLst>
+          </p:cNvPr>
+          <p:cNvSpPr>
+            <a:spLocks noGrp="1"/>
+          </p:cNvSpPr>
+          <p:nvPr>
+            <p:ph type="subTitle" idx="1"/>
+          </p:nvPr>
+        </p:nvSpPr>
+        <p:spPr/>
+        <p:txBody>
+          <a:bodyPr/>
+          <a:lstStyle/>
+          <a:p>
+            <a:endParaRPr lang="de-DE"/>
+          </a:p>
+        </p:txBody>
+      </p:sp>
+      <p:sp>
+        <p:nvSpPr>
+          <p:cNvPr id="2" name="Foliennummernplatzhalter 1">
+            <a:extLst>
+              <a:ext uri="{FF2B5EF4-FFF2-40B4-BE49-F238E27FC236}">
+                <a16:creationId xmlns:a16="http://schemas.microsoft.com/office/drawing/2014/main" id="{1CE226D5-BA1A-41E9-827C-FE91ECD1DDDA}"/>
+              </a:ext>
+            </a:extLst>
+          </p:cNvPr>
+          <p:cNvSpPr>
+            <a:spLocks noGrp="1"/>
+          </p:cNvSpPr>
+          <p:nvPr>
+            <p:ph type="sldNum" sz="quarter" idx="12"/>
+          </p:nvPr>
+        </p:nvSpPr>
+        <p:spPr/>
+        <p:txBody>
+          <a:bodyPr/>
+          <a:lstStyle/>
+          <a:p>
+            <a:fld id="{BD21E185-623E-454D-ABB4-0DC3CE2E49DB}" type="slidenum">
+              <a:rPr lang="de-DE" smtClean="0"/>
+              <a:t>41</a:t>
+            </a:fld>
+            <a:endParaRPr lang="de-DE" dirty="0"/>
+          </a:p>
+        </p:txBody>
+      </p:sp>
+    </p:spTree>
+    <p:extLst>
+      <p:ext uri="{BB962C8B-B14F-4D97-AF65-F5344CB8AC3E}">
+        <p14:creationId xmlns:p14="http://schemas.microsoft.com/office/powerpoint/2010/main" val="3892789918"/>
       </p:ext>
     </p:extLst>
   </p:cSld>

--- a/Präsentation/Quicksort.pptx
+++ b/Präsentation/Quicksort.pptx
@@ -4089,6 +4089,14 @@
   <p:clrMapOvr>
     <a:masterClrMapping/>
   </p:clrMapOvr>
+  <mc:AlternateContent xmlns:mc="http://schemas.openxmlformats.org/markup-compatibility/2006">
+    <mc:Choice xmlns:p14="http://schemas.microsoft.com/office/powerpoint/2010/main" Requires="p14">
+      <p:transition spd="slow" p14:dur="2000" advTm="15428"/>
+    </mc:Choice>
+    <mc:Fallback>
+      <p:transition spd="slow" advTm="15428"/>
+    </mc:Fallback>
+  </mc:AlternateContent>
 </p:sld>
 </file>
 
@@ -4238,6 +4246,14 @@
   <p:clrMapOvr>
     <a:masterClrMapping/>
   </p:clrMapOvr>
+  <mc:AlternateContent xmlns:mc="http://schemas.openxmlformats.org/markup-compatibility/2006">
+    <mc:Choice xmlns:p14="http://schemas.microsoft.com/office/powerpoint/2010/main" Requires="p14">
+      <p:transition spd="slow" p14:dur="2000" advTm="743"/>
+    </mc:Choice>
+    <mc:Fallback>
+      <p:transition spd="slow" advTm="743"/>
+    </mc:Fallback>
+  </mc:AlternateContent>
 </p:sld>
 </file>
 
@@ -4387,6 +4403,14 @@
   <p:clrMapOvr>
     <a:masterClrMapping/>
   </p:clrMapOvr>
+  <mc:AlternateContent xmlns:mc="http://schemas.openxmlformats.org/markup-compatibility/2006">
+    <mc:Choice xmlns:p14="http://schemas.microsoft.com/office/powerpoint/2010/main" Requires="p14">
+      <p:transition spd="slow" p14:dur="2000" advTm="819"/>
+    </mc:Choice>
+    <mc:Fallback>
+      <p:transition spd="slow" advTm="819"/>
+    </mc:Fallback>
+  </mc:AlternateContent>
 </p:sld>
 </file>
 
@@ -4536,6 +4560,14 @@
   <p:clrMapOvr>
     <a:masterClrMapping/>
   </p:clrMapOvr>
+  <mc:AlternateContent xmlns:mc="http://schemas.openxmlformats.org/markup-compatibility/2006">
+    <mc:Choice xmlns:p14="http://schemas.microsoft.com/office/powerpoint/2010/main" Requires="p14">
+      <p:transition spd="slow" p14:dur="2000" advTm="4477"/>
+    </mc:Choice>
+    <mc:Fallback>
+      <p:transition spd="slow" advTm="4477"/>
+    </mc:Fallback>
+  </mc:AlternateContent>
 </p:sld>
 </file>
 
@@ -4685,6 +4717,14 @@
   <p:clrMapOvr>
     <a:masterClrMapping/>
   </p:clrMapOvr>
+  <mc:AlternateContent xmlns:mc="http://schemas.openxmlformats.org/markup-compatibility/2006">
+    <mc:Choice xmlns:p14="http://schemas.microsoft.com/office/powerpoint/2010/main" Requires="p14">
+      <p:transition spd="slow" p14:dur="2000" advTm="7743"/>
+    </mc:Choice>
+    <mc:Fallback>
+      <p:transition spd="slow" advTm="7743"/>
+    </mc:Fallback>
+  </mc:AlternateContent>
 </p:sld>
 </file>
 
@@ -4834,6 +4874,14 @@
   <p:clrMapOvr>
     <a:masterClrMapping/>
   </p:clrMapOvr>
+  <mc:AlternateContent xmlns:mc="http://schemas.openxmlformats.org/markup-compatibility/2006">
+    <mc:Choice xmlns:p14="http://schemas.microsoft.com/office/powerpoint/2010/main" Requires="p14">
+      <p:transition spd="slow" p14:dur="2000" advTm="1073"/>
+    </mc:Choice>
+    <mc:Fallback>
+      <p:transition spd="slow" advTm="1073"/>
+    </mc:Fallback>
+  </mc:AlternateContent>
 </p:sld>
 </file>
 
@@ -4983,6 +5031,14 @@
   <p:clrMapOvr>
     <a:masterClrMapping/>
   </p:clrMapOvr>
+  <mc:AlternateContent xmlns:mc="http://schemas.openxmlformats.org/markup-compatibility/2006">
+    <mc:Choice xmlns:p14="http://schemas.microsoft.com/office/powerpoint/2010/main" Requires="p14">
+      <p:transition spd="slow" p14:dur="2000" advTm="4531"/>
+    </mc:Choice>
+    <mc:Fallback>
+      <p:transition spd="slow" advTm="4531"/>
+    </mc:Fallback>
+  </mc:AlternateContent>
 </p:sld>
 </file>
 
@@ -5132,6 +5188,14 @@
   <p:clrMapOvr>
     <a:masterClrMapping/>
   </p:clrMapOvr>
+  <mc:AlternateContent xmlns:mc="http://schemas.openxmlformats.org/markup-compatibility/2006">
+    <mc:Choice xmlns:p14="http://schemas.microsoft.com/office/powerpoint/2010/main" Requires="p14">
+      <p:transition spd="slow" p14:dur="2000" advTm="3603"/>
+    </mc:Choice>
+    <mc:Fallback>
+      <p:transition spd="slow" advTm="3603"/>
+    </mc:Fallback>
+  </mc:AlternateContent>
 </p:sld>
 </file>
 
@@ -5281,6 +5345,14 @@
   <p:clrMapOvr>
     <a:masterClrMapping/>
   </p:clrMapOvr>
+  <mc:AlternateContent xmlns:mc="http://schemas.openxmlformats.org/markup-compatibility/2006">
+    <mc:Choice xmlns:p14="http://schemas.microsoft.com/office/powerpoint/2010/main" Requires="p14">
+      <p:transition spd="slow" p14:dur="2000" advTm="2736"/>
+    </mc:Choice>
+    <mc:Fallback>
+      <p:transition spd="slow" advTm="2736"/>
+    </mc:Fallback>
+  </mc:AlternateContent>
 </p:sld>
 </file>
 
@@ -5430,6 +5502,14 @@
   <p:clrMapOvr>
     <a:masterClrMapping/>
   </p:clrMapOvr>
+  <mc:AlternateContent xmlns:mc="http://schemas.openxmlformats.org/markup-compatibility/2006">
+    <mc:Choice xmlns:p14="http://schemas.microsoft.com/office/powerpoint/2010/main" Requires="p14">
+      <p:transition spd="slow" p14:dur="2000" advTm="719"/>
+    </mc:Choice>
+    <mc:Fallback>
+      <p:transition spd="slow" advTm="719"/>
+    </mc:Fallback>
+  </mc:AlternateContent>
 </p:sld>
 </file>
 
@@ -5579,6 +5659,14 @@
   <p:clrMapOvr>
     <a:masterClrMapping/>
   </p:clrMapOvr>
+  <mc:AlternateContent xmlns:mc="http://schemas.openxmlformats.org/markup-compatibility/2006">
+    <mc:Choice xmlns:p14="http://schemas.microsoft.com/office/powerpoint/2010/main" Requires="p14">
+      <p:transition spd="slow" p14:dur="2000" advTm="4917"/>
+    </mc:Choice>
+    <mc:Fallback>
+      <p:transition spd="slow" advTm="4917"/>
+    </mc:Fallback>
+  </mc:AlternateContent>
 </p:sld>
 </file>
 
@@ -5701,6 +5789,14 @@
   <p:clrMapOvr>
     <a:masterClrMapping/>
   </p:clrMapOvr>
+  <mc:AlternateContent xmlns:mc="http://schemas.openxmlformats.org/markup-compatibility/2006">
+    <mc:Choice xmlns:p14="http://schemas.microsoft.com/office/powerpoint/2010/main" Requires="p14">
+      <p:transition spd="slow" p14:dur="2000" advTm="41422"/>
+    </mc:Choice>
+    <mc:Fallback>
+      <p:transition spd="slow" advTm="41422"/>
+    </mc:Fallback>
+  </mc:AlternateContent>
 </p:sld>
 </file>
 
@@ -5847,6 +5943,14 @@
   <p:clrMapOvr>
     <a:masterClrMapping/>
   </p:clrMapOvr>
+  <mc:AlternateContent xmlns:mc="http://schemas.openxmlformats.org/markup-compatibility/2006">
+    <mc:Choice xmlns:p14="http://schemas.microsoft.com/office/powerpoint/2010/main" Requires="p14">
+      <p:transition spd="slow" p14:dur="2000" advTm="8612"/>
+    </mc:Choice>
+    <mc:Fallback>
+      <p:transition spd="slow" advTm="8612"/>
+    </mc:Fallback>
+  </mc:AlternateContent>
 </p:sld>
 </file>
 
@@ -5996,6 +6100,14 @@
   <p:clrMapOvr>
     <a:masterClrMapping/>
   </p:clrMapOvr>
+  <mc:AlternateContent xmlns:mc="http://schemas.openxmlformats.org/markup-compatibility/2006">
+    <mc:Choice xmlns:p14="http://schemas.microsoft.com/office/powerpoint/2010/main" Requires="p14">
+      <p:transition spd="slow" p14:dur="2000" advTm="1707"/>
+    </mc:Choice>
+    <mc:Fallback>
+      <p:transition spd="slow" advTm="1707"/>
+    </mc:Fallback>
+  </mc:AlternateContent>
 </p:sld>
 </file>
 
@@ -6145,6 +6257,14 @@
   <p:clrMapOvr>
     <a:masterClrMapping/>
   </p:clrMapOvr>
+  <mc:AlternateContent xmlns:mc="http://schemas.openxmlformats.org/markup-compatibility/2006">
+    <mc:Choice xmlns:p14="http://schemas.microsoft.com/office/powerpoint/2010/main" Requires="p14">
+      <p:transition spd="slow" p14:dur="2000" advTm="2717"/>
+    </mc:Choice>
+    <mc:Fallback>
+      <p:transition spd="slow" advTm="2717"/>
+    </mc:Fallback>
+  </mc:AlternateContent>
 </p:sld>
 </file>
 
@@ -6294,6 +6414,14 @@
   <p:clrMapOvr>
     <a:masterClrMapping/>
   </p:clrMapOvr>
+  <mc:AlternateContent xmlns:mc="http://schemas.openxmlformats.org/markup-compatibility/2006">
+    <mc:Choice xmlns:p14="http://schemas.microsoft.com/office/powerpoint/2010/main" Requires="p14">
+      <p:transition spd="slow" p14:dur="2000" advTm="4953"/>
+    </mc:Choice>
+    <mc:Fallback>
+      <p:transition spd="slow" advTm="4953"/>
+    </mc:Fallback>
+  </mc:AlternateContent>
 </p:sld>
 </file>
 
@@ -6440,6 +6568,14 @@
   <p:clrMapOvr>
     <a:masterClrMapping/>
   </p:clrMapOvr>
+  <mc:AlternateContent xmlns:mc="http://schemas.openxmlformats.org/markup-compatibility/2006">
+    <mc:Choice xmlns:p14="http://schemas.microsoft.com/office/powerpoint/2010/main" Requires="p14">
+      <p:transition spd="slow" p14:dur="2000" advTm="621"/>
+    </mc:Choice>
+    <mc:Fallback>
+      <p:transition spd="slow" advTm="621"/>
+    </mc:Fallback>
+  </mc:AlternateContent>
 </p:sld>
 </file>
 
@@ -6586,6 +6722,14 @@
   <p:clrMapOvr>
     <a:masterClrMapping/>
   </p:clrMapOvr>
+  <mc:AlternateContent xmlns:mc="http://schemas.openxmlformats.org/markup-compatibility/2006">
+    <mc:Choice xmlns:p14="http://schemas.microsoft.com/office/powerpoint/2010/main" Requires="p14">
+      <p:transition spd="slow" p14:dur="2000" advTm="8045"/>
+    </mc:Choice>
+    <mc:Fallback>
+      <p:transition spd="slow" advTm="8045"/>
+    </mc:Fallback>
+  </mc:AlternateContent>
 </p:sld>
 </file>
 
@@ -6735,6 +6879,14 @@
   <p:clrMapOvr>
     <a:masterClrMapping/>
   </p:clrMapOvr>
+  <mc:AlternateContent xmlns:mc="http://schemas.openxmlformats.org/markup-compatibility/2006">
+    <mc:Choice xmlns:p14="http://schemas.microsoft.com/office/powerpoint/2010/main" Requires="p14">
+      <p:transition spd="slow" p14:dur="2000" advTm="10867"/>
+    </mc:Choice>
+    <mc:Fallback>
+      <p:transition spd="slow" advTm="10867"/>
+    </mc:Fallback>
+  </mc:AlternateContent>
 </p:sld>
 </file>
 
@@ -6904,6 +7056,14 @@
   <p:clrMapOvr>
     <a:masterClrMapping/>
   </p:clrMapOvr>
+  <mc:AlternateContent xmlns:mc="http://schemas.openxmlformats.org/markup-compatibility/2006">
+    <mc:Choice xmlns:p14="http://schemas.microsoft.com/office/powerpoint/2010/main" Requires="p14">
+      <p:transition spd="slow" p14:dur="2000" advTm="90013"/>
+    </mc:Choice>
+    <mc:Fallback>
+      <p:transition spd="slow" advTm="90013"/>
+    </mc:Fallback>
+  </mc:AlternateContent>
 </p:sld>
 </file>
 
@@ -7050,6 +7210,14 @@
   <p:clrMapOvr>
     <a:masterClrMapping/>
   </p:clrMapOvr>
+  <mc:AlternateContent xmlns:mc="http://schemas.openxmlformats.org/markup-compatibility/2006">
+    <mc:Choice xmlns:p14="http://schemas.microsoft.com/office/powerpoint/2010/main" Requires="p14">
+      <p:transition spd="slow" p14:dur="2000" advTm="14167"/>
+    </mc:Choice>
+    <mc:Fallback>
+      <p:transition spd="slow" advTm="14167"/>
+    </mc:Fallback>
+  </mc:AlternateContent>
 </p:sld>
 </file>
 
@@ -7202,6 +7370,14 @@
   <p:clrMapOvr>
     <a:masterClrMapping/>
   </p:clrMapOvr>
+  <mc:AlternateContent xmlns:mc="http://schemas.openxmlformats.org/markup-compatibility/2006">
+    <mc:Choice xmlns:p14="http://schemas.microsoft.com/office/powerpoint/2010/main" Requires="p14">
+      <p:transition spd="slow" p14:dur="2000" advTm="82905"/>
+    </mc:Choice>
+    <mc:Fallback>
+      <p:transition spd="slow" advTm="82905"/>
+    </mc:Fallback>
+  </mc:AlternateContent>
 </p:sld>
 </file>
 
@@ -7348,6 +7524,14 @@
   <p:clrMapOvr>
     <a:masterClrMapping/>
   </p:clrMapOvr>
+  <mc:AlternateContent xmlns:mc="http://schemas.openxmlformats.org/markup-compatibility/2006">
+    <mc:Choice xmlns:p14="http://schemas.microsoft.com/office/powerpoint/2010/main" Requires="p14">
+      <p:transition spd="slow" p14:dur="2000" advTm="54835"/>
+    </mc:Choice>
+    <mc:Fallback>
+      <p:transition spd="slow" advTm="54835"/>
+    </mc:Fallback>
+  </mc:AlternateContent>
 </p:sld>
 </file>
 
@@ -7497,6 +7681,14 @@
   <p:clrMapOvr>
     <a:masterClrMapping/>
   </p:clrMapOvr>
+  <mc:AlternateContent xmlns:mc="http://schemas.openxmlformats.org/markup-compatibility/2006">
+    <mc:Choice xmlns:p14="http://schemas.microsoft.com/office/powerpoint/2010/main" Requires="p14">
+      <p:transition spd="slow" p14:dur="2000" advTm="5905"/>
+    </mc:Choice>
+    <mc:Fallback>
+      <p:transition spd="slow" advTm="5905"/>
+    </mc:Fallback>
+  </mc:AlternateContent>
 </p:sld>
 </file>
 
@@ -7646,6 +7838,14 @@
   <p:clrMapOvr>
     <a:masterClrMapping/>
   </p:clrMapOvr>
+  <mc:AlternateContent xmlns:mc="http://schemas.openxmlformats.org/markup-compatibility/2006">
+    <mc:Choice xmlns:p14="http://schemas.microsoft.com/office/powerpoint/2010/main" Requires="p14">
+      <p:transition spd="slow" p14:dur="2000" advTm="121265"/>
+    </mc:Choice>
+    <mc:Fallback>
+      <p:transition spd="slow" advTm="121265"/>
+    </mc:Fallback>
+  </mc:AlternateContent>
 </p:sld>
 </file>
 
@@ -7795,6 +7995,14 @@
   <p:clrMapOvr>
     <a:masterClrMapping/>
   </p:clrMapOvr>
+  <mc:AlternateContent xmlns:mc="http://schemas.openxmlformats.org/markup-compatibility/2006">
+    <mc:Choice xmlns:p14="http://schemas.microsoft.com/office/powerpoint/2010/main" Requires="p14">
+      <p:transition spd="slow" p14:dur="2000" advTm="79287"/>
+    </mc:Choice>
+    <mc:Fallback>
+      <p:transition spd="slow" advTm="79287"/>
+    </mc:Fallback>
+  </mc:AlternateContent>
 </p:sld>
 </file>
 
@@ -7941,6 +8149,14 @@
   <p:clrMapOvr>
     <a:masterClrMapping/>
   </p:clrMapOvr>
+  <mc:AlternateContent xmlns:mc="http://schemas.openxmlformats.org/markup-compatibility/2006">
+    <mc:Choice xmlns:p14="http://schemas.microsoft.com/office/powerpoint/2010/main" Requires="p14">
+      <p:transition spd="slow" p14:dur="2000" advTm="12797"/>
+    </mc:Choice>
+    <mc:Fallback>
+      <p:transition spd="slow" advTm="12797"/>
+    </mc:Fallback>
+  </mc:AlternateContent>
 </p:sld>
 </file>
 
@@ -8087,6 +8303,14 @@
   <p:clrMapOvr>
     <a:masterClrMapping/>
   </p:clrMapOvr>
+  <mc:AlternateContent xmlns:mc="http://schemas.openxmlformats.org/markup-compatibility/2006">
+    <mc:Choice xmlns:p14="http://schemas.microsoft.com/office/powerpoint/2010/main" Requires="p14">
+      <p:transition spd="slow" p14:dur="2000" advTm="1305"/>
+    </mc:Choice>
+    <mc:Fallback>
+      <p:transition spd="slow" advTm="1305"/>
+    </mc:Fallback>
+  </mc:AlternateContent>
 </p:sld>
 </file>
 
@@ -8269,6 +8493,14 @@
   <p:clrMapOvr>
     <a:masterClrMapping/>
   </p:clrMapOvr>
+  <mc:AlternateContent xmlns:mc="http://schemas.openxmlformats.org/markup-compatibility/2006">
+    <mc:Choice xmlns:p14="http://schemas.microsoft.com/office/powerpoint/2010/main" Requires="p14">
+      <p:transition spd="slow" p14:dur="2000" advTm="587"/>
+    </mc:Choice>
+    <mc:Fallback>
+      <p:transition spd="slow" advTm="587"/>
+    </mc:Fallback>
+  </mc:AlternateContent>
 </p:sld>
 </file>
 
@@ -8397,8 +8629,44 @@
         </p:blipFill>
         <p:spPr>
           <a:xfrm>
-            <a:off x="1667385" y="1593283"/>
-            <a:ext cx="5809229" cy="3671433"/>
+            <a:off x="372613" y="2568448"/>
+            <a:ext cx="4199387" cy="2654012"/>
+          </a:xfrm>
+          <a:prstGeom prst="rect">
+            <a:avLst/>
+          </a:prstGeom>
+        </p:spPr>
+      </p:pic>
+      <p:pic>
+        <p:nvPicPr>
+          <p:cNvPr id="7" name="Grafik 6">
+            <a:extLst>
+              <a:ext uri="{FF2B5EF4-FFF2-40B4-BE49-F238E27FC236}">
+                <a16:creationId xmlns:a16="http://schemas.microsoft.com/office/drawing/2014/main" id="{121EE992-A9E4-4AC1-9E84-254BD15BC70A}"/>
+              </a:ext>
+            </a:extLst>
+          </p:cNvPr>
+          <p:cNvPicPr>
+            <a:picLocks noChangeAspect="1"/>
+          </p:cNvPicPr>
+          <p:nvPr/>
+        </p:nvPicPr>
+        <p:blipFill>
+          <a:blip r:embed="rId3">
+            <a:extLst>
+              <a:ext uri="{28A0092B-C50C-407E-A947-70E740481C1C}">
+                <a14:useLocalDpi xmlns:a14="http://schemas.microsoft.com/office/drawing/2010/main" val="0"/>
+              </a:ext>
+            </a:extLst>
+          </a:blip>
+          <a:stretch>
+            <a:fillRect/>
+          </a:stretch>
+        </p:blipFill>
+        <p:spPr>
+          <a:xfrm>
+            <a:off x="4742460" y="2568448"/>
+            <a:ext cx="3471476" cy="2653200"/>
           </a:xfrm>
           <a:prstGeom prst="rect">
             <a:avLst/>
@@ -8415,6 +8683,14 @@
   <p:clrMapOvr>
     <a:masterClrMapping/>
   </p:clrMapOvr>
+  <mc:AlternateContent xmlns:mc="http://schemas.openxmlformats.org/markup-compatibility/2006">
+    <mc:Choice xmlns:p14="http://schemas.microsoft.com/office/powerpoint/2010/main" Requires="p14">
+      <p:transition spd="slow" p14:dur="2000" advTm="34945"/>
+    </mc:Choice>
+    <mc:Fallback>
+      <p:transition spd="slow" advTm="34945"/>
+    </mc:Fallback>
+  </mc:AlternateContent>
 </p:sld>
 </file>
 
@@ -8636,6 +8912,14 @@
   <p:clrMapOvr>
     <a:masterClrMapping/>
   </p:clrMapOvr>
+  <mc:AlternateContent xmlns:mc="http://schemas.openxmlformats.org/markup-compatibility/2006">
+    <mc:Choice xmlns:p14="http://schemas.microsoft.com/office/powerpoint/2010/main" Requires="p14">
+      <p:transition spd="slow" p14:dur="2000" advTm="1105"/>
+    </mc:Choice>
+    <mc:Fallback>
+      <p:transition spd="slow" advTm="1105"/>
+    </mc:Fallback>
+  </mc:AlternateContent>
 </p:sld>
 </file>
 
@@ -8764,6 +9048,14 @@
   <p:clrMapOvr>
     <a:masterClrMapping/>
   </p:clrMapOvr>
+  <mc:AlternateContent xmlns:mc="http://schemas.openxmlformats.org/markup-compatibility/2006">
+    <mc:Choice xmlns:p14="http://schemas.microsoft.com/office/powerpoint/2010/main" Requires="p14">
+      <p:transition spd="slow" p14:dur="2000" advTm="68858"/>
+    </mc:Choice>
+    <mc:Fallback>
+      <p:transition spd="slow" advTm="68858"/>
+    </mc:Fallback>
+  </mc:AlternateContent>
 </p:sld>
 </file>
 
@@ -8886,6 +9178,14 @@
   <p:clrMapOvr>
     <a:masterClrMapping/>
   </p:clrMapOvr>
+  <mc:AlternateContent xmlns:mc="http://schemas.openxmlformats.org/markup-compatibility/2006">
+    <mc:Choice xmlns:p14="http://schemas.microsoft.com/office/powerpoint/2010/main" Requires="p14">
+      <p:transition spd="slow" p14:dur="2000" advTm="2989"/>
+    </mc:Choice>
+    <mc:Fallback>
+      <p:transition spd="slow" advTm="2989"/>
+    </mc:Fallback>
+  </mc:AlternateContent>
 </p:sld>
 </file>
 
@@ -9035,6 +9335,14 @@
   <p:clrMapOvr>
     <a:masterClrMapping/>
   </p:clrMapOvr>
+  <mc:AlternateContent xmlns:mc="http://schemas.openxmlformats.org/markup-compatibility/2006">
+    <mc:Choice xmlns:p14="http://schemas.microsoft.com/office/powerpoint/2010/main" Requires="p14">
+      <p:transition spd="slow" p14:dur="2000" advTm="33668"/>
+    </mc:Choice>
+    <mc:Fallback>
+      <p:transition spd="slow" advTm="33668"/>
+    </mc:Fallback>
+  </mc:AlternateContent>
 </p:sld>
 </file>
 
@@ -9239,6 +9547,14 @@
   <p:clrMapOvr>
     <a:masterClrMapping/>
   </p:clrMapOvr>
+  <mc:AlternateContent xmlns:mc="http://schemas.openxmlformats.org/markup-compatibility/2006">
+    <mc:Choice xmlns:p14="http://schemas.microsoft.com/office/powerpoint/2010/main" Requires="p14">
+      <p:transition spd="slow" p14:dur="2000" advTm="350790"/>
+    </mc:Choice>
+    <mc:Fallback>
+      <p:transition spd="slow" advTm="350790"/>
+    </mc:Fallback>
+  </mc:AlternateContent>
 </p:sld>
 </file>
 
@@ -9351,6 +9667,14 @@
   <p:clrMapOvr>
     <a:masterClrMapping/>
   </p:clrMapOvr>
+  <mc:AlternateContent xmlns:mc="http://schemas.openxmlformats.org/markup-compatibility/2006">
+    <mc:Choice xmlns:p14="http://schemas.microsoft.com/office/powerpoint/2010/main" Requires="p14">
+      <p:transition spd="slow" p14:dur="2000" advTm="4065"/>
+    </mc:Choice>
+    <mc:Fallback>
+      <p:transition spd="slow" advTm="4065"/>
+    </mc:Fallback>
+  </mc:AlternateContent>
 </p:sld>
 </file>
 
@@ -9500,6 +9824,14 @@
   <p:clrMapOvr>
     <a:masterClrMapping/>
   </p:clrMapOvr>
+  <mc:AlternateContent xmlns:mc="http://schemas.openxmlformats.org/markup-compatibility/2006">
+    <mc:Choice xmlns:p14="http://schemas.microsoft.com/office/powerpoint/2010/main" Requires="p14">
+      <p:transition spd="slow" p14:dur="2000" advTm="4329"/>
+    </mc:Choice>
+    <mc:Fallback>
+      <p:transition spd="slow" advTm="4329"/>
+    </mc:Fallback>
+  </mc:AlternateContent>
 </p:sld>
 </file>
 
@@ -9649,6 +9981,14 @@
   <p:clrMapOvr>
     <a:masterClrMapping/>
   </p:clrMapOvr>
+  <mc:AlternateContent xmlns:mc="http://schemas.openxmlformats.org/markup-compatibility/2006">
+    <mc:Choice xmlns:p14="http://schemas.microsoft.com/office/powerpoint/2010/main" Requires="p14">
+      <p:transition spd="slow" p14:dur="2000" advTm="1677"/>
+    </mc:Choice>
+    <mc:Fallback>
+      <p:transition spd="slow" advTm="1677"/>
+    </mc:Fallback>
+  </mc:AlternateContent>
 </p:sld>
 </file>
 
@@ -9798,6 +10138,14 @@
   <p:clrMapOvr>
     <a:masterClrMapping/>
   </p:clrMapOvr>
+  <mc:AlternateContent xmlns:mc="http://schemas.openxmlformats.org/markup-compatibility/2006">
+    <mc:Choice xmlns:p14="http://schemas.microsoft.com/office/powerpoint/2010/main" Requires="p14">
+      <p:transition spd="slow" p14:dur="2000" advTm="6019"/>
+    </mc:Choice>
+    <mc:Fallback>
+      <p:transition spd="slow" advTm="6019"/>
+    </mc:Fallback>
+  </mc:AlternateContent>
 </p:sld>
 </file>
 
@@ -9947,6 +10295,14 @@
   <p:clrMapOvr>
     <a:masterClrMapping/>
   </p:clrMapOvr>
+  <mc:AlternateContent xmlns:mc="http://schemas.openxmlformats.org/markup-compatibility/2006">
+    <mc:Choice xmlns:p14="http://schemas.microsoft.com/office/powerpoint/2010/main" Requires="p14">
+      <p:transition spd="slow" p14:dur="2000" advTm="717"/>
+    </mc:Choice>
+    <mc:Fallback>
+      <p:transition spd="slow" advTm="717"/>
+    </mc:Fallback>
+  </mc:AlternateContent>
 </p:sld>
 </file>
 
@@ -10093,6 +10449,14 @@
   <p:clrMapOvr>
     <a:masterClrMapping/>
   </p:clrMapOvr>
+  <mc:AlternateContent xmlns:mc="http://schemas.openxmlformats.org/markup-compatibility/2006">
+    <mc:Choice xmlns:p14="http://schemas.microsoft.com/office/powerpoint/2010/main" Requires="p14">
+      <p:transition spd="slow" p14:dur="2000" advTm="811"/>
+    </mc:Choice>
+    <mc:Fallback>
+      <p:transition spd="slow" advTm="811"/>
+    </mc:Fallback>
+  </mc:AlternateContent>
 </p:sld>
 </file>
 

--- a/Präsentation/Quicksort.pptx
+++ b/Präsentation/Quicksort.pptx
@@ -49,8 +49,8 @@
     <p:sldId id="299" r:id="rId37"/>
     <p:sldId id="303" r:id="rId38"/>
     <p:sldId id="304" r:id="rId39"/>
-    <p:sldId id="305" r:id="rId40"/>
-    <p:sldId id="306" r:id="rId41"/>
+    <p:sldId id="306" r:id="rId40"/>
+    <p:sldId id="305" r:id="rId41"/>
     <p:sldId id="308" r:id="rId42"/>
   </p:sldIdLst>
   <p:sldSz cx="9144000" cy="6858000" type="screen4x3"/>
@@ -268,7 +268,7 @@
           <a:p>
             <a:fld id="{95096795-3C61-46C8-99AF-115DB53051C4}" type="datetimeFigureOut">
               <a:rPr lang="de-DE" smtClean="0"/>
-              <a:t>26.02.2020</a:t>
+              <a:t>27.02.2020</a:t>
             </a:fld>
             <a:endParaRPr lang="de-DE" dirty="0"/>
           </a:p>
@@ -433,7 +433,7 @@
           <a:p>
             <a:fld id="{F7A69498-F8A3-46B9-97E8-6376C18B7280}" type="datetimeFigureOut">
               <a:rPr lang="de-DE" smtClean="0"/>
-              <a:t>26.02.2020</a:t>
+              <a:t>27.02.2020</a:t>
             </a:fld>
             <a:endParaRPr lang="de-DE" dirty="0"/>
           </a:p>
@@ -4089,14 +4089,6 @@
   <p:clrMapOvr>
     <a:masterClrMapping/>
   </p:clrMapOvr>
-  <mc:AlternateContent xmlns:mc="http://schemas.openxmlformats.org/markup-compatibility/2006">
-    <mc:Choice xmlns:p14="http://schemas.microsoft.com/office/powerpoint/2010/main" Requires="p14">
-      <p:transition spd="slow" p14:dur="2000" advTm="15428"/>
-    </mc:Choice>
-    <mc:Fallback>
-      <p:transition spd="slow" advTm="15428"/>
-    </mc:Fallback>
-  </mc:AlternateContent>
 </p:sld>
 </file>
 
@@ -4138,7 +4130,7 @@
           <a:bodyPr/>
           <a:lstStyle/>
           <a:p>
-            <a:endParaRPr lang="de-DE"/>
+            <a:endParaRPr lang="de-DE" dirty="0"/>
           </a:p>
         </p:txBody>
       </p:sp>
@@ -4246,14 +4238,6 @@
   <p:clrMapOvr>
     <a:masterClrMapping/>
   </p:clrMapOvr>
-  <mc:AlternateContent xmlns:mc="http://schemas.openxmlformats.org/markup-compatibility/2006">
-    <mc:Choice xmlns:p14="http://schemas.microsoft.com/office/powerpoint/2010/main" Requires="p14">
-      <p:transition spd="slow" p14:dur="2000" advTm="743"/>
-    </mc:Choice>
-    <mc:Fallback>
-      <p:transition spd="slow" advTm="743"/>
-    </mc:Fallback>
-  </mc:AlternateContent>
 </p:sld>
 </file>
 
@@ -4295,7 +4279,7 @@
           <a:bodyPr/>
           <a:lstStyle/>
           <a:p>
-            <a:endParaRPr lang="de-DE"/>
+            <a:endParaRPr lang="de-DE" dirty="0"/>
           </a:p>
         </p:txBody>
       </p:sp>
@@ -4403,14 +4387,6 @@
   <p:clrMapOvr>
     <a:masterClrMapping/>
   </p:clrMapOvr>
-  <mc:AlternateContent xmlns:mc="http://schemas.openxmlformats.org/markup-compatibility/2006">
-    <mc:Choice xmlns:p14="http://schemas.microsoft.com/office/powerpoint/2010/main" Requires="p14">
-      <p:transition spd="slow" p14:dur="2000" advTm="819"/>
-    </mc:Choice>
-    <mc:Fallback>
-      <p:transition spd="slow" advTm="819"/>
-    </mc:Fallback>
-  </mc:AlternateContent>
 </p:sld>
 </file>
 
@@ -4452,7 +4428,7 @@
           <a:bodyPr/>
           <a:lstStyle/>
           <a:p>
-            <a:endParaRPr lang="de-DE"/>
+            <a:endParaRPr lang="de-DE" dirty="0"/>
           </a:p>
         </p:txBody>
       </p:sp>
@@ -4560,14 +4536,6 @@
   <p:clrMapOvr>
     <a:masterClrMapping/>
   </p:clrMapOvr>
-  <mc:AlternateContent xmlns:mc="http://schemas.openxmlformats.org/markup-compatibility/2006">
-    <mc:Choice xmlns:p14="http://schemas.microsoft.com/office/powerpoint/2010/main" Requires="p14">
-      <p:transition spd="slow" p14:dur="2000" advTm="4477"/>
-    </mc:Choice>
-    <mc:Fallback>
-      <p:transition spd="slow" advTm="4477"/>
-    </mc:Fallback>
-  </mc:AlternateContent>
 </p:sld>
 </file>
 
@@ -4609,7 +4577,7 @@
           <a:bodyPr/>
           <a:lstStyle/>
           <a:p>
-            <a:endParaRPr lang="de-DE"/>
+            <a:endParaRPr lang="de-DE" dirty="0"/>
           </a:p>
         </p:txBody>
       </p:sp>
@@ -4717,14 +4685,6 @@
   <p:clrMapOvr>
     <a:masterClrMapping/>
   </p:clrMapOvr>
-  <mc:AlternateContent xmlns:mc="http://schemas.openxmlformats.org/markup-compatibility/2006">
-    <mc:Choice xmlns:p14="http://schemas.microsoft.com/office/powerpoint/2010/main" Requires="p14">
-      <p:transition spd="slow" p14:dur="2000" advTm="7743"/>
-    </mc:Choice>
-    <mc:Fallback>
-      <p:transition spd="slow" advTm="7743"/>
-    </mc:Fallback>
-  </mc:AlternateContent>
 </p:sld>
 </file>
 
@@ -4766,7 +4726,7 @@
           <a:bodyPr/>
           <a:lstStyle/>
           <a:p>
-            <a:endParaRPr lang="de-DE"/>
+            <a:endParaRPr lang="de-DE" dirty="0"/>
           </a:p>
         </p:txBody>
       </p:sp>
@@ -4874,14 +4834,6 @@
   <p:clrMapOvr>
     <a:masterClrMapping/>
   </p:clrMapOvr>
-  <mc:AlternateContent xmlns:mc="http://schemas.openxmlformats.org/markup-compatibility/2006">
-    <mc:Choice xmlns:p14="http://schemas.microsoft.com/office/powerpoint/2010/main" Requires="p14">
-      <p:transition spd="slow" p14:dur="2000" advTm="1073"/>
-    </mc:Choice>
-    <mc:Fallback>
-      <p:transition spd="slow" advTm="1073"/>
-    </mc:Fallback>
-  </mc:AlternateContent>
 </p:sld>
 </file>
 
@@ -4923,7 +4875,7 @@
           <a:bodyPr/>
           <a:lstStyle/>
           <a:p>
-            <a:endParaRPr lang="de-DE"/>
+            <a:endParaRPr lang="de-DE" dirty="0"/>
           </a:p>
         </p:txBody>
       </p:sp>
@@ -5031,14 +4983,6 @@
   <p:clrMapOvr>
     <a:masterClrMapping/>
   </p:clrMapOvr>
-  <mc:AlternateContent xmlns:mc="http://schemas.openxmlformats.org/markup-compatibility/2006">
-    <mc:Choice xmlns:p14="http://schemas.microsoft.com/office/powerpoint/2010/main" Requires="p14">
-      <p:transition spd="slow" p14:dur="2000" advTm="4531"/>
-    </mc:Choice>
-    <mc:Fallback>
-      <p:transition spd="slow" advTm="4531"/>
-    </mc:Fallback>
-  </mc:AlternateContent>
 </p:sld>
 </file>
 
@@ -5080,7 +5024,7 @@
           <a:bodyPr/>
           <a:lstStyle/>
           <a:p>
-            <a:endParaRPr lang="de-DE"/>
+            <a:endParaRPr lang="de-DE" dirty="0"/>
           </a:p>
         </p:txBody>
       </p:sp>
@@ -5188,14 +5132,6 @@
   <p:clrMapOvr>
     <a:masterClrMapping/>
   </p:clrMapOvr>
-  <mc:AlternateContent xmlns:mc="http://schemas.openxmlformats.org/markup-compatibility/2006">
-    <mc:Choice xmlns:p14="http://schemas.microsoft.com/office/powerpoint/2010/main" Requires="p14">
-      <p:transition spd="slow" p14:dur="2000" advTm="3603"/>
-    </mc:Choice>
-    <mc:Fallback>
-      <p:transition spd="slow" advTm="3603"/>
-    </mc:Fallback>
-  </mc:AlternateContent>
 </p:sld>
 </file>
 
@@ -5237,7 +5173,7 @@
           <a:bodyPr/>
           <a:lstStyle/>
           <a:p>
-            <a:endParaRPr lang="de-DE"/>
+            <a:endParaRPr lang="de-DE" dirty="0"/>
           </a:p>
         </p:txBody>
       </p:sp>
@@ -5345,14 +5281,6 @@
   <p:clrMapOvr>
     <a:masterClrMapping/>
   </p:clrMapOvr>
-  <mc:AlternateContent xmlns:mc="http://schemas.openxmlformats.org/markup-compatibility/2006">
-    <mc:Choice xmlns:p14="http://schemas.microsoft.com/office/powerpoint/2010/main" Requires="p14">
-      <p:transition spd="slow" p14:dur="2000" advTm="2736"/>
-    </mc:Choice>
-    <mc:Fallback>
-      <p:transition spd="slow" advTm="2736"/>
-    </mc:Fallback>
-  </mc:AlternateContent>
 </p:sld>
 </file>
 
@@ -5394,7 +5322,7 @@
           <a:bodyPr/>
           <a:lstStyle/>
           <a:p>
-            <a:endParaRPr lang="de-DE"/>
+            <a:endParaRPr lang="de-DE" dirty="0"/>
           </a:p>
         </p:txBody>
       </p:sp>
@@ -5502,14 +5430,6 @@
   <p:clrMapOvr>
     <a:masterClrMapping/>
   </p:clrMapOvr>
-  <mc:AlternateContent xmlns:mc="http://schemas.openxmlformats.org/markup-compatibility/2006">
-    <mc:Choice xmlns:p14="http://schemas.microsoft.com/office/powerpoint/2010/main" Requires="p14">
-      <p:transition spd="slow" p14:dur="2000" advTm="719"/>
-    </mc:Choice>
-    <mc:Fallback>
-      <p:transition spd="slow" advTm="719"/>
-    </mc:Fallback>
-  </mc:AlternateContent>
 </p:sld>
 </file>
 
@@ -5551,7 +5471,7 @@
           <a:bodyPr/>
           <a:lstStyle/>
           <a:p>
-            <a:endParaRPr lang="de-DE"/>
+            <a:endParaRPr lang="de-DE" dirty="0"/>
           </a:p>
         </p:txBody>
       </p:sp>
@@ -5659,14 +5579,6 @@
   <p:clrMapOvr>
     <a:masterClrMapping/>
   </p:clrMapOvr>
-  <mc:AlternateContent xmlns:mc="http://schemas.openxmlformats.org/markup-compatibility/2006">
-    <mc:Choice xmlns:p14="http://schemas.microsoft.com/office/powerpoint/2010/main" Requires="p14">
-      <p:transition spd="slow" p14:dur="2000" advTm="4917"/>
-    </mc:Choice>
-    <mc:Fallback>
-      <p:transition spd="slow" advTm="4917"/>
-    </mc:Fallback>
-  </mc:AlternateContent>
 </p:sld>
 </file>
 
@@ -5791,12 +5703,241 @@
   </p:clrMapOvr>
   <mc:AlternateContent xmlns:mc="http://schemas.openxmlformats.org/markup-compatibility/2006">
     <mc:Choice xmlns:p14="http://schemas.microsoft.com/office/powerpoint/2010/main" Requires="p14">
-      <p:transition spd="slow" p14:dur="2000" advTm="41422"/>
+      <p:transition p14:dur="10"/>
     </mc:Choice>
     <mc:Fallback>
-      <p:transition spd="slow" advTm="41422"/>
+      <p:transition/>
     </mc:Fallback>
   </mc:AlternateContent>
+  <p:timing>
+    <p:tnLst>
+      <p:par>
+        <p:cTn id="1" dur="indefinite" restart="never" nodeType="tmRoot">
+          <p:childTnLst>
+            <p:seq concurrent="1" nextAc="seek">
+              <p:cTn id="2" dur="indefinite" nodeType="mainSeq">
+                <p:childTnLst>
+                  <p:par>
+                    <p:cTn id="3" fill="hold">
+                      <p:stCondLst>
+                        <p:cond delay="indefinite"/>
+                      </p:stCondLst>
+                      <p:childTnLst>
+                        <p:par>
+                          <p:cTn id="4" fill="hold">
+                            <p:stCondLst>
+                              <p:cond delay="0"/>
+                            </p:stCondLst>
+                            <p:childTnLst>
+                              <p:par>
+                                <p:cTn id="5" presetID="1" presetClass="entr" presetSubtype="0" fill="hold" grpId="0" nodeType="clickEffect">
+                                  <p:stCondLst>
+                                    <p:cond delay="0"/>
+                                  </p:stCondLst>
+                                  <p:childTnLst>
+                                    <p:set>
+                                      <p:cBhvr>
+                                        <p:cTn id="6" dur="1" fill="hold">
+                                          <p:stCondLst>
+                                            <p:cond delay="0"/>
+                                          </p:stCondLst>
+                                        </p:cTn>
+                                        <p:tgtEl>
+                                          <p:spTgt spid="4">
+                                            <p:txEl>
+                                              <p:pRg st="0" end="0"/>
+                                            </p:txEl>
+                                          </p:spTgt>
+                                        </p:tgtEl>
+                                        <p:attrNameLst>
+                                          <p:attrName>style.visibility</p:attrName>
+                                        </p:attrNameLst>
+                                      </p:cBhvr>
+                                      <p:to>
+                                        <p:strVal val="visible"/>
+                                      </p:to>
+                                    </p:set>
+                                  </p:childTnLst>
+                                </p:cTn>
+                              </p:par>
+                            </p:childTnLst>
+                          </p:cTn>
+                        </p:par>
+                      </p:childTnLst>
+                    </p:cTn>
+                  </p:par>
+                  <p:par>
+                    <p:cTn id="7" fill="hold">
+                      <p:stCondLst>
+                        <p:cond delay="indefinite"/>
+                      </p:stCondLst>
+                      <p:childTnLst>
+                        <p:par>
+                          <p:cTn id="8" fill="hold">
+                            <p:stCondLst>
+                              <p:cond delay="0"/>
+                            </p:stCondLst>
+                            <p:childTnLst>
+                              <p:par>
+                                <p:cTn id="9" presetID="1" presetClass="entr" presetSubtype="0" fill="hold" grpId="0" nodeType="clickEffect">
+                                  <p:stCondLst>
+                                    <p:cond delay="0"/>
+                                  </p:stCondLst>
+                                  <p:childTnLst>
+                                    <p:set>
+                                      <p:cBhvr>
+                                        <p:cTn id="10" dur="1" fill="hold">
+                                          <p:stCondLst>
+                                            <p:cond delay="0"/>
+                                          </p:stCondLst>
+                                        </p:cTn>
+                                        <p:tgtEl>
+                                          <p:spTgt spid="4">
+                                            <p:txEl>
+                                              <p:pRg st="1" end="1"/>
+                                            </p:txEl>
+                                          </p:spTgt>
+                                        </p:tgtEl>
+                                        <p:attrNameLst>
+                                          <p:attrName>style.visibility</p:attrName>
+                                        </p:attrNameLst>
+                                      </p:cBhvr>
+                                      <p:to>
+                                        <p:strVal val="visible"/>
+                                      </p:to>
+                                    </p:set>
+                                  </p:childTnLst>
+                                </p:cTn>
+                              </p:par>
+                            </p:childTnLst>
+                          </p:cTn>
+                        </p:par>
+                      </p:childTnLst>
+                    </p:cTn>
+                  </p:par>
+                  <p:par>
+                    <p:cTn id="11" fill="hold">
+                      <p:stCondLst>
+                        <p:cond delay="indefinite"/>
+                      </p:stCondLst>
+                      <p:childTnLst>
+                        <p:par>
+                          <p:cTn id="12" fill="hold">
+                            <p:stCondLst>
+                              <p:cond delay="0"/>
+                            </p:stCondLst>
+                            <p:childTnLst>
+                              <p:par>
+                                <p:cTn id="13" presetID="1" presetClass="entr" presetSubtype="0" fill="hold" grpId="0" nodeType="clickEffect">
+                                  <p:stCondLst>
+                                    <p:cond delay="0"/>
+                                  </p:stCondLst>
+                                  <p:childTnLst>
+                                    <p:set>
+                                      <p:cBhvr>
+                                        <p:cTn id="14" dur="1" fill="hold">
+                                          <p:stCondLst>
+                                            <p:cond delay="0"/>
+                                          </p:stCondLst>
+                                        </p:cTn>
+                                        <p:tgtEl>
+                                          <p:spTgt spid="4">
+                                            <p:txEl>
+                                              <p:pRg st="2" end="2"/>
+                                            </p:txEl>
+                                          </p:spTgt>
+                                        </p:tgtEl>
+                                        <p:attrNameLst>
+                                          <p:attrName>style.visibility</p:attrName>
+                                        </p:attrNameLst>
+                                      </p:cBhvr>
+                                      <p:to>
+                                        <p:strVal val="visible"/>
+                                      </p:to>
+                                    </p:set>
+                                  </p:childTnLst>
+                                </p:cTn>
+                              </p:par>
+                            </p:childTnLst>
+                          </p:cTn>
+                        </p:par>
+                      </p:childTnLst>
+                    </p:cTn>
+                  </p:par>
+                  <p:par>
+                    <p:cTn id="15" fill="hold">
+                      <p:stCondLst>
+                        <p:cond delay="indefinite"/>
+                      </p:stCondLst>
+                      <p:childTnLst>
+                        <p:par>
+                          <p:cTn id="16" fill="hold">
+                            <p:stCondLst>
+                              <p:cond delay="0"/>
+                            </p:stCondLst>
+                            <p:childTnLst>
+                              <p:par>
+                                <p:cTn id="17" presetID="1" presetClass="entr" presetSubtype="0" fill="hold" grpId="0" nodeType="clickEffect">
+                                  <p:stCondLst>
+                                    <p:cond delay="0"/>
+                                  </p:stCondLst>
+                                  <p:childTnLst>
+                                    <p:set>
+                                      <p:cBhvr>
+                                        <p:cTn id="18" dur="1" fill="hold">
+                                          <p:stCondLst>
+                                            <p:cond delay="0"/>
+                                          </p:stCondLst>
+                                        </p:cTn>
+                                        <p:tgtEl>
+                                          <p:spTgt spid="4">
+                                            <p:txEl>
+                                              <p:pRg st="3" end="3"/>
+                                            </p:txEl>
+                                          </p:spTgt>
+                                        </p:tgtEl>
+                                        <p:attrNameLst>
+                                          <p:attrName>style.visibility</p:attrName>
+                                        </p:attrNameLst>
+                                      </p:cBhvr>
+                                      <p:to>
+                                        <p:strVal val="visible"/>
+                                      </p:to>
+                                    </p:set>
+                                  </p:childTnLst>
+                                </p:cTn>
+                              </p:par>
+                            </p:childTnLst>
+                          </p:cTn>
+                        </p:par>
+                      </p:childTnLst>
+                    </p:cTn>
+                  </p:par>
+                </p:childTnLst>
+              </p:cTn>
+              <p:prevCondLst>
+                <p:cond evt="onPrev" delay="0">
+                  <p:tgtEl>
+                    <p:sldTgt/>
+                  </p:tgtEl>
+                </p:cond>
+              </p:prevCondLst>
+              <p:nextCondLst>
+                <p:cond evt="onNext" delay="0">
+                  <p:tgtEl>
+                    <p:sldTgt/>
+                  </p:tgtEl>
+                </p:cond>
+              </p:nextCondLst>
+            </p:seq>
+          </p:childTnLst>
+        </p:cTn>
+      </p:par>
+    </p:tnLst>
+    <p:bldLst>
+      <p:bldP spid="4" grpId="0" build="p"/>
+    </p:bldLst>
+  </p:timing>
 </p:sld>
 </file>
 
@@ -5838,7 +5979,7 @@
           <a:bodyPr/>
           <a:lstStyle/>
           <a:p>
-            <a:endParaRPr lang="de-DE"/>
+            <a:endParaRPr lang="de-DE" dirty="0"/>
           </a:p>
         </p:txBody>
       </p:sp>
@@ -5893,7 +6034,7 @@
           <a:bodyPr/>
           <a:lstStyle/>
           <a:p>
-            <a:endParaRPr lang="de-DE"/>
+            <a:endParaRPr lang="de-DE" dirty="0"/>
           </a:p>
         </p:txBody>
       </p:sp>
@@ -5943,14 +6084,6 @@
   <p:clrMapOvr>
     <a:masterClrMapping/>
   </p:clrMapOvr>
-  <mc:AlternateContent xmlns:mc="http://schemas.openxmlformats.org/markup-compatibility/2006">
-    <mc:Choice xmlns:p14="http://schemas.microsoft.com/office/powerpoint/2010/main" Requires="p14">
-      <p:transition spd="slow" p14:dur="2000" advTm="8612"/>
-    </mc:Choice>
-    <mc:Fallback>
-      <p:transition spd="slow" advTm="8612"/>
-    </mc:Fallback>
-  </mc:AlternateContent>
 </p:sld>
 </file>
 
@@ -5992,7 +6125,7 @@
           <a:bodyPr/>
           <a:lstStyle/>
           <a:p>
-            <a:endParaRPr lang="de-DE"/>
+            <a:endParaRPr lang="de-DE" dirty="0"/>
           </a:p>
         </p:txBody>
       </p:sp>
@@ -6100,14 +6233,6 @@
   <p:clrMapOvr>
     <a:masterClrMapping/>
   </p:clrMapOvr>
-  <mc:AlternateContent xmlns:mc="http://schemas.openxmlformats.org/markup-compatibility/2006">
-    <mc:Choice xmlns:p14="http://schemas.microsoft.com/office/powerpoint/2010/main" Requires="p14">
-      <p:transition spd="slow" p14:dur="2000" advTm="1707"/>
-    </mc:Choice>
-    <mc:Fallback>
-      <p:transition spd="slow" advTm="1707"/>
-    </mc:Fallback>
-  </mc:AlternateContent>
 </p:sld>
 </file>
 
@@ -6149,7 +6274,7 @@
           <a:bodyPr/>
           <a:lstStyle/>
           <a:p>
-            <a:endParaRPr lang="de-DE"/>
+            <a:endParaRPr lang="de-DE" dirty="0"/>
           </a:p>
         </p:txBody>
       </p:sp>
@@ -6257,14 +6382,6 @@
   <p:clrMapOvr>
     <a:masterClrMapping/>
   </p:clrMapOvr>
-  <mc:AlternateContent xmlns:mc="http://schemas.openxmlformats.org/markup-compatibility/2006">
-    <mc:Choice xmlns:p14="http://schemas.microsoft.com/office/powerpoint/2010/main" Requires="p14">
-      <p:transition spd="slow" p14:dur="2000" advTm="2717"/>
-    </mc:Choice>
-    <mc:Fallback>
-      <p:transition spd="slow" advTm="2717"/>
-    </mc:Fallback>
-  </mc:AlternateContent>
 </p:sld>
 </file>
 
@@ -6306,7 +6423,7 @@
           <a:bodyPr/>
           <a:lstStyle/>
           <a:p>
-            <a:endParaRPr lang="de-DE"/>
+            <a:endParaRPr lang="de-DE" dirty="0"/>
           </a:p>
         </p:txBody>
       </p:sp>
@@ -6414,14 +6531,6 @@
   <p:clrMapOvr>
     <a:masterClrMapping/>
   </p:clrMapOvr>
-  <mc:AlternateContent xmlns:mc="http://schemas.openxmlformats.org/markup-compatibility/2006">
-    <mc:Choice xmlns:p14="http://schemas.microsoft.com/office/powerpoint/2010/main" Requires="p14">
-      <p:transition spd="slow" p14:dur="2000" advTm="4953"/>
-    </mc:Choice>
-    <mc:Fallback>
-      <p:transition spd="slow" advTm="4953"/>
-    </mc:Fallback>
-  </mc:AlternateContent>
 </p:sld>
 </file>
 
@@ -6463,7 +6572,7 @@
           <a:bodyPr/>
           <a:lstStyle/>
           <a:p>
-            <a:endParaRPr lang="de-DE"/>
+            <a:endParaRPr lang="de-DE" dirty="0"/>
           </a:p>
         </p:txBody>
       </p:sp>
@@ -6518,7 +6627,7 @@
           <a:bodyPr/>
           <a:lstStyle/>
           <a:p>
-            <a:endParaRPr lang="de-DE"/>
+            <a:endParaRPr lang="de-DE" dirty="0"/>
           </a:p>
         </p:txBody>
       </p:sp>
@@ -6568,14 +6677,6 @@
   <p:clrMapOvr>
     <a:masterClrMapping/>
   </p:clrMapOvr>
-  <mc:AlternateContent xmlns:mc="http://schemas.openxmlformats.org/markup-compatibility/2006">
-    <mc:Choice xmlns:p14="http://schemas.microsoft.com/office/powerpoint/2010/main" Requires="p14">
-      <p:transition spd="slow" p14:dur="2000" advTm="621"/>
-    </mc:Choice>
-    <mc:Fallback>
-      <p:transition spd="slow" advTm="621"/>
-    </mc:Fallback>
-  </mc:AlternateContent>
 </p:sld>
 </file>
 
@@ -6617,7 +6718,7 @@
           <a:bodyPr/>
           <a:lstStyle/>
           <a:p>
-            <a:endParaRPr lang="de-DE"/>
+            <a:endParaRPr lang="de-DE" dirty="0"/>
           </a:p>
         </p:txBody>
       </p:sp>
@@ -6672,7 +6773,7 @@
           <a:bodyPr/>
           <a:lstStyle/>
           <a:p>
-            <a:endParaRPr lang="de-DE"/>
+            <a:endParaRPr lang="de-DE" dirty="0"/>
           </a:p>
         </p:txBody>
       </p:sp>
@@ -6722,14 +6823,6 @@
   <p:clrMapOvr>
     <a:masterClrMapping/>
   </p:clrMapOvr>
-  <mc:AlternateContent xmlns:mc="http://schemas.openxmlformats.org/markup-compatibility/2006">
-    <mc:Choice xmlns:p14="http://schemas.microsoft.com/office/powerpoint/2010/main" Requires="p14">
-      <p:transition spd="slow" p14:dur="2000" advTm="8045"/>
-    </mc:Choice>
-    <mc:Fallback>
-      <p:transition spd="slow" advTm="8045"/>
-    </mc:Fallback>
-  </mc:AlternateContent>
 </p:sld>
 </file>
 
@@ -6771,7 +6864,7 @@
           <a:bodyPr/>
           <a:lstStyle/>
           <a:p>
-            <a:endParaRPr lang="de-DE"/>
+            <a:endParaRPr lang="de-DE" dirty="0"/>
           </a:p>
         </p:txBody>
       </p:sp>
@@ -6879,14 +6972,6 @@
   <p:clrMapOvr>
     <a:masterClrMapping/>
   </p:clrMapOvr>
-  <mc:AlternateContent xmlns:mc="http://schemas.openxmlformats.org/markup-compatibility/2006">
-    <mc:Choice xmlns:p14="http://schemas.microsoft.com/office/powerpoint/2010/main" Requires="p14">
-      <p:transition spd="slow" p14:dur="2000" advTm="10867"/>
-    </mc:Choice>
-    <mc:Fallback>
-      <p:transition spd="slow" advTm="10867"/>
-    </mc:Fallback>
-  </mc:AlternateContent>
 </p:sld>
 </file>
 
@@ -7056,14 +7141,6 @@
   <p:clrMapOvr>
     <a:masterClrMapping/>
   </p:clrMapOvr>
-  <mc:AlternateContent xmlns:mc="http://schemas.openxmlformats.org/markup-compatibility/2006">
-    <mc:Choice xmlns:p14="http://schemas.microsoft.com/office/powerpoint/2010/main" Requires="p14">
-      <p:transition spd="slow" p14:dur="2000" advTm="90013"/>
-    </mc:Choice>
-    <mc:Fallback>
-      <p:transition spd="slow" advTm="90013"/>
-    </mc:Fallback>
-  </mc:AlternateContent>
 </p:sld>
 </file>
 
@@ -7105,7 +7182,7 @@
           <a:bodyPr/>
           <a:lstStyle/>
           <a:p>
-            <a:endParaRPr lang="de-DE"/>
+            <a:endParaRPr lang="de-DE" dirty="0"/>
           </a:p>
         </p:txBody>
       </p:sp>
@@ -7210,14 +7287,6 @@
   <p:clrMapOvr>
     <a:masterClrMapping/>
   </p:clrMapOvr>
-  <mc:AlternateContent xmlns:mc="http://schemas.openxmlformats.org/markup-compatibility/2006">
-    <mc:Choice xmlns:p14="http://schemas.microsoft.com/office/powerpoint/2010/main" Requires="p14">
-      <p:transition spd="slow" p14:dur="2000" advTm="14167"/>
-    </mc:Choice>
-    <mc:Fallback>
-      <p:transition spd="slow" advTm="14167"/>
-    </mc:Fallback>
-  </mc:AlternateContent>
 </p:sld>
 </file>
 
@@ -7370,14 +7439,6 @@
   <p:clrMapOvr>
     <a:masterClrMapping/>
   </p:clrMapOvr>
-  <mc:AlternateContent xmlns:mc="http://schemas.openxmlformats.org/markup-compatibility/2006">
-    <mc:Choice xmlns:p14="http://schemas.microsoft.com/office/powerpoint/2010/main" Requires="p14">
-      <p:transition spd="slow" p14:dur="2000" advTm="82905"/>
-    </mc:Choice>
-    <mc:Fallback>
-      <p:transition spd="slow" advTm="82905"/>
-    </mc:Fallback>
-  </mc:AlternateContent>
 </p:sld>
 </file>
 
@@ -7419,7 +7480,7 @@
           <a:bodyPr/>
           <a:lstStyle/>
           <a:p>
-            <a:endParaRPr lang="de-DE"/>
+            <a:endParaRPr lang="de-DE" dirty="0"/>
           </a:p>
         </p:txBody>
       </p:sp>
@@ -7474,7 +7535,7 @@
           <a:bodyPr/>
           <a:lstStyle/>
           <a:p>
-            <a:endParaRPr lang="de-DE"/>
+            <a:endParaRPr lang="de-DE" dirty="0"/>
           </a:p>
         </p:txBody>
       </p:sp>
@@ -7524,14 +7585,6 @@
   <p:clrMapOvr>
     <a:masterClrMapping/>
   </p:clrMapOvr>
-  <mc:AlternateContent xmlns:mc="http://schemas.openxmlformats.org/markup-compatibility/2006">
-    <mc:Choice xmlns:p14="http://schemas.microsoft.com/office/powerpoint/2010/main" Requires="p14">
-      <p:transition spd="slow" p14:dur="2000" advTm="54835"/>
-    </mc:Choice>
-    <mc:Fallback>
-      <p:transition spd="slow" advTm="54835"/>
-    </mc:Fallback>
-  </mc:AlternateContent>
 </p:sld>
 </file>
 
@@ -7573,7 +7626,7 @@
           <a:bodyPr/>
           <a:lstStyle/>
           <a:p>
-            <a:endParaRPr lang="de-DE"/>
+            <a:endParaRPr lang="de-DE" dirty="0"/>
           </a:p>
         </p:txBody>
       </p:sp>
@@ -7681,14 +7734,6 @@
   <p:clrMapOvr>
     <a:masterClrMapping/>
   </p:clrMapOvr>
-  <mc:AlternateContent xmlns:mc="http://schemas.openxmlformats.org/markup-compatibility/2006">
-    <mc:Choice xmlns:p14="http://schemas.microsoft.com/office/powerpoint/2010/main" Requires="p14">
-      <p:transition spd="slow" p14:dur="2000" advTm="5905"/>
-    </mc:Choice>
-    <mc:Fallback>
-      <p:transition spd="slow" advTm="5905"/>
-    </mc:Fallback>
-  </mc:AlternateContent>
 </p:sld>
 </file>
 
@@ -7730,7 +7775,7 @@
           <a:bodyPr/>
           <a:lstStyle/>
           <a:p>
-            <a:endParaRPr lang="de-DE"/>
+            <a:endParaRPr lang="de-DE" dirty="0"/>
           </a:p>
         </p:txBody>
       </p:sp>
@@ -7820,8 +7865,44 @@
         </p:blipFill>
         <p:spPr>
           <a:xfrm>
-            <a:off x="2813479" y="846460"/>
+            <a:off x="539552" y="846460"/>
             <a:ext cx="3517042" cy="5165080"/>
+          </a:xfrm>
+          <a:prstGeom prst="rect">
+            <a:avLst/>
+          </a:prstGeom>
+        </p:spPr>
+      </p:pic>
+      <p:pic>
+        <p:nvPicPr>
+          <p:cNvPr id="7" name="Grafik 6">
+            <a:extLst>
+              <a:ext uri="{FF2B5EF4-FFF2-40B4-BE49-F238E27FC236}">
+                <a16:creationId xmlns:a16="http://schemas.microsoft.com/office/drawing/2014/main" id="{8634599E-D2C7-4443-A2E1-0122AD95464A}"/>
+              </a:ext>
+            </a:extLst>
+          </p:cNvPr>
+          <p:cNvPicPr>
+            <a:picLocks noChangeAspect="1"/>
+          </p:cNvPicPr>
+          <p:nvPr/>
+        </p:nvPicPr>
+        <p:blipFill>
+          <a:blip r:embed="rId3">
+            <a:extLst>
+              <a:ext uri="{28A0092B-C50C-407E-A947-70E740481C1C}">
+                <a14:useLocalDpi xmlns:a14="http://schemas.microsoft.com/office/drawing/2010/main" val="0"/>
+              </a:ext>
+            </a:extLst>
+          </a:blip>
+          <a:stretch>
+            <a:fillRect/>
+          </a:stretch>
+        </p:blipFill>
+        <p:spPr>
+          <a:xfrm>
+            <a:off x="5301968" y="1878195"/>
+            <a:ext cx="1767993" cy="3101609"/>
           </a:xfrm>
           <a:prstGeom prst="rect">
             <a:avLst/>
@@ -7838,14 +7919,6 @@
   <p:clrMapOvr>
     <a:masterClrMapping/>
   </p:clrMapOvr>
-  <mc:AlternateContent xmlns:mc="http://schemas.openxmlformats.org/markup-compatibility/2006">
-    <mc:Choice xmlns:p14="http://schemas.microsoft.com/office/powerpoint/2010/main" Requires="p14">
-      <p:transition spd="slow" p14:dur="2000" advTm="121265"/>
-    </mc:Choice>
-    <mc:Fallback>
-      <p:transition spd="slow" advTm="121265"/>
-    </mc:Fallback>
-  </mc:AlternateContent>
 </p:sld>
 </file>
 
@@ -7887,7 +7960,7 @@
           <a:bodyPr/>
           <a:lstStyle/>
           <a:p>
-            <a:endParaRPr lang="de-DE"/>
+            <a:endParaRPr lang="de-DE" dirty="0"/>
           </a:p>
         </p:txBody>
       </p:sp>
@@ -7995,14 +8068,6 @@
   <p:clrMapOvr>
     <a:masterClrMapping/>
   </p:clrMapOvr>
-  <mc:AlternateContent xmlns:mc="http://schemas.openxmlformats.org/markup-compatibility/2006">
-    <mc:Choice xmlns:p14="http://schemas.microsoft.com/office/powerpoint/2010/main" Requires="p14">
-      <p:transition spd="slow" p14:dur="2000" advTm="79287"/>
-    </mc:Choice>
-    <mc:Fallback>
-      <p:transition spd="slow" advTm="79287"/>
-    </mc:Fallback>
-  </mc:AlternateContent>
 </p:sld>
 </file>
 
@@ -8044,7 +8109,7 @@
           <a:bodyPr/>
           <a:lstStyle/>
           <a:p>
-            <a:endParaRPr lang="de-DE"/>
+            <a:endParaRPr lang="de-DE" dirty="0"/>
           </a:p>
         </p:txBody>
       </p:sp>
@@ -8099,7 +8164,7 @@
           <a:bodyPr/>
           <a:lstStyle/>
           <a:p>
-            <a:endParaRPr lang="de-DE"/>
+            <a:endParaRPr lang="de-DE" dirty="0"/>
           </a:p>
         </p:txBody>
       </p:sp>
@@ -8149,14 +8214,6 @@
   <p:clrMapOvr>
     <a:masterClrMapping/>
   </p:clrMapOvr>
-  <mc:AlternateContent xmlns:mc="http://schemas.openxmlformats.org/markup-compatibility/2006">
-    <mc:Choice xmlns:p14="http://schemas.microsoft.com/office/powerpoint/2010/main" Requires="p14">
-      <p:transition spd="slow" p14:dur="2000" advTm="12797"/>
-    </mc:Choice>
-    <mc:Fallback>
-      <p:transition spd="slow" advTm="12797"/>
-    </mc:Fallback>
-  </mc:AlternateContent>
 </p:sld>
 </file>
 
@@ -8198,7 +8255,7 @@
           <a:bodyPr/>
           <a:lstStyle/>
           <a:p>
-            <a:endParaRPr lang="de-DE"/>
+            <a:endParaRPr lang="de-DE" dirty="0"/>
           </a:p>
         </p:txBody>
       </p:sp>
@@ -8253,7 +8310,7 @@
           <a:bodyPr/>
           <a:lstStyle/>
           <a:p>
-            <a:endParaRPr lang="de-DE"/>
+            <a:endParaRPr lang="de-DE" dirty="0"/>
           </a:p>
         </p:txBody>
       </p:sp>
@@ -8303,14 +8360,6 @@
   <p:clrMapOvr>
     <a:masterClrMapping/>
   </p:clrMapOvr>
-  <mc:AlternateContent xmlns:mc="http://schemas.openxmlformats.org/markup-compatibility/2006">
-    <mc:Choice xmlns:p14="http://schemas.microsoft.com/office/powerpoint/2010/main" Requires="p14">
-      <p:transition spd="slow" p14:dur="2000" advTm="1305"/>
-    </mc:Choice>
-    <mc:Fallback>
-      <p:transition spd="slow" advTm="1305"/>
-    </mc:Fallback>
-  </mc:AlternateContent>
 </p:sld>
 </file>
 
@@ -8352,7 +8401,7 @@
           <a:bodyPr/>
           <a:lstStyle/>
           <a:p>
-            <a:endParaRPr lang="de-DE"/>
+            <a:endParaRPr lang="de-DE" dirty="0"/>
           </a:p>
         </p:txBody>
       </p:sp>
@@ -8439,7 +8488,7 @@
         </p:blipFill>
         <p:spPr>
           <a:xfrm>
-            <a:off x="395299" y="1874563"/>
+            <a:off x="395299" y="2199402"/>
             <a:ext cx="5162024" cy="3108873"/>
           </a:xfrm>
           <a:prstGeom prst="rect">
@@ -8475,8 +8524,44 @@
         </p:blipFill>
         <p:spPr>
           <a:xfrm>
-            <a:off x="5652120" y="2520146"/>
-            <a:ext cx="2880320" cy="2201388"/>
+            <a:off x="5640185" y="1531123"/>
+            <a:ext cx="2592288" cy="1981249"/>
+          </a:xfrm>
+          <a:prstGeom prst="rect">
+            <a:avLst/>
+          </a:prstGeom>
+        </p:spPr>
+      </p:pic>
+      <p:pic>
+        <p:nvPicPr>
+          <p:cNvPr id="8" name="Grafik 7">
+            <a:extLst>
+              <a:ext uri="{FF2B5EF4-FFF2-40B4-BE49-F238E27FC236}">
+                <a16:creationId xmlns:a16="http://schemas.microsoft.com/office/drawing/2014/main" id="{BCCC0F14-E575-4FBB-8033-A16A0EC039F7}"/>
+              </a:ext>
+            </a:extLst>
+          </p:cNvPr>
+          <p:cNvPicPr>
+            <a:picLocks noChangeAspect="1"/>
+          </p:cNvPicPr>
+          <p:nvPr/>
+        </p:nvPicPr>
+        <p:blipFill>
+          <a:blip r:embed="rId4">
+            <a:extLst>
+              <a:ext uri="{28A0092B-C50C-407E-A947-70E740481C1C}">
+                <a14:useLocalDpi xmlns:a14="http://schemas.microsoft.com/office/drawing/2010/main" val="0"/>
+              </a:ext>
+            </a:extLst>
+          </a:blip>
+          <a:stretch>
+            <a:fillRect/>
+          </a:stretch>
+        </p:blipFill>
+        <p:spPr>
+          <a:xfrm>
+            <a:off x="5641819" y="3799932"/>
+            <a:ext cx="2590654" cy="1980000"/>
           </a:xfrm>
           <a:prstGeom prst="rect">
             <a:avLst/>
@@ -8493,14 +8578,6 @@
   <p:clrMapOvr>
     <a:masterClrMapping/>
   </p:clrMapOvr>
-  <mc:AlternateContent xmlns:mc="http://schemas.openxmlformats.org/markup-compatibility/2006">
-    <mc:Choice xmlns:p14="http://schemas.microsoft.com/office/powerpoint/2010/main" Requires="p14">
-      <p:transition spd="slow" p14:dur="2000" advTm="587"/>
-    </mc:Choice>
-    <mc:Fallback>
-      <p:transition spd="slow" advTm="587"/>
-    </mc:Fallback>
-  </mc:AlternateContent>
 </p:sld>
 </file>
 
@@ -8542,7 +8619,7 @@
           <a:bodyPr/>
           <a:lstStyle/>
           <a:p>
-            <a:endParaRPr lang="de-DE"/>
+            <a:endParaRPr lang="de-DE" dirty="0"/>
           </a:p>
         </p:txBody>
       </p:sp>
@@ -8629,7 +8706,7 @@
         </p:blipFill>
         <p:spPr>
           <a:xfrm>
-            <a:off x="372613" y="2568448"/>
+            <a:off x="372612" y="2247782"/>
             <a:ext cx="4199387" cy="2654012"/>
           </a:xfrm>
           <a:prstGeom prst="rect">
@@ -8665,8 +8742,44 @@
         </p:blipFill>
         <p:spPr>
           <a:xfrm>
-            <a:off x="4742460" y="2568448"/>
-            <a:ext cx="3471476" cy="2653200"/>
+            <a:off x="5126961" y="1562108"/>
+            <a:ext cx="2633413" cy="2012680"/>
+          </a:xfrm>
+          <a:prstGeom prst="rect">
+            <a:avLst/>
+          </a:prstGeom>
+        </p:spPr>
+      </p:pic>
+      <p:pic>
+        <p:nvPicPr>
+          <p:cNvPr id="11" name="Grafik 10">
+            <a:extLst>
+              <a:ext uri="{FF2B5EF4-FFF2-40B4-BE49-F238E27FC236}">
+                <a16:creationId xmlns:a16="http://schemas.microsoft.com/office/drawing/2014/main" id="{1808BD29-031E-4C4B-A4BA-936C9FF739CB}"/>
+              </a:ext>
+            </a:extLst>
+          </p:cNvPr>
+          <p:cNvPicPr>
+            <a:picLocks noChangeAspect="1"/>
+          </p:cNvPicPr>
+          <p:nvPr/>
+        </p:nvPicPr>
+        <p:blipFill>
+          <a:blip r:embed="rId4">
+            <a:extLst>
+              <a:ext uri="{28A0092B-C50C-407E-A947-70E740481C1C}">
+                <a14:useLocalDpi xmlns:a14="http://schemas.microsoft.com/office/drawing/2010/main" val="0"/>
+              </a:ext>
+            </a:extLst>
+          </a:blip>
+          <a:stretch>
+            <a:fillRect/>
+          </a:stretch>
+        </p:blipFill>
+        <p:spPr>
+          <a:xfrm>
+            <a:off x="4932039" y="3606028"/>
+            <a:ext cx="2828335" cy="2567352"/>
           </a:xfrm>
           <a:prstGeom prst="rect">
             <a:avLst/>
@@ -8683,14 +8796,6 @@
   <p:clrMapOvr>
     <a:masterClrMapping/>
   </p:clrMapOvr>
-  <mc:AlternateContent xmlns:mc="http://schemas.openxmlformats.org/markup-compatibility/2006">
-    <mc:Choice xmlns:p14="http://schemas.microsoft.com/office/powerpoint/2010/main" Requires="p14">
-      <p:transition spd="slow" p14:dur="2000" advTm="34945"/>
-    </mc:Choice>
-    <mc:Fallback>
-      <p:transition spd="slow" advTm="34945"/>
-    </mc:Fallback>
-  </mc:AlternateContent>
 </p:sld>
 </file>
 
@@ -8732,7 +8837,7 @@
           <a:bodyPr/>
           <a:lstStyle/>
           <a:p>
-            <a:endParaRPr lang="de-DE"/>
+            <a:endParaRPr lang="de-DE" dirty="0"/>
           </a:p>
         </p:txBody>
       </p:sp>
@@ -8912,14 +9017,6 @@
   <p:clrMapOvr>
     <a:masterClrMapping/>
   </p:clrMapOvr>
-  <mc:AlternateContent xmlns:mc="http://schemas.openxmlformats.org/markup-compatibility/2006">
-    <mc:Choice xmlns:p14="http://schemas.microsoft.com/office/powerpoint/2010/main" Requires="p14">
-      <p:transition spd="slow" p14:dur="2000" advTm="1105"/>
-    </mc:Choice>
-    <mc:Fallback>
-      <p:transition spd="slow" advTm="1105"/>
-    </mc:Fallback>
-  </mc:AlternateContent>
 </p:sld>
 </file>
 
@@ -9048,14 +9145,186 @@
   <p:clrMapOvr>
     <a:masterClrMapping/>
   </p:clrMapOvr>
-  <mc:AlternateContent xmlns:mc="http://schemas.openxmlformats.org/markup-compatibility/2006">
-    <mc:Choice xmlns:p14="http://schemas.microsoft.com/office/powerpoint/2010/main" Requires="p14">
-      <p:transition spd="slow" p14:dur="2000" advTm="68858"/>
-    </mc:Choice>
-    <mc:Fallback>
-      <p:transition spd="slow" advTm="68858"/>
-    </mc:Fallback>
-  </mc:AlternateContent>
+  <p:timing>
+    <p:tnLst>
+      <p:par>
+        <p:cTn id="1" dur="indefinite" restart="never" nodeType="tmRoot">
+          <p:childTnLst>
+            <p:seq concurrent="1" nextAc="seek">
+              <p:cTn id="2" dur="indefinite" nodeType="mainSeq">
+                <p:childTnLst>
+                  <p:par>
+                    <p:cTn id="3" fill="hold">
+                      <p:stCondLst>
+                        <p:cond delay="indefinite"/>
+                      </p:stCondLst>
+                      <p:childTnLst>
+                        <p:par>
+                          <p:cTn id="4" fill="hold">
+                            <p:stCondLst>
+                              <p:cond delay="0"/>
+                            </p:stCondLst>
+                            <p:childTnLst>
+                              <p:par>
+                                <p:cTn id="5" presetID="1" presetClass="entr" presetSubtype="0" fill="hold" grpId="0" nodeType="clickEffect">
+                                  <p:stCondLst>
+                                    <p:cond delay="0"/>
+                                  </p:stCondLst>
+                                  <p:childTnLst>
+                                    <p:set>
+                                      <p:cBhvr>
+                                        <p:cTn id="6" dur="1" fill="hold">
+                                          <p:stCondLst>
+                                            <p:cond delay="0"/>
+                                          </p:stCondLst>
+                                        </p:cTn>
+                                        <p:tgtEl>
+                                          <p:spTgt spid="4">
+                                            <p:txEl>
+                                              <p:pRg st="0" end="0"/>
+                                            </p:txEl>
+                                          </p:spTgt>
+                                        </p:tgtEl>
+                                        <p:attrNameLst>
+                                          <p:attrName>style.visibility</p:attrName>
+                                        </p:attrNameLst>
+                                      </p:cBhvr>
+                                      <p:to>
+                                        <p:strVal val="visible"/>
+                                      </p:to>
+                                    </p:set>
+                                  </p:childTnLst>
+                                </p:cTn>
+                              </p:par>
+                            </p:childTnLst>
+                          </p:cTn>
+                        </p:par>
+                      </p:childTnLst>
+                    </p:cTn>
+                  </p:par>
+                  <p:par>
+                    <p:cTn id="7" fill="hold">
+                      <p:stCondLst>
+                        <p:cond delay="indefinite"/>
+                      </p:stCondLst>
+                      <p:childTnLst>
+                        <p:par>
+                          <p:cTn id="8" fill="hold">
+                            <p:stCondLst>
+                              <p:cond delay="0"/>
+                            </p:stCondLst>
+                            <p:childTnLst>
+                              <p:par>
+                                <p:cTn id="9" presetID="1" presetClass="entr" presetSubtype="0" fill="hold" grpId="0" nodeType="clickEffect">
+                                  <p:stCondLst>
+                                    <p:cond delay="0"/>
+                                  </p:stCondLst>
+                                  <p:childTnLst>
+                                    <p:set>
+                                      <p:cBhvr>
+                                        <p:cTn id="10" dur="1" fill="hold">
+                                          <p:stCondLst>
+                                            <p:cond delay="0"/>
+                                          </p:stCondLst>
+                                        </p:cTn>
+                                        <p:tgtEl>
+                                          <p:spTgt spid="4">
+                                            <p:txEl>
+                                              <p:pRg st="1" end="1"/>
+                                            </p:txEl>
+                                          </p:spTgt>
+                                        </p:tgtEl>
+                                        <p:attrNameLst>
+                                          <p:attrName>style.visibility</p:attrName>
+                                        </p:attrNameLst>
+                                      </p:cBhvr>
+                                      <p:to>
+                                        <p:strVal val="visible"/>
+                                      </p:to>
+                                    </p:set>
+                                  </p:childTnLst>
+                                </p:cTn>
+                              </p:par>
+                            </p:childTnLst>
+                          </p:cTn>
+                        </p:par>
+                      </p:childTnLst>
+                    </p:cTn>
+                  </p:par>
+                  <p:par>
+                    <p:cTn id="11" fill="hold">
+                      <p:stCondLst>
+                        <p:cond delay="indefinite"/>
+                      </p:stCondLst>
+                      <p:childTnLst>
+                        <p:par>
+                          <p:cTn id="12" fill="hold">
+                            <p:stCondLst>
+                              <p:cond delay="0"/>
+                            </p:stCondLst>
+                            <p:childTnLst>
+                              <p:par>
+                                <p:cTn id="13" presetID="1" presetClass="entr" presetSubtype="0" fill="hold" grpId="0" nodeType="clickEffect">
+                                  <p:stCondLst>
+                                    <p:cond delay="0"/>
+                                  </p:stCondLst>
+                                  <p:childTnLst>
+                                    <p:set>
+                                      <p:cBhvr>
+                                        <p:cTn id="14" dur="1" fill="hold">
+                                          <p:stCondLst>
+                                            <p:cond delay="0"/>
+                                          </p:stCondLst>
+                                        </p:cTn>
+                                        <p:tgtEl>
+                                          <p:spTgt spid="4">
+                                            <p:txEl>
+                                              <p:pRg st="2" end="2"/>
+                                            </p:txEl>
+                                          </p:spTgt>
+                                        </p:tgtEl>
+                                        <p:attrNameLst>
+                                          <p:attrName>style.visibility</p:attrName>
+                                        </p:attrNameLst>
+                                      </p:cBhvr>
+                                      <p:to>
+                                        <p:strVal val="visible"/>
+                                      </p:to>
+                                    </p:set>
+                                  </p:childTnLst>
+                                </p:cTn>
+                              </p:par>
+                            </p:childTnLst>
+                          </p:cTn>
+                        </p:par>
+                      </p:childTnLst>
+                    </p:cTn>
+                  </p:par>
+                </p:childTnLst>
+              </p:cTn>
+              <p:prevCondLst>
+                <p:cond evt="onPrev" delay="0">
+                  <p:tgtEl>
+                    <p:sldTgt/>
+                  </p:tgtEl>
+                </p:cond>
+              </p:prevCondLst>
+              <p:nextCondLst>
+                <p:cond evt="onNext" delay="0">
+                  <p:tgtEl>
+                    <p:sldTgt/>
+                  </p:tgtEl>
+                </p:cond>
+              </p:nextCondLst>
+            </p:seq>
+          </p:childTnLst>
+        </p:cTn>
+      </p:par>
+    </p:tnLst>
+    <p:bldLst>
+      <p:bldP spid="4" grpId="0" build="p"/>
+    </p:bldLst>
+  </p:timing>
 </p:sld>
 </file>
 
@@ -9078,38 +9347,10 @@
       </p:grpSpPr>
       <p:sp>
         <p:nvSpPr>
-          <p:cNvPr id="2" name="Titel 1">
-            <a:extLst>
-              <a:ext uri="{FF2B5EF4-FFF2-40B4-BE49-F238E27FC236}">
-                <a16:creationId xmlns:a16="http://schemas.microsoft.com/office/drawing/2014/main" id="{0454EE9F-D5A4-41B1-84CF-90807F1F85B0}"/>
-              </a:ext>
-            </a:extLst>
-          </p:cNvPr>
-          <p:cNvSpPr>
-            <a:spLocks noGrp="1"/>
-          </p:cNvSpPr>
-          <p:nvPr>
-            <p:ph type="title"/>
-          </p:nvPr>
-        </p:nvSpPr>
-        <p:spPr/>
-        <p:txBody>
-          <a:bodyPr/>
-          <a:lstStyle/>
-          <a:p>
-            <a:r>
-              <a:rPr lang="de-DE" dirty="0"/>
-              <a:t>Rekursion</a:t>
-            </a:r>
-          </a:p>
-        </p:txBody>
-      </p:sp>
-      <p:sp>
-        <p:nvSpPr>
           <p:cNvPr id="3" name="Foliennummernplatzhalter 2">
             <a:extLst>
               <a:ext uri="{FF2B5EF4-FFF2-40B4-BE49-F238E27FC236}">
-                <a16:creationId xmlns:a16="http://schemas.microsoft.com/office/drawing/2014/main" id="{C4680216-4206-4ED4-8968-539187BFD95E}"/>
+                <a16:creationId xmlns:a16="http://schemas.microsoft.com/office/drawing/2014/main" id="{8594727A-9BC3-4B4E-AB79-3841FDA1875C}"/>
               </a:ext>
             </a:extLst>
           </p:cNvPr>
@@ -9134,58 +9375,280 @@
           </a:p>
         </p:txBody>
       </p:sp>
-      <p:sp>
-        <p:nvSpPr>
-          <p:cNvPr id="4" name="Textplatzhalter 3">
-            <a:extLst>
-              <a:ext uri="{FF2B5EF4-FFF2-40B4-BE49-F238E27FC236}">
-                <a16:creationId xmlns:a16="http://schemas.microsoft.com/office/drawing/2014/main" id="{10E80397-3535-459E-AAE3-DDBDB0BC98A7}"/>
-              </a:ext>
-            </a:extLst>
-          </p:cNvPr>
-          <p:cNvSpPr>
-            <a:spLocks noGrp="1"/>
-          </p:cNvSpPr>
-          <p:nvPr>
-            <p:ph type="body" sz="quarter" idx="13"/>
-          </p:nvPr>
-        </p:nvSpPr>
-        <p:spPr/>
-        <p:txBody>
-          <a:bodyPr/>
-          <a:lstStyle/>
-          <a:p>
-            <a:r>
-              <a:rPr lang="de-DE" dirty="0"/>
-              <a:t>Rekursionen sind oft leichter lesbar und kompakter</a:t>
-            </a:r>
-          </a:p>
-          <a:p>
-            <a:r>
-              <a:rPr lang="de-DE" dirty="0"/>
-              <a:t>Iterative Lösungen sind meist aber effizienter und leichter verständlich</a:t>
-            </a:r>
-          </a:p>
-        </p:txBody>
-      </p:sp>
+      <p:pic>
+        <p:nvPicPr>
+          <p:cNvPr id="6" name="Grafik 5">
+            <a:extLst>
+              <a:ext uri="{FF2B5EF4-FFF2-40B4-BE49-F238E27FC236}">
+                <a16:creationId xmlns:a16="http://schemas.microsoft.com/office/drawing/2014/main" id="{1590C79C-FB7A-42FE-A4CE-88BCBD20AE1A}"/>
+              </a:ext>
+            </a:extLst>
+          </p:cNvPr>
+          <p:cNvPicPr>
+            <a:picLocks noChangeAspect="1"/>
+          </p:cNvPicPr>
+          <p:nvPr/>
+        </p:nvPicPr>
+        <p:blipFill>
+          <a:blip r:embed="rId2">
+            <a:extLst>
+              <a:ext uri="{28A0092B-C50C-407E-A947-70E740481C1C}">
+                <a14:useLocalDpi xmlns:a14="http://schemas.microsoft.com/office/drawing/2010/main" val="0"/>
+              </a:ext>
+            </a:extLst>
+          </a:blip>
+          <a:stretch>
+            <a:fillRect/>
+          </a:stretch>
+        </p:blipFill>
+        <p:spPr>
+          <a:xfrm>
+            <a:off x="395299" y="2685599"/>
+            <a:ext cx="3685592" cy="1486802"/>
+          </a:xfrm>
+          <a:prstGeom prst="rect">
+            <a:avLst/>
+          </a:prstGeom>
+        </p:spPr>
+      </p:pic>
+      <p:pic>
+        <p:nvPicPr>
+          <p:cNvPr id="8" name="Grafik 7">
+            <a:extLst>
+              <a:ext uri="{FF2B5EF4-FFF2-40B4-BE49-F238E27FC236}">
+                <a16:creationId xmlns:a16="http://schemas.microsoft.com/office/drawing/2014/main" id="{8E1B2A8B-0D3A-435B-B6D8-DD13AD38F0B1}"/>
+              </a:ext>
+            </a:extLst>
+          </p:cNvPr>
+          <p:cNvPicPr>
+            <a:picLocks noChangeAspect="1"/>
+          </p:cNvPicPr>
+          <p:nvPr/>
+        </p:nvPicPr>
+        <p:blipFill>
+          <a:blip r:embed="rId3">
+            <a:extLst>
+              <a:ext uri="{28A0092B-C50C-407E-A947-70E740481C1C}">
+                <a14:useLocalDpi xmlns:a14="http://schemas.microsoft.com/office/drawing/2010/main" val="0"/>
+              </a:ext>
+            </a:extLst>
+          </a:blip>
+          <a:stretch>
+            <a:fillRect/>
+          </a:stretch>
+        </p:blipFill>
+        <p:spPr>
+          <a:xfrm>
+            <a:off x="3993869" y="2685599"/>
+            <a:ext cx="4321467" cy="1486800"/>
+          </a:xfrm>
+          <a:prstGeom prst="rect">
+            <a:avLst/>
+          </a:prstGeom>
+        </p:spPr>
+      </p:pic>
+      <p:pic>
+        <p:nvPicPr>
+          <p:cNvPr id="10" name="Grafik 9">
+            <a:extLst>
+              <a:ext uri="{FF2B5EF4-FFF2-40B4-BE49-F238E27FC236}">
+                <a16:creationId xmlns:a16="http://schemas.microsoft.com/office/drawing/2014/main" id="{B7676BE1-4FE6-4BA6-A341-CD569EB48C79}"/>
+              </a:ext>
+            </a:extLst>
+          </p:cNvPr>
+          <p:cNvPicPr>
+            <a:picLocks noChangeAspect="1"/>
+          </p:cNvPicPr>
+          <p:nvPr/>
+        </p:nvPicPr>
+        <p:blipFill>
+          <a:blip r:embed="rId4">
+            <a:extLst>
+              <a:ext uri="{28A0092B-C50C-407E-A947-70E740481C1C}">
+                <a14:useLocalDpi xmlns:a14="http://schemas.microsoft.com/office/drawing/2010/main" val="0"/>
+              </a:ext>
+            </a:extLst>
+          </a:blip>
+          <a:stretch>
+            <a:fillRect/>
+          </a:stretch>
+        </p:blipFill>
+        <p:spPr>
+          <a:xfrm>
+            <a:off x="1554019" y="4170469"/>
+            <a:ext cx="1368152" cy="2138084"/>
+          </a:xfrm>
+          <a:prstGeom prst="rect">
+            <a:avLst/>
+          </a:prstGeom>
+        </p:spPr>
+      </p:pic>
+      <p:pic>
+        <p:nvPicPr>
+          <p:cNvPr id="12" name="Grafik 11">
+            <a:extLst>
+              <a:ext uri="{FF2B5EF4-FFF2-40B4-BE49-F238E27FC236}">
+                <a16:creationId xmlns:a16="http://schemas.microsoft.com/office/drawing/2014/main" id="{5D7A2D1A-0A88-4A0B-8235-EDF16F10B65B}"/>
+              </a:ext>
+            </a:extLst>
+          </p:cNvPr>
+          <p:cNvPicPr>
+            <a:picLocks noChangeAspect="1"/>
+          </p:cNvPicPr>
+          <p:nvPr/>
+        </p:nvPicPr>
+        <p:blipFill>
+          <a:blip r:embed="rId5">
+            <a:extLst>
+              <a:ext uri="{28A0092B-C50C-407E-A947-70E740481C1C}">
+                <a14:useLocalDpi xmlns:a14="http://schemas.microsoft.com/office/drawing/2010/main" val="0"/>
+              </a:ext>
+            </a:extLst>
+          </a:blip>
+          <a:stretch>
+            <a:fillRect/>
+          </a:stretch>
+        </p:blipFill>
+        <p:spPr>
+          <a:xfrm>
+            <a:off x="5031654" y="4321299"/>
+            <a:ext cx="2245896" cy="1836423"/>
+          </a:xfrm>
+          <a:prstGeom prst="rect">
+            <a:avLst/>
+          </a:prstGeom>
+        </p:spPr>
+      </p:pic>
     </p:spTree>
     <p:extLst>
       <p:ext uri="{BB962C8B-B14F-4D97-AF65-F5344CB8AC3E}">
-        <p14:creationId xmlns:p14="http://schemas.microsoft.com/office/powerpoint/2010/main" val="3760844766"/>
+        <p14:creationId xmlns:p14="http://schemas.microsoft.com/office/powerpoint/2010/main" val="2445275072"/>
       </p:ext>
     </p:extLst>
   </p:cSld>
   <p:clrMapOvr>
     <a:masterClrMapping/>
   </p:clrMapOvr>
-  <mc:AlternateContent xmlns:mc="http://schemas.openxmlformats.org/markup-compatibility/2006">
-    <mc:Choice xmlns:p14="http://schemas.microsoft.com/office/powerpoint/2010/main" Requires="p14">
-      <p:transition spd="slow" p14:dur="2000" advTm="2989"/>
-    </mc:Choice>
-    <mc:Fallback>
-      <p:transition spd="slow" advTm="2989"/>
-    </mc:Fallback>
-  </mc:AlternateContent>
+  <p:timing>
+    <p:tnLst>
+      <p:par>
+        <p:cTn id="1" dur="indefinite" restart="never" nodeType="tmRoot">
+          <p:childTnLst>
+            <p:seq concurrent="1" nextAc="seek">
+              <p:cTn id="2" dur="indefinite" nodeType="mainSeq">
+                <p:childTnLst>
+                  <p:par>
+                    <p:cTn id="3" fill="hold">
+                      <p:stCondLst>
+                        <p:cond delay="indefinite"/>
+                      </p:stCondLst>
+                      <p:childTnLst>
+                        <p:par>
+                          <p:cTn id="4" fill="hold">
+                            <p:stCondLst>
+                              <p:cond delay="0"/>
+                            </p:stCondLst>
+                            <p:childTnLst>
+                              <p:par>
+                                <p:cTn id="5" presetID="1" presetClass="entr" presetSubtype="0" fill="hold" nodeType="clickEffect">
+                                  <p:stCondLst>
+                                    <p:cond delay="0"/>
+                                  </p:stCondLst>
+                                  <p:childTnLst>
+                                    <p:set>
+                                      <p:cBhvr>
+                                        <p:cTn id="6" dur="1" fill="hold">
+                                          <p:stCondLst>
+                                            <p:cond delay="0"/>
+                                          </p:stCondLst>
+                                        </p:cTn>
+                                        <p:tgtEl>
+                                          <p:spTgt spid="10"/>
+                                        </p:tgtEl>
+                                        <p:attrNameLst>
+                                          <p:attrName>style.visibility</p:attrName>
+                                        </p:attrNameLst>
+                                      </p:cBhvr>
+                                      <p:to>
+                                        <p:strVal val="visible"/>
+                                      </p:to>
+                                    </p:set>
+                                  </p:childTnLst>
+                                </p:cTn>
+                              </p:par>
+                            </p:childTnLst>
+                          </p:cTn>
+                        </p:par>
+                      </p:childTnLst>
+                    </p:cTn>
+                  </p:par>
+                  <p:par>
+                    <p:cTn id="7" fill="hold">
+                      <p:stCondLst>
+                        <p:cond delay="indefinite"/>
+                      </p:stCondLst>
+                      <p:childTnLst>
+                        <p:par>
+                          <p:cTn id="8" fill="hold">
+                            <p:stCondLst>
+                              <p:cond delay="0"/>
+                            </p:stCondLst>
+                            <p:childTnLst>
+                              <p:par>
+                                <p:cTn id="9" presetID="1" presetClass="entr" presetSubtype="0" fill="hold" nodeType="clickEffect">
+                                  <p:stCondLst>
+                                    <p:cond delay="0"/>
+                                  </p:stCondLst>
+                                  <p:childTnLst>
+                                    <p:set>
+                                      <p:cBhvr>
+                                        <p:cTn id="10" dur="1" fill="hold">
+                                          <p:stCondLst>
+                                            <p:cond delay="0"/>
+                                          </p:stCondLst>
+                                        </p:cTn>
+                                        <p:tgtEl>
+                                          <p:spTgt spid="12"/>
+                                        </p:tgtEl>
+                                        <p:attrNameLst>
+                                          <p:attrName>style.visibility</p:attrName>
+                                        </p:attrNameLst>
+                                      </p:cBhvr>
+                                      <p:to>
+                                        <p:strVal val="visible"/>
+                                      </p:to>
+                                    </p:set>
+                                  </p:childTnLst>
+                                </p:cTn>
+                              </p:par>
+                            </p:childTnLst>
+                          </p:cTn>
+                        </p:par>
+                      </p:childTnLst>
+                    </p:cTn>
+                  </p:par>
+                </p:childTnLst>
+              </p:cTn>
+              <p:prevCondLst>
+                <p:cond evt="onPrev" delay="0">
+                  <p:tgtEl>
+                    <p:sldTgt/>
+                  </p:tgtEl>
+                </p:cond>
+              </p:prevCondLst>
+              <p:nextCondLst>
+                <p:cond evt="onNext" delay="0">
+                  <p:tgtEl>
+                    <p:sldTgt/>
+                  </p:tgtEl>
+                </p:cond>
+              </p:nextCondLst>
+            </p:seq>
+          </p:childTnLst>
+        </p:cTn>
+      </p:par>
+    </p:tnLst>
+  </p:timing>
 </p:sld>
 </file>
 
@@ -9227,7 +9690,7 @@
           <a:bodyPr/>
           <a:lstStyle/>
           <a:p>
-            <a:endParaRPr lang="de-DE"/>
+            <a:endParaRPr lang="de-DE" dirty="0"/>
           </a:p>
         </p:txBody>
       </p:sp>
@@ -9335,14 +9798,6 @@
   <p:clrMapOvr>
     <a:masterClrMapping/>
   </p:clrMapOvr>
-  <mc:AlternateContent xmlns:mc="http://schemas.openxmlformats.org/markup-compatibility/2006">
-    <mc:Choice xmlns:p14="http://schemas.microsoft.com/office/powerpoint/2010/main" Requires="p14">
-      <p:transition spd="slow" p14:dur="2000" advTm="33668"/>
-    </mc:Choice>
-    <mc:Fallback>
-      <p:transition spd="slow" advTm="33668"/>
-    </mc:Fallback>
-  </mc:AlternateContent>
 </p:sld>
 </file>
 
@@ -9365,10 +9820,38 @@
       </p:grpSpPr>
       <p:sp>
         <p:nvSpPr>
+          <p:cNvPr id="2" name="Titel 1">
+            <a:extLst>
+              <a:ext uri="{FF2B5EF4-FFF2-40B4-BE49-F238E27FC236}">
+                <a16:creationId xmlns:a16="http://schemas.microsoft.com/office/drawing/2014/main" id="{0454EE9F-D5A4-41B1-84CF-90807F1F85B0}"/>
+              </a:ext>
+            </a:extLst>
+          </p:cNvPr>
+          <p:cNvSpPr>
+            <a:spLocks noGrp="1"/>
+          </p:cNvSpPr>
+          <p:nvPr>
+            <p:ph type="title"/>
+          </p:nvPr>
+        </p:nvSpPr>
+        <p:spPr/>
+        <p:txBody>
+          <a:bodyPr/>
+          <a:lstStyle/>
+          <a:p>
+            <a:r>
+              <a:rPr lang="de-DE" dirty="0"/>
+              <a:t>Rekursion</a:t>
+            </a:r>
+          </a:p>
+        </p:txBody>
+      </p:sp>
+      <p:sp>
+        <p:nvSpPr>
           <p:cNvPr id="3" name="Foliennummernplatzhalter 2">
             <a:extLst>
               <a:ext uri="{FF2B5EF4-FFF2-40B4-BE49-F238E27FC236}">
-                <a16:creationId xmlns:a16="http://schemas.microsoft.com/office/drawing/2014/main" id="{8594727A-9BC3-4B4E-AB79-3841FDA1875C}"/>
+                <a16:creationId xmlns:a16="http://schemas.microsoft.com/office/drawing/2014/main" id="{C4680216-4206-4ED4-8968-539187BFD95E}"/>
               </a:ext>
             </a:extLst>
           </p:cNvPr>
@@ -9393,168 +9876,181 @@
           </a:p>
         </p:txBody>
       </p:sp>
-      <p:pic>
-        <p:nvPicPr>
-          <p:cNvPr id="6" name="Grafik 5">
-            <a:extLst>
-              <a:ext uri="{FF2B5EF4-FFF2-40B4-BE49-F238E27FC236}">
-                <a16:creationId xmlns:a16="http://schemas.microsoft.com/office/drawing/2014/main" id="{1590C79C-FB7A-42FE-A4CE-88BCBD20AE1A}"/>
-              </a:ext>
-            </a:extLst>
-          </p:cNvPr>
-          <p:cNvPicPr>
-            <a:picLocks noChangeAspect="1"/>
-          </p:cNvPicPr>
-          <p:nvPr/>
-        </p:nvPicPr>
-        <p:blipFill>
-          <a:blip r:embed="rId2">
-            <a:extLst>
-              <a:ext uri="{28A0092B-C50C-407E-A947-70E740481C1C}">
-                <a14:useLocalDpi xmlns:a14="http://schemas.microsoft.com/office/drawing/2010/main" val="0"/>
-              </a:ext>
-            </a:extLst>
-          </a:blip>
-          <a:stretch>
-            <a:fillRect/>
-          </a:stretch>
-        </p:blipFill>
-        <p:spPr>
-          <a:xfrm>
-            <a:off x="395299" y="2685599"/>
-            <a:ext cx="3685592" cy="1486802"/>
-          </a:xfrm>
-          <a:prstGeom prst="rect">
-            <a:avLst/>
-          </a:prstGeom>
-        </p:spPr>
-      </p:pic>
-      <p:pic>
-        <p:nvPicPr>
-          <p:cNvPr id="8" name="Grafik 7">
-            <a:extLst>
-              <a:ext uri="{FF2B5EF4-FFF2-40B4-BE49-F238E27FC236}">
-                <a16:creationId xmlns:a16="http://schemas.microsoft.com/office/drawing/2014/main" id="{8E1B2A8B-0D3A-435B-B6D8-DD13AD38F0B1}"/>
-              </a:ext>
-            </a:extLst>
-          </p:cNvPr>
-          <p:cNvPicPr>
-            <a:picLocks noChangeAspect="1"/>
-          </p:cNvPicPr>
-          <p:nvPr/>
-        </p:nvPicPr>
-        <p:blipFill>
-          <a:blip r:embed="rId3">
-            <a:extLst>
-              <a:ext uri="{28A0092B-C50C-407E-A947-70E740481C1C}">
-                <a14:useLocalDpi xmlns:a14="http://schemas.microsoft.com/office/drawing/2010/main" val="0"/>
-              </a:ext>
-            </a:extLst>
-          </a:blip>
-          <a:stretch>
-            <a:fillRect/>
-          </a:stretch>
-        </p:blipFill>
-        <p:spPr>
-          <a:xfrm>
-            <a:off x="3993869" y="2685599"/>
-            <a:ext cx="4321467" cy="1486800"/>
-          </a:xfrm>
-          <a:prstGeom prst="rect">
-            <a:avLst/>
-          </a:prstGeom>
-        </p:spPr>
-      </p:pic>
-      <p:pic>
-        <p:nvPicPr>
-          <p:cNvPr id="10" name="Grafik 9">
-            <a:extLst>
-              <a:ext uri="{FF2B5EF4-FFF2-40B4-BE49-F238E27FC236}">
-                <a16:creationId xmlns:a16="http://schemas.microsoft.com/office/drawing/2014/main" id="{B7676BE1-4FE6-4BA6-A341-CD569EB48C79}"/>
-              </a:ext>
-            </a:extLst>
-          </p:cNvPr>
-          <p:cNvPicPr>
-            <a:picLocks noChangeAspect="1"/>
-          </p:cNvPicPr>
-          <p:nvPr/>
-        </p:nvPicPr>
-        <p:blipFill>
-          <a:blip r:embed="rId4">
-            <a:extLst>
-              <a:ext uri="{28A0092B-C50C-407E-A947-70E740481C1C}">
-                <a14:useLocalDpi xmlns:a14="http://schemas.microsoft.com/office/drawing/2010/main" val="0"/>
-              </a:ext>
-            </a:extLst>
-          </a:blip>
-          <a:stretch>
-            <a:fillRect/>
-          </a:stretch>
-        </p:blipFill>
-        <p:spPr>
-          <a:xfrm>
-            <a:off x="1554019" y="4170469"/>
-            <a:ext cx="1368152" cy="2138084"/>
-          </a:xfrm>
-          <a:prstGeom prst="rect">
-            <a:avLst/>
-          </a:prstGeom>
-        </p:spPr>
-      </p:pic>
-      <p:pic>
-        <p:nvPicPr>
-          <p:cNvPr id="12" name="Grafik 11">
-            <a:extLst>
-              <a:ext uri="{FF2B5EF4-FFF2-40B4-BE49-F238E27FC236}">
-                <a16:creationId xmlns:a16="http://schemas.microsoft.com/office/drawing/2014/main" id="{5D7A2D1A-0A88-4A0B-8235-EDF16F10B65B}"/>
-              </a:ext>
-            </a:extLst>
-          </p:cNvPr>
-          <p:cNvPicPr>
-            <a:picLocks noChangeAspect="1"/>
-          </p:cNvPicPr>
-          <p:nvPr/>
-        </p:nvPicPr>
-        <p:blipFill>
-          <a:blip r:embed="rId5">
-            <a:extLst>
-              <a:ext uri="{28A0092B-C50C-407E-A947-70E740481C1C}">
-                <a14:useLocalDpi xmlns:a14="http://schemas.microsoft.com/office/drawing/2010/main" val="0"/>
-              </a:ext>
-            </a:extLst>
-          </a:blip>
-          <a:stretch>
-            <a:fillRect/>
-          </a:stretch>
-        </p:blipFill>
-        <p:spPr>
-          <a:xfrm>
-            <a:off x="5031654" y="4321299"/>
-            <a:ext cx="2245896" cy="1836423"/>
-          </a:xfrm>
-          <a:prstGeom prst="rect">
-            <a:avLst/>
-          </a:prstGeom>
-        </p:spPr>
-      </p:pic>
+      <p:sp>
+        <p:nvSpPr>
+          <p:cNvPr id="4" name="Textplatzhalter 3">
+            <a:extLst>
+              <a:ext uri="{FF2B5EF4-FFF2-40B4-BE49-F238E27FC236}">
+                <a16:creationId xmlns:a16="http://schemas.microsoft.com/office/drawing/2014/main" id="{10E80397-3535-459E-AAE3-DDBDB0BC98A7}"/>
+              </a:ext>
+            </a:extLst>
+          </p:cNvPr>
+          <p:cNvSpPr>
+            <a:spLocks noGrp="1"/>
+          </p:cNvSpPr>
+          <p:nvPr>
+            <p:ph type="body" sz="quarter" idx="13"/>
+          </p:nvPr>
+        </p:nvSpPr>
+        <p:spPr/>
+        <p:txBody>
+          <a:bodyPr/>
+          <a:lstStyle/>
+          <a:p>
+            <a:r>
+              <a:rPr lang="de-DE" dirty="0"/>
+              <a:t>Rekursionen sind oft leichter lesbar und kompakter</a:t>
+            </a:r>
+          </a:p>
+          <a:p>
+            <a:r>
+              <a:rPr lang="de-DE" dirty="0"/>
+              <a:t>Iterative Lösungen sind meist aber effizienter und leichter verständlich</a:t>
+            </a:r>
+          </a:p>
+        </p:txBody>
+      </p:sp>
     </p:spTree>
     <p:extLst>
       <p:ext uri="{BB962C8B-B14F-4D97-AF65-F5344CB8AC3E}">
-        <p14:creationId xmlns:p14="http://schemas.microsoft.com/office/powerpoint/2010/main" val="2445275072"/>
+        <p14:creationId xmlns:p14="http://schemas.microsoft.com/office/powerpoint/2010/main" val="3760844766"/>
       </p:ext>
     </p:extLst>
   </p:cSld>
   <p:clrMapOvr>
     <a:masterClrMapping/>
   </p:clrMapOvr>
-  <mc:AlternateContent xmlns:mc="http://schemas.openxmlformats.org/markup-compatibility/2006">
-    <mc:Choice xmlns:p14="http://schemas.microsoft.com/office/powerpoint/2010/main" Requires="p14">
-      <p:transition spd="slow" p14:dur="2000" advTm="350790"/>
-    </mc:Choice>
-    <mc:Fallback>
-      <p:transition spd="slow" advTm="350790"/>
-    </mc:Fallback>
-  </mc:AlternateContent>
+  <p:timing>
+    <p:tnLst>
+      <p:par>
+        <p:cTn id="1" dur="indefinite" restart="never" nodeType="tmRoot">
+          <p:childTnLst>
+            <p:seq concurrent="1" nextAc="seek">
+              <p:cTn id="2" dur="indefinite" nodeType="mainSeq">
+                <p:childTnLst>
+                  <p:par>
+                    <p:cTn id="3" fill="hold">
+                      <p:stCondLst>
+                        <p:cond delay="indefinite"/>
+                      </p:stCondLst>
+                      <p:childTnLst>
+                        <p:par>
+                          <p:cTn id="4" fill="hold">
+                            <p:stCondLst>
+                              <p:cond delay="0"/>
+                            </p:stCondLst>
+                            <p:childTnLst>
+                              <p:par>
+                                <p:cTn id="5" presetID="1" presetClass="entr" presetSubtype="0" fill="hold" grpId="0" nodeType="clickEffect">
+                                  <p:stCondLst>
+                                    <p:cond delay="0"/>
+                                  </p:stCondLst>
+                                  <p:childTnLst>
+                                    <p:set>
+                                      <p:cBhvr>
+                                        <p:cTn id="6" dur="1" fill="hold">
+                                          <p:stCondLst>
+                                            <p:cond delay="0"/>
+                                          </p:stCondLst>
+                                        </p:cTn>
+                                        <p:tgtEl>
+                                          <p:spTgt spid="4">
+                                            <p:txEl>
+                                              <p:pRg st="0" end="0"/>
+                                            </p:txEl>
+                                          </p:spTgt>
+                                        </p:tgtEl>
+                                        <p:attrNameLst>
+                                          <p:attrName>style.visibility</p:attrName>
+                                        </p:attrNameLst>
+                                      </p:cBhvr>
+                                      <p:to>
+                                        <p:strVal val="visible"/>
+                                      </p:to>
+                                    </p:set>
+                                  </p:childTnLst>
+                                </p:cTn>
+                              </p:par>
+                            </p:childTnLst>
+                          </p:cTn>
+                        </p:par>
+                      </p:childTnLst>
+                    </p:cTn>
+                  </p:par>
+                  <p:par>
+                    <p:cTn id="7" fill="hold">
+                      <p:stCondLst>
+                        <p:cond delay="indefinite"/>
+                      </p:stCondLst>
+                      <p:childTnLst>
+                        <p:par>
+                          <p:cTn id="8" fill="hold">
+                            <p:stCondLst>
+                              <p:cond delay="0"/>
+                            </p:stCondLst>
+                            <p:childTnLst>
+                              <p:par>
+                                <p:cTn id="9" presetID="1" presetClass="entr" presetSubtype="0" fill="hold" grpId="0" nodeType="clickEffect">
+                                  <p:stCondLst>
+                                    <p:cond delay="0"/>
+                                  </p:stCondLst>
+                                  <p:childTnLst>
+                                    <p:set>
+                                      <p:cBhvr>
+                                        <p:cTn id="10" dur="1" fill="hold">
+                                          <p:stCondLst>
+                                            <p:cond delay="0"/>
+                                          </p:stCondLst>
+                                        </p:cTn>
+                                        <p:tgtEl>
+                                          <p:spTgt spid="4">
+                                            <p:txEl>
+                                              <p:pRg st="1" end="1"/>
+                                            </p:txEl>
+                                          </p:spTgt>
+                                        </p:tgtEl>
+                                        <p:attrNameLst>
+                                          <p:attrName>style.visibility</p:attrName>
+                                        </p:attrNameLst>
+                                      </p:cBhvr>
+                                      <p:to>
+                                        <p:strVal val="visible"/>
+                                      </p:to>
+                                    </p:set>
+                                  </p:childTnLst>
+                                </p:cTn>
+                              </p:par>
+                            </p:childTnLst>
+                          </p:cTn>
+                        </p:par>
+                      </p:childTnLst>
+                    </p:cTn>
+                  </p:par>
+                </p:childTnLst>
+              </p:cTn>
+              <p:prevCondLst>
+                <p:cond evt="onPrev" delay="0">
+                  <p:tgtEl>
+                    <p:sldTgt/>
+                  </p:tgtEl>
+                </p:cond>
+              </p:prevCondLst>
+              <p:nextCondLst>
+                <p:cond evt="onNext" delay="0">
+                  <p:tgtEl>
+                    <p:sldTgt/>
+                  </p:tgtEl>
+                </p:cond>
+              </p:nextCondLst>
+            </p:seq>
+          </p:childTnLst>
+        </p:cTn>
+      </p:par>
+    </p:tnLst>
+    <p:bldLst>
+      <p:bldP spid="4" grpId="0" build="p"/>
+    </p:bldLst>
+  </p:timing>
 </p:sld>
 </file>
 
@@ -9624,7 +10120,7 @@
           <a:bodyPr/>
           <a:lstStyle/>
           <a:p>
-            <a:endParaRPr lang="de-DE"/>
+            <a:endParaRPr lang="de-DE" dirty="0"/>
           </a:p>
         </p:txBody>
       </p:sp>
@@ -9667,11 +10163,11 @@
   <p:clrMapOvr>
     <a:masterClrMapping/>
   </p:clrMapOvr>
-  <mc:AlternateContent xmlns:mc="http://schemas.openxmlformats.org/markup-compatibility/2006">
-    <mc:Choice xmlns:p14="http://schemas.microsoft.com/office/powerpoint/2010/main" Requires="p14">
+  <mc:AlternateContent xmlns:mc="http://schemas.openxmlformats.org/markup-compatibility/2006" xmlns:p14="http://schemas.microsoft.com/office/powerpoint/2010/main">
+    <mc:Choice Requires="p14">
       <p:transition spd="slow" p14:dur="2000" advTm="4065"/>
     </mc:Choice>
-    <mc:Fallback>
+    <mc:Fallback xmlns="">
       <p:transition spd="slow" advTm="4065"/>
     </mc:Fallback>
   </mc:AlternateContent>
@@ -9716,7 +10212,7 @@
           <a:bodyPr/>
           <a:lstStyle/>
           <a:p>
-            <a:endParaRPr lang="de-DE"/>
+            <a:endParaRPr lang="de-DE" dirty="0"/>
           </a:p>
         </p:txBody>
       </p:sp>
@@ -9824,14 +10320,6 @@
   <p:clrMapOvr>
     <a:masterClrMapping/>
   </p:clrMapOvr>
-  <mc:AlternateContent xmlns:mc="http://schemas.openxmlformats.org/markup-compatibility/2006">
-    <mc:Choice xmlns:p14="http://schemas.microsoft.com/office/powerpoint/2010/main" Requires="p14">
-      <p:transition spd="slow" p14:dur="2000" advTm="4329"/>
-    </mc:Choice>
-    <mc:Fallback>
-      <p:transition spd="slow" advTm="4329"/>
-    </mc:Fallback>
-  </mc:AlternateContent>
 </p:sld>
 </file>
 
@@ -9873,7 +10361,7 @@
           <a:bodyPr/>
           <a:lstStyle/>
           <a:p>
-            <a:endParaRPr lang="de-DE"/>
+            <a:endParaRPr lang="de-DE" dirty="0"/>
           </a:p>
         </p:txBody>
       </p:sp>
@@ -9981,14 +10469,6 @@
   <p:clrMapOvr>
     <a:masterClrMapping/>
   </p:clrMapOvr>
-  <mc:AlternateContent xmlns:mc="http://schemas.openxmlformats.org/markup-compatibility/2006">
-    <mc:Choice xmlns:p14="http://schemas.microsoft.com/office/powerpoint/2010/main" Requires="p14">
-      <p:transition spd="slow" p14:dur="2000" advTm="1677"/>
-    </mc:Choice>
-    <mc:Fallback>
-      <p:transition spd="slow" advTm="1677"/>
-    </mc:Fallback>
-  </mc:AlternateContent>
 </p:sld>
 </file>
 
@@ -10030,7 +10510,7 @@
           <a:bodyPr/>
           <a:lstStyle/>
           <a:p>
-            <a:endParaRPr lang="de-DE"/>
+            <a:endParaRPr lang="de-DE" dirty="0"/>
           </a:p>
         </p:txBody>
       </p:sp>
@@ -10138,14 +10618,6 @@
   <p:clrMapOvr>
     <a:masterClrMapping/>
   </p:clrMapOvr>
-  <mc:AlternateContent xmlns:mc="http://schemas.openxmlformats.org/markup-compatibility/2006">
-    <mc:Choice xmlns:p14="http://schemas.microsoft.com/office/powerpoint/2010/main" Requires="p14">
-      <p:transition spd="slow" p14:dur="2000" advTm="6019"/>
-    </mc:Choice>
-    <mc:Fallback>
-      <p:transition spd="slow" advTm="6019"/>
-    </mc:Fallback>
-  </mc:AlternateContent>
 </p:sld>
 </file>
 
@@ -10187,7 +10659,7 @@
           <a:bodyPr/>
           <a:lstStyle/>
           <a:p>
-            <a:endParaRPr lang="de-DE"/>
+            <a:endParaRPr lang="de-DE" dirty="0"/>
           </a:p>
         </p:txBody>
       </p:sp>
@@ -10295,14 +10767,6 @@
   <p:clrMapOvr>
     <a:masterClrMapping/>
   </p:clrMapOvr>
-  <mc:AlternateContent xmlns:mc="http://schemas.openxmlformats.org/markup-compatibility/2006">
-    <mc:Choice xmlns:p14="http://schemas.microsoft.com/office/powerpoint/2010/main" Requires="p14">
-      <p:transition spd="slow" p14:dur="2000" advTm="717"/>
-    </mc:Choice>
-    <mc:Fallback>
-      <p:transition spd="slow" advTm="717"/>
-    </mc:Fallback>
-  </mc:AlternateContent>
 </p:sld>
 </file>
 
@@ -10344,7 +10808,7 @@
           <a:bodyPr/>
           <a:lstStyle/>
           <a:p>
-            <a:endParaRPr lang="de-DE"/>
+            <a:endParaRPr lang="de-DE" dirty="0"/>
           </a:p>
         </p:txBody>
       </p:sp>
@@ -10399,7 +10863,7 @@
           <a:bodyPr/>
           <a:lstStyle/>
           <a:p>
-            <a:endParaRPr lang="de-DE"/>
+            <a:endParaRPr lang="de-DE" dirty="0"/>
           </a:p>
         </p:txBody>
       </p:sp>
@@ -10449,14 +10913,6 @@
   <p:clrMapOvr>
     <a:masterClrMapping/>
   </p:clrMapOvr>
-  <mc:AlternateContent xmlns:mc="http://schemas.openxmlformats.org/markup-compatibility/2006">
-    <mc:Choice xmlns:p14="http://schemas.microsoft.com/office/powerpoint/2010/main" Requires="p14">
-      <p:transition spd="slow" p14:dur="2000" advTm="811"/>
-    </mc:Choice>
-    <mc:Fallback>
-      <p:transition spd="slow" advTm="811"/>
-    </mc:Fallback>
-  </mc:AlternateContent>
 </p:sld>
 </file>
 

--- a/Präsentation/Quicksort.pptx
+++ b/Präsentation/Quicksort.pptx
@@ -754,7 +754,7 @@
                 <a:ea typeface="+mn-ea"/>
                 <a:cs typeface="+mn-cs"/>
               </a:rPr>
-              <a:t>Das Besondere am Quicksort Algorithmus ist, dass die Elemente in der Liste nur vertauscht werden und nicht extern zwischengespeichert werden müssen. Solche Sortierverfahren nennt man auch In-Place-Algorithmus.</a:t>
+              <a:t>Meine Aufgabe war es den Quicksort Algorithmus zu programmieren. </a:t>
             </a:r>
           </a:p>
           <a:p>
@@ -768,9 +768,872 @@
                 <a:ea typeface="+mn-ea"/>
                 <a:cs typeface="+mn-cs"/>
               </a:rPr>
-              <a:t>Hier wird die komplette Liste in immer kleiner werdenden Teillisten aufgeteilt und in sich sortiert. Sobald die Teillisten sortiert wurden ist auch die komplette Liste sortiert.</a:t>
+              <a:t>Um die Funktionsweiße des Algorithmus zu verstehen habe ich einen sog. Pseudocode und ein Gif bekommen.</a:t>
             </a:r>
           </a:p>
+          <a:p>
+            <a:r>
+              <a:rPr lang="de-DE" sz="1200" kern="1200" dirty="0">
+                <a:solidFill>
+                  <a:schemeClr val="tx1"/>
+                </a:solidFill>
+                <a:effectLst/>
+                <a:latin typeface="+mn-lt"/>
+                <a:ea typeface="+mn-ea"/>
+                <a:cs typeface="+mn-cs"/>
+              </a:rPr>
+              <a:t>Für diese Präsentation werden ich ungefähr 20 Minuten brauchen.</a:t>
+            </a:r>
+          </a:p>
+          <a:p>
+            <a:endParaRPr lang="de-DE" dirty="0"/>
+          </a:p>
+        </p:txBody>
+      </p:sp>
+      <p:sp>
+        <p:nvSpPr>
+          <p:cNvPr id="4" name="Foliennummernplatzhalter 3"/>
+          <p:cNvSpPr>
+            <a:spLocks noGrp="1"/>
+          </p:cNvSpPr>
+          <p:nvPr>
+            <p:ph type="sldNum" sz="quarter" idx="5"/>
+          </p:nvPr>
+        </p:nvSpPr>
+        <p:spPr/>
+        <p:txBody>
+          <a:bodyPr/>
+          <a:lstStyle/>
+          <a:p>
+            <a:fld id="{67D99960-775A-4831-A98F-4EE005F4B482}" type="slidenum">
+              <a:rPr lang="de-DE" smtClean="0"/>
+              <a:t>1</a:t>
+            </a:fld>
+            <a:endParaRPr lang="de-DE" dirty="0"/>
+          </a:p>
+        </p:txBody>
+      </p:sp>
+    </p:spTree>
+    <p:extLst>
+      <p:ext uri="{BB962C8B-B14F-4D97-AF65-F5344CB8AC3E}">
+        <p14:creationId xmlns:p14="http://schemas.microsoft.com/office/powerpoint/2010/main" val="972521338"/>
+      </p:ext>
+    </p:extLst>
+  </p:cSld>
+  <p:clrMapOvr>
+    <a:masterClrMapping/>
+  </p:clrMapOvr>
+</p:notes>
+</file>
+
+<file path=ppt/notesSlides/notesSlide10.xml><?xml version="1.0" encoding="utf-8"?>
+<p:notes xmlns:a="http://schemas.openxmlformats.org/drawingml/2006/main" xmlns:r="http://schemas.openxmlformats.org/officeDocument/2006/relationships" xmlns:p="http://schemas.openxmlformats.org/presentationml/2006/main">
+  <p:cSld>
+    <p:spTree>
+      <p:nvGrpSpPr>
+        <p:cNvPr id="1" name=""/>
+        <p:cNvGrpSpPr/>
+        <p:nvPr/>
+      </p:nvGrpSpPr>
+      <p:grpSpPr>
+        <a:xfrm>
+          <a:off x="0" y="0"/>
+          <a:ext cx="0" cy="0"/>
+          <a:chOff x="0" y="0"/>
+          <a:chExt cx="0" cy="0"/>
+        </a:xfrm>
+      </p:grpSpPr>
+      <p:sp>
+        <p:nvSpPr>
+          <p:cNvPr id="2" name="Folienbildplatzhalter 1"/>
+          <p:cNvSpPr>
+            <a:spLocks noGrp="1" noRot="1" noChangeAspect="1"/>
+          </p:cNvSpPr>
+          <p:nvPr>
+            <p:ph type="sldImg"/>
+          </p:nvPr>
+        </p:nvSpPr>
+        <p:spPr/>
+      </p:sp>
+      <p:sp>
+        <p:nvSpPr>
+          <p:cNvPr id="3" name="Notizenplatzhalter 2"/>
+          <p:cNvSpPr>
+            <a:spLocks noGrp="1"/>
+          </p:cNvSpPr>
+          <p:nvPr>
+            <p:ph type="body" idx="1"/>
+          </p:nvPr>
+        </p:nvSpPr>
+        <p:spPr/>
+        <p:txBody>
+          <a:bodyPr/>
+          <a:lstStyle/>
+          <a:p>
+            <a:pPr marL="0" marR="0" lvl="0" indent="0" algn="l" defTabSz="914400" rtl="0" eaLnBrk="1" fontAlgn="auto" latinLnBrk="0" hangingPunct="1">
+              <a:lnSpc>
+                <a:spcPct val="100000"/>
+              </a:lnSpc>
+              <a:spcBef>
+                <a:spcPts val="0"/>
+              </a:spcBef>
+              <a:spcAft>
+                <a:spcPts val="0"/>
+              </a:spcAft>
+              <a:buClrTx/>
+              <a:buSzTx/>
+              <a:buFontTx/>
+              <a:buNone/>
+              <a:tabLst/>
+              <a:defRPr/>
+            </a:pPr>
+            <a:r>
+              <a:rPr lang="de-DE" sz="1200" kern="1200" dirty="0">
+                <a:solidFill>
+                  <a:schemeClr val="tx1"/>
+                </a:solidFill>
+                <a:effectLst/>
+                <a:latin typeface="+mn-lt"/>
+                <a:ea typeface="+mn-ea"/>
+                <a:cs typeface="+mn-cs"/>
+              </a:rPr>
+              <a:t>Das Verfahren wiederholt sich solange bis die Teillisten nur noch aus einem Element bestehen.</a:t>
+            </a:r>
+          </a:p>
+          <a:p>
+            <a:endParaRPr lang="de-DE" dirty="0"/>
+          </a:p>
+        </p:txBody>
+      </p:sp>
+      <p:sp>
+        <p:nvSpPr>
+          <p:cNvPr id="4" name="Foliennummernplatzhalter 3"/>
+          <p:cNvSpPr>
+            <a:spLocks noGrp="1"/>
+          </p:cNvSpPr>
+          <p:nvPr>
+            <p:ph type="sldNum" sz="quarter" idx="5"/>
+          </p:nvPr>
+        </p:nvSpPr>
+        <p:spPr/>
+        <p:txBody>
+          <a:bodyPr/>
+          <a:lstStyle/>
+          <a:p>
+            <a:fld id="{67D99960-775A-4831-A98F-4EE005F4B482}" type="slidenum">
+              <a:rPr lang="de-DE" smtClean="0"/>
+              <a:t>25</a:t>
+            </a:fld>
+            <a:endParaRPr lang="de-DE" dirty="0"/>
+          </a:p>
+        </p:txBody>
+      </p:sp>
+    </p:spTree>
+    <p:extLst>
+      <p:ext uri="{BB962C8B-B14F-4D97-AF65-F5344CB8AC3E}">
+        <p14:creationId xmlns:p14="http://schemas.microsoft.com/office/powerpoint/2010/main" val="1342909896"/>
+      </p:ext>
+    </p:extLst>
+  </p:cSld>
+  <p:clrMapOvr>
+    <a:masterClrMapping/>
+  </p:clrMapOvr>
+</p:notes>
+</file>
+
+<file path=ppt/notesSlides/notesSlide11.xml><?xml version="1.0" encoding="utf-8"?>
+<p:notes xmlns:a="http://schemas.openxmlformats.org/drawingml/2006/main" xmlns:r="http://schemas.openxmlformats.org/officeDocument/2006/relationships" xmlns:p="http://schemas.openxmlformats.org/presentationml/2006/main">
+  <p:cSld>
+    <p:spTree>
+      <p:nvGrpSpPr>
+        <p:cNvPr id="1" name=""/>
+        <p:cNvGrpSpPr/>
+        <p:nvPr/>
+      </p:nvGrpSpPr>
+      <p:grpSpPr>
+        <a:xfrm>
+          <a:off x="0" y="0"/>
+          <a:ext cx="0" cy="0"/>
+          <a:chOff x="0" y="0"/>
+          <a:chExt cx="0" cy="0"/>
+        </a:xfrm>
+      </p:grpSpPr>
+      <p:sp>
+        <p:nvSpPr>
+          <p:cNvPr id="2" name="Folienbildplatzhalter 1"/>
+          <p:cNvSpPr>
+            <a:spLocks noGrp="1" noRot="1" noChangeAspect="1"/>
+          </p:cNvSpPr>
+          <p:nvPr>
+            <p:ph type="sldImg"/>
+          </p:nvPr>
+        </p:nvSpPr>
+        <p:spPr/>
+      </p:sp>
+      <p:sp>
+        <p:nvSpPr>
+          <p:cNvPr id="3" name="Notizenplatzhalter 2"/>
+          <p:cNvSpPr>
+            <a:spLocks noGrp="1"/>
+          </p:cNvSpPr>
+          <p:nvPr>
+            <p:ph type="body" idx="1"/>
+          </p:nvPr>
+        </p:nvSpPr>
+        <p:spPr/>
+        <p:txBody>
+          <a:bodyPr/>
+          <a:lstStyle/>
+          <a:p>
+            <a:pPr marL="0" marR="0" lvl="0" indent="0" algn="l" defTabSz="914400" rtl="0" eaLnBrk="1" fontAlgn="auto" latinLnBrk="0" hangingPunct="1">
+              <a:lnSpc>
+                <a:spcPct val="100000"/>
+              </a:lnSpc>
+              <a:spcBef>
+                <a:spcPts val="0"/>
+              </a:spcBef>
+              <a:spcAft>
+                <a:spcPts val="0"/>
+              </a:spcAft>
+              <a:buClrTx/>
+              <a:buSzTx/>
+              <a:buFontTx/>
+              <a:buNone/>
+              <a:tabLst/>
+              <a:defRPr/>
+            </a:pPr>
+            <a:r>
+              <a:rPr lang="de-DE" sz="1200" kern="1200" dirty="0">
+                <a:solidFill>
+                  <a:schemeClr val="tx1"/>
+                </a:solidFill>
+                <a:effectLst/>
+                <a:latin typeface="+mn-lt"/>
+                <a:ea typeface="+mn-ea"/>
+                <a:cs typeface="+mn-cs"/>
+              </a:rPr>
+              <a:t>Ist dieser Punkt erreicht ist auch die komplette Liste fertig sortiert.</a:t>
+            </a:r>
+          </a:p>
+          <a:p>
+            <a:endParaRPr lang="de-DE" dirty="0"/>
+          </a:p>
+        </p:txBody>
+      </p:sp>
+      <p:sp>
+        <p:nvSpPr>
+          <p:cNvPr id="4" name="Foliennummernplatzhalter 3"/>
+          <p:cNvSpPr>
+            <a:spLocks noGrp="1"/>
+          </p:cNvSpPr>
+          <p:nvPr>
+            <p:ph type="sldNum" sz="quarter" idx="5"/>
+          </p:nvPr>
+        </p:nvSpPr>
+        <p:spPr/>
+        <p:txBody>
+          <a:bodyPr/>
+          <a:lstStyle/>
+          <a:p>
+            <a:fld id="{67D99960-775A-4831-A98F-4EE005F4B482}" type="slidenum">
+              <a:rPr lang="de-DE" smtClean="0"/>
+              <a:t>26</a:t>
+            </a:fld>
+            <a:endParaRPr lang="de-DE" dirty="0"/>
+          </a:p>
+        </p:txBody>
+      </p:sp>
+    </p:spTree>
+    <p:extLst>
+      <p:ext uri="{BB962C8B-B14F-4D97-AF65-F5344CB8AC3E}">
+        <p14:creationId xmlns:p14="http://schemas.microsoft.com/office/powerpoint/2010/main" val="1760513995"/>
+      </p:ext>
+    </p:extLst>
+  </p:cSld>
+  <p:clrMapOvr>
+    <a:masterClrMapping/>
+  </p:clrMapOvr>
+</p:notes>
+</file>
+
+<file path=ppt/notesSlides/notesSlide12.xml><?xml version="1.0" encoding="utf-8"?>
+<p:notes xmlns:a="http://schemas.openxmlformats.org/drawingml/2006/main" xmlns:r="http://schemas.openxmlformats.org/officeDocument/2006/relationships" xmlns:p="http://schemas.openxmlformats.org/presentationml/2006/main">
+  <p:cSld>
+    <p:spTree>
+      <p:nvGrpSpPr>
+        <p:cNvPr id="1" name=""/>
+        <p:cNvGrpSpPr/>
+        <p:nvPr/>
+      </p:nvGrpSpPr>
+      <p:grpSpPr>
+        <a:xfrm>
+          <a:off x="0" y="0"/>
+          <a:ext cx="0" cy="0"/>
+          <a:chOff x="0" y="0"/>
+          <a:chExt cx="0" cy="0"/>
+        </a:xfrm>
+      </p:grpSpPr>
+      <p:sp>
+        <p:nvSpPr>
+          <p:cNvPr id="2" name="Folienbildplatzhalter 1"/>
+          <p:cNvSpPr>
+            <a:spLocks noGrp="1" noRot="1" noChangeAspect="1"/>
+          </p:cNvSpPr>
+          <p:nvPr>
+            <p:ph type="sldImg"/>
+          </p:nvPr>
+        </p:nvSpPr>
+        <p:spPr/>
+      </p:sp>
+      <p:sp>
+        <p:nvSpPr>
+          <p:cNvPr id="3" name="Notizenplatzhalter 2"/>
+          <p:cNvSpPr>
+            <a:spLocks noGrp="1"/>
+          </p:cNvSpPr>
+          <p:nvPr>
+            <p:ph type="body" idx="1"/>
+          </p:nvPr>
+        </p:nvSpPr>
+        <p:spPr/>
+        <p:txBody>
+          <a:bodyPr/>
+          <a:lstStyle/>
+          <a:p>
+            <a:pPr lvl="0"/>
+            <a:r>
+              <a:rPr lang="de-DE" sz="1200" kern="1200" dirty="0">
+                <a:solidFill>
+                  <a:schemeClr val="tx1"/>
+                </a:solidFill>
+                <a:effectLst/>
+                <a:latin typeface="+mn-lt"/>
+                <a:ea typeface="+mn-ea"/>
+                <a:cs typeface="+mn-cs"/>
+              </a:rPr>
+              <a:t>Main Programm erstell das Objekt myList von der Klasse Sorting diese Klasse ist dafür da um den Algorithmus auszuführen.</a:t>
+            </a:r>
+          </a:p>
+          <a:p>
+            <a:pPr lvl="0"/>
+            <a:endParaRPr lang="de-DE" sz="1200" kern="1200" dirty="0">
+              <a:solidFill>
+                <a:schemeClr val="tx1"/>
+              </a:solidFill>
+              <a:effectLst/>
+              <a:latin typeface="+mn-lt"/>
+              <a:ea typeface="+mn-ea"/>
+              <a:cs typeface="+mn-cs"/>
+            </a:endParaRPr>
+          </a:p>
+          <a:p>
+            <a:pPr lvl="0"/>
+            <a:r>
+              <a:rPr lang="de-DE" sz="1200" kern="1200" dirty="0">
+                <a:solidFill>
+                  <a:schemeClr val="tx1"/>
+                </a:solidFill>
+                <a:effectLst/>
+                <a:latin typeface="+mn-lt"/>
+                <a:ea typeface="+mn-ea"/>
+                <a:cs typeface="+mn-cs"/>
+              </a:rPr>
+              <a:t>List hat einen Konstruktor List und die Methoden fillList, getList und getPivot. Die Klasse ist erzeugt die Liste und befüllt diese mit Werten.</a:t>
+            </a:r>
+          </a:p>
+          <a:p>
+            <a:pPr lvl="0"/>
+            <a:endParaRPr lang="de-DE" sz="1200" kern="1200" dirty="0">
+              <a:solidFill>
+                <a:schemeClr val="tx1"/>
+              </a:solidFill>
+              <a:effectLst/>
+              <a:latin typeface="+mn-lt"/>
+              <a:ea typeface="+mn-ea"/>
+              <a:cs typeface="+mn-cs"/>
+            </a:endParaRPr>
+          </a:p>
+          <a:p>
+            <a:pPr lvl="0"/>
+            <a:r>
+              <a:rPr lang="de-DE" sz="1200" kern="1200" dirty="0">
+                <a:solidFill>
+                  <a:schemeClr val="tx1"/>
+                </a:solidFill>
+                <a:effectLst/>
+                <a:latin typeface="+mn-lt"/>
+                <a:ea typeface="+mn-ea"/>
+                <a:cs typeface="+mn-cs"/>
+              </a:rPr>
+              <a:t>Sorting hat die beiden Methoden sort und teile</a:t>
+            </a:r>
+          </a:p>
+          <a:p>
+            <a:pPr lvl="0"/>
+            <a:r>
+              <a:rPr lang="de-DE" sz="1200" kern="1200" dirty="0">
+                <a:solidFill>
+                  <a:schemeClr val="tx1"/>
+                </a:solidFill>
+                <a:effectLst/>
+                <a:latin typeface="+mn-lt"/>
+                <a:ea typeface="+mn-ea"/>
+                <a:cs typeface="+mn-cs"/>
+              </a:rPr>
+              <a:t>Sorting erstellt ein Objekt daten aus der Klasse List in Sorting wird der Algorithmus ausgeführt.</a:t>
+            </a:r>
+          </a:p>
+          <a:p>
+            <a:endParaRPr lang="de-DE" dirty="0"/>
+          </a:p>
+        </p:txBody>
+      </p:sp>
+      <p:sp>
+        <p:nvSpPr>
+          <p:cNvPr id="4" name="Foliennummernplatzhalter 3"/>
+          <p:cNvSpPr>
+            <a:spLocks noGrp="1"/>
+          </p:cNvSpPr>
+          <p:nvPr>
+            <p:ph type="sldNum" sz="quarter" idx="5"/>
+          </p:nvPr>
+        </p:nvSpPr>
+        <p:spPr/>
+        <p:txBody>
+          <a:bodyPr/>
+          <a:lstStyle/>
+          <a:p>
+            <a:fld id="{67D99960-775A-4831-A98F-4EE005F4B482}" type="slidenum">
+              <a:rPr lang="de-DE" smtClean="0"/>
+              <a:t>27</a:t>
+            </a:fld>
+            <a:endParaRPr lang="de-DE" dirty="0"/>
+          </a:p>
+        </p:txBody>
+      </p:sp>
+    </p:spTree>
+    <p:extLst>
+      <p:ext uri="{BB962C8B-B14F-4D97-AF65-F5344CB8AC3E}">
+        <p14:creationId xmlns:p14="http://schemas.microsoft.com/office/powerpoint/2010/main" val="2087940766"/>
+      </p:ext>
+    </p:extLst>
+  </p:cSld>
+  <p:clrMapOvr>
+    <a:masterClrMapping/>
+  </p:clrMapOvr>
+</p:notes>
+</file>
+
+<file path=ppt/notesSlides/notesSlide13.xml><?xml version="1.0" encoding="utf-8"?>
+<p:notes xmlns:a="http://schemas.openxmlformats.org/drawingml/2006/main" xmlns:r="http://schemas.openxmlformats.org/officeDocument/2006/relationships" xmlns:p="http://schemas.openxmlformats.org/presentationml/2006/main">
+  <p:cSld>
+    <p:spTree>
+      <p:nvGrpSpPr>
+        <p:cNvPr id="1" name=""/>
+        <p:cNvGrpSpPr/>
+        <p:nvPr/>
+      </p:nvGrpSpPr>
+      <p:grpSpPr>
+        <a:xfrm>
+          <a:off x="0" y="0"/>
+          <a:ext cx="0" cy="0"/>
+          <a:chOff x="0" y="0"/>
+          <a:chExt cx="0" cy="0"/>
+        </a:xfrm>
+      </p:grpSpPr>
+      <p:sp>
+        <p:nvSpPr>
+          <p:cNvPr id="2" name="Folienbildplatzhalter 1"/>
+          <p:cNvSpPr>
+            <a:spLocks noGrp="1" noRot="1" noChangeAspect="1"/>
+          </p:cNvSpPr>
+          <p:nvPr>
+            <p:ph type="sldImg"/>
+          </p:nvPr>
+        </p:nvSpPr>
+        <p:spPr/>
+      </p:sp>
+      <p:sp>
+        <p:nvSpPr>
+          <p:cNvPr id="3" name="Notizenplatzhalter 2"/>
+          <p:cNvSpPr>
+            <a:spLocks noGrp="1"/>
+          </p:cNvSpPr>
+          <p:nvPr>
+            <p:ph type="body" idx="1"/>
+          </p:nvPr>
+        </p:nvSpPr>
+        <p:spPr/>
+        <p:txBody>
+          <a:bodyPr/>
+          <a:lstStyle/>
+          <a:p>
+            <a:pPr marL="0" marR="0" lvl="0" indent="0" algn="l" defTabSz="914400" rtl="0" eaLnBrk="1" fontAlgn="auto" latinLnBrk="0" hangingPunct="1">
+              <a:lnSpc>
+                <a:spcPct val="100000"/>
+              </a:lnSpc>
+              <a:spcBef>
+                <a:spcPts val="0"/>
+              </a:spcBef>
+              <a:spcAft>
+                <a:spcPts val="0"/>
+              </a:spcAft>
+              <a:buClrTx/>
+              <a:buSzTx/>
+              <a:buFontTx/>
+              <a:buNone/>
+              <a:tabLst/>
+              <a:defRPr/>
+            </a:pPr>
+            <a:r>
+              <a:rPr lang="de-DE" sz="1200" kern="1200" dirty="0">
+                <a:solidFill>
+                  <a:schemeClr val="tx1"/>
+                </a:solidFill>
+                <a:effectLst/>
+                <a:latin typeface="+mn-lt"/>
+                <a:ea typeface="+mn-ea"/>
+                <a:cs typeface="+mn-cs"/>
+              </a:rPr>
+              <a:t>Die Klasse mainProgram ist dafür da, um den Suchalgorithmus auszuführen.</a:t>
+            </a:r>
+          </a:p>
+          <a:p>
+            <a:endParaRPr lang="de-DE" dirty="0"/>
+          </a:p>
+        </p:txBody>
+      </p:sp>
+      <p:sp>
+        <p:nvSpPr>
+          <p:cNvPr id="4" name="Foliennummernplatzhalter 3"/>
+          <p:cNvSpPr>
+            <a:spLocks noGrp="1"/>
+          </p:cNvSpPr>
+          <p:nvPr>
+            <p:ph type="sldNum" sz="quarter" idx="5"/>
+          </p:nvPr>
+        </p:nvSpPr>
+        <p:spPr/>
+        <p:txBody>
+          <a:bodyPr/>
+          <a:lstStyle/>
+          <a:p>
+            <a:fld id="{67D99960-775A-4831-A98F-4EE005F4B482}" type="slidenum">
+              <a:rPr lang="de-DE" smtClean="0"/>
+              <a:t>28</a:t>
+            </a:fld>
+            <a:endParaRPr lang="de-DE" dirty="0"/>
+          </a:p>
+        </p:txBody>
+      </p:sp>
+    </p:spTree>
+    <p:extLst>
+      <p:ext uri="{BB962C8B-B14F-4D97-AF65-F5344CB8AC3E}">
+        <p14:creationId xmlns:p14="http://schemas.microsoft.com/office/powerpoint/2010/main" val="3013873162"/>
+      </p:ext>
+    </p:extLst>
+  </p:cSld>
+  <p:clrMapOvr>
+    <a:masterClrMapping/>
+  </p:clrMapOvr>
+</p:notes>
+</file>
+
+<file path=ppt/notesSlides/notesSlide14.xml><?xml version="1.0" encoding="utf-8"?>
+<p:notes xmlns:a="http://schemas.openxmlformats.org/drawingml/2006/main" xmlns:r="http://schemas.openxmlformats.org/officeDocument/2006/relationships" xmlns:p="http://schemas.openxmlformats.org/presentationml/2006/main">
+  <p:cSld>
+    <p:spTree>
+      <p:nvGrpSpPr>
+        <p:cNvPr id="1" name=""/>
+        <p:cNvGrpSpPr/>
+        <p:nvPr/>
+      </p:nvGrpSpPr>
+      <p:grpSpPr>
+        <a:xfrm>
+          <a:off x="0" y="0"/>
+          <a:ext cx="0" cy="0"/>
+          <a:chOff x="0" y="0"/>
+          <a:chExt cx="0" cy="0"/>
+        </a:xfrm>
+      </p:grpSpPr>
+      <p:sp>
+        <p:nvSpPr>
+          <p:cNvPr id="2" name="Folienbildplatzhalter 1"/>
+          <p:cNvSpPr>
+            <a:spLocks noGrp="1" noRot="1" noChangeAspect="1"/>
+          </p:cNvSpPr>
+          <p:nvPr>
+            <p:ph type="sldImg"/>
+          </p:nvPr>
+        </p:nvSpPr>
+        <p:spPr/>
+      </p:sp>
+      <p:sp>
+        <p:nvSpPr>
+          <p:cNvPr id="3" name="Notizenplatzhalter 2"/>
+          <p:cNvSpPr>
+            <a:spLocks noGrp="1"/>
+          </p:cNvSpPr>
+          <p:nvPr>
+            <p:ph type="body" idx="1"/>
+          </p:nvPr>
+        </p:nvSpPr>
+        <p:spPr/>
+        <p:txBody>
+          <a:bodyPr/>
+          <a:lstStyle/>
+          <a:p>
+            <a:endParaRPr lang="de-DE" dirty="0"/>
+          </a:p>
+        </p:txBody>
+      </p:sp>
+      <p:sp>
+        <p:nvSpPr>
+          <p:cNvPr id="4" name="Foliennummernplatzhalter 3"/>
+          <p:cNvSpPr>
+            <a:spLocks noGrp="1"/>
+          </p:cNvSpPr>
+          <p:nvPr>
+            <p:ph type="sldNum" sz="quarter" idx="5"/>
+          </p:nvPr>
+        </p:nvSpPr>
+        <p:spPr/>
+        <p:txBody>
+          <a:bodyPr/>
+          <a:lstStyle/>
+          <a:p>
+            <a:fld id="{67D99960-775A-4831-A98F-4EE005F4B482}" type="slidenum">
+              <a:rPr lang="de-DE" smtClean="0"/>
+              <a:t>29</a:t>
+            </a:fld>
+            <a:endParaRPr lang="de-DE" dirty="0"/>
+          </a:p>
+        </p:txBody>
+      </p:sp>
+    </p:spTree>
+    <p:extLst>
+      <p:ext uri="{BB962C8B-B14F-4D97-AF65-F5344CB8AC3E}">
+        <p14:creationId xmlns:p14="http://schemas.microsoft.com/office/powerpoint/2010/main" val="4130950748"/>
+      </p:ext>
+    </p:extLst>
+  </p:cSld>
+  <p:clrMapOvr>
+    <a:masterClrMapping/>
+  </p:clrMapOvr>
+</p:notes>
+</file>
+
+<file path=ppt/notesSlides/notesSlide2.xml><?xml version="1.0" encoding="utf-8"?>
+<p:notes xmlns:a="http://schemas.openxmlformats.org/drawingml/2006/main" xmlns:r="http://schemas.openxmlformats.org/officeDocument/2006/relationships" xmlns:p="http://schemas.openxmlformats.org/presentationml/2006/main">
+  <p:cSld>
+    <p:spTree>
+      <p:nvGrpSpPr>
+        <p:cNvPr id="1" name=""/>
+        <p:cNvGrpSpPr/>
+        <p:nvPr/>
+      </p:nvGrpSpPr>
+      <p:grpSpPr>
+        <a:xfrm>
+          <a:off x="0" y="0"/>
+          <a:ext cx="0" cy="0"/>
+          <a:chOff x="0" y="0"/>
+          <a:chExt cx="0" cy="0"/>
+        </a:xfrm>
+      </p:grpSpPr>
+      <p:sp>
+        <p:nvSpPr>
+          <p:cNvPr id="2" name="Folienbildplatzhalter 1"/>
+          <p:cNvSpPr>
+            <a:spLocks noGrp="1" noRot="1" noChangeAspect="1"/>
+          </p:cNvSpPr>
+          <p:nvPr>
+            <p:ph type="sldImg"/>
+          </p:nvPr>
+        </p:nvSpPr>
+        <p:spPr/>
+      </p:sp>
+      <p:sp>
+        <p:nvSpPr>
+          <p:cNvPr id="3" name="Notizenplatzhalter 2"/>
+          <p:cNvSpPr>
+            <a:spLocks noGrp="1"/>
+          </p:cNvSpPr>
+          <p:nvPr>
+            <p:ph type="body" idx="1"/>
+          </p:nvPr>
+        </p:nvSpPr>
+        <p:spPr/>
+        <p:txBody>
+          <a:bodyPr/>
+          <a:lstStyle/>
+          <a:p>
+            <a:r>
+              <a:rPr lang="de-DE" sz="1200" kern="1200" dirty="0">
+                <a:solidFill>
+                  <a:schemeClr val="tx1"/>
+                </a:solidFill>
+                <a:effectLst/>
+                <a:latin typeface="+mn-lt"/>
+                <a:ea typeface="+mn-ea"/>
+                <a:cs typeface="+mn-cs"/>
+              </a:rPr>
+              <a:t>Das Besondere am Quicksort Algorithmus ist, dass die Elemente in der Liste nur vertauscht werden und nicht extern zwischengespeichert werden müssen. </a:t>
+            </a:r>
+          </a:p>
+          <a:p>
+            <a:r>
+              <a:rPr lang="de-DE" sz="1200" kern="1200" dirty="0">
+                <a:solidFill>
+                  <a:schemeClr val="tx1"/>
+                </a:solidFill>
+                <a:effectLst/>
+                <a:latin typeface="+mn-lt"/>
+                <a:ea typeface="+mn-ea"/>
+                <a:cs typeface="+mn-cs"/>
+              </a:rPr>
+              <a:t>Sog. In-Place-Algorithmus. </a:t>
+            </a:r>
+          </a:p>
+          <a:p>
+            <a:r>
+              <a:rPr lang="de-DE" sz="1200" kern="1200" dirty="0">
+                <a:solidFill>
+                  <a:schemeClr val="tx1"/>
+                </a:solidFill>
+                <a:effectLst/>
+                <a:latin typeface="+mn-lt"/>
+                <a:ea typeface="+mn-ea"/>
+                <a:cs typeface="+mn-cs"/>
+              </a:rPr>
+              <a:t>1960 in seiner Grundform entwickelt und seither von vielen Forschern verbessert.</a:t>
+            </a:r>
+          </a:p>
+          <a:p>
+            <a:r>
+              <a:rPr lang="de-DE" sz="1200" kern="1200" dirty="0">
+                <a:solidFill>
+                  <a:schemeClr val="tx1"/>
+                </a:solidFill>
+                <a:effectLst/>
+                <a:latin typeface="+mn-lt"/>
+                <a:ea typeface="+mn-ea"/>
+                <a:cs typeface="+mn-cs"/>
+              </a:rPr>
+              <a:t> </a:t>
+            </a:r>
+          </a:p>
+          <a:p>
+            <a:r>
+              <a:rPr lang="de-DE" sz="1200" kern="1200" dirty="0">
+                <a:solidFill>
+                  <a:schemeClr val="tx1"/>
+                </a:solidFill>
+                <a:effectLst/>
+                <a:latin typeface="+mn-lt"/>
+                <a:ea typeface="+mn-ea"/>
+                <a:cs typeface="+mn-cs"/>
+              </a:rPr>
+              <a:t>Hier wird die komplette Liste in immer kleiner werdenden Teillisten aufgeteilt und in sich sortiert. </a:t>
+            </a:r>
+          </a:p>
+          <a:p>
+            <a:r>
+              <a:rPr lang="de-DE" sz="1200" kern="1200" dirty="0">
+                <a:solidFill>
+                  <a:schemeClr val="tx1"/>
+                </a:solidFill>
+                <a:effectLst/>
+                <a:latin typeface="+mn-lt"/>
+                <a:ea typeface="+mn-ea"/>
+                <a:cs typeface="+mn-cs"/>
+              </a:rPr>
+              <a:t>Sobald die Teillisten sortiert wurden ist auch die komplette Liste sortiert.</a:t>
+            </a:r>
+          </a:p>
+          <a:p>
+            <a:endParaRPr lang="de-DE" dirty="0"/>
+          </a:p>
+        </p:txBody>
+      </p:sp>
+      <p:sp>
+        <p:nvSpPr>
+          <p:cNvPr id="4" name="Foliennummernplatzhalter 3"/>
+          <p:cNvSpPr>
+            <a:spLocks noGrp="1"/>
+          </p:cNvSpPr>
+          <p:nvPr>
+            <p:ph type="sldNum" sz="quarter" idx="5"/>
+          </p:nvPr>
+        </p:nvSpPr>
+        <p:spPr/>
+        <p:txBody>
+          <a:bodyPr/>
+          <a:lstStyle/>
+          <a:p>
+            <a:fld id="{67D99960-775A-4831-A98F-4EE005F4B482}" type="slidenum">
+              <a:rPr lang="de-DE" smtClean="0"/>
+              <a:t>3</a:t>
+            </a:fld>
+            <a:endParaRPr lang="de-DE" dirty="0"/>
+          </a:p>
+        </p:txBody>
+      </p:sp>
+    </p:spTree>
+    <p:extLst>
+      <p:ext uri="{BB962C8B-B14F-4D97-AF65-F5344CB8AC3E}">
+        <p14:creationId xmlns:p14="http://schemas.microsoft.com/office/powerpoint/2010/main" val="3406663292"/>
+      </p:ext>
+    </p:extLst>
+  </p:cSld>
+  <p:clrMapOvr>
+    <a:masterClrMapping/>
+  </p:clrMapOvr>
+</p:notes>
+</file>
+
+<file path=ppt/notesSlides/notesSlide3.xml><?xml version="1.0" encoding="utf-8"?>
+<p:notes xmlns:a="http://schemas.openxmlformats.org/drawingml/2006/main" xmlns:r="http://schemas.openxmlformats.org/officeDocument/2006/relationships" xmlns:p="http://schemas.openxmlformats.org/presentationml/2006/main">
+  <p:cSld>
+    <p:spTree>
+      <p:nvGrpSpPr>
+        <p:cNvPr id="1" name=""/>
+        <p:cNvGrpSpPr/>
+        <p:nvPr/>
+      </p:nvGrpSpPr>
+      <p:grpSpPr>
+        <a:xfrm>
+          <a:off x="0" y="0"/>
+          <a:ext cx="0" cy="0"/>
+          <a:chOff x="0" y="0"/>
+          <a:chExt cx="0" cy="0"/>
+        </a:xfrm>
+      </p:grpSpPr>
+      <p:sp>
+        <p:nvSpPr>
+          <p:cNvPr id="2" name="Folienbildplatzhalter 1"/>
+          <p:cNvSpPr>
+            <a:spLocks noGrp="1" noRot="1" noChangeAspect="1"/>
+          </p:cNvSpPr>
+          <p:nvPr>
+            <p:ph type="sldImg"/>
+          </p:nvPr>
+        </p:nvSpPr>
+        <p:spPr/>
+      </p:sp>
+      <p:sp>
+        <p:nvSpPr>
+          <p:cNvPr id="3" name="Notizenplatzhalter 2"/>
+          <p:cNvSpPr>
+            <a:spLocks noGrp="1"/>
+          </p:cNvSpPr>
+          <p:nvPr>
+            <p:ph type="body" idx="1"/>
+          </p:nvPr>
+        </p:nvSpPr>
+        <p:spPr/>
+        <p:txBody>
+          <a:bodyPr/>
+          <a:lstStyle/>
           <a:p>
             <a:endParaRPr lang="de-DE" dirty="0"/>
           </a:p>
@@ -803,6 +1666,717 @@
     <p:extLst>
       <p:ext uri="{BB962C8B-B14F-4D97-AF65-F5344CB8AC3E}">
         <p14:creationId xmlns:p14="http://schemas.microsoft.com/office/powerpoint/2010/main" val="3556081051"/>
+      </p:ext>
+    </p:extLst>
+  </p:cSld>
+  <p:clrMapOvr>
+    <a:masterClrMapping/>
+  </p:clrMapOvr>
+</p:notes>
+</file>
+
+<file path=ppt/notesSlides/notesSlide4.xml><?xml version="1.0" encoding="utf-8"?>
+<p:notes xmlns:a="http://schemas.openxmlformats.org/drawingml/2006/main" xmlns:r="http://schemas.openxmlformats.org/officeDocument/2006/relationships" xmlns:p="http://schemas.openxmlformats.org/presentationml/2006/main">
+  <p:cSld>
+    <p:spTree>
+      <p:nvGrpSpPr>
+        <p:cNvPr id="1" name=""/>
+        <p:cNvGrpSpPr/>
+        <p:nvPr/>
+      </p:nvGrpSpPr>
+      <p:grpSpPr>
+        <a:xfrm>
+          <a:off x="0" y="0"/>
+          <a:ext cx="0" cy="0"/>
+          <a:chOff x="0" y="0"/>
+          <a:chExt cx="0" cy="0"/>
+        </a:xfrm>
+      </p:grpSpPr>
+      <p:sp>
+        <p:nvSpPr>
+          <p:cNvPr id="2" name="Folienbildplatzhalter 1"/>
+          <p:cNvSpPr>
+            <a:spLocks noGrp="1" noRot="1" noChangeAspect="1"/>
+          </p:cNvSpPr>
+          <p:nvPr>
+            <p:ph type="sldImg"/>
+          </p:nvPr>
+        </p:nvSpPr>
+        <p:spPr/>
+      </p:sp>
+      <p:sp>
+        <p:nvSpPr>
+          <p:cNvPr id="3" name="Notizenplatzhalter 2"/>
+          <p:cNvSpPr>
+            <a:spLocks noGrp="1"/>
+          </p:cNvSpPr>
+          <p:nvPr>
+            <p:ph type="body" idx="1"/>
+          </p:nvPr>
+        </p:nvSpPr>
+        <p:spPr/>
+        <p:txBody>
+          <a:bodyPr/>
+          <a:lstStyle/>
+          <a:p>
+            <a:pPr marL="0" marR="0" lvl="0" indent="0" algn="l" defTabSz="914400" rtl="0" eaLnBrk="1" fontAlgn="auto" latinLnBrk="0" hangingPunct="1">
+              <a:lnSpc>
+                <a:spcPct val="100000"/>
+              </a:lnSpc>
+              <a:spcBef>
+                <a:spcPts val="0"/>
+              </a:spcBef>
+              <a:spcAft>
+                <a:spcPts val="0"/>
+              </a:spcAft>
+              <a:buClrTx/>
+              <a:buSzTx/>
+              <a:buFontTx/>
+              <a:buNone/>
+              <a:tabLst/>
+              <a:defRPr/>
+            </a:pPr>
+            <a:r>
+              <a:rPr lang="de-DE" sz="1200" kern="1200" dirty="0">
+                <a:solidFill>
+                  <a:schemeClr val="tx1"/>
+                </a:solidFill>
+                <a:effectLst/>
+                <a:latin typeface="+mn-lt"/>
+                <a:ea typeface="+mn-ea"/>
+                <a:cs typeface="+mn-cs"/>
+              </a:rPr>
+              <a:t>Zunächst wird der Durchschnitt aller Elemente ermittelt. </a:t>
+            </a:r>
+          </a:p>
+          <a:p>
+            <a:endParaRPr lang="de-DE" dirty="0"/>
+          </a:p>
+        </p:txBody>
+      </p:sp>
+      <p:sp>
+        <p:nvSpPr>
+          <p:cNvPr id="4" name="Foliennummernplatzhalter 3"/>
+          <p:cNvSpPr>
+            <a:spLocks noGrp="1"/>
+          </p:cNvSpPr>
+          <p:nvPr>
+            <p:ph type="sldNum" sz="quarter" idx="5"/>
+          </p:nvPr>
+        </p:nvSpPr>
+        <p:spPr/>
+        <p:txBody>
+          <a:bodyPr/>
+          <a:lstStyle/>
+          <a:p>
+            <a:fld id="{67D99960-775A-4831-A98F-4EE005F4B482}" type="slidenum">
+              <a:rPr lang="de-DE" smtClean="0"/>
+              <a:t>5</a:t>
+            </a:fld>
+            <a:endParaRPr lang="de-DE" dirty="0"/>
+          </a:p>
+        </p:txBody>
+      </p:sp>
+    </p:spTree>
+    <p:extLst>
+      <p:ext uri="{BB962C8B-B14F-4D97-AF65-F5344CB8AC3E}">
+        <p14:creationId xmlns:p14="http://schemas.microsoft.com/office/powerpoint/2010/main" val="1609424768"/>
+      </p:ext>
+    </p:extLst>
+  </p:cSld>
+  <p:clrMapOvr>
+    <a:masterClrMapping/>
+  </p:clrMapOvr>
+</p:notes>
+</file>
+
+<file path=ppt/notesSlides/notesSlide5.xml><?xml version="1.0" encoding="utf-8"?>
+<p:notes xmlns:a="http://schemas.openxmlformats.org/drawingml/2006/main" xmlns:r="http://schemas.openxmlformats.org/officeDocument/2006/relationships" xmlns:p="http://schemas.openxmlformats.org/presentationml/2006/main">
+  <p:cSld>
+    <p:spTree>
+      <p:nvGrpSpPr>
+        <p:cNvPr id="1" name=""/>
+        <p:cNvGrpSpPr/>
+        <p:nvPr/>
+      </p:nvGrpSpPr>
+      <p:grpSpPr>
+        <a:xfrm>
+          <a:off x="0" y="0"/>
+          <a:ext cx="0" cy="0"/>
+          <a:chOff x="0" y="0"/>
+          <a:chExt cx="0" cy="0"/>
+        </a:xfrm>
+      </p:grpSpPr>
+      <p:sp>
+        <p:nvSpPr>
+          <p:cNvPr id="2" name="Folienbildplatzhalter 1"/>
+          <p:cNvSpPr>
+            <a:spLocks noGrp="1" noRot="1" noChangeAspect="1"/>
+          </p:cNvSpPr>
+          <p:nvPr>
+            <p:ph type="sldImg"/>
+          </p:nvPr>
+        </p:nvSpPr>
+        <p:spPr/>
+      </p:sp>
+      <p:sp>
+        <p:nvSpPr>
+          <p:cNvPr id="3" name="Notizenplatzhalter 2"/>
+          <p:cNvSpPr>
+            <a:spLocks noGrp="1"/>
+          </p:cNvSpPr>
+          <p:nvPr>
+            <p:ph type="body" idx="1"/>
+          </p:nvPr>
+        </p:nvSpPr>
+        <p:spPr/>
+        <p:txBody>
+          <a:bodyPr/>
+          <a:lstStyle/>
+          <a:p>
+            <a:pPr marL="0" marR="0" lvl="0" indent="0" algn="l" defTabSz="914400" rtl="0" eaLnBrk="1" fontAlgn="auto" latinLnBrk="0" hangingPunct="1">
+              <a:lnSpc>
+                <a:spcPct val="100000"/>
+              </a:lnSpc>
+              <a:spcBef>
+                <a:spcPts val="0"/>
+              </a:spcBef>
+              <a:spcAft>
+                <a:spcPts val="0"/>
+              </a:spcAft>
+              <a:buClrTx/>
+              <a:buSzTx/>
+              <a:buFontTx/>
+              <a:buNone/>
+              <a:tabLst/>
+              <a:defRPr/>
+            </a:pPr>
+            <a:r>
+              <a:rPr lang="de-DE" sz="1200" kern="1200" dirty="0">
+                <a:solidFill>
+                  <a:schemeClr val="tx1"/>
+                </a:solidFill>
+                <a:effectLst/>
+                <a:latin typeface="+mn-lt"/>
+                <a:ea typeface="+mn-ea"/>
+                <a:cs typeface="+mn-cs"/>
+              </a:rPr>
+              <a:t>Im nächsten Schritt werden von links Werte gesucht, die größer als der Durchschnitt sind und von rechts Werte gesucht, die kleiner als der Durchschnitt ist.</a:t>
+            </a:r>
+          </a:p>
+          <a:p>
+            <a:pPr marL="0" marR="0" lvl="0" indent="0" algn="l" defTabSz="914400" rtl="0" eaLnBrk="1" fontAlgn="auto" latinLnBrk="0" hangingPunct="1">
+              <a:lnSpc>
+                <a:spcPct val="100000"/>
+              </a:lnSpc>
+              <a:spcBef>
+                <a:spcPts val="0"/>
+              </a:spcBef>
+              <a:spcAft>
+                <a:spcPts val="0"/>
+              </a:spcAft>
+              <a:buClrTx/>
+              <a:buSzTx/>
+              <a:buFontTx/>
+              <a:buNone/>
+              <a:tabLst/>
+              <a:defRPr/>
+            </a:pPr>
+            <a:endParaRPr lang="de-DE" sz="1200" kern="1200" dirty="0">
+              <a:solidFill>
+                <a:schemeClr val="tx1"/>
+              </a:solidFill>
+              <a:effectLst/>
+              <a:latin typeface="+mn-lt"/>
+              <a:ea typeface="+mn-ea"/>
+              <a:cs typeface="+mn-cs"/>
+            </a:endParaRPr>
+          </a:p>
+          <a:p>
+            <a:pPr marL="0" marR="0" lvl="0" indent="0" algn="l" defTabSz="914400" rtl="0" eaLnBrk="1" fontAlgn="auto" latinLnBrk="0" hangingPunct="1">
+              <a:lnSpc>
+                <a:spcPct val="100000"/>
+              </a:lnSpc>
+              <a:spcBef>
+                <a:spcPts val="0"/>
+              </a:spcBef>
+              <a:spcAft>
+                <a:spcPts val="0"/>
+              </a:spcAft>
+              <a:buClrTx/>
+              <a:buSzTx/>
+              <a:buFontTx/>
+              <a:buNone/>
+              <a:tabLst/>
+              <a:defRPr/>
+            </a:pPr>
+            <a:r>
+              <a:rPr lang="de-DE" sz="1200" kern="1200" dirty="0">
+                <a:solidFill>
+                  <a:schemeClr val="tx1"/>
+                </a:solidFill>
+                <a:effectLst/>
+                <a:latin typeface="+mn-lt"/>
+                <a:ea typeface="+mn-ea"/>
+                <a:cs typeface="+mn-cs"/>
+              </a:rPr>
+              <a:t>Wurde ein Wertepaar gefunden, werden die Positionen vertauscht.</a:t>
+            </a:r>
+          </a:p>
+          <a:p>
+            <a:endParaRPr lang="de-DE" dirty="0"/>
+          </a:p>
+        </p:txBody>
+      </p:sp>
+      <p:sp>
+        <p:nvSpPr>
+          <p:cNvPr id="4" name="Foliennummernplatzhalter 3"/>
+          <p:cNvSpPr>
+            <a:spLocks noGrp="1"/>
+          </p:cNvSpPr>
+          <p:nvPr>
+            <p:ph type="sldNum" sz="quarter" idx="5"/>
+          </p:nvPr>
+        </p:nvSpPr>
+        <p:spPr/>
+        <p:txBody>
+          <a:bodyPr/>
+          <a:lstStyle/>
+          <a:p>
+            <a:fld id="{67D99960-775A-4831-A98F-4EE005F4B482}" type="slidenum">
+              <a:rPr lang="de-DE" smtClean="0"/>
+              <a:t>6</a:t>
+            </a:fld>
+            <a:endParaRPr lang="de-DE" dirty="0"/>
+          </a:p>
+        </p:txBody>
+      </p:sp>
+    </p:spTree>
+    <p:extLst>
+      <p:ext uri="{BB962C8B-B14F-4D97-AF65-F5344CB8AC3E}">
+        <p14:creationId xmlns:p14="http://schemas.microsoft.com/office/powerpoint/2010/main" val="2735349473"/>
+      </p:ext>
+    </p:extLst>
+  </p:cSld>
+  <p:clrMapOvr>
+    <a:masterClrMapping/>
+  </p:clrMapOvr>
+</p:notes>
+</file>
+
+<file path=ppt/notesSlides/notesSlide6.xml><?xml version="1.0" encoding="utf-8"?>
+<p:notes xmlns:a="http://schemas.openxmlformats.org/drawingml/2006/main" xmlns:r="http://schemas.openxmlformats.org/officeDocument/2006/relationships" xmlns:p="http://schemas.openxmlformats.org/presentationml/2006/main">
+  <p:cSld>
+    <p:spTree>
+      <p:nvGrpSpPr>
+        <p:cNvPr id="1" name=""/>
+        <p:cNvGrpSpPr/>
+        <p:nvPr/>
+      </p:nvGrpSpPr>
+      <p:grpSpPr>
+        <a:xfrm>
+          <a:off x="0" y="0"/>
+          <a:ext cx="0" cy="0"/>
+          <a:chOff x="0" y="0"/>
+          <a:chExt cx="0" cy="0"/>
+        </a:xfrm>
+      </p:grpSpPr>
+      <p:sp>
+        <p:nvSpPr>
+          <p:cNvPr id="2" name="Folienbildplatzhalter 1"/>
+          <p:cNvSpPr>
+            <a:spLocks noGrp="1" noRot="1" noChangeAspect="1"/>
+          </p:cNvSpPr>
+          <p:nvPr>
+            <p:ph type="sldImg"/>
+          </p:nvPr>
+        </p:nvSpPr>
+        <p:spPr/>
+      </p:sp>
+      <p:sp>
+        <p:nvSpPr>
+          <p:cNvPr id="3" name="Notizenplatzhalter 2"/>
+          <p:cNvSpPr>
+            <a:spLocks noGrp="1"/>
+          </p:cNvSpPr>
+          <p:nvPr>
+            <p:ph type="body" idx="1"/>
+          </p:nvPr>
+        </p:nvSpPr>
+        <p:spPr/>
+        <p:txBody>
+          <a:bodyPr/>
+          <a:lstStyle/>
+          <a:p>
+            <a:r>
+              <a:rPr lang="de-DE" sz="1200" kern="1200" dirty="0">
+                <a:solidFill>
+                  <a:schemeClr val="tx1"/>
+                </a:solidFill>
+                <a:effectLst/>
+                <a:latin typeface="+mn-lt"/>
+                <a:ea typeface="+mn-ea"/>
+                <a:cs typeface="+mn-cs"/>
+              </a:rPr>
+              <a:t>Dieser Schritt wird nun solange wiederholt, bis sich die linke und die rechte Suche treffen. </a:t>
+            </a:r>
+            <a:endParaRPr lang="de-DE" dirty="0"/>
+          </a:p>
+        </p:txBody>
+      </p:sp>
+      <p:sp>
+        <p:nvSpPr>
+          <p:cNvPr id="4" name="Foliennummernplatzhalter 3"/>
+          <p:cNvSpPr>
+            <a:spLocks noGrp="1"/>
+          </p:cNvSpPr>
+          <p:nvPr>
+            <p:ph type="sldNum" sz="quarter" idx="5"/>
+          </p:nvPr>
+        </p:nvSpPr>
+        <p:spPr/>
+        <p:txBody>
+          <a:bodyPr/>
+          <a:lstStyle/>
+          <a:p>
+            <a:fld id="{67D99960-775A-4831-A98F-4EE005F4B482}" type="slidenum">
+              <a:rPr lang="de-DE" smtClean="0"/>
+              <a:t>7</a:t>
+            </a:fld>
+            <a:endParaRPr lang="de-DE" dirty="0"/>
+          </a:p>
+        </p:txBody>
+      </p:sp>
+    </p:spTree>
+    <p:extLst>
+      <p:ext uri="{BB962C8B-B14F-4D97-AF65-F5344CB8AC3E}">
+        <p14:creationId xmlns:p14="http://schemas.microsoft.com/office/powerpoint/2010/main" val="2104617753"/>
+      </p:ext>
+    </p:extLst>
+  </p:cSld>
+  <p:clrMapOvr>
+    <a:masterClrMapping/>
+  </p:clrMapOvr>
+</p:notes>
+</file>
+
+<file path=ppt/notesSlides/notesSlide7.xml><?xml version="1.0" encoding="utf-8"?>
+<p:notes xmlns:a="http://schemas.openxmlformats.org/drawingml/2006/main" xmlns:r="http://schemas.openxmlformats.org/officeDocument/2006/relationships" xmlns:p="http://schemas.openxmlformats.org/presentationml/2006/main">
+  <p:cSld>
+    <p:spTree>
+      <p:nvGrpSpPr>
+        <p:cNvPr id="1" name=""/>
+        <p:cNvGrpSpPr/>
+        <p:nvPr/>
+      </p:nvGrpSpPr>
+      <p:grpSpPr>
+        <a:xfrm>
+          <a:off x="0" y="0"/>
+          <a:ext cx="0" cy="0"/>
+          <a:chOff x="0" y="0"/>
+          <a:chExt cx="0" cy="0"/>
+        </a:xfrm>
+      </p:grpSpPr>
+      <p:sp>
+        <p:nvSpPr>
+          <p:cNvPr id="2" name="Folienbildplatzhalter 1"/>
+          <p:cNvSpPr>
+            <a:spLocks noGrp="1" noRot="1" noChangeAspect="1"/>
+          </p:cNvSpPr>
+          <p:nvPr>
+            <p:ph type="sldImg"/>
+          </p:nvPr>
+        </p:nvSpPr>
+        <p:spPr/>
+      </p:sp>
+      <p:sp>
+        <p:nvSpPr>
+          <p:cNvPr id="3" name="Notizenplatzhalter 2"/>
+          <p:cNvSpPr>
+            <a:spLocks noGrp="1"/>
+          </p:cNvSpPr>
+          <p:nvPr>
+            <p:ph type="body" idx="1"/>
+          </p:nvPr>
+        </p:nvSpPr>
+        <p:spPr/>
+        <p:txBody>
+          <a:bodyPr/>
+          <a:lstStyle/>
+          <a:p>
+            <a:r>
+              <a:rPr lang="de-DE" sz="1200" kern="1200" dirty="0">
+                <a:solidFill>
+                  <a:schemeClr val="tx1"/>
+                </a:solidFill>
+                <a:effectLst/>
+                <a:latin typeface="+mn-lt"/>
+                <a:ea typeface="+mn-ea"/>
+                <a:cs typeface="+mn-cs"/>
+              </a:rPr>
+              <a:t>Hier ist die Grenze der beiden Teillisten.</a:t>
+            </a:r>
+            <a:endParaRPr lang="de-DE" dirty="0"/>
+          </a:p>
+        </p:txBody>
+      </p:sp>
+      <p:sp>
+        <p:nvSpPr>
+          <p:cNvPr id="4" name="Foliennummernplatzhalter 3"/>
+          <p:cNvSpPr>
+            <a:spLocks noGrp="1"/>
+          </p:cNvSpPr>
+          <p:nvPr>
+            <p:ph type="sldNum" sz="quarter" idx="5"/>
+          </p:nvPr>
+        </p:nvSpPr>
+        <p:spPr/>
+        <p:txBody>
+          <a:bodyPr/>
+          <a:lstStyle/>
+          <a:p>
+            <a:fld id="{67D99960-775A-4831-A98F-4EE005F4B482}" type="slidenum">
+              <a:rPr lang="de-DE" smtClean="0"/>
+              <a:t>13</a:t>
+            </a:fld>
+            <a:endParaRPr lang="de-DE" dirty="0"/>
+          </a:p>
+        </p:txBody>
+      </p:sp>
+    </p:spTree>
+    <p:extLst>
+      <p:ext uri="{BB962C8B-B14F-4D97-AF65-F5344CB8AC3E}">
+        <p14:creationId xmlns:p14="http://schemas.microsoft.com/office/powerpoint/2010/main" val="2312143139"/>
+      </p:ext>
+    </p:extLst>
+  </p:cSld>
+  <p:clrMapOvr>
+    <a:masterClrMapping/>
+  </p:clrMapOvr>
+</p:notes>
+</file>
+
+<file path=ppt/notesSlides/notesSlide8.xml><?xml version="1.0" encoding="utf-8"?>
+<p:notes xmlns:a="http://schemas.openxmlformats.org/drawingml/2006/main" xmlns:r="http://schemas.openxmlformats.org/officeDocument/2006/relationships" xmlns:p="http://schemas.openxmlformats.org/presentationml/2006/main">
+  <p:cSld>
+    <p:spTree>
+      <p:nvGrpSpPr>
+        <p:cNvPr id="1" name=""/>
+        <p:cNvGrpSpPr/>
+        <p:nvPr/>
+      </p:nvGrpSpPr>
+      <p:grpSpPr>
+        <a:xfrm>
+          <a:off x="0" y="0"/>
+          <a:ext cx="0" cy="0"/>
+          <a:chOff x="0" y="0"/>
+          <a:chExt cx="0" cy="0"/>
+        </a:xfrm>
+      </p:grpSpPr>
+      <p:sp>
+        <p:nvSpPr>
+          <p:cNvPr id="2" name="Folienbildplatzhalter 1"/>
+          <p:cNvSpPr>
+            <a:spLocks noGrp="1" noRot="1" noChangeAspect="1"/>
+          </p:cNvSpPr>
+          <p:nvPr>
+            <p:ph type="sldImg"/>
+          </p:nvPr>
+        </p:nvSpPr>
+        <p:spPr/>
+      </p:sp>
+      <p:sp>
+        <p:nvSpPr>
+          <p:cNvPr id="3" name="Notizenplatzhalter 2"/>
+          <p:cNvSpPr>
+            <a:spLocks noGrp="1"/>
+          </p:cNvSpPr>
+          <p:nvPr>
+            <p:ph type="body" idx="1"/>
+          </p:nvPr>
+        </p:nvSpPr>
+        <p:spPr/>
+        <p:txBody>
+          <a:bodyPr/>
+          <a:lstStyle/>
+          <a:p>
+            <a:pPr marL="0" marR="0" lvl="0" indent="0" algn="l" defTabSz="914400" rtl="0" eaLnBrk="1" fontAlgn="auto" latinLnBrk="0" hangingPunct="1">
+              <a:lnSpc>
+                <a:spcPct val="100000"/>
+              </a:lnSpc>
+              <a:spcBef>
+                <a:spcPts val="0"/>
+              </a:spcBef>
+              <a:spcAft>
+                <a:spcPts val="0"/>
+              </a:spcAft>
+              <a:buClrTx/>
+              <a:buSzTx/>
+              <a:buFontTx/>
+              <a:buNone/>
+              <a:tabLst/>
+              <a:defRPr/>
+            </a:pPr>
+            <a:r>
+              <a:rPr lang="de-DE" sz="1200" kern="1200" dirty="0">
+                <a:solidFill>
+                  <a:schemeClr val="tx1"/>
+                </a:solidFill>
+                <a:effectLst/>
+                <a:latin typeface="+mn-lt"/>
+                <a:ea typeface="+mn-ea"/>
+                <a:cs typeface="+mn-cs"/>
+              </a:rPr>
+              <a:t>In dem nächsten Schritt wird das Element, das am weitesten rechts in der Teilliste ist, mit dem Wert an der neuen Grenze vertauscht.</a:t>
+            </a:r>
+          </a:p>
+          <a:p>
+            <a:endParaRPr lang="de-DE" dirty="0"/>
+          </a:p>
+        </p:txBody>
+      </p:sp>
+      <p:sp>
+        <p:nvSpPr>
+          <p:cNvPr id="4" name="Foliennummernplatzhalter 3"/>
+          <p:cNvSpPr>
+            <a:spLocks noGrp="1"/>
+          </p:cNvSpPr>
+          <p:nvPr>
+            <p:ph type="sldNum" sz="quarter" idx="5"/>
+          </p:nvPr>
+        </p:nvSpPr>
+        <p:spPr/>
+        <p:txBody>
+          <a:bodyPr/>
+          <a:lstStyle/>
+          <a:p>
+            <a:fld id="{67D99960-775A-4831-A98F-4EE005F4B482}" type="slidenum">
+              <a:rPr lang="de-DE" smtClean="0"/>
+              <a:t>14</a:t>
+            </a:fld>
+            <a:endParaRPr lang="de-DE" dirty="0"/>
+          </a:p>
+        </p:txBody>
+      </p:sp>
+    </p:spTree>
+    <p:extLst>
+      <p:ext uri="{BB962C8B-B14F-4D97-AF65-F5344CB8AC3E}">
+        <p14:creationId xmlns:p14="http://schemas.microsoft.com/office/powerpoint/2010/main" val="2171140312"/>
+      </p:ext>
+    </p:extLst>
+  </p:cSld>
+  <p:clrMapOvr>
+    <a:masterClrMapping/>
+  </p:clrMapOvr>
+</p:notes>
+</file>
+
+<file path=ppt/notesSlides/notesSlide9.xml><?xml version="1.0" encoding="utf-8"?>
+<p:notes xmlns:a="http://schemas.openxmlformats.org/drawingml/2006/main" xmlns:r="http://schemas.openxmlformats.org/officeDocument/2006/relationships" xmlns:p="http://schemas.openxmlformats.org/presentationml/2006/main">
+  <p:cSld>
+    <p:spTree>
+      <p:nvGrpSpPr>
+        <p:cNvPr id="1" name=""/>
+        <p:cNvGrpSpPr/>
+        <p:nvPr/>
+      </p:nvGrpSpPr>
+      <p:grpSpPr>
+        <a:xfrm>
+          <a:off x="0" y="0"/>
+          <a:ext cx="0" cy="0"/>
+          <a:chOff x="0" y="0"/>
+          <a:chExt cx="0" cy="0"/>
+        </a:xfrm>
+      </p:grpSpPr>
+      <p:sp>
+        <p:nvSpPr>
+          <p:cNvPr id="2" name="Folienbildplatzhalter 1"/>
+          <p:cNvSpPr>
+            <a:spLocks noGrp="1" noRot="1" noChangeAspect="1"/>
+          </p:cNvSpPr>
+          <p:nvPr>
+            <p:ph type="sldImg"/>
+          </p:nvPr>
+        </p:nvSpPr>
+        <p:spPr/>
+      </p:sp>
+      <p:sp>
+        <p:nvSpPr>
+          <p:cNvPr id="3" name="Notizenplatzhalter 2"/>
+          <p:cNvSpPr>
+            <a:spLocks noGrp="1"/>
+          </p:cNvSpPr>
+          <p:nvPr>
+            <p:ph type="body" idx="1"/>
+          </p:nvPr>
+        </p:nvSpPr>
+        <p:spPr/>
+        <p:txBody>
+          <a:bodyPr/>
+          <a:lstStyle/>
+          <a:p>
+            <a:pPr marL="0" marR="0" lvl="0" indent="0" algn="l" defTabSz="914400" rtl="0" eaLnBrk="1" fontAlgn="auto" latinLnBrk="0" hangingPunct="1">
+              <a:lnSpc>
+                <a:spcPct val="100000"/>
+              </a:lnSpc>
+              <a:spcBef>
+                <a:spcPts val="0"/>
+              </a:spcBef>
+              <a:spcAft>
+                <a:spcPts val="0"/>
+              </a:spcAft>
+              <a:buClrTx/>
+              <a:buSzTx/>
+              <a:buFontTx/>
+              <a:buNone/>
+              <a:tabLst/>
+              <a:defRPr/>
+            </a:pPr>
+            <a:r>
+              <a:rPr lang="de-DE" sz="1200" kern="1200" dirty="0">
+                <a:solidFill>
+                  <a:schemeClr val="tx1"/>
+                </a:solidFill>
+                <a:effectLst/>
+                <a:latin typeface="+mn-lt"/>
+                <a:ea typeface="+mn-ea"/>
+                <a:cs typeface="+mn-cs"/>
+              </a:rPr>
+              <a:t>Nun werden die neu entstandenen Teillisten im gleichen Verfahren sortiert.</a:t>
+            </a:r>
+          </a:p>
+          <a:p>
+            <a:endParaRPr lang="de-DE" dirty="0"/>
+          </a:p>
+        </p:txBody>
+      </p:sp>
+      <p:sp>
+        <p:nvSpPr>
+          <p:cNvPr id="4" name="Foliennummernplatzhalter 3"/>
+          <p:cNvSpPr>
+            <a:spLocks noGrp="1"/>
+          </p:cNvSpPr>
+          <p:nvPr>
+            <p:ph type="sldNum" sz="quarter" idx="5"/>
+          </p:nvPr>
+        </p:nvSpPr>
+        <p:spPr/>
+        <p:txBody>
+          <a:bodyPr/>
+          <a:lstStyle/>
+          <a:p>
+            <a:fld id="{67D99960-775A-4831-A98F-4EE005F4B482}" type="slidenum">
+              <a:rPr lang="de-DE" smtClean="0"/>
+              <a:t>16</a:t>
+            </a:fld>
+            <a:endParaRPr lang="de-DE" dirty="0"/>
+          </a:p>
+        </p:txBody>
+      </p:sp>
+    </p:spTree>
+    <p:extLst>
+      <p:ext uri="{BB962C8B-B14F-4D97-AF65-F5344CB8AC3E}">
+        <p14:creationId xmlns:p14="http://schemas.microsoft.com/office/powerpoint/2010/main" val="2240588155"/>
       </p:ext>
     </p:extLst>
   </p:cSld>
@@ -4654,7 +6228,7 @@
           <p:nvPr/>
         </p:nvPicPr>
         <p:blipFill>
-          <a:blip r:embed="rId2">
+          <a:blip r:embed="rId3">
             <a:extLst>
               <a:ext uri="{28A0092B-C50C-407E-A947-70E740481C1C}">
                 <a14:useLocalDpi xmlns:a14="http://schemas.microsoft.com/office/drawing/2010/main" val="0"/>
@@ -4803,7 +6377,7 @@
           <p:nvPr/>
         </p:nvPicPr>
         <p:blipFill>
-          <a:blip r:embed="rId2">
+          <a:blip r:embed="rId3">
             <a:extLst>
               <a:ext uri="{28A0092B-C50C-407E-A947-70E740481C1C}">
                 <a14:useLocalDpi xmlns:a14="http://schemas.microsoft.com/office/drawing/2010/main" val="0"/>
@@ -5101,7 +6675,7 @@
           <p:nvPr/>
         </p:nvPicPr>
         <p:blipFill>
-          <a:blip r:embed="rId2">
+          <a:blip r:embed="rId3">
             <a:extLst>
               <a:ext uri="{28A0092B-C50C-407E-A947-70E740481C1C}">
                 <a14:useLocalDpi xmlns:a14="http://schemas.microsoft.com/office/drawing/2010/main" val="0"/>
@@ -5701,11 +7275,11 @@
   <p:clrMapOvr>
     <a:masterClrMapping/>
   </p:clrMapOvr>
-  <mc:AlternateContent xmlns:mc="http://schemas.openxmlformats.org/markup-compatibility/2006">
-    <mc:Choice xmlns:p14="http://schemas.microsoft.com/office/powerpoint/2010/main" Requires="p14">
+  <mc:AlternateContent xmlns:mc="http://schemas.openxmlformats.org/markup-compatibility/2006" xmlns:p14="http://schemas.microsoft.com/office/powerpoint/2010/main">
+    <mc:Choice Requires="p14">
       <p:transition p14:dur="10"/>
     </mc:Choice>
-    <mc:Fallback>
+    <mc:Fallback xmlns="">
       <p:transition/>
     </mc:Fallback>
   </mc:AlternateContent>
@@ -6792,7 +8366,7 @@
           <p:nvPr/>
         </p:nvPicPr>
         <p:blipFill>
-          <a:blip r:embed="rId2">
+          <a:blip r:embed="rId3">
             <a:extLst>
               <a:ext uri="{28A0092B-C50C-407E-A947-70E740481C1C}">
                 <a14:useLocalDpi xmlns:a14="http://schemas.microsoft.com/office/drawing/2010/main" val="0"/>
@@ -6941,7 +8515,7 @@
           <p:nvPr/>
         </p:nvPicPr>
         <p:blipFill>
-          <a:blip r:embed="rId2">
+          <a:blip r:embed="rId3">
             <a:extLst>
               <a:ext uri="{28A0092B-C50C-407E-A947-70E740481C1C}">
                 <a14:useLocalDpi xmlns:a14="http://schemas.microsoft.com/office/drawing/2010/main" val="0"/>
@@ -7110,7 +8684,7 @@
           <p:nvPr/>
         </p:nvPicPr>
         <p:blipFill>
-          <a:blip r:embed="rId2">
+          <a:blip r:embed="rId3">
             <a:extLst>
               <a:ext uri="{28A0092B-C50C-407E-A947-70E740481C1C}">
                 <a14:useLocalDpi xmlns:a14="http://schemas.microsoft.com/office/drawing/2010/main" val="0"/>
@@ -7125,6 +8699,114 @@
           <a:xfrm>
             <a:off x="1960039" y="1387800"/>
             <a:ext cx="4802498" cy="4082400"/>
+          </a:xfrm>
+          <a:prstGeom prst="rect">
+            <a:avLst/>
+          </a:prstGeom>
+        </p:spPr>
+      </p:pic>
+      <p:pic>
+        <p:nvPicPr>
+          <p:cNvPr id="7" name="Grafik 6">
+            <a:extLst>
+              <a:ext uri="{FF2B5EF4-FFF2-40B4-BE49-F238E27FC236}">
+                <a16:creationId xmlns:a16="http://schemas.microsoft.com/office/drawing/2014/main" id="{0220292E-E1C3-4492-BF43-9A8FF7AA10BC}"/>
+              </a:ext>
+            </a:extLst>
+          </p:cNvPr>
+          <p:cNvPicPr>
+            <a:picLocks noChangeAspect="1"/>
+          </p:cNvPicPr>
+          <p:nvPr/>
+        </p:nvPicPr>
+        <p:blipFill>
+          <a:blip r:embed="rId4">
+            <a:extLst>
+              <a:ext uri="{28A0092B-C50C-407E-A947-70E740481C1C}">
+                <a14:useLocalDpi xmlns:a14="http://schemas.microsoft.com/office/drawing/2010/main" val="0"/>
+              </a:ext>
+            </a:extLst>
+          </a:blip>
+          <a:stretch>
+            <a:fillRect/>
+          </a:stretch>
+        </p:blipFill>
+        <p:spPr>
+          <a:xfrm>
+            <a:off x="4283968" y="2204864"/>
+            <a:ext cx="1621899" cy="583079"/>
+          </a:xfrm>
+          <a:prstGeom prst="rect">
+            <a:avLst/>
+          </a:prstGeom>
+        </p:spPr>
+      </p:pic>
+      <p:pic>
+        <p:nvPicPr>
+          <p:cNvPr id="8" name="Grafik 7">
+            <a:extLst>
+              <a:ext uri="{FF2B5EF4-FFF2-40B4-BE49-F238E27FC236}">
+                <a16:creationId xmlns:a16="http://schemas.microsoft.com/office/drawing/2014/main" id="{8D25215F-3D00-4865-9FBA-01168B5676D5}"/>
+              </a:ext>
+            </a:extLst>
+          </p:cNvPr>
+          <p:cNvPicPr>
+            <a:picLocks noChangeAspect="1"/>
+          </p:cNvPicPr>
+          <p:nvPr/>
+        </p:nvPicPr>
+        <p:blipFill>
+          <a:blip r:embed="rId4">
+            <a:extLst>
+              <a:ext uri="{28A0092B-C50C-407E-A947-70E740481C1C}">
+                <a14:useLocalDpi xmlns:a14="http://schemas.microsoft.com/office/drawing/2010/main" val="0"/>
+              </a:ext>
+            </a:extLst>
+          </a:blip>
+          <a:stretch>
+            <a:fillRect/>
+          </a:stretch>
+        </p:blipFill>
+        <p:spPr>
+          <a:xfrm>
+            <a:off x="5478784" y="3015632"/>
+            <a:ext cx="1621899" cy="583079"/>
+          </a:xfrm>
+          <a:prstGeom prst="rect">
+            <a:avLst/>
+          </a:prstGeom>
+        </p:spPr>
+      </p:pic>
+      <p:pic>
+        <p:nvPicPr>
+          <p:cNvPr id="9" name="Grafik 8">
+            <a:extLst>
+              <a:ext uri="{FF2B5EF4-FFF2-40B4-BE49-F238E27FC236}">
+                <a16:creationId xmlns:a16="http://schemas.microsoft.com/office/drawing/2014/main" id="{CD4FB52F-3016-44DD-B8E0-E3C0B0A140BD}"/>
+              </a:ext>
+            </a:extLst>
+          </p:cNvPr>
+          <p:cNvPicPr>
+            <a:picLocks noChangeAspect="1"/>
+          </p:cNvPicPr>
+          <p:nvPr/>
+        </p:nvPicPr>
+        <p:blipFill>
+          <a:blip r:embed="rId4">
+            <a:extLst>
+              <a:ext uri="{28A0092B-C50C-407E-A947-70E740481C1C}">
+                <a14:useLocalDpi xmlns:a14="http://schemas.microsoft.com/office/drawing/2010/main" val="0"/>
+              </a:ext>
+            </a:extLst>
+          </a:blip>
+          <a:stretch>
+            <a:fillRect/>
+          </a:stretch>
+        </p:blipFill>
+        <p:spPr>
+          <a:xfrm>
+            <a:off x="3779912" y="3250145"/>
+            <a:ext cx="864096" cy="437068"/>
           </a:xfrm>
           <a:prstGeom prst="rect">
             <a:avLst/>
@@ -7256,7 +8938,7 @@
           <p:nvPr/>
         </p:nvPicPr>
         <p:blipFill>
-          <a:blip r:embed="rId2">
+          <a:blip r:embed="rId3">
             <a:extLst>
               <a:ext uri="{28A0092B-C50C-407E-A947-70E740481C1C}">
                 <a14:useLocalDpi xmlns:a14="http://schemas.microsoft.com/office/drawing/2010/main" val="0"/>
@@ -7271,6 +8953,114 @@
           <a:xfrm>
             <a:off x="2295906" y="1387165"/>
             <a:ext cx="4118822" cy="4083669"/>
+          </a:xfrm>
+          <a:prstGeom prst="rect">
+            <a:avLst/>
+          </a:prstGeom>
+        </p:spPr>
+      </p:pic>
+      <p:pic>
+        <p:nvPicPr>
+          <p:cNvPr id="7" name="Grafik 6">
+            <a:extLst>
+              <a:ext uri="{FF2B5EF4-FFF2-40B4-BE49-F238E27FC236}">
+                <a16:creationId xmlns:a16="http://schemas.microsoft.com/office/drawing/2014/main" id="{A9190569-C3CC-4EA1-A8BC-34B2EEFD7A31}"/>
+              </a:ext>
+            </a:extLst>
+          </p:cNvPr>
+          <p:cNvPicPr>
+            <a:picLocks noChangeAspect="1"/>
+          </p:cNvPicPr>
+          <p:nvPr/>
+        </p:nvPicPr>
+        <p:blipFill>
+          <a:blip r:embed="rId4">
+            <a:extLst>
+              <a:ext uri="{28A0092B-C50C-407E-A947-70E740481C1C}">
+                <a14:useLocalDpi xmlns:a14="http://schemas.microsoft.com/office/drawing/2010/main" val="0"/>
+              </a:ext>
+            </a:extLst>
+          </a:blip>
+          <a:stretch>
+            <a:fillRect/>
+          </a:stretch>
+        </p:blipFill>
+        <p:spPr>
+          <a:xfrm>
+            <a:off x="4355317" y="2252488"/>
+            <a:ext cx="1621899" cy="583079"/>
+          </a:xfrm>
+          <a:prstGeom prst="rect">
+            <a:avLst/>
+          </a:prstGeom>
+        </p:spPr>
+      </p:pic>
+      <p:pic>
+        <p:nvPicPr>
+          <p:cNvPr id="8" name="Grafik 7">
+            <a:extLst>
+              <a:ext uri="{FF2B5EF4-FFF2-40B4-BE49-F238E27FC236}">
+                <a16:creationId xmlns:a16="http://schemas.microsoft.com/office/drawing/2014/main" id="{115380C0-1C9B-48A9-92B8-9A0D7BA9C329}"/>
+              </a:ext>
+            </a:extLst>
+          </p:cNvPr>
+          <p:cNvPicPr>
+            <a:picLocks noChangeAspect="1"/>
+          </p:cNvPicPr>
+          <p:nvPr/>
+        </p:nvPicPr>
+        <p:blipFill>
+          <a:blip r:embed="rId4">
+            <a:extLst>
+              <a:ext uri="{28A0092B-C50C-407E-A947-70E740481C1C}">
+                <a14:useLocalDpi xmlns:a14="http://schemas.microsoft.com/office/drawing/2010/main" val="0"/>
+              </a:ext>
+            </a:extLst>
+          </a:blip>
+          <a:stretch>
+            <a:fillRect/>
+          </a:stretch>
+        </p:blipFill>
+        <p:spPr>
+          <a:xfrm>
+            <a:off x="5580112" y="3092976"/>
+            <a:ext cx="1621899" cy="583079"/>
+          </a:xfrm>
+          <a:prstGeom prst="rect">
+            <a:avLst/>
+          </a:prstGeom>
+        </p:spPr>
+      </p:pic>
+      <p:pic>
+        <p:nvPicPr>
+          <p:cNvPr id="10" name="Grafik 9">
+            <a:extLst>
+              <a:ext uri="{FF2B5EF4-FFF2-40B4-BE49-F238E27FC236}">
+                <a16:creationId xmlns:a16="http://schemas.microsoft.com/office/drawing/2014/main" id="{A70B2945-4A54-40FC-AC24-419AED03F313}"/>
+              </a:ext>
+            </a:extLst>
+          </p:cNvPr>
+          <p:cNvPicPr>
+            <a:picLocks noChangeAspect="1"/>
+          </p:cNvPicPr>
+          <p:nvPr/>
+        </p:nvPicPr>
+        <p:blipFill>
+          <a:blip r:embed="rId4">
+            <a:extLst>
+              <a:ext uri="{28A0092B-C50C-407E-A947-70E740481C1C}">
+                <a14:useLocalDpi xmlns:a14="http://schemas.microsoft.com/office/drawing/2010/main" val="0"/>
+              </a:ext>
+            </a:extLst>
+          </a:blip>
+          <a:stretch>
+            <a:fillRect/>
+          </a:stretch>
+        </p:blipFill>
+        <p:spPr>
+          <a:xfrm>
+            <a:off x="3779912" y="3206196"/>
+            <a:ext cx="877337" cy="583079"/>
           </a:xfrm>
           <a:prstGeom prst="rect">
             <a:avLst/>
@@ -7408,7 +9198,7 @@
           <p:nvPr/>
         </p:nvPicPr>
         <p:blipFill>
-          <a:blip r:embed="rId2">
+          <a:blip r:embed="rId3">
             <a:extLst>
               <a:ext uri="{28A0092B-C50C-407E-A947-70E740481C1C}">
                 <a14:useLocalDpi xmlns:a14="http://schemas.microsoft.com/office/drawing/2010/main" val="0"/>
@@ -7554,7 +9344,7 @@
           <p:nvPr/>
         </p:nvPicPr>
         <p:blipFill>
-          <a:blip r:embed="rId2">
+          <a:blip r:embed="rId3">
             <a:extLst>
               <a:ext uri="{28A0092B-C50C-407E-A947-70E740481C1C}">
                 <a14:useLocalDpi xmlns:a14="http://schemas.microsoft.com/office/drawing/2010/main" val="0"/>
@@ -7724,6 +9514,114 @@
           </a:prstGeom>
         </p:spPr>
       </p:pic>
+      <p:pic>
+        <p:nvPicPr>
+          <p:cNvPr id="7" name="Grafik 6">
+            <a:extLst>
+              <a:ext uri="{FF2B5EF4-FFF2-40B4-BE49-F238E27FC236}">
+                <a16:creationId xmlns:a16="http://schemas.microsoft.com/office/drawing/2014/main" id="{CD81912A-837C-4A12-B515-98142E5E3BE2}"/>
+              </a:ext>
+            </a:extLst>
+          </p:cNvPr>
+          <p:cNvPicPr>
+            <a:picLocks noChangeAspect="1"/>
+          </p:cNvPicPr>
+          <p:nvPr/>
+        </p:nvPicPr>
+        <p:blipFill>
+          <a:blip r:embed="rId3">
+            <a:extLst>
+              <a:ext uri="{28A0092B-C50C-407E-A947-70E740481C1C}">
+                <a14:useLocalDpi xmlns:a14="http://schemas.microsoft.com/office/drawing/2010/main" val="0"/>
+              </a:ext>
+            </a:extLst>
+          </a:blip>
+          <a:stretch>
+            <a:fillRect/>
+          </a:stretch>
+        </p:blipFill>
+        <p:spPr>
+          <a:xfrm>
+            <a:off x="4859268" y="2125236"/>
+            <a:ext cx="1621899" cy="583079"/>
+          </a:xfrm>
+          <a:prstGeom prst="rect">
+            <a:avLst/>
+          </a:prstGeom>
+        </p:spPr>
+      </p:pic>
+      <p:pic>
+        <p:nvPicPr>
+          <p:cNvPr id="8" name="Grafik 7">
+            <a:extLst>
+              <a:ext uri="{FF2B5EF4-FFF2-40B4-BE49-F238E27FC236}">
+                <a16:creationId xmlns:a16="http://schemas.microsoft.com/office/drawing/2014/main" id="{833FA10C-819D-43E2-82BB-8E0717059CD6}"/>
+              </a:ext>
+            </a:extLst>
+          </p:cNvPr>
+          <p:cNvPicPr>
+            <a:picLocks noChangeAspect="1"/>
+          </p:cNvPicPr>
+          <p:nvPr/>
+        </p:nvPicPr>
+        <p:blipFill>
+          <a:blip r:embed="rId3">
+            <a:extLst>
+              <a:ext uri="{28A0092B-C50C-407E-A947-70E740481C1C}">
+                <a14:useLocalDpi xmlns:a14="http://schemas.microsoft.com/office/drawing/2010/main" val="0"/>
+              </a:ext>
+            </a:extLst>
+          </a:blip>
+          <a:stretch>
+            <a:fillRect/>
+          </a:stretch>
+        </p:blipFill>
+        <p:spPr>
+          <a:xfrm>
+            <a:off x="6065306" y="2995875"/>
+            <a:ext cx="1621899" cy="583079"/>
+          </a:xfrm>
+          <a:prstGeom prst="rect">
+            <a:avLst/>
+          </a:prstGeom>
+        </p:spPr>
+      </p:pic>
+      <p:pic>
+        <p:nvPicPr>
+          <p:cNvPr id="10" name="Grafik 9">
+            <a:extLst>
+              <a:ext uri="{FF2B5EF4-FFF2-40B4-BE49-F238E27FC236}">
+                <a16:creationId xmlns:a16="http://schemas.microsoft.com/office/drawing/2014/main" id="{E158DE82-F6ED-49FF-97A2-EDB7877EECF1}"/>
+              </a:ext>
+            </a:extLst>
+          </p:cNvPr>
+          <p:cNvPicPr>
+            <a:picLocks noChangeAspect="1"/>
+          </p:cNvPicPr>
+          <p:nvPr/>
+        </p:nvPicPr>
+        <p:blipFill>
+          <a:blip r:embed="rId3">
+            <a:extLst>
+              <a:ext uri="{28A0092B-C50C-407E-A947-70E740481C1C}">
+                <a14:useLocalDpi xmlns:a14="http://schemas.microsoft.com/office/drawing/2010/main" val="0"/>
+              </a:ext>
+            </a:extLst>
+          </a:blip>
+          <a:stretch>
+            <a:fillRect/>
+          </a:stretch>
+        </p:blipFill>
+        <p:spPr>
+          <a:xfrm>
+            <a:off x="4139951" y="3120557"/>
+            <a:ext cx="936105" cy="583079"/>
+          </a:xfrm>
+          <a:prstGeom prst="rect">
+            <a:avLst/>
+          </a:prstGeom>
+        </p:spPr>
+      </p:pic>
     </p:spTree>
     <p:extLst>
       <p:ext uri="{BB962C8B-B14F-4D97-AF65-F5344CB8AC3E}">
@@ -8198,6 +10096,114 @@
           <a:xfrm>
             <a:off x="2051870" y="1387800"/>
             <a:ext cx="4606894" cy="4082400"/>
+          </a:xfrm>
+          <a:prstGeom prst="rect">
+            <a:avLst/>
+          </a:prstGeom>
+        </p:spPr>
+      </p:pic>
+      <p:pic>
+        <p:nvPicPr>
+          <p:cNvPr id="7" name="Grafik 6">
+            <a:extLst>
+              <a:ext uri="{FF2B5EF4-FFF2-40B4-BE49-F238E27FC236}">
+                <a16:creationId xmlns:a16="http://schemas.microsoft.com/office/drawing/2014/main" id="{26471564-1CB2-4F73-9D7C-4842883A6A05}"/>
+              </a:ext>
+            </a:extLst>
+          </p:cNvPr>
+          <p:cNvPicPr>
+            <a:picLocks noChangeAspect="1"/>
+          </p:cNvPicPr>
+          <p:nvPr/>
+        </p:nvPicPr>
+        <p:blipFill>
+          <a:blip r:embed="rId3">
+            <a:extLst>
+              <a:ext uri="{28A0092B-C50C-407E-A947-70E740481C1C}">
+                <a14:useLocalDpi xmlns:a14="http://schemas.microsoft.com/office/drawing/2010/main" val="0"/>
+              </a:ext>
+            </a:extLst>
+          </a:blip>
+          <a:stretch>
+            <a:fillRect/>
+          </a:stretch>
+        </p:blipFill>
+        <p:spPr>
+          <a:xfrm>
+            <a:off x="4561057" y="2100088"/>
+            <a:ext cx="1621899" cy="583079"/>
+          </a:xfrm>
+          <a:prstGeom prst="rect">
+            <a:avLst/>
+          </a:prstGeom>
+        </p:spPr>
+      </p:pic>
+      <p:pic>
+        <p:nvPicPr>
+          <p:cNvPr id="8" name="Grafik 7">
+            <a:extLst>
+              <a:ext uri="{FF2B5EF4-FFF2-40B4-BE49-F238E27FC236}">
+                <a16:creationId xmlns:a16="http://schemas.microsoft.com/office/drawing/2014/main" id="{9E63BA2B-359E-4E76-A16E-7BD652B90251}"/>
+              </a:ext>
+            </a:extLst>
+          </p:cNvPr>
+          <p:cNvPicPr>
+            <a:picLocks noChangeAspect="1"/>
+          </p:cNvPicPr>
+          <p:nvPr/>
+        </p:nvPicPr>
+        <p:blipFill>
+          <a:blip r:embed="rId3">
+            <a:extLst>
+              <a:ext uri="{28A0092B-C50C-407E-A947-70E740481C1C}">
+                <a14:useLocalDpi xmlns:a14="http://schemas.microsoft.com/office/drawing/2010/main" val="0"/>
+              </a:ext>
+            </a:extLst>
+          </a:blip>
+          <a:stretch>
+            <a:fillRect/>
+          </a:stretch>
+        </p:blipFill>
+        <p:spPr>
+          <a:xfrm>
+            <a:off x="5704057" y="2976388"/>
+            <a:ext cx="1621899" cy="583079"/>
+          </a:xfrm>
+          <a:prstGeom prst="rect">
+            <a:avLst/>
+          </a:prstGeom>
+        </p:spPr>
+      </p:pic>
+      <p:pic>
+        <p:nvPicPr>
+          <p:cNvPr id="9" name="Grafik 8">
+            <a:extLst>
+              <a:ext uri="{FF2B5EF4-FFF2-40B4-BE49-F238E27FC236}">
+                <a16:creationId xmlns:a16="http://schemas.microsoft.com/office/drawing/2014/main" id="{20DCDEC1-084F-4417-9ADB-60F939855FEE}"/>
+              </a:ext>
+            </a:extLst>
+          </p:cNvPr>
+          <p:cNvPicPr>
+            <a:picLocks noChangeAspect="1"/>
+          </p:cNvPicPr>
+          <p:nvPr/>
+        </p:nvPicPr>
+        <p:blipFill>
+          <a:blip r:embed="rId3">
+            <a:extLst>
+              <a:ext uri="{28A0092B-C50C-407E-A947-70E740481C1C}">
+                <a14:useLocalDpi xmlns:a14="http://schemas.microsoft.com/office/drawing/2010/main" val="0"/>
+              </a:ext>
+            </a:extLst>
+          </a:blip>
+          <a:stretch>
+            <a:fillRect/>
+          </a:stretch>
+        </p:blipFill>
+        <p:spPr>
+          <a:xfrm>
+            <a:off x="3852397" y="3060208"/>
+            <a:ext cx="925343" cy="583079"/>
           </a:xfrm>
           <a:prstGeom prst="rect">
             <a:avLst/>
@@ -10289,7 +12295,7 @@
           <p:nvPr/>
         </p:nvPicPr>
         <p:blipFill>
-          <a:blip r:embed="rId2">
+          <a:blip r:embed="rId3">
             <a:extLst>
               <a:ext uri="{28A0092B-C50C-407E-A947-70E740481C1C}">
                 <a14:useLocalDpi xmlns:a14="http://schemas.microsoft.com/office/drawing/2010/main" val="0"/>
@@ -10438,7 +12444,7 @@
           <p:nvPr/>
         </p:nvPicPr>
         <p:blipFill>
-          <a:blip r:embed="rId2">
+          <a:blip r:embed="rId3">
             <a:extLst>
               <a:ext uri="{28A0092B-C50C-407E-A947-70E740481C1C}">
                 <a14:useLocalDpi xmlns:a14="http://schemas.microsoft.com/office/drawing/2010/main" val="0"/>
@@ -10587,7 +12593,7 @@
           <p:nvPr/>
         </p:nvPicPr>
         <p:blipFill>
-          <a:blip r:embed="rId2">
+          <a:blip r:embed="rId3">
             <a:extLst>
               <a:ext uri="{28A0092B-C50C-407E-A947-70E740481C1C}">
                 <a14:useLocalDpi xmlns:a14="http://schemas.microsoft.com/office/drawing/2010/main" val="0"/>

--- a/Präsentation/Quicksort.pptx
+++ b/Präsentation/Quicksort.pptx
@@ -186,6 +186,125 @@
 </p:presentation>
 </file>
 
+<file path=ppt/changesInfos/changesInfo1.xml><?xml version="1.0" encoding="utf-8"?>
+<pc:chgInfo xmlns:a="http://schemas.openxmlformats.org/drawingml/2006/main" xmlns:r="http://schemas.openxmlformats.org/officeDocument/2006/relationships" xmlns:ac="http://schemas.microsoft.com/office/drawing/2013/main/command" xmlns:pc="http://schemas.microsoft.com/office/powerpoint/2013/main/command">
+  <pc:docChgLst>
+    <pc:chgData name="Jonathan Gunt" userId="37c1bc6bf346ffcd" providerId="LiveId" clId="{6D402725-CB0A-4929-B06B-68EA2CC369BB}"/>
+    <pc:docChg chg="custSel modSld">
+      <pc:chgData name="Jonathan Gunt" userId="37c1bc6bf346ffcd" providerId="LiveId" clId="{6D402725-CB0A-4929-B06B-68EA2CC369BB}" dt="2020-02-27T20:19:30.983" v="3973" actId="20577"/>
+      <pc:docMkLst>
+        <pc:docMk/>
+      </pc:docMkLst>
+      <pc:sldChg chg="modNotesTx">
+        <pc:chgData name="Jonathan Gunt" userId="37c1bc6bf346ffcd" providerId="LiveId" clId="{6D402725-CB0A-4929-B06B-68EA2CC369BB}" dt="2020-02-27T19:52:08.700" v="4" actId="20577"/>
+        <pc:sldMkLst>
+          <pc:docMk/>
+          <pc:sldMk cId="2116970647" sldId="293"/>
+        </pc:sldMkLst>
+      </pc:sldChg>
+      <pc:sldChg chg="modNotesTx">
+        <pc:chgData name="Jonathan Gunt" userId="37c1bc6bf346ffcd" providerId="LiveId" clId="{6D402725-CB0A-4929-B06B-68EA2CC369BB}" dt="2020-02-27T19:53:59.119" v="159" actId="20577"/>
+        <pc:sldMkLst>
+          <pc:docMk/>
+          <pc:sldMk cId="2751390746" sldId="294"/>
+        </pc:sldMkLst>
+      </pc:sldChg>
+      <pc:sldChg chg="modNotesTx">
+        <pc:chgData name="Jonathan Gunt" userId="37c1bc6bf346ffcd" providerId="LiveId" clId="{6D402725-CB0A-4929-B06B-68EA2CC369BB}" dt="2020-02-27T19:52:32.780" v="53" actId="20577"/>
+        <pc:sldMkLst>
+          <pc:docMk/>
+          <pc:sldMk cId="4056705775" sldId="295"/>
+        </pc:sldMkLst>
+      </pc:sldChg>
+      <pc:sldChg chg="modNotesTx">
+        <pc:chgData name="Jonathan Gunt" userId="37c1bc6bf346ffcd" providerId="LiveId" clId="{6D402725-CB0A-4929-B06B-68EA2CC369BB}" dt="2020-02-27T19:59:36.567" v="1009" actId="20577"/>
+        <pc:sldMkLst>
+          <pc:docMk/>
+          <pc:sldMk cId="1250572224" sldId="296"/>
+        </pc:sldMkLst>
+      </pc:sldChg>
+      <pc:sldChg chg="modNotesTx">
+        <pc:chgData name="Jonathan Gunt" userId="37c1bc6bf346ffcd" providerId="LiveId" clId="{6D402725-CB0A-4929-B06B-68EA2CC369BB}" dt="2020-02-27T20:02:32.674" v="1491" actId="20577"/>
+        <pc:sldMkLst>
+          <pc:docMk/>
+          <pc:sldMk cId="129568010" sldId="297"/>
+        </pc:sldMkLst>
+      </pc:sldChg>
+      <pc:sldChg chg="modNotesTx">
+        <pc:chgData name="Jonathan Gunt" userId="37c1bc6bf346ffcd" providerId="LiveId" clId="{6D402725-CB0A-4929-B06B-68EA2CC369BB}" dt="2020-02-27T20:08:08.429" v="2062" actId="20577"/>
+        <pc:sldMkLst>
+          <pc:docMk/>
+          <pc:sldMk cId="4035085402" sldId="298"/>
+        </pc:sldMkLst>
+      </pc:sldChg>
+      <pc:sldChg chg="modNotesTx">
+        <pc:chgData name="Jonathan Gunt" userId="37c1bc6bf346ffcd" providerId="LiveId" clId="{6D402725-CB0A-4929-B06B-68EA2CC369BB}" dt="2020-02-27T20:09:05.164" v="2310" actId="20577"/>
+        <pc:sldMkLst>
+          <pc:docMk/>
+          <pc:sldMk cId="4590256" sldId="299"/>
+        </pc:sldMkLst>
+      </pc:sldChg>
+      <pc:sldChg chg="modNotesTx">
+        <pc:chgData name="Jonathan Gunt" userId="37c1bc6bf346ffcd" providerId="LiveId" clId="{6D402725-CB0A-4929-B06B-68EA2CC369BB}" dt="2020-02-27T19:54:51.215" v="229" actId="20577"/>
+        <pc:sldMkLst>
+          <pc:docMk/>
+          <pc:sldMk cId="1036824948" sldId="300"/>
+        </pc:sldMkLst>
+      </pc:sldChg>
+      <pc:sldChg chg="modNotesTx">
+        <pc:chgData name="Jonathan Gunt" userId="37c1bc6bf346ffcd" providerId="LiveId" clId="{6D402725-CB0A-4929-B06B-68EA2CC369BB}" dt="2020-02-27T19:57:11.104" v="688" actId="20577"/>
+        <pc:sldMkLst>
+          <pc:docMk/>
+          <pc:sldMk cId="2247068750" sldId="301"/>
+        </pc:sldMkLst>
+      </pc:sldChg>
+      <pc:sldChg chg="modNotesTx">
+        <pc:chgData name="Jonathan Gunt" userId="37c1bc6bf346ffcd" providerId="LiveId" clId="{6D402725-CB0A-4929-B06B-68EA2CC369BB}" dt="2020-02-27T19:58:27.869" v="864" actId="20577"/>
+        <pc:sldMkLst>
+          <pc:docMk/>
+          <pc:sldMk cId="3587705934" sldId="302"/>
+        </pc:sldMkLst>
+      </pc:sldChg>
+      <pc:sldChg chg="modNotesTx">
+        <pc:chgData name="Jonathan Gunt" userId="37c1bc6bf346ffcd" providerId="LiveId" clId="{6D402725-CB0A-4929-B06B-68EA2CC369BB}" dt="2020-02-27T20:11:10.456" v="2632" actId="20577"/>
+        <pc:sldMkLst>
+          <pc:docMk/>
+          <pc:sldMk cId="1410870569" sldId="303"/>
+        </pc:sldMkLst>
+      </pc:sldChg>
+      <pc:sldChg chg="modNotesTx">
+        <pc:chgData name="Jonathan Gunt" userId="37c1bc6bf346ffcd" providerId="LiveId" clId="{6D402725-CB0A-4929-B06B-68EA2CC369BB}" dt="2020-02-27T20:13:49.489" v="3116" actId="313"/>
+        <pc:sldMkLst>
+          <pc:docMk/>
+          <pc:sldMk cId="923596441" sldId="304"/>
+        </pc:sldMkLst>
+      </pc:sldChg>
+      <pc:sldChg chg="modNotesTx">
+        <pc:chgData name="Jonathan Gunt" userId="37c1bc6bf346ffcd" providerId="LiveId" clId="{6D402725-CB0A-4929-B06B-68EA2CC369BB}" dt="2020-02-27T20:15:52.463" v="3440" actId="20577"/>
+        <pc:sldMkLst>
+          <pc:docMk/>
+          <pc:sldMk cId="3760844766" sldId="305"/>
+        </pc:sldMkLst>
+      </pc:sldChg>
+      <pc:sldChg chg="modNotesTx">
+        <pc:chgData name="Jonathan Gunt" userId="37c1bc6bf346ffcd" providerId="LiveId" clId="{6D402725-CB0A-4929-B06B-68EA2CC369BB}" dt="2020-02-27T20:15:00.212" v="3277" actId="20577"/>
+        <pc:sldMkLst>
+          <pc:docMk/>
+          <pc:sldMk cId="2445275072" sldId="306"/>
+        </pc:sldMkLst>
+      </pc:sldChg>
+      <pc:sldChg chg="modNotesTx">
+        <pc:chgData name="Jonathan Gunt" userId="37c1bc6bf346ffcd" providerId="LiveId" clId="{6D402725-CB0A-4929-B06B-68EA2CC369BB}" dt="2020-02-27T20:19:30.983" v="3973" actId="20577"/>
+        <pc:sldMkLst>
+          <pc:docMk/>
+          <pc:sldMk cId="3892789918" sldId="308"/>
+        </pc:sldMkLst>
+      </pc:sldChg>
+    </pc:docChg>
+  </pc:docChgLst>
+</pc:chgInfo>
+</file>
+
 <file path=ppt/handoutMasters/handoutMaster1.xml><?xml version="1.0" encoding="utf-8"?>
 <p:handoutMaster xmlns:a="http://schemas.openxmlformats.org/drawingml/2006/main" xmlns:r="http://schemas.openxmlformats.org/officeDocument/2006/relationships" xmlns:p="http://schemas.openxmlformats.org/presentationml/2006/main">
   <p:cSld>
@@ -1111,7 +1230,7 @@
                 <a:ea typeface="+mn-ea"/>
                 <a:cs typeface="+mn-cs"/>
               </a:rPr>
-              <a:t>Main Programm erstell das Objekt myList von der Klasse Sorting diese Klasse ist dafür da um den Algorithmus auszuführen.</a:t>
+              <a:t>Main Programm ist dafür da um den Algorithmus auszuführen.</a:t>
             </a:r>
           </a:p>
           <a:p>
@@ -1138,7 +1257,7 @@
                 <a:ea typeface="+mn-ea"/>
                 <a:cs typeface="+mn-cs"/>
               </a:rPr>
-              <a:t>List hat einen Konstruktor List und die Methoden fillList, getList und getPivot. Die Klasse ist erzeugt die Liste und befüllt diese mit Werten.</a:t>
+              <a:t>List hat einen Konstruktor List und die Methoden fillList, getList und getPivot. Die Klasse List erzeugt die Liste und befüllt diese mit Werten.</a:t>
             </a:r>
           </a:p>
           <a:p>
@@ -1180,7 +1299,7 @@
                 <a:ea typeface="+mn-ea"/>
                 <a:cs typeface="+mn-cs"/>
               </a:rPr>
-              <a:t>Sorting erstellt ein Objekt daten aus der Klasse List in Sorting wird der Algorithmus ausgeführt.</a:t>
+              <a:t>In Sorting wird der Algorithmus ausgeführt.</a:t>
             </a:r>
           </a:p>
           <a:p>
@@ -1295,7 +1414,31 @@
                 <a:ea typeface="+mn-ea"/>
                 <a:cs typeface="+mn-cs"/>
               </a:rPr>
-              <a:t>Die Klasse mainProgram ist dafür da, um den Suchalgorithmus auszuführen.</a:t>
+              <a:t>Im ersten Schritt zeige ich euch die </a:t>
+            </a:r>
+            <a:r>
+              <a:rPr lang="de-DE" sz="1200" kern="1200" dirty="0" err="1">
+                <a:solidFill>
+                  <a:schemeClr val="tx1"/>
+                </a:solidFill>
+                <a:effectLst/>
+                <a:latin typeface="+mn-lt"/>
+                <a:ea typeface="+mn-ea"/>
+                <a:cs typeface="+mn-cs"/>
+              </a:rPr>
+              <a:t>main</a:t>
+            </a:r>
+            <a:r>
+              <a:rPr lang="de-DE" sz="1200" kern="1200" dirty="0">
+                <a:solidFill>
+                  <a:schemeClr val="tx1"/>
+                </a:solidFill>
+                <a:effectLst/>
+                <a:latin typeface="+mn-lt"/>
+                <a:ea typeface="+mn-ea"/>
+                <a:cs typeface="+mn-cs"/>
+              </a:rPr>
+              <a:t> Methode</a:t>
             </a:r>
           </a:p>
           <a:p>
@@ -1383,7 +1526,44 @@
           <a:bodyPr/>
           <a:lstStyle/>
           <a:p>
-            <a:endParaRPr lang="de-DE" dirty="0"/>
+            <a:r>
+              <a:rPr lang="de-DE" dirty="0"/>
+              <a:t>Objekt </a:t>
+            </a:r>
+            <a:r>
+              <a:rPr lang="de-DE" dirty="0" err="1"/>
+              <a:t>myList</a:t>
+            </a:r>
+            <a:r>
+              <a:rPr lang="de-DE" dirty="0"/>
+              <a:t> wird aus der Klasse </a:t>
+            </a:r>
+            <a:r>
+              <a:rPr lang="de-DE" dirty="0" err="1"/>
+              <a:t>Sorting</a:t>
+            </a:r>
+            <a:r>
+              <a:rPr lang="de-DE" dirty="0"/>
+              <a:t> erstellt</a:t>
+            </a:r>
+          </a:p>
+          <a:p>
+            <a:r>
+              <a:rPr lang="de-DE" dirty="0" err="1"/>
+              <a:t>myList</a:t>
+            </a:r>
+            <a:r>
+              <a:rPr lang="de-DE" dirty="0"/>
+              <a:t> führt die Methode </a:t>
+            </a:r>
+            <a:r>
+              <a:rPr lang="de-DE" dirty="0" err="1"/>
+              <a:t>sort</a:t>
+            </a:r>
+            <a:r>
+              <a:rPr lang="de-DE" dirty="0"/>
+              <a:t> aus</a:t>
+            </a:r>
           </a:p>
         </p:txBody>
       </p:sp>
@@ -1414,6 +1594,556 @@
     <p:extLst>
       <p:ext uri="{BB962C8B-B14F-4D97-AF65-F5344CB8AC3E}">
         <p14:creationId xmlns:p14="http://schemas.microsoft.com/office/powerpoint/2010/main" val="4130950748"/>
+      </p:ext>
+    </p:extLst>
+  </p:cSld>
+  <p:clrMapOvr>
+    <a:masterClrMapping/>
+  </p:clrMapOvr>
+</p:notes>
+</file>
+
+<file path=ppt/notesSlides/notesSlide15.xml><?xml version="1.0" encoding="utf-8"?>
+<p:notes xmlns:a="http://schemas.openxmlformats.org/drawingml/2006/main" xmlns:r="http://schemas.openxmlformats.org/officeDocument/2006/relationships" xmlns:p="http://schemas.openxmlformats.org/presentationml/2006/main">
+  <p:cSld>
+    <p:spTree>
+      <p:nvGrpSpPr>
+        <p:cNvPr id="1" name=""/>
+        <p:cNvGrpSpPr/>
+        <p:nvPr/>
+      </p:nvGrpSpPr>
+      <p:grpSpPr>
+        <a:xfrm>
+          <a:off x="0" y="0"/>
+          <a:ext cx="0" cy="0"/>
+          <a:chOff x="0" y="0"/>
+          <a:chExt cx="0" cy="0"/>
+        </a:xfrm>
+      </p:grpSpPr>
+      <p:sp>
+        <p:nvSpPr>
+          <p:cNvPr id="2" name="Folienbildplatzhalter 1"/>
+          <p:cNvSpPr>
+            <a:spLocks noGrp="1" noRot="1" noChangeAspect="1"/>
+          </p:cNvSpPr>
+          <p:nvPr>
+            <p:ph type="sldImg"/>
+          </p:nvPr>
+        </p:nvSpPr>
+        <p:spPr/>
+      </p:sp>
+      <p:sp>
+        <p:nvSpPr>
+          <p:cNvPr id="3" name="Notizenplatzhalter 2"/>
+          <p:cNvSpPr>
+            <a:spLocks noGrp="1"/>
+          </p:cNvSpPr>
+          <p:nvPr>
+            <p:ph type="body" idx="1"/>
+          </p:nvPr>
+        </p:nvSpPr>
+        <p:spPr/>
+        <p:txBody>
+          <a:bodyPr/>
+          <a:lstStyle/>
+          <a:p>
+            <a:endParaRPr lang="de-DE" dirty="0"/>
+          </a:p>
+        </p:txBody>
+      </p:sp>
+      <p:sp>
+        <p:nvSpPr>
+          <p:cNvPr id="4" name="Foliennummernplatzhalter 3"/>
+          <p:cNvSpPr>
+            <a:spLocks noGrp="1"/>
+          </p:cNvSpPr>
+          <p:nvPr>
+            <p:ph type="sldNum" sz="quarter" idx="5"/>
+          </p:nvPr>
+        </p:nvSpPr>
+        <p:spPr/>
+        <p:txBody>
+          <a:bodyPr/>
+          <a:lstStyle/>
+          <a:p>
+            <a:fld id="{67D99960-775A-4831-A98F-4EE005F4B482}" type="slidenum">
+              <a:rPr lang="de-DE" smtClean="0"/>
+              <a:t>30</a:t>
+            </a:fld>
+            <a:endParaRPr lang="de-DE" dirty="0"/>
+          </a:p>
+        </p:txBody>
+      </p:sp>
+    </p:spTree>
+    <p:extLst>
+      <p:ext uri="{BB962C8B-B14F-4D97-AF65-F5344CB8AC3E}">
+        <p14:creationId xmlns:p14="http://schemas.microsoft.com/office/powerpoint/2010/main" val="373494188"/>
+      </p:ext>
+    </p:extLst>
+  </p:cSld>
+  <p:clrMapOvr>
+    <a:masterClrMapping/>
+  </p:clrMapOvr>
+</p:notes>
+</file>
+
+<file path=ppt/notesSlides/notesSlide16.xml><?xml version="1.0" encoding="utf-8"?>
+<p:notes xmlns:a="http://schemas.openxmlformats.org/drawingml/2006/main" xmlns:r="http://schemas.openxmlformats.org/officeDocument/2006/relationships" xmlns:p="http://schemas.openxmlformats.org/presentationml/2006/main">
+  <p:cSld>
+    <p:spTree>
+      <p:nvGrpSpPr>
+        <p:cNvPr id="1" name=""/>
+        <p:cNvGrpSpPr/>
+        <p:nvPr/>
+      </p:nvGrpSpPr>
+      <p:grpSpPr>
+        <a:xfrm>
+          <a:off x="0" y="0"/>
+          <a:ext cx="0" cy="0"/>
+          <a:chOff x="0" y="0"/>
+          <a:chExt cx="0" cy="0"/>
+        </a:xfrm>
+      </p:grpSpPr>
+      <p:sp>
+        <p:nvSpPr>
+          <p:cNvPr id="2" name="Folienbildplatzhalter 1"/>
+          <p:cNvSpPr>
+            <a:spLocks noGrp="1" noRot="1" noChangeAspect="1"/>
+          </p:cNvSpPr>
+          <p:nvPr>
+            <p:ph type="sldImg"/>
+          </p:nvPr>
+        </p:nvSpPr>
+        <p:spPr/>
+      </p:sp>
+      <p:sp>
+        <p:nvSpPr>
+          <p:cNvPr id="3" name="Notizenplatzhalter 2"/>
+          <p:cNvSpPr>
+            <a:spLocks noGrp="1"/>
+          </p:cNvSpPr>
+          <p:nvPr>
+            <p:ph type="body" idx="1"/>
+          </p:nvPr>
+        </p:nvSpPr>
+        <p:spPr/>
+        <p:txBody>
+          <a:bodyPr/>
+          <a:lstStyle/>
+          <a:p>
+            <a:r>
+              <a:rPr lang="de-DE" dirty="0"/>
+              <a:t>Der Konstruktor List führt die Methode </a:t>
+            </a:r>
+            <a:r>
+              <a:rPr lang="de-DE" dirty="0" err="1"/>
+              <a:t>fillList</a:t>
+            </a:r>
+            <a:r>
+              <a:rPr lang="de-DE" dirty="0"/>
+              <a:t> aus.</a:t>
+            </a:r>
+          </a:p>
+          <a:p>
+            <a:r>
+              <a:rPr lang="de-DE" dirty="0" err="1"/>
+              <a:t>Jedesmal</a:t>
+            </a:r>
+            <a:r>
+              <a:rPr lang="de-DE" dirty="0"/>
+              <a:t> wenn ein Objekt aus List erzeugt wird </a:t>
+            </a:r>
+            <a:r>
+              <a:rPr lang="de-DE" dirty="0" err="1"/>
+              <a:t>wird</a:t>
+            </a:r>
+            <a:r>
+              <a:rPr lang="de-DE" dirty="0"/>
+              <a:t> diese Methode ausgeführt</a:t>
+            </a:r>
+          </a:p>
+          <a:p>
+            <a:endParaRPr lang="de-DE" dirty="0"/>
+          </a:p>
+          <a:p>
+            <a:r>
+              <a:rPr lang="de-DE" dirty="0" err="1"/>
+              <a:t>fillList</a:t>
+            </a:r>
+            <a:r>
+              <a:rPr lang="de-DE" dirty="0"/>
+              <a:t> erzeugt die Liste und befüllt sie mit werten</a:t>
+            </a:r>
+          </a:p>
+          <a:p>
+            <a:endParaRPr lang="de-DE" dirty="0"/>
+          </a:p>
+          <a:p>
+            <a:r>
+              <a:rPr lang="de-DE" dirty="0"/>
+              <a:t>Diese neue List wird danach in der Konsole ausgegeben</a:t>
+            </a:r>
+          </a:p>
+        </p:txBody>
+      </p:sp>
+      <p:sp>
+        <p:nvSpPr>
+          <p:cNvPr id="4" name="Foliennummernplatzhalter 3"/>
+          <p:cNvSpPr>
+            <a:spLocks noGrp="1"/>
+          </p:cNvSpPr>
+          <p:nvPr>
+            <p:ph type="sldNum" sz="quarter" idx="5"/>
+          </p:nvPr>
+        </p:nvSpPr>
+        <p:spPr/>
+        <p:txBody>
+          <a:bodyPr/>
+          <a:lstStyle/>
+          <a:p>
+            <a:fld id="{67D99960-775A-4831-A98F-4EE005F4B482}" type="slidenum">
+              <a:rPr lang="de-DE" smtClean="0"/>
+              <a:t>31</a:t>
+            </a:fld>
+            <a:endParaRPr lang="de-DE" dirty="0"/>
+          </a:p>
+        </p:txBody>
+      </p:sp>
+    </p:spTree>
+    <p:extLst>
+      <p:ext uri="{BB962C8B-B14F-4D97-AF65-F5344CB8AC3E}">
+        <p14:creationId xmlns:p14="http://schemas.microsoft.com/office/powerpoint/2010/main" val="2721189205"/>
+      </p:ext>
+    </p:extLst>
+  </p:cSld>
+  <p:clrMapOvr>
+    <a:masterClrMapping/>
+  </p:clrMapOvr>
+</p:notes>
+</file>
+
+<file path=ppt/notesSlides/notesSlide17.xml><?xml version="1.0" encoding="utf-8"?>
+<p:notes xmlns:a="http://schemas.openxmlformats.org/drawingml/2006/main" xmlns:r="http://schemas.openxmlformats.org/officeDocument/2006/relationships" xmlns:p="http://schemas.openxmlformats.org/presentationml/2006/main">
+  <p:cSld>
+    <p:spTree>
+      <p:nvGrpSpPr>
+        <p:cNvPr id="1" name=""/>
+        <p:cNvGrpSpPr/>
+        <p:nvPr/>
+      </p:nvGrpSpPr>
+      <p:grpSpPr>
+        <a:xfrm>
+          <a:off x="0" y="0"/>
+          <a:ext cx="0" cy="0"/>
+          <a:chOff x="0" y="0"/>
+          <a:chExt cx="0" cy="0"/>
+        </a:xfrm>
+      </p:grpSpPr>
+      <p:sp>
+        <p:nvSpPr>
+          <p:cNvPr id="2" name="Folienbildplatzhalter 1"/>
+          <p:cNvSpPr>
+            <a:spLocks noGrp="1" noRot="1" noChangeAspect="1"/>
+          </p:cNvSpPr>
+          <p:nvPr>
+            <p:ph type="sldImg"/>
+          </p:nvPr>
+        </p:nvSpPr>
+        <p:spPr/>
+      </p:sp>
+      <p:sp>
+        <p:nvSpPr>
+          <p:cNvPr id="3" name="Notizenplatzhalter 2"/>
+          <p:cNvSpPr>
+            <a:spLocks noGrp="1"/>
+          </p:cNvSpPr>
+          <p:nvPr>
+            <p:ph type="body" idx="1"/>
+          </p:nvPr>
+        </p:nvSpPr>
+        <p:spPr/>
+        <p:txBody>
+          <a:bodyPr/>
+          <a:lstStyle/>
+          <a:p>
+            <a:r>
+              <a:rPr lang="de-DE" dirty="0" err="1"/>
+              <a:t>getList</a:t>
+            </a:r>
+            <a:r>
+              <a:rPr lang="de-DE" dirty="0"/>
+              <a:t> übergibt die fertig erzeugte und befüllte Liste an andere Klassen</a:t>
+            </a:r>
+          </a:p>
+          <a:p>
+            <a:endParaRPr lang="de-DE" dirty="0"/>
+          </a:p>
+          <a:p>
+            <a:r>
+              <a:rPr lang="de-DE" dirty="0" err="1"/>
+              <a:t>getPivot</a:t>
+            </a:r>
+            <a:r>
+              <a:rPr lang="de-DE" dirty="0"/>
+              <a:t> berechnet den Durschnitt und übergibt diesen</a:t>
+            </a:r>
+          </a:p>
+        </p:txBody>
+      </p:sp>
+      <p:sp>
+        <p:nvSpPr>
+          <p:cNvPr id="4" name="Foliennummernplatzhalter 3"/>
+          <p:cNvSpPr>
+            <a:spLocks noGrp="1"/>
+          </p:cNvSpPr>
+          <p:nvPr>
+            <p:ph type="sldNum" sz="quarter" idx="5"/>
+          </p:nvPr>
+        </p:nvSpPr>
+        <p:spPr/>
+        <p:txBody>
+          <a:bodyPr/>
+          <a:lstStyle/>
+          <a:p>
+            <a:fld id="{67D99960-775A-4831-A98F-4EE005F4B482}" type="slidenum">
+              <a:rPr lang="de-DE" smtClean="0"/>
+              <a:t>32</a:t>
+            </a:fld>
+            <a:endParaRPr lang="de-DE" dirty="0"/>
+          </a:p>
+        </p:txBody>
+      </p:sp>
+    </p:spTree>
+    <p:extLst>
+      <p:ext uri="{BB962C8B-B14F-4D97-AF65-F5344CB8AC3E}">
+        <p14:creationId xmlns:p14="http://schemas.microsoft.com/office/powerpoint/2010/main" val="505325243"/>
+      </p:ext>
+    </p:extLst>
+  </p:cSld>
+  <p:clrMapOvr>
+    <a:masterClrMapping/>
+  </p:clrMapOvr>
+</p:notes>
+</file>
+
+<file path=ppt/notesSlides/notesSlide18.xml><?xml version="1.0" encoding="utf-8"?>
+<p:notes xmlns:a="http://schemas.openxmlformats.org/drawingml/2006/main" xmlns:r="http://schemas.openxmlformats.org/officeDocument/2006/relationships" xmlns:p="http://schemas.openxmlformats.org/presentationml/2006/main">
+  <p:cSld>
+    <p:spTree>
+      <p:nvGrpSpPr>
+        <p:cNvPr id="1" name=""/>
+        <p:cNvGrpSpPr/>
+        <p:nvPr/>
+      </p:nvGrpSpPr>
+      <p:grpSpPr>
+        <a:xfrm>
+          <a:off x="0" y="0"/>
+          <a:ext cx="0" cy="0"/>
+          <a:chOff x="0" y="0"/>
+          <a:chExt cx="0" cy="0"/>
+        </a:xfrm>
+      </p:grpSpPr>
+      <p:sp>
+        <p:nvSpPr>
+          <p:cNvPr id="2" name="Folienbildplatzhalter 1"/>
+          <p:cNvSpPr>
+            <a:spLocks noGrp="1" noRot="1" noChangeAspect="1"/>
+          </p:cNvSpPr>
+          <p:nvPr>
+            <p:ph type="sldImg"/>
+          </p:nvPr>
+        </p:nvSpPr>
+        <p:spPr/>
+      </p:sp>
+      <p:sp>
+        <p:nvSpPr>
+          <p:cNvPr id="3" name="Notizenplatzhalter 2"/>
+          <p:cNvSpPr>
+            <a:spLocks noGrp="1"/>
+          </p:cNvSpPr>
+          <p:nvPr>
+            <p:ph type="body" idx="1"/>
+          </p:nvPr>
+        </p:nvSpPr>
+        <p:spPr/>
+        <p:txBody>
+          <a:bodyPr/>
+          <a:lstStyle/>
+          <a:p>
+            <a:r>
+              <a:rPr lang="de-DE" dirty="0" err="1"/>
+              <a:t>Sorting</a:t>
+            </a:r>
+            <a:r>
+              <a:rPr lang="de-DE" dirty="0"/>
+              <a:t> ist für die Funktionsweiße des eigentlichen Algorithmus zuständig</a:t>
+            </a:r>
+          </a:p>
+        </p:txBody>
+      </p:sp>
+      <p:sp>
+        <p:nvSpPr>
+          <p:cNvPr id="4" name="Foliennummernplatzhalter 3"/>
+          <p:cNvSpPr>
+            <a:spLocks noGrp="1"/>
+          </p:cNvSpPr>
+          <p:nvPr>
+            <p:ph type="sldNum" sz="quarter" idx="5"/>
+          </p:nvPr>
+        </p:nvSpPr>
+        <p:spPr/>
+        <p:txBody>
+          <a:bodyPr/>
+          <a:lstStyle/>
+          <a:p>
+            <a:fld id="{67D99960-775A-4831-A98F-4EE005F4B482}" type="slidenum">
+              <a:rPr lang="de-DE" smtClean="0"/>
+              <a:t>33</a:t>
+            </a:fld>
+            <a:endParaRPr lang="de-DE" dirty="0"/>
+          </a:p>
+        </p:txBody>
+      </p:sp>
+    </p:spTree>
+    <p:extLst>
+      <p:ext uri="{BB962C8B-B14F-4D97-AF65-F5344CB8AC3E}">
+        <p14:creationId xmlns:p14="http://schemas.microsoft.com/office/powerpoint/2010/main" val="1741796333"/>
+      </p:ext>
+    </p:extLst>
+  </p:cSld>
+  <p:clrMapOvr>
+    <a:masterClrMapping/>
+  </p:clrMapOvr>
+</p:notes>
+</file>
+
+<file path=ppt/notesSlides/notesSlide19.xml><?xml version="1.0" encoding="utf-8"?>
+<p:notes xmlns:a="http://schemas.openxmlformats.org/drawingml/2006/main" xmlns:r="http://schemas.openxmlformats.org/officeDocument/2006/relationships" xmlns:p="http://schemas.openxmlformats.org/presentationml/2006/main">
+  <p:cSld>
+    <p:spTree>
+      <p:nvGrpSpPr>
+        <p:cNvPr id="1" name=""/>
+        <p:cNvGrpSpPr/>
+        <p:nvPr/>
+      </p:nvGrpSpPr>
+      <p:grpSpPr>
+        <a:xfrm>
+          <a:off x="0" y="0"/>
+          <a:ext cx="0" cy="0"/>
+          <a:chOff x="0" y="0"/>
+          <a:chExt cx="0" cy="0"/>
+        </a:xfrm>
+      </p:grpSpPr>
+      <p:sp>
+        <p:nvSpPr>
+          <p:cNvPr id="2" name="Folienbildplatzhalter 1"/>
+          <p:cNvSpPr>
+            <a:spLocks noGrp="1" noRot="1" noChangeAspect="1"/>
+          </p:cNvSpPr>
+          <p:nvPr>
+            <p:ph type="sldImg"/>
+          </p:nvPr>
+        </p:nvSpPr>
+        <p:spPr/>
+      </p:sp>
+      <p:sp>
+        <p:nvSpPr>
+          <p:cNvPr id="3" name="Notizenplatzhalter 2"/>
+          <p:cNvSpPr>
+            <a:spLocks noGrp="1"/>
+          </p:cNvSpPr>
+          <p:nvPr>
+            <p:ph type="body" idx="1"/>
+          </p:nvPr>
+        </p:nvSpPr>
+        <p:spPr/>
+        <p:txBody>
+          <a:bodyPr/>
+          <a:lstStyle/>
+          <a:p>
+            <a:r>
+              <a:rPr lang="de-DE" dirty="0"/>
+              <a:t>Es wird eine neues Objekt aus List erstellt die dank des Konstruktors gleichzeitig eine Liste erstellt und mit Werten befüllt wird</a:t>
+            </a:r>
+          </a:p>
+          <a:p>
+            <a:endParaRPr lang="de-DE" dirty="0"/>
+          </a:p>
+          <a:p>
+            <a:r>
+              <a:rPr lang="de-DE" dirty="0" err="1"/>
+              <a:t>Sort</a:t>
+            </a:r>
+            <a:r>
+              <a:rPr lang="de-DE" dirty="0"/>
+              <a:t> bekommt die </a:t>
+            </a:r>
+            <a:r>
+              <a:rPr lang="de-DE" dirty="0" err="1"/>
+              <a:t>Paramter</a:t>
+            </a:r>
+            <a:r>
+              <a:rPr lang="de-DE" dirty="0"/>
+              <a:t> aus der </a:t>
+            </a:r>
+            <a:r>
+              <a:rPr lang="de-DE" dirty="0" err="1"/>
+              <a:t>main</a:t>
+            </a:r>
+            <a:r>
+              <a:rPr lang="de-DE" dirty="0"/>
+              <a:t> übergeben, diese sind die Grenzen der Liste.</a:t>
+            </a:r>
+          </a:p>
+          <a:p>
+            <a:r>
+              <a:rPr lang="de-DE" dirty="0"/>
+              <a:t>Im nächsten Schritt wird überprüft ob die linke Grenze kleiner als die rechte Grenze ist</a:t>
+            </a:r>
+          </a:p>
+          <a:p>
+            <a:r>
+              <a:rPr lang="de-DE" dirty="0"/>
+              <a:t>Ist das wahr wird </a:t>
+            </a:r>
+            <a:r>
+              <a:rPr lang="de-DE" dirty="0" err="1"/>
+              <a:t>teiler</a:t>
+            </a:r>
+            <a:r>
+              <a:rPr lang="de-DE" dirty="0"/>
+              <a:t> mit der Methode teile berechnet</a:t>
+            </a:r>
+          </a:p>
+        </p:txBody>
+      </p:sp>
+      <p:sp>
+        <p:nvSpPr>
+          <p:cNvPr id="4" name="Foliennummernplatzhalter 3"/>
+          <p:cNvSpPr>
+            <a:spLocks noGrp="1"/>
+          </p:cNvSpPr>
+          <p:nvPr>
+            <p:ph type="sldNum" sz="quarter" idx="5"/>
+          </p:nvPr>
+        </p:nvSpPr>
+        <p:spPr/>
+        <p:txBody>
+          <a:bodyPr/>
+          <a:lstStyle/>
+          <a:p>
+            <a:fld id="{67D99960-775A-4831-A98F-4EE005F4B482}" type="slidenum">
+              <a:rPr lang="de-DE" smtClean="0"/>
+              <a:t>34</a:t>
+            </a:fld>
+            <a:endParaRPr lang="de-DE" dirty="0"/>
+          </a:p>
+        </p:txBody>
+      </p:sp>
+    </p:spTree>
+    <p:extLst>
+      <p:ext uri="{BB962C8B-B14F-4D97-AF65-F5344CB8AC3E}">
+        <p14:creationId xmlns:p14="http://schemas.microsoft.com/office/powerpoint/2010/main" val="1130951314"/>
       </p:ext>
     </p:extLst>
   </p:cSld>
@@ -1582,6 +2312,709 @@
     <p:extLst>
       <p:ext uri="{BB962C8B-B14F-4D97-AF65-F5344CB8AC3E}">
         <p14:creationId xmlns:p14="http://schemas.microsoft.com/office/powerpoint/2010/main" val="3406663292"/>
+      </p:ext>
+    </p:extLst>
+  </p:cSld>
+  <p:clrMapOvr>
+    <a:masterClrMapping/>
+  </p:clrMapOvr>
+</p:notes>
+</file>
+
+<file path=ppt/notesSlides/notesSlide20.xml><?xml version="1.0" encoding="utf-8"?>
+<p:notes xmlns:a="http://schemas.openxmlformats.org/drawingml/2006/main" xmlns:r="http://schemas.openxmlformats.org/officeDocument/2006/relationships" xmlns:p="http://schemas.openxmlformats.org/presentationml/2006/main">
+  <p:cSld>
+    <p:spTree>
+      <p:nvGrpSpPr>
+        <p:cNvPr id="1" name=""/>
+        <p:cNvGrpSpPr/>
+        <p:nvPr/>
+      </p:nvGrpSpPr>
+      <p:grpSpPr>
+        <a:xfrm>
+          <a:off x="0" y="0"/>
+          <a:ext cx="0" cy="0"/>
+          <a:chOff x="0" y="0"/>
+          <a:chExt cx="0" cy="0"/>
+        </a:xfrm>
+      </p:grpSpPr>
+      <p:sp>
+        <p:nvSpPr>
+          <p:cNvPr id="2" name="Folienbildplatzhalter 1"/>
+          <p:cNvSpPr>
+            <a:spLocks noGrp="1" noRot="1" noChangeAspect="1"/>
+          </p:cNvSpPr>
+          <p:nvPr>
+            <p:ph type="sldImg"/>
+          </p:nvPr>
+        </p:nvSpPr>
+        <p:spPr/>
+      </p:sp>
+      <p:sp>
+        <p:nvSpPr>
+          <p:cNvPr id="3" name="Notizenplatzhalter 2"/>
+          <p:cNvSpPr>
+            <a:spLocks noGrp="1"/>
+          </p:cNvSpPr>
+          <p:nvPr>
+            <p:ph type="body" idx="1"/>
+          </p:nvPr>
+        </p:nvSpPr>
+        <p:spPr/>
+        <p:txBody>
+          <a:bodyPr/>
+          <a:lstStyle/>
+          <a:p>
+            <a:r>
+              <a:rPr lang="de-DE" dirty="0"/>
+              <a:t>Die Methode teile bekommt auch die Grenzen übergeben</a:t>
+            </a:r>
+          </a:p>
+          <a:p>
+            <a:r>
+              <a:rPr lang="de-DE" dirty="0"/>
+              <a:t>Es werden lokale Variablen deklariert </a:t>
+            </a:r>
+          </a:p>
+          <a:p>
+            <a:r>
+              <a:rPr lang="de-DE" dirty="0"/>
+              <a:t>Die while Schleife wird so oft wiederholt bis sich i und j treffen</a:t>
+            </a:r>
+          </a:p>
+          <a:p>
+            <a:r>
+              <a:rPr lang="de-DE" dirty="0"/>
+              <a:t>Wurde ein Wertepaar gefunden werden diese miteinander getauscht </a:t>
+            </a:r>
+          </a:p>
+        </p:txBody>
+      </p:sp>
+      <p:sp>
+        <p:nvSpPr>
+          <p:cNvPr id="4" name="Foliennummernplatzhalter 3"/>
+          <p:cNvSpPr>
+            <a:spLocks noGrp="1"/>
+          </p:cNvSpPr>
+          <p:nvPr>
+            <p:ph type="sldNum" sz="quarter" idx="5"/>
+          </p:nvPr>
+        </p:nvSpPr>
+        <p:spPr/>
+        <p:txBody>
+          <a:bodyPr/>
+          <a:lstStyle/>
+          <a:p>
+            <a:fld id="{67D99960-775A-4831-A98F-4EE005F4B482}" type="slidenum">
+              <a:rPr lang="de-DE" smtClean="0"/>
+              <a:t>35</a:t>
+            </a:fld>
+            <a:endParaRPr lang="de-DE" dirty="0"/>
+          </a:p>
+        </p:txBody>
+      </p:sp>
+    </p:spTree>
+    <p:extLst>
+      <p:ext uri="{BB962C8B-B14F-4D97-AF65-F5344CB8AC3E}">
+        <p14:creationId xmlns:p14="http://schemas.microsoft.com/office/powerpoint/2010/main" val="2736484082"/>
+      </p:ext>
+    </p:extLst>
+  </p:cSld>
+  <p:clrMapOvr>
+    <a:masterClrMapping/>
+  </p:clrMapOvr>
+</p:notes>
+</file>
+
+<file path=ppt/notesSlides/notesSlide21.xml><?xml version="1.0" encoding="utf-8"?>
+<p:notes xmlns:a="http://schemas.openxmlformats.org/drawingml/2006/main" xmlns:r="http://schemas.openxmlformats.org/officeDocument/2006/relationships" xmlns:p="http://schemas.openxmlformats.org/presentationml/2006/main">
+  <p:cSld>
+    <p:spTree>
+      <p:nvGrpSpPr>
+        <p:cNvPr id="1" name=""/>
+        <p:cNvGrpSpPr/>
+        <p:nvPr/>
+      </p:nvGrpSpPr>
+      <p:grpSpPr>
+        <a:xfrm>
+          <a:off x="0" y="0"/>
+          <a:ext cx="0" cy="0"/>
+          <a:chOff x="0" y="0"/>
+          <a:chExt cx="0" cy="0"/>
+        </a:xfrm>
+      </p:grpSpPr>
+      <p:sp>
+        <p:nvSpPr>
+          <p:cNvPr id="2" name="Folienbildplatzhalter 1"/>
+          <p:cNvSpPr>
+            <a:spLocks noGrp="1" noRot="1" noChangeAspect="1"/>
+          </p:cNvSpPr>
+          <p:nvPr>
+            <p:ph type="sldImg"/>
+          </p:nvPr>
+        </p:nvSpPr>
+        <p:spPr/>
+      </p:sp>
+      <p:sp>
+        <p:nvSpPr>
+          <p:cNvPr id="3" name="Notizenplatzhalter 2"/>
+          <p:cNvSpPr>
+            <a:spLocks noGrp="1"/>
+          </p:cNvSpPr>
+          <p:nvPr>
+            <p:ph type="body" idx="1"/>
+          </p:nvPr>
+        </p:nvSpPr>
+        <p:spPr/>
+        <p:txBody>
+          <a:bodyPr/>
+          <a:lstStyle/>
+          <a:p>
+            <a:r>
+              <a:rPr lang="de-DE" dirty="0"/>
+              <a:t>Im letzten Schritt wird noch das Pivot Element an die Stelle vertauscht, an die sich i und j getroffen haben und i stehen geblieben ist</a:t>
+            </a:r>
+          </a:p>
+          <a:p>
+            <a:endParaRPr lang="de-DE" dirty="0"/>
+          </a:p>
+          <a:p>
+            <a:r>
+              <a:rPr lang="de-DE" dirty="0"/>
+              <a:t>Jetzt wird die neusortierte List ausgegeben und der Wert i wird übergeben</a:t>
+            </a:r>
+          </a:p>
+        </p:txBody>
+      </p:sp>
+      <p:sp>
+        <p:nvSpPr>
+          <p:cNvPr id="4" name="Foliennummernplatzhalter 3"/>
+          <p:cNvSpPr>
+            <a:spLocks noGrp="1"/>
+          </p:cNvSpPr>
+          <p:nvPr>
+            <p:ph type="sldNum" sz="quarter" idx="5"/>
+          </p:nvPr>
+        </p:nvSpPr>
+        <p:spPr/>
+        <p:txBody>
+          <a:bodyPr/>
+          <a:lstStyle/>
+          <a:p>
+            <a:fld id="{67D99960-775A-4831-A98F-4EE005F4B482}" type="slidenum">
+              <a:rPr lang="de-DE" smtClean="0"/>
+              <a:t>36</a:t>
+            </a:fld>
+            <a:endParaRPr lang="de-DE" dirty="0"/>
+          </a:p>
+        </p:txBody>
+      </p:sp>
+    </p:spTree>
+    <p:extLst>
+      <p:ext uri="{BB962C8B-B14F-4D97-AF65-F5344CB8AC3E}">
+        <p14:creationId xmlns:p14="http://schemas.microsoft.com/office/powerpoint/2010/main" val="391972363"/>
+      </p:ext>
+    </p:extLst>
+  </p:cSld>
+  <p:clrMapOvr>
+    <a:masterClrMapping/>
+  </p:clrMapOvr>
+</p:notes>
+</file>
+
+<file path=ppt/notesSlides/notesSlide22.xml><?xml version="1.0" encoding="utf-8"?>
+<p:notes xmlns:a="http://schemas.openxmlformats.org/drawingml/2006/main" xmlns:r="http://schemas.openxmlformats.org/officeDocument/2006/relationships" xmlns:p="http://schemas.openxmlformats.org/presentationml/2006/main">
+  <p:cSld>
+    <p:spTree>
+      <p:nvGrpSpPr>
+        <p:cNvPr id="1" name=""/>
+        <p:cNvGrpSpPr/>
+        <p:nvPr/>
+      </p:nvGrpSpPr>
+      <p:grpSpPr>
+        <a:xfrm>
+          <a:off x="0" y="0"/>
+          <a:ext cx="0" cy="0"/>
+          <a:chOff x="0" y="0"/>
+          <a:chExt cx="0" cy="0"/>
+        </a:xfrm>
+      </p:grpSpPr>
+      <p:sp>
+        <p:nvSpPr>
+          <p:cNvPr id="2" name="Folienbildplatzhalter 1"/>
+          <p:cNvSpPr>
+            <a:spLocks noGrp="1" noRot="1" noChangeAspect="1"/>
+          </p:cNvSpPr>
+          <p:nvPr>
+            <p:ph type="sldImg"/>
+          </p:nvPr>
+        </p:nvSpPr>
+        <p:spPr/>
+      </p:sp>
+      <p:sp>
+        <p:nvSpPr>
+          <p:cNvPr id="3" name="Notizenplatzhalter 2"/>
+          <p:cNvSpPr>
+            <a:spLocks noGrp="1"/>
+          </p:cNvSpPr>
+          <p:nvPr>
+            <p:ph type="body" idx="1"/>
+          </p:nvPr>
+        </p:nvSpPr>
+        <p:spPr/>
+        <p:txBody>
+          <a:bodyPr/>
+          <a:lstStyle/>
+          <a:p>
+            <a:r>
+              <a:rPr lang="de-DE" dirty="0"/>
+              <a:t>Die Variable i ist also der Wert i </a:t>
+            </a:r>
+          </a:p>
+          <a:p>
+            <a:endParaRPr lang="de-DE" dirty="0"/>
+          </a:p>
+          <a:p>
+            <a:r>
+              <a:rPr lang="de-DE" dirty="0"/>
+              <a:t>Jetzt ruft sich die Methode selber auf, diesmal aber mit unterschiedlichen Parameter</a:t>
+            </a:r>
+          </a:p>
+          <a:p>
+            <a:endParaRPr lang="de-DE" dirty="0"/>
+          </a:p>
+          <a:p>
+            <a:r>
+              <a:rPr lang="de-DE" dirty="0"/>
+              <a:t>Dieses Verfahren nennt man Rekursion </a:t>
+            </a:r>
+            <a:r>
+              <a:rPr lang="de-DE" dirty="0" err="1"/>
+              <a:t>sort</a:t>
+            </a:r>
+            <a:r>
+              <a:rPr lang="de-DE" dirty="0"/>
+              <a:t> wird also solange erneut aufgerufen bis die Abbruchbedingung erreicht wurde</a:t>
+            </a:r>
+          </a:p>
+        </p:txBody>
+      </p:sp>
+      <p:sp>
+        <p:nvSpPr>
+          <p:cNvPr id="4" name="Foliennummernplatzhalter 3"/>
+          <p:cNvSpPr>
+            <a:spLocks noGrp="1"/>
+          </p:cNvSpPr>
+          <p:nvPr>
+            <p:ph type="sldNum" sz="quarter" idx="5"/>
+          </p:nvPr>
+        </p:nvSpPr>
+        <p:spPr/>
+        <p:txBody>
+          <a:bodyPr/>
+          <a:lstStyle/>
+          <a:p>
+            <a:fld id="{67D99960-775A-4831-A98F-4EE005F4B482}" type="slidenum">
+              <a:rPr lang="de-DE" smtClean="0"/>
+              <a:t>37</a:t>
+            </a:fld>
+            <a:endParaRPr lang="de-DE" dirty="0"/>
+          </a:p>
+        </p:txBody>
+      </p:sp>
+    </p:spTree>
+    <p:extLst>
+      <p:ext uri="{BB962C8B-B14F-4D97-AF65-F5344CB8AC3E}">
+        <p14:creationId xmlns:p14="http://schemas.microsoft.com/office/powerpoint/2010/main" val="3498724244"/>
+      </p:ext>
+    </p:extLst>
+  </p:cSld>
+  <p:clrMapOvr>
+    <a:masterClrMapping/>
+  </p:clrMapOvr>
+</p:notes>
+</file>
+
+<file path=ppt/notesSlides/notesSlide23.xml><?xml version="1.0" encoding="utf-8"?>
+<p:notes xmlns:a="http://schemas.openxmlformats.org/drawingml/2006/main" xmlns:r="http://schemas.openxmlformats.org/officeDocument/2006/relationships" xmlns:p="http://schemas.openxmlformats.org/presentationml/2006/main">
+  <p:cSld>
+    <p:spTree>
+      <p:nvGrpSpPr>
+        <p:cNvPr id="1" name=""/>
+        <p:cNvGrpSpPr/>
+        <p:nvPr/>
+      </p:nvGrpSpPr>
+      <p:grpSpPr>
+        <a:xfrm>
+          <a:off x="0" y="0"/>
+          <a:ext cx="0" cy="0"/>
+          <a:chOff x="0" y="0"/>
+          <a:chExt cx="0" cy="0"/>
+        </a:xfrm>
+      </p:grpSpPr>
+      <p:sp>
+        <p:nvSpPr>
+          <p:cNvPr id="2" name="Folienbildplatzhalter 1"/>
+          <p:cNvSpPr>
+            <a:spLocks noGrp="1" noRot="1" noChangeAspect="1"/>
+          </p:cNvSpPr>
+          <p:nvPr>
+            <p:ph type="sldImg"/>
+          </p:nvPr>
+        </p:nvSpPr>
+        <p:spPr/>
+      </p:sp>
+      <p:sp>
+        <p:nvSpPr>
+          <p:cNvPr id="3" name="Notizenplatzhalter 2"/>
+          <p:cNvSpPr>
+            <a:spLocks noGrp="1"/>
+          </p:cNvSpPr>
+          <p:nvPr>
+            <p:ph type="body" idx="1"/>
+          </p:nvPr>
+        </p:nvSpPr>
+        <p:spPr/>
+        <p:txBody>
+          <a:bodyPr/>
+          <a:lstStyle/>
+          <a:p>
+            <a:r>
+              <a:rPr lang="de-DE" dirty="0"/>
+              <a:t>Bei der Rekursion werden Probleme in Teilprobleme oder Teillisten aufgeteilt, die diese werden gelöst und wieder zu einer Gesamtlösung zusammengeführt</a:t>
+            </a:r>
+          </a:p>
+          <a:p>
+            <a:endParaRPr lang="de-DE" dirty="0"/>
+          </a:p>
+          <a:p>
+            <a:r>
+              <a:rPr lang="de-DE" dirty="0"/>
+              <a:t>Die Rekursion steht der Iteration gegenüber, viele Probleme kann man mit beiden Methoden lösen</a:t>
+            </a:r>
+          </a:p>
+          <a:p>
+            <a:r>
+              <a:rPr lang="de-DE" dirty="0"/>
+              <a:t>Ein einfaches Beispiel stellt die Berechnung der Fakultät dar</a:t>
+            </a:r>
+          </a:p>
+        </p:txBody>
+      </p:sp>
+      <p:sp>
+        <p:nvSpPr>
+          <p:cNvPr id="4" name="Foliennummernplatzhalter 3"/>
+          <p:cNvSpPr>
+            <a:spLocks noGrp="1"/>
+          </p:cNvSpPr>
+          <p:nvPr>
+            <p:ph type="sldNum" sz="quarter" idx="5"/>
+          </p:nvPr>
+        </p:nvSpPr>
+        <p:spPr/>
+        <p:txBody>
+          <a:bodyPr/>
+          <a:lstStyle/>
+          <a:p>
+            <a:fld id="{67D99960-775A-4831-A98F-4EE005F4B482}" type="slidenum">
+              <a:rPr lang="de-DE" smtClean="0"/>
+              <a:t>38</a:t>
+            </a:fld>
+            <a:endParaRPr lang="de-DE" dirty="0"/>
+          </a:p>
+        </p:txBody>
+      </p:sp>
+    </p:spTree>
+    <p:extLst>
+      <p:ext uri="{BB962C8B-B14F-4D97-AF65-F5344CB8AC3E}">
+        <p14:creationId xmlns:p14="http://schemas.microsoft.com/office/powerpoint/2010/main" val="2440965653"/>
+      </p:ext>
+    </p:extLst>
+  </p:cSld>
+  <p:clrMapOvr>
+    <a:masterClrMapping/>
+  </p:clrMapOvr>
+</p:notes>
+</file>
+
+<file path=ppt/notesSlides/notesSlide24.xml><?xml version="1.0" encoding="utf-8"?>
+<p:notes xmlns:a="http://schemas.openxmlformats.org/drawingml/2006/main" xmlns:r="http://schemas.openxmlformats.org/officeDocument/2006/relationships" xmlns:p="http://schemas.openxmlformats.org/presentationml/2006/main">
+  <p:cSld>
+    <p:spTree>
+      <p:nvGrpSpPr>
+        <p:cNvPr id="1" name=""/>
+        <p:cNvGrpSpPr/>
+        <p:nvPr/>
+      </p:nvGrpSpPr>
+      <p:grpSpPr>
+        <a:xfrm>
+          <a:off x="0" y="0"/>
+          <a:ext cx="0" cy="0"/>
+          <a:chOff x="0" y="0"/>
+          <a:chExt cx="0" cy="0"/>
+        </a:xfrm>
+      </p:grpSpPr>
+      <p:sp>
+        <p:nvSpPr>
+          <p:cNvPr id="2" name="Folienbildplatzhalter 1"/>
+          <p:cNvSpPr>
+            <a:spLocks noGrp="1" noRot="1" noChangeAspect="1"/>
+          </p:cNvSpPr>
+          <p:nvPr>
+            <p:ph type="sldImg"/>
+          </p:nvPr>
+        </p:nvSpPr>
+        <p:spPr/>
+      </p:sp>
+      <p:sp>
+        <p:nvSpPr>
+          <p:cNvPr id="3" name="Notizenplatzhalter 2"/>
+          <p:cNvSpPr>
+            <a:spLocks noGrp="1"/>
+          </p:cNvSpPr>
+          <p:nvPr>
+            <p:ph type="body" idx="1"/>
+          </p:nvPr>
+        </p:nvSpPr>
+        <p:spPr/>
+        <p:txBody>
+          <a:bodyPr/>
+          <a:lstStyle/>
+          <a:p>
+            <a:r>
+              <a:rPr lang="de-DE" dirty="0"/>
+              <a:t>Bei Berechnungen sind Rekursionen oft leichter lesbar und liefern den kompakteren Code</a:t>
+            </a:r>
+          </a:p>
+          <a:p>
+            <a:r>
+              <a:rPr lang="de-DE" dirty="0"/>
+              <a:t>Iterative Lösungen sind hingegen effizienter und leichter verständlich</a:t>
+            </a:r>
+          </a:p>
+        </p:txBody>
+      </p:sp>
+      <p:sp>
+        <p:nvSpPr>
+          <p:cNvPr id="4" name="Foliennummernplatzhalter 3"/>
+          <p:cNvSpPr>
+            <a:spLocks noGrp="1"/>
+          </p:cNvSpPr>
+          <p:nvPr>
+            <p:ph type="sldNum" sz="quarter" idx="5"/>
+          </p:nvPr>
+        </p:nvSpPr>
+        <p:spPr/>
+        <p:txBody>
+          <a:bodyPr/>
+          <a:lstStyle/>
+          <a:p>
+            <a:fld id="{67D99960-775A-4831-A98F-4EE005F4B482}" type="slidenum">
+              <a:rPr lang="de-DE" smtClean="0"/>
+              <a:t>39</a:t>
+            </a:fld>
+            <a:endParaRPr lang="de-DE" dirty="0"/>
+          </a:p>
+        </p:txBody>
+      </p:sp>
+    </p:spTree>
+    <p:extLst>
+      <p:ext uri="{BB962C8B-B14F-4D97-AF65-F5344CB8AC3E}">
+        <p14:creationId xmlns:p14="http://schemas.microsoft.com/office/powerpoint/2010/main" val="2313270615"/>
+      </p:ext>
+    </p:extLst>
+  </p:cSld>
+  <p:clrMapOvr>
+    <a:masterClrMapping/>
+  </p:clrMapOvr>
+</p:notes>
+</file>
+
+<file path=ppt/notesSlides/notesSlide25.xml><?xml version="1.0" encoding="utf-8"?>
+<p:notes xmlns:a="http://schemas.openxmlformats.org/drawingml/2006/main" xmlns:r="http://schemas.openxmlformats.org/officeDocument/2006/relationships" xmlns:p="http://schemas.openxmlformats.org/presentationml/2006/main">
+  <p:cSld>
+    <p:spTree>
+      <p:nvGrpSpPr>
+        <p:cNvPr id="1" name=""/>
+        <p:cNvGrpSpPr/>
+        <p:nvPr/>
+      </p:nvGrpSpPr>
+      <p:grpSpPr>
+        <a:xfrm>
+          <a:off x="0" y="0"/>
+          <a:ext cx="0" cy="0"/>
+          <a:chOff x="0" y="0"/>
+          <a:chExt cx="0" cy="0"/>
+        </a:xfrm>
+      </p:grpSpPr>
+      <p:sp>
+        <p:nvSpPr>
+          <p:cNvPr id="2" name="Folienbildplatzhalter 1"/>
+          <p:cNvSpPr>
+            <a:spLocks noGrp="1" noRot="1" noChangeAspect="1"/>
+          </p:cNvSpPr>
+          <p:nvPr>
+            <p:ph type="sldImg"/>
+          </p:nvPr>
+        </p:nvSpPr>
+        <p:spPr/>
+      </p:sp>
+      <p:sp>
+        <p:nvSpPr>
+          <p:cNvPr id="3" name="Notizenplatzhalter 2"/>
+          <p:cNvSpPr>
+            <a:spLocks noGrp="1"/>
+          </p:cNvSpPr>
+          <p:nvPr>
+            <p:ph type="body" idx="1"/>
+          </p:nvPr>
+        </p:nvSpPr>
+        <p:spPr/>
+        <p:txBody>
+          <a:bodyPr/>
+          <a:lstStyle/>
+          <a:p>
+            <a:r>
+              <a:rPr lang="de-DE" dirty="0"/>
+              <a:t>Es gibt also bei beiden Methoden Vor und Nachteile und man muss von Projekt zu Projekt neuüberlegen welches Verfahren in diesem Fall besser ist</a:t>
+            </a:r>
+          </a:p>
+        </p:txBody>
+      </p:sp>
+      <p:sp>
+        <p:nvSpPr>
+          <p:cNvPr id="4" name="Foliennummernplatzhalter 3"/>
+          <p:cNvSpPr>
+            <a:spLocks noGrp="1"/>
+          </p:cNvSpPr>
+          <p:nvPr>
+            <p:ph type="sldNum" sz="quarter" idx="5"/>
+          </p:nvPr>
+        </p:nvSpPr>
+        <p:spPr/>
+        <p:txBody>
+          <a:bodyPr/>
+          <a:lstStyle/>
+          <a:p>
+            <a:fld id="{67D99960-775A-4831-A98F-4EE005F4B482}" type="slidenum">
+              <a:rPr lang="de-DE" smtClean="0"/>
+              <a:t>40</a:t>
+            </a:fld>
+            <a:endParaRPr lang="de-DE" dirty="0"/>
+          </a:p>
+        </p:txBody>
+      </p:sp>
+    </p:spTree>
+    <p:extLst>
+      <p:ext uri="{BB962C8B-B14F-4D97-AF65-F5344CB8AC3E}">
+        <p14:creationId xmlns:p14="http://schemas.microsoft.com/office/powerpoint/2010/main" val="629839975"/>
+      </p:ext>
+    </p:extLst>
+  </p:cSld>
+  <p:clrMapOvr>
+    <a:masterClrMapping/>
+  </p:clrMapOvr>
+</p:notes>
+</file>
+
+<file path=ppt/notesSlides/notesSlide26.xml><?xml version="1.0" encoding="utf-8"?>
+<p:notes xmlns:a="http://schemas.openxmlformats.org/drawingml/2006/main" xmlns:r="http://schemas.openxmlformats.org/officeDocument/2006/relationships" xmlns:p="http://schemas.openxmlformats.org/presentationml/2006/main">
+  <p:cSld>
+    <p:spTree>
+      <p:nvGrpSpPr>
+        <p:cNvPr id="1" name=""/>
+        <p:cNvGrpSpPr/>
+        <p:nvPr/>
+      </p:nvGrpSpPr>
+      <p:grpSpPr>
+        <a:xfrm>
+          <a:off x="0" y="0"/>
+          <a:ext cx="0" cy="0"/>
+          <a:chOff x="0" y="0"/>
+          <a:chExt cx="0" cy="0"/>
+        </a:xfrm>
+      </p:grpSpPr>
+      <p:sp>
+        <p:nvSpPr>
+          <p:cNvPr id="2" name="Folienbildplatzhalter 1"/>
+          <p:cNvSpPr>
+            <a:spLocks noGrp="1" noRot="1" noChangeAspect="1"/>
+          </p:cNvSpPr>
+          <p:nvPr>
+            <p:ph type="sldImg"/>
+          </p:nvPr>
+        </p:nvSpPr>
+        <p:spPr/>
+      </p:sp>
+      <p:sp>
+        <p:nvSpPr>
+          <p:cNvPr id="3" name="Notizenplatzhalter 2"/>
+          <p:cNvSpPr>
+            <a:spLocks noGrp="1"/>
+          </p:cNvSpPr>
+          <p:nvPr>
+            <p:ph type="body" idx="1"/>
+          </p:nvPr>
+        </p:nvSpPr>
+        <p:spPr/>
+        <p:txBody>
+          <a:bodyPr/>
+          <a:lstStyle/>
+          <a:p>
+            <a:r>
+              <a:rPr lang="de-DE" dirty="0"/>
+              <a:t>Auch bei dem </a:t>
+            </a:r>
+            <a:r>
+              <a:rPr lang="de-DE" dirty="0" err="1"/>
+              <a:t>Quicksort</a:t>
+            </a:r>
+            <a:r>
+              <a:rPr lang="de-DE" dirty="0"/>
+              <a:t> Algorithmus ist eine iterative Lösung möglich die das Problem auch schneller lösen kann dabei aber schwerer zu schreiben und zu verstehen ist.</a:t>
+            </a:r>
+          </a:p>
+          <a:p>
+            <a:r>
+              <a:rPr lang="de-DE" dirty="0"/>
+              <a:t>Man sieht also das es auch hier mehrere Möglichkeiten gibt das Problem zu lösen</a:t>
+            </a:r>
+          </a:p>
+          <a:p>
+            <a:r>
+              <a:rPr lang="de-DE" dirty="0"/>
+              <a:t>Das war meine Präsentation und ich bedanke mich für die Aufmerksamkeit.</a:t>
+            </a:r>
+          </a:p>
+        </p:txBody>
+      </p:sp>
+      <p:sp>
+        <p:nvSpPr>
+          <p:cNvPr id="4" name="Foliennummernplatzhalter 3"/>
+          <p:cNvSpPr>
+            <a:spLocks noGrp="1"/>
+          </p:cNvSpPr>
+          <p:nvPr>
+            <p:ph type="sldNum" sz="quarter" idx="5"/>
+          </p:nvPr>
+        </p:nvSpPr>
+        <p:spPr/>
+        <p:txBody>
+          <a:bodyPr/>
+          <a:lstStyle/>
+          <a:p>
+            <a:fld id="{67D99960-775A-4831-A98F-4EE005F4B482}" type="slidenum">
+              <a:rPr lang="de-DE" smtClean="0"/>
+              <a:t>41</a:t>
+            </a:fld>
+            <a:endParaRPr lang="de-DE" dirty="0"/>
+          </a:p>
+        </p:txBody>
+      </p:sp>
+    </p:spTree>
+    <p:extLst>
+      <p:ext uri="{BB962C8B-B14F-4D97-AF65-F5344CB8AC3E}">
+        <p14:creationId xmlns:p14="http://schemas.microsoft.com/office/powerpoint/2010/main" val="411527475"/>
       </p:ext>
     </p:extLst>
   </p:cSld>
@@ -9493,7 +10926,7 @@
           <p:nvPr/>
         </p:nvPicPr>
         <p:blipFill>
-          <a:blip r:embed="rId2">
+          <a:blip r:embed="rId3">
             <a:extLst>
               <a:ext uri="{28A0092B-C50C-407E-A947-70E740481C1C}">
                 <a14:useLocalDpi xmlns:a14="http://schemas.microsoft.com/office/drawing/2010/main" val="0"/>
@@ -9529,7 +10962,7 @@
           <p:nvPr/>
         </p:nvPicPr>
         <p:blipFill>
-          <a:blip r:embed="rId3">
+          <a:blip r:embed="rId4">
             <a:extLst>
               <a:ext uri="{28A0092B-C50C-407E-A947-70E740481C1C}">
                 <a14:useLocalDpi xmlns:a14="http://schemas.microsoft.com/office/drawing/2010/main" val="0"/>
@@ -9565,7 +10998,7 @@
           <p:nvPr/>
         </p:nvPicPr>
         <p:blipFill>
-          <a:blip r:embed="rId3">
+          <a:blip r:embed="rId4">
             <a:extLst>
               <a:ext uri="{28A0092B-C50C-407E-A947-70E740481C1C}">
                 <a14:useLocalDpi xmlns:a14="http://schemas.microsoft.com/office/drawing/2010/main" val="0"/>
@@ -9601,7 +11034,7 @@
           <p:nvPr/>
         </p:nvPicPr>
         <p:blipFill>
-          <a:blip r:embed="rId3">
+          <a:blip r:embed="rId4">
             <a:extLst>
               <a:ext uri="{28A0092B-C50C-407E-A947-70E740481C1C}">
                 <a14:useLocalDpi xmlns:a14="http://schemas.microsoft.com/office/drawing/2010/main" val="0"/>
@@ -9750,7 +11183,7 @@
           <p:nvPr/>
         </p:nvPicPr>
         <p:blipFill>
-          <a:blip r:embed="rId2">
+          <a:blip r:embed="rId3">
             <a:extLst>
               <a:ext uri="{28A0092B-C50C-407E-A947-70E740481C1C}">
                 <a14:useLocalDpi xmlns:a14="http://schemas.microsoft.com/office/drawing/2010/main" val="0"/>
@@ -9786,7 +11219,7 @@
           <p:nvPr/>
         </p:nvPicPr>
         <p:blipFill>
-          <a:blip r:embed="rId3">
+          <a:blip r:embed="rId4">
             <a:extLst>
               <a:ext uri="{28A0092B-C50C-407E-A947-70E740481C1C}">
                 <a14:useLocalDpi xmlns:a14="http://schemas.microsoft.com/office/drawing/2010/main" val="0"/>
@@ -9935,7 +11368,7 @@
           <p:nvPr/>
         </p:nvPicPr>
         <p:blipFill>
-          <a:blip r:embed="rId2">
+          <a:blip r:embed="rId3">
             <a:extLst>
               <a:ext uri="{28A0092B-C50C-407E-A947-70E740481C1C}">
                 <a14:useLocalDpi xmlns:a14="http://schemas.microsoft.com/office/drawing/2010/main" val="0"/>
@@ -10081,7 +11514,7 @@
           <p:nvPr/>
         </p:nvPicPr>
         <p:blipFill>
-          <a:blip r:embed="rId2">
+          <a:blip r:embed="rId3">
             <a:extLst>
               <a:ext uri="{28A0092B-C50C-407E-A947-70E740481C1C}">
                 <a14:useLocalDpi xmlns:a14="http://schemas.microsoft.com/office/drawing/2010/main" val="0"/>
@@ -10117,7 +11550,7 @@
           <p:nvPr/>
         </p:nvPicPr>
         <p:blipFill>
-          <a:blip r:embed="rId3">
+          <a:blip r:embed="rId4">
             <a:extLst>
               <a:ext uri="{28A0092B-C50C-407E-A947-70E740481C1C}">
                 <a14:useLocalDpi xmlns:a14="http://schemas.microsoft.com/office/drawing/2010/main" val="0"/>
@@ -10153,7 +11586,7 @@
           <p:nvPr/>
         </p:nvPicPr>
         <p:blipFill>
-          <a:blip r:embed="rId3">
+          <a:blip r:embed="rId4">
             <a:extLst>
               <a:ext uri="{28A0092B-C50C-407E-A947-70E740481C1C}">
                 <a14:useLocalDpi xmlns:a14="http://schemas.microsoft.com/office/drawing/2010/main" val="0"/>
@@ -10189,7 +11622,7 @@
           <p:nvPr/>
         </p:nvPicPr>
         <p:blipFill>
-          <a:blip r:embed="rId3">
+          <a:blip r:embed="rId4">
             <a:extLst>
               <a:ext uri="{28A0092B-C50C-407E-A947-70E740481C1C}">
                 <a14:useLocalDpi xmlns:a14="http://schemas.microsoft.com/office/drawing/2010/main" val="0"/>
@@ -10335,7 +11768,7 @@
           <p:nvPr/>
         </p:nvPicPr>
         <p:blipFill>
-          <a:blip r:embed="rId2">
+          <a:blip r:embed="rId3">
             <a:extLst>
               <a:ext uri="{28A0092B-C50C-407E-A947-70E740481C1C}">
                 <a14:useLocalDpi xmlns:a14="http://schemas.microsoft.com/office/drawing/2010/main" val="0"/>
@@ -10481,7 +11914,7 @@
           <p:nvPr/>
         </p:nvPicPr>
         <p:blipFill>
-          <a:blip r:embed="rId2">
+          <a:blip r:embed="rId3">
             <a:extLst>
               <a:ext uri="{28A0092B-C50C-407E-A947-70E740481C1C}">
                 <a14:useLocalDpi xmlns:a14="http://schemas.microsoft.com/office/drawing/2010/main" val="0"/>
@@ -10517,7 +11950,7 @@
           <p:nvPr/>
         </p:nvPicPr>
         <p:blipFill>
-          <a:blip r:embed="rId3">
+          <a:blip r:embed="rId4">
             <a:extLst>
               <a:ext uri="{28A0092B-C50C-407E-A947-70E740481C1C}">
                 <a14:useLocalDpi xmlns:a14="http://schemas.microsoft.com/office/drawing/2010/main" val="0"/>
@@ -10553,7 +11986,7 @@
           <p:nvPr/>
         </p:nvPicPr>
         <p:blipFill>
-          <a:blip r:embed="rId4">
+          <a:blip r:embed="rId5">
             <a:extLst>
               <a:ext uri="{28A0092B-C50C-407E-A947-70E740481C1C}">
                 <a14:useLocalDpi xmlns:a14="http://schemas.microsoft.com/office/drawing/2010/main" val="0"/>
@@ -10699,7 +12132,7 @@
           <p:nvPr/>
         </p:nvPicPr>
         <p:blipFill>
-          <a:blip r:embed="rId2">
+          <a:blip r:embed="rId3">
             <a:extLst>
               <a:ext uri="{28A0092B-C50C-407E-A947-70E740481C1C}">
                 <a14:useLocalDpi xmlns:a14="http://schemas.microsoft.com/office/drawing/2010/main" val="0"/>
@@ -10735,7 +12168,7 @@
           <p:nvPr/>
         </p:nvPicPr>
         <p:blipFill>
-          <a:blip r:embed="rId3">
+          <a:blip r:embed="rId4">
             <a:extLst>
               <a:ext uri="{28A0092B-C50C-407E-A947-70E740481C1C}">
                 <a14:useLocalDpi xmlns:a14="http://schemas.microsoft.com/office/drawing/2010/main" val="0"/>
@@ -10771,7 +12204,7 @@
           <p:nvPr/>
         </p:nvPicPr>
         <p:blipFill>
-          <a:blip r:embed="rId4">
+          <a:blip r:embed="rId5">
             <a:extLst>
               <a:ext uri="{28A0092B-C50C-407E-A947-70E740481C1C}">
                 <a14:useLocalDpi xmlns:a14="http://schemas.microsoft.com/office/drawing/2010/main" val="0"/>
@@ -10920,7 +12353,7 @@
           <p:nvPr/>
         </p:nvPicPr>
         <p:blipFill>
-          <a:blip r:embed="rId2">
+          <a:blip r:embed="rId3">
             <a:extLst>
               <a:ext uri="{28A0092B-C50C-407E-A947-70E740481C1C}">
                 <a14:useLocalDpi xmlns:a14="http://schemas.microsoft.com/office/drawing/2010/main" val="0"/>
@@ -10956,7 +12389,7 @@
           <p:nvPr/>
         </p:nvPicPr>
         <p:blipFill>
-          <a:blip r:embed="rId3">
+          <a:blip r:embed="rId4">
             <a:extLst>
               <a:ext uri="{28A0092B-C50C-407E-A947-70E740481C1C}">
                 <a14:useLocalDpi xmlns:a14="http://schemas.microsoft.com/office/drawing/2010/main" val="0"/>
@@ -10992,7 +12425,7 @@
           <p:nvPr/>
         </p:nvPicPr>
         <p:blipFill>
-          <a:blip r:embed="rId4">
+          <a:blip r:embed="rId5">
             <a:extLst>
               <a:ext uri="{28A0092B-C50C-407E-A947-70E740481C1C}">
                 <a14:useLocalDpi xmlns:a14="http://schemas.microsoft.com/office/drawing/2010/main" val="0"/>
@@ -11396,7 +12829,7 @@
           <p:nvPr/>
         </p:nvPicPr>
         <p:blipFill>
-          <a:blip r:embed="rId2">
+          <a:blip r:embed="rId3">
             <a:extLst>
               <a:ext uri="{28A0092B-C50C-407E-A947-70E740481C1C}">
                 <a14:useLocalDpi xmlns:a14="http://schemas.microsoft.com/office/drawing/2010/main" val="0"/>
@@ -11432,7 +12865,7 @@
           <p:nvPr/>
         </p:nvPicPr>
         <p:blipFill>
-          <a:blip r:embed="rId3">
+          <a:blip r:embed="rId4">
             <a:extLst>
               <a:ext uri="{28A0092B-C50C-407E-A947-70E740481C1C}">
                 <a14:useLocalDpi xmlns:a14="http://schemas.microsoft.com/office/drawing/2010/main" val="0"/>
@@ -11468,7 +12901,7 @@
           <p:nvPr/>
         </p:nvPicPr>
         <p:blipFill>
-          <a:blip r:embed="rId4">
+          <a:blip r:embed="rId5">
             <a:extLst>
               <a:ext uri="{28A0092B-C50C-407E-A947-70E740481C1C}">
                 <a14:useLocalDpi xmlns:a14="http://schemas.microsoft.com/office/drawing/2010/main" val="0"/>
@@ -11504,7 +12937,7 @@
           <p:nvPr/>
         </p:nvPicPr>
         <p:blipFill>
-          <a:blip r:embed="rId5">
+          <a:blip r:embed="rId6">
             <a:extLst>
               <a:ext uri="{28A0092B-C50C-407E-A947-70E740481C1C}">
                 <a14:useLocalDpi xmlns:a14="http://schemas.microsoft.com/office/drawing/2010/main" val="0"/>

--- a/Präsentation/Quicksort.pptx
+++ b/Präsentation/Quicksort.pptx
@@ -2971,7 +2971,7 @@
             </a:r>
             <a:r>
               <a:rPr lang="de-DE" dirty="0"/>
-              <a:t> Algorithmus ist eine iterative Lösung möglich die das Problem auch schneller lösen kann dabei aber schwerer zu schreiben und zu verstehen ist.</a:t>
+              <a:t> Algorithmus ist eine iterative Lösung möglich die das Problem auch schneller lösen kann dabei ist aber der Code länger und funktionsweiße ist schwerer zu verstehen.</a:t>
             </a:r>
           </a:p>
           <a:p>
